--- a/image/maintenance.pptx
+++ b/image/maintenance.pptx
@@ -18719,42 +18719,592 @@
       </p:grpSpPr>
       <p:sp>
         <p:nvSpPr>
-          <p:cNvPr id="2" name="标题 1"/>
-          <p:cNvSpPr>
-            <a:spLocks noGrp="1"/>
-          </p:cNvSpPr>
-          <p:nvPr>
-            <p:ph type="title"/>
-          </p:nvPr>
+          <p:cNvPr id="6" name="矩形 5"/>
+          <p:cNvSpPr/>
+          <p:nvPr/>
         </p:nvSpPr>
-        <p:spPr/>
+        <p:spPr>
+          <a:xfrm rot="5400000">
+            <a:off x="6343894" y="1701114"/>
+            <a:ext cx="333309" cy="1553317"/>
+          </a:xfrm>
+          <a:prstGeom prst="rect">
+            <a:avLst/>
+          </a:prstGeom>
+          <a:noFill/>
+          <a:ln>
+            <a:solidFill>
+              <a:schemeClr val="tx1"/>
+            </a:solidFill>
+          </a:ln>
+        </p:spPr>
+        <p:style>
+          <a:lnRef idx="2">
+            <a:schemeClr val="accent1">
+              <a:shade val="50000"/>
+            </a:schemeClr>
+          </a:lnRef>
+          <a:fillRef idx="1">
+            <a:schemeClr val="accent1"/>
+          </a:fillRef>
+          <a:effectRef idx="0">
+            <a:schemeClr val="accent1"/>
+          </a:effectRef>
+          <a:fontRef idx="minor">
+            <a:schemeClr val="lt1"/>
+          </a:fontRef>
+        </p:style>
         <p:txBody>
-          <a:bodyPr/>
+          <a:bodyPr vert="vert270" rtlCol="0" anchor="ctr"/>
           <a:lstStyle/>
           <a:p>
-            <a:endParaRPr lang="zh-CN" altLang="en-US"/>
+            <a:pPr algn="ctr"/>
+            <a:r>
+              <a:rPr lang="zh-CN" altLang="en-US" sz="1600" dirty="0">
+                <a:solidFill>
+                  <a:schemeClr val="tx1"/>
+                </a:solidFill>
+                <a:latin typeface="宋体" panose="02010600030101010101" pitchFamily="2" charset="-122"/>
+                <a:ea typeface="宋体" panose="02010600030101010101" pitchFamily="2" charset="-122"/>
+              </a:rPr>
+              <a:t>相关统计量</a:t>
+            </a:r>
+            <a:endParaRPr lang="zh-CN" altLang="en-US" sz="1600" dirty="0">
+              <a:solidFill>
+                <a:schemeClr val="tx1"/>
+              </a:solidFill>
+              <a:latin typeface="宋体" panose="02010600030101010101" pitchFamily="2" charset="-122"/>
+              <a:ea typeface="宋体" panose="02010600030101010101" pitchFamily="2" charset="-122"/>
+            </a:endParaRPr>
           </a:p>
         </p:txBody>
       </p:sp>
       <p:sp>
         <p:nvSpPr>
-          <p:cNvPr id="3" name="内容占位符 2"/>
-          <p:cNvSpPr>
-            <a:spLocks noGrp="1"/>
-          </p:cNvSpPr>
-          <p:nvPr>
-            <p:ph idx="1"/>
-          </p:nvPr>
+          <p:cNvPr id="7" name="矩形 6"/>
+          <p:cNvSpPr/>
+          <p:nvPr/>
         </p:nvSpPr>
-        <p:spPr/>
+        <p:spPr>
+          <a:xfrm rot="5400000">
+            <a:off x="6318075" y="2698763"/>
+            <a:ext cx="384949" cy="1553317"/>
+          </a:xfrm>
+          <a:prstGeom prst="rect">
+            <a:avLst/>
+          </a:prstGeom>
+          <a:noFill/>
+          <a:ln>
+            <a:solidFill>
+              <a:schemeClr val="tx1"/>
+            </a:solidFill>
+          </a:ln>
+        </p:spPr>
+        <p:style>
+          <a:lnRef idx="2">
+            <a:schemeClr val="accent1">
+              <a:shade val="50000"/>
+            </a:schemeClr>
+          </a:lnRef>
+          <a:fillRef idx="1">
+            <a:schemeClr val="accent1"/>
+          </a:fillRef>
+          <a:effectRef idx="0">
+            <a:schemeClr val="accent1"/>
+          </a:effectRef>
+          <a:fontRef idx="minor">
+            <a:schemeClr val="lt1"/>
+          </a:fontRef>
+        </p:style>
         <p:txBody>
-          <a:bodyPr/>
+          <a:bodyPr vert="vert270" rtlCol="0" anchor="ctr"/>
           <a:lstStyle/>
           <a:p>
-            <a:endParaRPr lang="zh-CN" altLang="en-US"/>
+            <a:pPr algn="ctr"/>
+            <a:r>
+              <a:rPr lang="zh-CN" altLang="en-US" sz="1600" dirty="0" smtClean="0">
+                <a:solidFill>
+                  <a:schemeClr val="tx1"/>
+                </a:solidFill>
+                <a:latin typeface="宋体" panose="02010600030101010101" pitchFamily="2" charset="-122"/>
+                <a:ea typeface="宋体" panose="02010600030101010101" pitchFamily="2" charset="-122"/>
+              </a:rPr>
+              <a:t>可疑度计算公式</a:t>
+            </a:r>
+            <a:endParaRPr lang="zh-CN" altLang="en-US" sz="1600" dirty="0">
+              <a:solidFill>
+                <a:schemeClr val="tx1"/>
+              </a:solidFill>
+              <a:latin typeface="宋体" panose="02010600030101010101" pitchFamily="2" charset="-122"/>
+              <a:ea typeface="宋体" panose="02010600030101010101" pitchFamily="2" charset="-122"/>
+            </a:endParaRPr>
           </a:p>
         </p:txBody>
       </p:sp>
+      <p:cxnSp>
+        <p:nvCxnSpPr>
+          <p:cNvPr id="9" name="直接箭头连接符 8"/>
+          <p:cNvCxnSpPr>
+            <a:stCxn id="80" idx="3"/>
+            <a:endCxn id="6" idx="2"/>
+          </p:cNvCxnSpPr>
+          <p:nvPr/>
+        </p:nvCxnSpPr>
+        <p:spPr>
+          <a:xfrm flipV="1">
+            <a:off x="5379919" y="2477773"/>
+            <a:ext cx="353971" cy="520594"/>
+          </a:xfrm>
+          <a:prstGeom prst="straightConnector1">
+            <a:avLst/>
+          </a:prstGeom>
+          <a:ln>
+            <a:tailEnd type="triangle"/>
+          </a:ln>
+        </p:spPr>
+        <p:style>
+          <a:lnRef idx="1">
+            <a:schemeClr val="dk1"/>
+          </a:lnRef>
+          <a:fillRef idx="0">
+            <a:schemeClr val="dk1"/>
+          </a:fillRef>
+          <a:effectRef idx="0">
+            <a:schemeClr val="dk1"/>
+          </a:effectRef>
+          <a:fontRef idx="minor">
+            <a:schemeClr val="tx1"/>
+          </a:fontRef>
+        </p:style>
+      </p:cxnSp>
+      <p:cxnSp>
+        <p:nvCxnSpPr>
+          <p:cNvPr id="10" name="直接箭头连接符 9"/>
+          <p:cNvCxnSpPr>
+            <a:stCxn id="80" idx="3"/>
+            <a:endCxn id="7" idx="2"/>
+          </p:cNvCxnSpPr>
+          <p:nvPr/>
+        </p:nvCxnSpPr>
+        <p:spPr>
+          <a:xfrm>
+            <a:off x="5379919" y="2998367"/>
+            <a:ext cx="353972" cy="477055"/>
+          </a:xfrm>
+          <a:prstGeom prst="straightConnector1">
+            <a:avLst/>
+          </a:prstGeom>
+          <a:ln>
+            <a:tailEnd type="triangle"/>
+          </a:ln>
+        </p:spPr>
+        <p:style>
+          <a:lnRef idx="1">
+            <a:schemeClr val="dk1"/>
+          </a:lnRef>
+          <a:fillRef idx="0">
+            <a:schemeClr val="dk1"/>
+          </a:fillRef>
+          <a:effectRef idx="0">
+            <a:schemeClr val="dk1"/>
+          </a:effectRef>
+          <a:fontRef idx="minor">
+            <a:schemeClr val="tx1"/>
+          </a:fontRef>
+        </p:style>
+      </p:cxnSp>
+      <p:cxnSp>
+        <p:nvCxnSpPr>
+          <p:cNvPr id="11" name="直接箭头连接符 10"/>
+          <p:cNvCxnSpPr>
+            <a:stCxn id="6" idx="0"/>
+            <a:endCxn id="83" idx="1"/>
+          </p:cNvCxnSpPr>
+          <p:nvPr/>
+        </p:nvCxnSpPr>
+        <p:spPr>
+          <a:xfrm>
+            <a:off x="7287207" y="2477773"/>
+            <a:ext cx="353971" cy="520594"/>
+          </a:xfrm>
+          <a:prstGeom prst="straightConnector1">
+            <a:avLst/>
+          </a:prstGeom>
+          <a:ln>
+            <a:tailEnd type="triangle"/>
+          </a:ln>
+        </p:spPr>
+        <p:style>
+          <a:lnRef idx="1">
+            <a:schemeClr val="dk1"/>
+          </a:lnRef>
+          <a:fillRef idx="0">
+            <a:schemeClr val="dk1"/>
+          </a:fillRef>
+          <a:effectRef idx="0">
+            <a:schemeClr val="dk1"/>
+          </a:effectRef>
+          <a:fontRef idx="minor">
+            <a:schemeClr val="tx1"/>
+          </a:fontRef>
+        </p:style>
+      </p:cxnSp>
+      <p:cxnSp>
+        <p:nvCxnSpPr>
+          <p:cNvPr id="12" name="直接箭头连接符 11"/>
+          <p:cNvCxnSpPr>
+            <a:stCxn id="7" idx="0"/>
+            <a:endCxn id="83" idx="1"/>
+          </p:cNvCxnSpPr>
+          <p:nvPr/>
+        </p:nvCxnSpPr>
+        <p:spPr>
+          <a:xfrm flipV="1">
+            <a:off x="7287208" y="2998367"/>
+            <a:ext cx="353970" cy="477055"/>
+          </a:xfrm>
+          <a:prstGeom prst="straightConnector1">
+            <a:avLst/>
+          </a:prstGeom>
+          <a:ln>
+            <a:tailEnd type="triangle"/>
+          </a:ln>
+        </p:spPr>
+        <p:style>
+          <a:lnRef idx="1">
+            <a:schemeClr val="dk1"/>
+          </a:lnRef>
+          <a:fillRef idx="0">
+            <a:schemeClr val="dk1"/>
+          </a:fillRef>
+          <a:effectRef idx="0">
+            <a:schemeClr val="dk1"/>
+          </a:effectRef>
+          <a:fontRef idx="minor">
+            <a:schemeClr val="tx1"/>
+          </a:fontRef>
+        </p:style>
+      </p:cxnSp>
+      <p:sp>
+        <p:nvSpPr>
+          <p:cNvPr id="79" name="矩形 78"/>
+          <p:cNvSpPr/>
+          <p:nvPr/>
+        </p:nvSpPr>
+        <p:spPr>
+          <a:xfrm>
+            <a:off x="4116210" y="2044259"/>
+            <a:ext cx="419626" cy="1908216"/>
+          </a:xfrm>
+          <a:prstGeom prst="rect">
+            <a:avLst/>
+          </a:prstGeom>
+          <a:noFill/>
+          <a:ln>
+            <a:solidFill>
+              <a:schemeClr val="tx1"/>
+            </a:solidFill>
+          </a:ln>
+        </p:spPr>
+        <p:style>
+          <a:lnRef idx="2">
+            <a:schemeClr val="accent1">
+              <a:shade val="50000"/>
+            </a:schemeClr>
+          </a:lnRef>
+          <a:fillRef idx="1">
+            <a:schemeClr val="accent1"/>
+          </a:fillRef>
+          <a:effectRef idx="0">
+            <a:schemeClr val="accent1"/>
+          </a:effectRef>
+          <a:fontRef idx="minor">
+            <a:schemeClr val="lt1"/>
+          </a:fontRef>
+        </p:style>
+        <p:txBody>
+          <a:bodyPr rtlCol="0" anchor="ctr"/>
+          <a:lstStyle/>
+          <a:p>
+            <a:pPr algn="ctr"/>
+            <a:r>
+              <a:rPr lang="zh-CN" altLang="en-US" sz="1600" dirty="0" smtClean="0">
+                <a:solidFill>
+                  <a:schemeClr val="tx1"/>
+                </a:solidFill>
+                <a:latin typeface="宋体" panose="02010600030101010101" pitchFamily="2" charset="-122"/>
+                <a:ea typeface="宋体" panose="02010600030101010101" pitchFamily="2" charset="-122"/>
+              </a:rPr>
+              <a:t>执行测试用例</a:t>
+            </a:r>
+            <a:endParaRPr lang="zh-CN" altLang="en-US" sz="1600" dirty="0">
+              <a:solidFill>
+                <a:schemeClr val="tx1"/>
+              </a:solidFill>
+              <a:latin typeface="宋体" panose="02010600030101010101" pitchFamily="2" charset="-122"/>
+              <a:ea typeface="宋体" panose="02010600030101010101" pitchFamily="2" charset="-122"/>
+            </a:endParaRPr>
+          </a:p>
+        </p:txBody>
+      </p:sp>
+      <p:sp>
+        <p:nvSpPr>
+          <p:cNvPr id="80" name="矩形 79"/>
+          <p:cNvSpPr/>
+          <p:nvPr/>
+        </p:nvSpPr>
+        <p:spPr>
+          <a:xfrm>
+            <a:off x="4960293" y="2044259"/>
+            <a:ext cx="419626" cy="1908216"/>
+          </a:xfrm>
+          <a:prstGeom prst="rect">
+            <a:avLst/>
+          </a:prstGeom>
+          <a:noFill/>
+          <a:ln>
+            <a:solidFill>
+              <a:schemeClr val="tx1"/>
+            </a:solidFill>
+          </a:ln>
+        </p:spPr>
+        <p:style>
+          <a:lnRef idx="2">
+            <a:schemeClr val="accent1">
+              <a:shade val="50000"/>
+            </a:schemeClr>
+          </a:lnRef>
+          <a:fillRef idx="1">
+            <a:schemeClr val="accent1"/>
+          </a:fillRef>
+          <a:effectRef idx="0">
+            <a:schemeClr val="accent1"/>
+          </a:effectRef>
+          <a:fontRef idx="minor">
+            <a:schemeClr val="lt1"/>
+          </a:fontRef>
+        </p:style>
+        <p:txBody>
+          <a:bodyPr rtlCol="0" anchor="ctr"/>
+          <a:lstStyle/>
+          <a:p>
+            <a:pPr algn="ctr"/>
+            <a:r>
+              <a:rPr lang="zh-CN" altLang="en-US" sz="1600" dirty="0">
+                <a:solidFill>
+                  <a:schemeClr val="tx1"/>
+                </a:solidFill>
+                <a:latin typeface="宋体" panose="02010600030101010101" pitchFamily="2" charset="-122"/>
+                <a:ea typeface="宋体" panose="02010600030101010101" pitchFamily="2" charset="-122"/>
+              </a:rPr>
+              <a:t>分支覆盖特征谱</a:t>
+            </a:r>
+            <a:endParaRPr lang="zh-CN" altLang="en-US" sz="1600" dirty="0">
+              <a:solidFill>
+                <a:schemeClr val="tx1"/>
+              </a:solidFill>
+              <a:latin typeface="宋体" panose="02010600030101010101" pitchFamily="2" charset="-122"/>
+              <a:ea typeface="宋体" panose="02010600030101010101" pitchFamily="2" charset="-122"/>
+            </a:endParaRPr>
+          </a:p>
+        </p:txBody>
+      </p:sp>
+      <p:sp>
+        <p:nvSpPr>
+          <p:cNvPr id="83" name="矩形 82"/>
+          <p:cNvSpPr/>
+          <p:nvPr/>
+        </p:nvSpPr>
+        <p:spPr>
+          <a:xfrm>
+            <a:off x="7641178" y="2044259"/>
+            <a:ext cx="419626" cy="1908216"/>
+          </a:xfrm>
+          <a:prstGeom prst="rect">
+            <a:avLst/>
+          </a:prstGeom>
+          <a:noFill/>
+          <a:ln>
+            <a:solidFill>
+              <a:schemeClr val="tx1"/>
+            </a:solidFill>
+          </a:ln>
+        </p:spPr>
+        <p:style>
+          <a:lnRef idx="2">
+            <a:schemeClr val="accent1">
+              <a:shade val="50000"/>
+            </a:schemeClr>
+          </a:lnRef>
+          <a:fillRef idx="1">
+            <a:schemeClr val="accent1"/>
+          </a:fillRef>
+          <a:effectRef idx="0">
+            <a:schemeClr val="accent1"/>
+          </a:effectRef>
+          <a:fontRef idx="minor">
+            <a:schemeClr val="lt1"/>
+          </a:fontRef>
+        </p:style>
+        <p:txBody>
+          <a:bodyPr rtlCol="0" anchor="ctr"/>
+          <a:lstStyle/>
+          <a:p>
+            <a:pPr algn="ctr"/>
+            <a:r>
+              <a:rPr lang="zh-CN" altLang="en-US" sz="1600" dirty="0" smtClean="0">
+                <a:solidFill>
+                  <a:schemeClr val="tx1"/>
+                </a:solidFill>
+                <a:latin typeface="宋体" panose="02010600030101010101" pitchFamily="2" charset="-122"/>
+                <a:ea typeface="宋体" panose="02010600030101010101" pitchFamily="2" charset="-122"/>
+              </a:rPr>
+              <a:t>可疑度排序</a:t>
+            </a:r>
+            <a:endParaRPr lang="zh-CN" altLang="en-US" sz="1600" dirty="0">
+              <a:solidFill>
+                <a:schemeClr val="tx1"/>
+              </a:solidFill>
+              <a:latin typeface="宋体" panose="02010600030101010101" pitchFamily="2" charset="-122"/>
+              <a:ea typeface="宋体" panose="02010600030101010101" pitchFamily="2" charset="-122"/>
+            </a:endParaRPr>
+          </a:p>
+        </p:txBody>
+      </p:sp>
+      <p:cxnSp>
+        <p:nvCxnSpPr>
+          <p:cNvPr id="89" name="直接箭头连接符 88"/>
+          <p:cNvCxnSpPr>
+            <a:stCxn id="79" idx="3"/>
+            <a:endCxn id="80" idx="1"/>
+          </p:cNvCxnSpPr>
+          <p:nvPr/>
+        </p:nvCxnSpPr>
+        <p:spPr>
+          <a:xfrm>
+            <a:off x="4535836" y="2998367"/>
+            <a:ext cx="424457" cy="0"/>
+          </a:xfrm>
+          <a:prstGeom prst="straightConnector1">
+            <a:avLst/>
+          </a:prstGeom>
+          <a:ln>
+            <a:tailEnd type="triangle"/>
+          </a:ln>
+        </p:spPr>
+        <p:style>
+          <a:lnRef idx="1">
+            <a:schemeClr val="dk1"/>
+          </a:lnRef>
+          <a:fillRef idx="0">
+            <a:schemeClr val="dk1"/>
+          </a:fillRef>
+          <a:effectRef idx="0">
+            <a:schemeClr val="dk1"/>
+          </a:effectRef>
+          <a:fontRef idx="minor">
+            <a:schemeClr val="tx1"/>
+          </a:fontRef>
+        </p:style>
+      </p:cxnSp>
+      <p:sp>
+        <p:nvSpPr>
+          <p:cNvPr id="90" name="矩形 89"/>
+          <p:cNvSpPr/>
+          <p:nvPr/>
+        </p:nvSpPr>
+        <p:spPr>
+          <a:xfrm>
+            <a:off x="8485261" y="2044259"/>
+            <a:ext cx="419626" cy="1908216"/>
+          </a:xfrm>
+          <a:prstGeom prst="rect">
+            <a:avLst/>
+          </a:prstGeom>
+          <a:noFill/>
+          <a:ln>
+            <a:solidFill>
+              <a:schemeClr val="tx1"/>
+            </a:solidFill>
+          </a:ln>
+        </p:spPr>
+        <p:style>
+          <a:lnRef idx="2">
+            <a:schemeClr val="accent1">
+              <a:shade val="50000"/>
+            </a:schemeClr>
+          </a:lnRef>
+          <a:fillRef idx="1">
+            <a:schemeClr val="accent1"/>
+          </a:fillRef>
+          <a:effectRef idx="0">
+            <a:schemeClr val="accent1"/>
+          </a:effectRef>
+          <a:fontRef idx="minor">
+            <a:schemeClr val="lt1"/>
+          </a:fontRef>
+        </p:style>
+        <p:txBody>
+          <a:bodyPr rtlCol="0" anchor="ctr"/>
+          <a:lstStyle/>
+          <a:p>
+            <a:pPr algn="ctr"/>
+            <a:r>
+              <a:rPr lang="zh-CN" altLang="en-US" sz="1600" dirty="0" smtClean="0">
+                <a:solidFill>
+                  <a:schemeClr val="tx1"/>
+                </a:solidFill>
+                <a:latin typeface="宋体" panose="02010600030101010101" pitchFamily="2" charset="-122"/>
+                <a:ea typeface="宋体" panose="02010600030101010101" pitchFamily="2" charset="-122"/>
+              </a:rPr>
+              <a:t>代码按序 排查</a:t>
+            </a:r>
+            <a:endParaRPr lang="zh-CN" altLang="en-US" sz="1600" dirty="0">
+              <a:solidFill>
+                <a:schemeClr val="tx1"/>
+              </a:solidFill>
+              <a:latin typeface="宋体" panose="02010600030101010101" pitchFamily="2" charset="-122"/>
+              <a:ea typeface="宋体" panose="02010600030101010101" pitchFamily="2" charset="-122"/>
+            </a:endParaRPr>
+          </a:p>
+        </p:txBody>
+      </p:sp>
+      <p:cxnSp>
+        <p:nvCxnSpPr>
+          <p:cNvPr id="92" name="直接箭头连接符 91"/>
+          <p:cNvCxnSpPr>
+            <a:stCxn id="83" idx="3"/>
+            <a:endCxn id="90" idx="1"/>
+          </p:cNvCxnSpPr>
+          <p:nvPr/>
+        </p:nvCxnSpPr>
+        <p:spPr>
+          <a:xfrm>
+            <a:off x="8060804" y="2998367"/>
+            <a:ext cx="424457" cy="0"/>
+          </a:xfrm>
+          <a:prstGeom prst="straightConnector1">
+            <a:avLst/>
+          </a:prstGeom>
+          <a:ln>
+            <a:tailEnd type="triangle"/>
+          </a:ln>
+        </p:spPr>
+        <p:style>
+          <a:lnRef idx="1">
+            <a:schemeClr val="dk1"/>
+          </a:lnRef>
+          <a:fillRef idx="0">
+            <a:schemeClr val="dk1"/>
+          </a:fillRef>
+          <a:effectRef idx="0">
+            <a:schemeClr val="dk1"/>
+          </a:effectRef>
+          <a:fontRef idx="minor">
+            <a:schemeClr val="tx1"/>
+          </a:fontRef>
+        </p:style>
+      </p:cxnSp>
     </p:spTree>
     <p:extLst>
       <p:ext uri="{BB962C8B-B14F-4D97-AF65-F5344CB8AC3E}">

--- a/image/maintenance.pptx
+++ b/image/maintenance.pptx
@@ -9,7 +9,10 @@
     <p:sldId id="259" r:id="rId3"/>
     <p:sldId id="261" r:id="rId4"/>
     <p:sldId id="262" r:id="rId5"/>
-    <p:sldId id="263" r:id="rId6"/>
+    <p:sldId id="264" r:id="rId6"/>
+    <p:sldId id="265" r:id="rId7"/>
+    <p:sldId id="266" r:id="rId8"/>
+    <p:sldId id="267" r:id="rId9"/>
   </p:sldIdLst>
   <p:sldSz cx="12192000" cy="6858000"/>
   <p:notesSz cx="6858000" cy="9144000"/>
@@ -18725,7 +18728,7 @@
         </p:nvSpPr>
         <p:spPr>
           <a:xfrm rot="5400000">
-            <a:off x="6343894" y="1701114"/>
+            <a:off x="6351073" y="1583921"/>
             <a:ext cx="333309" cy="1553317"/>
           </a:xfrm>
           <a:prstGeom prst="rect">
@@ -18760,6 +18763,16 @@
           <a:p>
             <a:pPr algn="ctr"/>
             <a:r>
+              <a:rPr lang="zh-CN" altLang="en-US" sz="1600" dirty="0" smtClean="0">
+                <a:solidFill>
+                  <a:schemeClr val="tx1"/>
+                </a:solidFill>
+                <a:latin typeface="宋体" panose="02010600030101010101" pitchFamily="2" charset="-122"/>
+                <a:ea typeface="宋体" panose="02010600030101010101" pitchFamily="2" charset="-122"/>
+              </a:rPr>
+              <a:t>缺陷相关</a:t>
+            </a:r>
+            <a:r>
               <a:rPr lang="zh-CN" altLang="en-US" sz="1600" dirty="0">
                 <a:solidFill>
                   <a:schemeClr val="tx1"/>
@@ -18767,7 +18780,7 @@
                 <a:latin typeface="宋体" panose="02010600030101010101" pitchFamily="2" charset="-122"/>
                 <a:ea typeface="宋体" panose="02010600030101010101" pitchFamily="2" charset="-122"/>
               </a:rPr>
-              <a:t>相关统计量</a:t>
+              <a:t>统计量</a:t>
             </a:r>
             <a:endParaRPr lang="zh-CN" altLang="en-US" sz="1600" dirty="0">
               <a:solidFill>
@@ -18787,8 +18800,8 @@
         </p:nvSpPr>
         <p:spPr>
           <a:xfrm rot="5400000">
-            <a:off x="6318075" y="2698763"/>
-            <a:ext cx="384949" cy="1553317"/>
+            <a:off x="6360967" y="2742428"/>
+            <a:ext cx="313523" cy="1553317"/>
           </a:xfrm>
           <a:prstGeom prst="rect">
             <a:avLst/>
@@ -18852,8 +18865,8 @@
         </p:nvCxnSpPr>
         <p:spPr>
           <a:xfrm flipV="1">
-            <a:off x="5379919" y="2477773"/>
-            <a:ext cx="353971" cy="520594"/>
+            <a:off x="5379919" y="2360580"/>
+            <a:ext cx="361150" cy="637787"/>
           </a:xfrm>
           <a:prstGeom prst="straightConnector1">
             <a:avLst/>
@@ -18889,7 +18902,7 @@
         <p:spPr>
           <a:xfrm>
             <a:off x="5379919" y="2998367"/>
-            <a:ext cx="353972" cy="477055"/>
+            <a:ext cx="361151" cy="520720"/>
           </a:xfrm>
           <a:prstGeom prst="straightConnector1">
             <a:avLst/>
@@ -18924,8 +18937,8 @@
         </p:nvCxnSpPr>
         <p:spPr>
           <a:xfrm>
-            <a:off x="7287207" y="2477773"/>
-            <a:ext cx="353971" cy="520594"/>
+            <a:off x="7294386" y="2360580"/>
+            <a:ext cx="424457" cy="637787"/>
           </a:xfrm>
           <a:prstGeom prst="straightConnector1">
             <a:avLst/>
@@ -18960,8 +18973,8 @@
         </p:nvCxnSpPr>
         <p:spPr>
           <a:xfrm flipV="1">
-            <a:off x="7287208" y="2998367"/>
-            <a:ext cx="353970" cy="477055"/>
+            <a:off x="7294387" y="2998367"/>
+            <a:ext cx="424456" cy="520720"/>
           </a:xfrm>
           <a:prstGeom prst="straightConnector1">
             <a:avLst/>
@@ -19117,7 +19130,7 @@
         </p:nvSpPr>
         <p:spPr>
           <a:xfrm>
-            <a:off x="7641178" y="2044259"/>
+            <a:off x="7718843" y="2044259"/>
             <a:ext cx="419626" cy="1908216"/>
           </a:xfrm>
           <a:prstGeom prst="rect">
@@ -19280,8 +19293,1941 @@
         </p:nvCxnSpPr>
         <p:spPr>
           <a:xfrm>
-            <a:off x="8060804" y="2998367"/>
-            <a:ext cx="424457" cy="0"/>
+            <a:off x="8138469" y="2998367"/>
+            <a:ext cx="346792" cy="0"/>
+          </a:xfrm>
+          <a:prstGeom prst="straightConnector1">
+            <a:avLst/>
+          </a:prstGeom>
+          <a:ln>
+            <a:tailEnd type="triangle"/>
+          </a:ln>
+        </p:spPr>
+        <p:style>
+          <a:lnRef idx="1">
+            <a:schemeClr val="dk1"/>
+          </a:lnRef>
+          <a:fillRef idx="0">
+            <a:schemeClr val="dk1"/>
+          </a:fillRef>
+          <a:effectRef idx="0">
+            <a:schemeClr val="dk1"/>
+          </a:effectRef>
+          <a:fontRef idx="minor">
+            <a:schemeClr val="tx1"/>
+          </a:fontRef>
+        </p:style>
+      </p:cxnSp>
+      <p:sp>
+        <p:nvSpPr>
+          <p:cNvPr id="2" name="文本框 1"/>
+          <p:cNvSpPr txBox="1"/>
+          <p:nvPr/>
+        </p:nvSpPr>
+        <p:spPr>
+          <a:xfrm>
+            <a:off x="6060655" y="2569553"/>
+            <a:ext cx="902811" cy="307777"/>
+          </a:xfrm>
+          <a:prstGeom prst="rect">
+            <a:avLst/>
+          </a:prstGeom>
+          <a:solidFill>
+            <a:schemeClr val="bg1">
+              <a:lumMod val="85000"/>
+            </a:schemeClr>
+          </a:solidFill>
+        </p:spPr>
+        <p:txBody>
+          <a:bodyPr wrap="none" rtlCol="0">
+            <a:spAutoFit/>
+          </a:bodyPr>
+          <a:lstStyle/>
+          <a:p>
+            <a:r>
+              <a:rPr lang="zh-CN" altLang="en-US" sz="1400" dirty="0" smtClean="0">
+                <a:latin typeface="宋体" panose="02010600030101010101" pitchFamily="2" charset="-122"/>
+                <a:ea typeface="宋体" panose="02010600030101010101" pitchFamily="2" charset="-122"/>
+              </a:rPr>
+              <a:t>本文方法</a:t>
+            </a:r>
+            <a:endParaRPr lang="zh-CN" altLang="en-US" sz="1400" dirty="0">
+              <a:latin typeface="宋体" panose="02010600030101010101" pitchFamily="2" charset="-122"/>
+              <a:ea typeface="宋体" panose="02010600030101010101" pitchFamily="2" charset="-122"/>
+            </a:endParaRPr>
+          </a:p>
+        </p:txBody>
+      </p:sp>
+      <p:sp>
+        <p:nvSpPr>
+          <p:cNvPr id="15" name="文本框 14"/>
+          <p:cNvSpPr txBox="1"/>
+          <p:nvPr/>
+        </p:nvSpPr>
+        <p:spPr>
+          <a:xfrm>
+            <a:off x="6059143" y="3712421"/>
+            <a:ext cx="902811" cy="307777"/>
+          </a:xfrm>
+          <a:prstGeom prst="rect">
+            <a:avLst/>
+          </a:prstGeom>
+          <a:solidFill>
+            <a:schemeClr val="bg1">
+              <a:lumMod val="85000"/>
+            </a:schemeClr>
+          </a:solidFill>
+        </p:spPr>
+        <p:txBody>
+          <a:bodyPr wrap="none" rtlCol="0">
+            <a:spAutoFit/>
+          </a:bodyPr>
+          <a:lstStyle/>
+          <a:p>
+            <a:r>
+              <a:rPr lang="zh-CN" altLang="en-US" sz="1400" dirty="0" smtClean="0">
+                <a:latin typeface="宋体" panose="02010600030101010101" pitchFamily="2" charset="-122"/>
+                <a:ea typeface="宋体" panose="02010600030101010101" pitchFamily="2" charset="-122"/>
+              </a:rPr>
+              <a:t>传统方法</a:t>
+            </a:r>
+            <a:endParaRPr lang="zh-CN" altLang="en-US" sz="1400" dirty="0">
+              <a:latin typeface="宋体" panose="02010600030101010101" pitchFamily="2" charset="-122"/>
+              <a:ea typeface="宋体" panose="02010600030101010101" pitchFamily="2" charset="-122"/>
+            </a:endParaRPr>
+          </a:p>
+        </p:txBody>
+      </p:sp>
+    </p:spTree>
+    <p:extLst>
+      <p:ext uri="{BB962C8B-B14F-4D97-AF65-F5344CB8AC3E}">
+        <p14:creationId xmlns:p14="http://schemas.microsoft.com/office/powerpoint/2010/main" val="1846738538"/>
+      </p:ext>
+    </p:extLst>
+  </p:cSld>
+  <p:clrMapOvr>
+    <a:masterClrMapping/>
+  </p:clrMapOvr>
+</p:sld>
+</file>
+
+<file path=ppt/slides/slide6.xml><?xml version="1.0" encoding="utf-8"?>
+<p:sld xmlns:a="http://schemas.openxmlformats.org/drawingml/2006/main" xmlns:r="http://schemas.openxmlformats.org/officeDocument/2006/relationships" xmlns:p="http://schemas.openxmlformats.org/presentationml/2006/main">
+  <p:cSld>
+    <p:spTree>
+      <p:nvGrpSpPr>
+        <p:cNvPr id="1" name=""/>
+        <p:cNvGrpSpPr/>
+        <p:nvPr/>
+      </p:nvGrpSpPr>
+      <p:grpSpPr>
+        <a:xfrm>
+          <a:off x="0" y="0"/>
+          <a:ext cx="0" cy="0"/>
+          <a:chOff x="0" y="0"/>
+          <a:chExt cx="0" cy="0"/>
+        </a:xfrm>
+      </p:grpSpPr>
+      <p:sp>
+        <p:nvSpPr>
+          <p:cNvPr id="5" name="灯片编号占位符 3"/>
+          <p:cNvSpPr>
+            <a:spLocks noGrp="1"/>
+          </p:cNvSpPr>
+          <p:nvPr>
+            <p:ph type="sldNum" sz="quarter" idx="11"/>
+          </p:nvPr>
+        </p:nvSpPr>
+        <p:spPr>
+          <a:xfrm>
+            <a:off x="3610743" y="4041542"/>
+            <a:ext cx="2133600" cy="320675"/>
+          </a:xfrm>
+        </p:spPr>
+        <p:txBody>
+          <a:bodyPr/>
+          <a:lstStyle/>
+          <a:p>
+            <a:pPr>
+              <a:defRPr/>
+            </a:pPr>
+            <a:fld id="{13EA3E11-BA08-4CB2-9BDE-B9F2FCEF1AC9}" type="slidenum">
+              <a:rPr lang="en-US" altLang="zh-CN" smtClean="0"/>
+              <a:pPr>
+                <a:defRPr/>
+              </a:pPr>
+              <a:t>4</a:t>
+            </a:fld>
+            <a:endParaRPr lang="en-US" altLang="zh-CN"/>
+          </a:p>
+        </p:txBody>
+      </p:sp>
+      <p:pic>
+        <p:nvPicPr>
+          <p:cNvPr id="6" name="图片 5"/>
+          <p:cNvPicPr>
+            <a:picLocks noChangeAspect="1"/>
+          </p:cNvPicPr>
+          <p:nvPr/>
+        </p:nvPicPr>
+        <p:blipFill>
+          <a:blip r:embed="rId2"/>
+          <a:stretch>
+            <a:fillRect/>
+          </a:stretch>
+        </p:blipFill>
+        <p:spPr>
+          <a:xfrm>
+            <a:off x="1154684" y="525328"/>
+            <a:ext cx="8208912" cy="2261324"/>
+          </a:xfrm>
+          <a:prstGeom prst="rect">
+            <a:avLst/>
+          </a:prstGeom>
+        </p:spPr>
+      </p:pic>
+      <p:sp>
+        <p:nvSpPr>
+          <p:cNvPr id="7" name="矩形 6"/>
+          <p:cNvSpPr/>
+          <p:nvPr/>
+        </p:nvSpPr>
+        <p:spPr>
+          <a:xfrm>
+            <a:off x="1288473" y="756457"/>
+            <a:ext cx="7996843" cy="1295437"/>
+          </a:xfrm>
+          <a:prstGeom prst="rect">
+            <a:avLst/>
+          </a:prstGeom>
+          <a:noFill/>
+          <a:ln w="19050">
+            <a:solidFill>
+              <a:schemeClr val="bg1">
+                <a:lumMod val="65000"/>
+              </a:schemeClr>
+            </a:solidFill>
+            <a:prstDash val="dash"/>
+          </a:ln>
+        </p:spPr>
+        <p:style>
+          <a:lnRef idx="2">
+            <a:schemeClr val="accent1">
+              <a:shade val="50000"/>
+            </a:schemeClr>
+          </a:lnRef>
+          <a:fillRef idx="1">
+            <a:schemeClr val="accent1"/>
+          </a:fillRef>
+          <a:effectRef idx="0">
+            <a:schemeClr val="accent1"/>
+          </a:effectRef>
+          <a:fontRef idx="minor">
+            <a:schemeClr val="lt1"/>
+          </a:fontRef>
+        </p:style>
+        <p:txBody>
+          <a:bodyPr rtlCol="0" anchor="ctr"/>
+          <a:lstStyle/>
+          <a:p>
+            <a:pPr algn="ctr"/>
+            <a:endParaRPr lang="zh-CN" altLang="en-US">
+              <a:ln>
+                <a:solidFill>
+                  <a:schemeClr val="tx2">
+                    <a:lumMod val="20000"/>
+                    <a:lumOff val="80000"/>
+                  </a:schemeClr>
+                </a:solidFill>
+              </a:ln>
+            </a:endParaRPr>
+          </a:p>
+        </p:txBody>
+      </p:sp>
+      <p:pic>
+        <p:nvPicPr>
+          <p:cNvPr id="8" name="图片 7"/>
+          <p:cNvPicPr>
+            <a:picLocks noChangeAspect="1"/>
+          </p:cNvPicPr>
+          <p:nvPr/>
+        </p:nvPicPr>
+        <p:blipFill>
+          <a:blip r:embed="rId3"/>
+          <a:stretch>
+            <a:fillRect/>
+          </a:stretch>
+        </p:blipFill>
+        <p:spPr>
+          <a:xfrm>
+            <a:off x="1157388" y="3214721"/>
+            <a:ext cx="8206208" cy="1107064"/>
+          </a:xfrm>
+          <a:prstGeom prst="rect">
+            <a:avLst/>
+          </a:prstGeom>
+        </p:spPr>
+      </p:pic>
+      <p:pic>
+        <p:nvPicPr>
+          <p:cNvPr id="9" name="图片 8"/>
+          <p:cNvPicPr>
+            <a:picLocks noChangeAspect="1"/>
+          </p:cNvPicPr>
+          <p:nvPr/>
+        </p:nvPicPr>
+        <p:blipFill>
+          <a:blip r:embed="rId4"/>
+          <a:stretch>
+            <a:fillRect/>
+          </a:stretch>
+        </p:blipFill>
+        <p:spPr>
+          <a:xfrm>
+            <a:off x="1182438" y="4546730"/>
+            <a:ext cx="8208912" cy="1936064"/>
+          </a:xfrm>
+          <a:prstGeom prst="rect">
+            <a:avLst/>
+          </a:prstGeom>
+        </p:spPr>
+      </p:pic>
+      <p:sp>
+        <p:nvSpPr>
+          <p:cNvPr id="10" name="下箭头 9"/>
+          <p:cNvSpPr/>
+          <p:nvPr/>
+        </p:nvSpPr>
+        <p:spPr>
+          <a:xfrm>
+            <a:off x="5107027" y="2840050"/>
+            <a:ext cx="323557" cy="319220"/>
+          </a:xfrm>
+          <a:prstGeom prst="downArrow">
+            <a:avLst/>
+          </a:prstGeom>
+          <a:solidFill>
+            <a:schemeClr val="accent1">
+              <a:lumMod val="20000"/>
+              <a:lumOff val="80000"/>
+            </a:schemeClr>
+          </a:solidFill>
+        </p:spPr>
+        <p:style>
+          <a:lnRef idx="2">
+            <a:schemeClr val="accent1">
+              <a:shade val="50000"/>
+            </a:schemeClr>
+          </a:lnRef>
+          <a:fillRef idx="1">
+            <a:schemeClr val="accent1"/>
+          </a:fillRef>
+          <a:effectRef idx="0">
+            <a:schemeClr val="accent1"/>
+          </a:effectRef>
+          <a:fontRef idx="minor">
+            <a:schemeClr val="lt1"/>
+          </a:fontRef>
+        </p:style>
+        <p:txBody>
+          <a:bodyPr rtlCol="0" anchor="ctr"/>
+          <a:lstStyle/>
+          <a:p>
+            <a:pPr algn="ctr"/>
+            <a:endParaRPr lang="zh-CN" altLang="en-US"/>
+          </a:p>
+        </p:txBody>
+      </p:sp>
+      <p:cxnSp>
+        <p:nvCxnSpPr>
+          <p:cNvPr id="11" name="直接连接符 10"/>
+          <p:cNvCxnSpPr/>
+          <p:nvPr/>
+        </p:nvCxnSpPr>
+        <p:spPr>
+          <a:xfrm flipV="1">
+            <a:off x="2776451" y="3587339"/>
+            <a:ext cx="6251171" cy="3760"/>
+          </a:xfrm>
+          <a:prstGeom prst="line">
+            <a:avLst/>
+          </a:prstGeom>
+          <a:ln w="28575">
+            <a:solidFill>
+              <a:schemeClr val="bg1">
+                <a:lumMod val="75000"/>
+              </a:schemeClr>
+            </a:solidFill>
+          </a:ln>
+        </p:spPr>
+        <p:style>
+          <a:lnRef idx="1">
+            <a:schemeClr val="accent1"/>
+          </a:lnRef>
+          <a:fillRef idx="0">
+            <a:schemeClr val="accent1"/>
+          </a:fillRef>
+          <a:effectRef idx="0">
+            <a:schemeClr val="accent1"/>
+          </a:effectRef>
+          <a:fontRef idx="minor">
+            <a:schemeClr val="tx1"/>
+          </a:fontRef>
+        </p:style>
+      </p:cxnSp>
+    </p:spTree>
+    <p:extLst>
+      <p:ext uri="{BB962C8B-B14F-4D97-AF65-F5344CB8AC3E}">
+        <p14:creationId xmlns:p14="http://schemas.microsoft.com/office/powerpoint/2010/main" val="2184416164"/>
+      </p:ext>
+    </p:extLst>
+  </p:cSld>
+  <p:clrMapOvr>
+    <a:masterClrMapping/>
+  </p:clrMapOvr>
+</p:sld>
+</file>
+
+<file path=ppt/slides/slide7.xml><?xml version="1.0" encoding="utf-8"?>
+<p:sld xmlns:a="http://schemas.openxmlformats.org/drawingml/2006/main" xmlns:r="http://schemas.openxmlformats.org/officeDocument/2006/relationships" xmlns:p="http://schemas.openxmlformats.org/presentationml/2006/main">
+  <p:cSld>
+    <p:spTree>
+      <p:nvGrpSpPr>
+        <p:cNvPr id="1" name=""/>
+        <p:cNvGrpSpPr/>
+        <p:nvPr/>
+      </p:nvGrpSpPr>
+      <p:grpSpPr>
+        <a:xfrm>
+          <a:off x="0" y="0"/>
+          <a:ext cx="0" cy="0"/>
+          <a:chOff x="0" y="0"/>
+          <a:chExt cx="0" cy="0"/>
+        </a:xfrm>
+      </p:grpSpPr>
+      <p:sp>
+        <p:nvSpPr>
+          <p:cNvPr id="116" name="矩形 115"/>
+          <p:cNvSpPr/>
+          <p:nvPr/>
+        </p:nvSpPr>
+        <p:spPr>
+          <a:xfrm>
+            <a:off x="4735646" y="1504950"/>
+            <a:ext cx="733426" cy="361950"/>
+          </a:xfrm>
+          <a:prstGeom prst="rect">
+            <a:avLst/>
+          </a:prstGeom>
+          <a:noFill/>
+          <a:ln w="15240">
+            <a:solidFill>
+              <a:schemeClr val="tx1"/>
+            </a:solidFill>
+          </a:ln>
+        </p:spPr>
+        <p:style>
+          <a:lnRef idx="2">
+            <a:schemeClr val="accent1">
+              <a:shade val="50000"/>
+            </a:schemeClr>
+          </a:lnRef>
+          <a:fillRef idx="1">
+            <a:schemeClr val="accent1"/>
+          </a:fillRef>
+          <a:effectRef idx="0">
+            <a:schemeClr val="accent1"/>
+          </a:effectRef>
+          <a:fontRef idx="minor">
+            <a:schemeClr val="lt1"/>
+          </a:fontRef>
+        </p:style>
+        <p:txBody>
+          <a:bodyPr rtlCol="0" anchor="ctr"/>
+          <a:lstStyle/>
+          <a:p>
+            <a:pPr algn="ctr"/>
+            <a:r>
+              <a:rPr lang="en-US" altLang="zh-CN" sz="1600" dirty="0" smtClean="0">
+                <a:solidFill>
+                  <a:schemeClr val="tx1"/>
+                </a:solidFill>
+                <a:latin typeface="Times New Roman" panose="02020603050405020304" pitchFamily="18" charset="0"/>
+                <a:cs typeface="Times New Roman" panose="02020603050405020304" pitchFamily="18" charset="0"/>
+              </a:rPr>
+              <a:t>S</a:t>
+            </a:r>
+            <a:r>
+              <a:rPr lang="en-US" altLang="zh-CN" sz="1100" dirty="0" smtClean="0">
+                <a:solidFill>
+                  <a:schemeClr val="tx1"/>
+                </a:solidFill>
+                <a:latin typeface="Times New Roman" panose="02020603050405020304" pitchFamily="18" charset="0"/>
+                <a:cs typeface="Times New Roman" panose="02020603050405020304" pitchFamily="18" charset="0"/>
+              </a:rPr>
+              <a:t>2</a:t>
+            </a:r>
+            <a:endParaRPr lang="zh-CN" altLang="en-US" sz="1600" dirty="0">
+              <a:solidFill>
+                <a:schemeClr val="tx1"/>
+              </a:solidFill>
+              <a:latin typeface="Times New Roman" panose="02020603050405020304" pitchFamily="18" charset="0"/>
+              <a:cs typeface="Times New Roman" panose="02020603050405020304" pitchFamily="18" charset="0"/>
+            </a:endParaRPr>
+          </a:p>
+        </p:txBody>
+      </p:sp>
+      <p:sp>
+        <p:nvSpPr>
+          <p:cNvPr id="117" name="矩形 116"/>
+          <p:cNvSpPr/>
+          <p:nvPr/>
+        </p:nvSpPr>
+        <p:spPr>
+          <a:xfrm>
+            <a:off x="5781674" y="1504950"/>
+            <a:ext cx="733426" cy="361950"/>
+          </a:xfrm>
+          <a:prstGeom prst="rect">
+            <a:avLst/>
+          </a:prstGeom>
+          <a:noFill/>
+          <a:ln w="15240">
+            <a:solidFill>
+              <a:schemeClr val="tx1"/>
+            </a:solidFill>
+          </a:ln>
+        </p:spPr>
+        <p:style>
+          <a:lnRef idx="2">
+            <a:schemeClr val="accent1">
+              <a:shade val="50000"/>
+            </a:schemeClr>
+          </a:lnRef>
+          <a:fillRef idx="1">
+            <a:schemeClr val="accent1"/>
+          </a:fillRef>
+          <a:effectRef idx="0">
+            <a:schemeClr val="accent1"/>
+          </a:effectRef>
+          <a:fontRef idx="minor">
+            <a:schemeClr val="lt1"/>
+          </a:fontRef>
+        </p:style>
+        <p:txBody>
+          <a:bodyPr rtlCol="0" anchor="ctr"/>
+          <a:lstStyle/>
+          <a:p>
+            <a:pPr algn="ctr"/>
+            <a:r>
+              <a:rPr lang="en-US" altLang="zh-CN" sz="1600" dirty="0" smtClean="0">
+                <a:solidFill>
+                  <a:schemeClr val="tx1"/>
+                </a:solidFill>
+                <a:latin typeface="Times New Roman" panose="02020603050405020304" pitchFamily="18" charset="0"/>
+                <a:cs typeface="Times New Roman" panose="02020603050405020304" pitchFamily="18" charset="0"/>
+              </a:rPr>
+              <a:t>S</a:t>
+            </a:r>
+            <a:r>
+              <a:rPr lang="en-US" altLang="zh-CN" sz="1100" dirty="0" smtClean="0">
+                <a:solidFill>
+                  <a:schemeClr val="tx1"/>
+                </a:solidFill>
+                <a:latin typeface="Times New Roman" panose="02020603050405020304" pitchFamily="18" charset="0"/>
+                <a:cs typeface="Times New Roman" panose="02020603050405020304" pitchFamily="18" charset="0"/>
+              </a:rPr>
+              <a:t>3</a:t>
+            </a:r>
+            <a:r>
+              <a:rPr lang="en-US" altLang="zh-CN" sz="1600" dirty="0">
+                <a:solidFill>
+                  <a:schemeClr val="tx1"/>
+                </a:solidFill>
+                <a:latin typeface="Times New Roman" panose="02020603050405020304" pitchFamily="18" charset="0"/>
+                <a:cs typeface="Times New Roman" panose="02020603050405020304" pitchFamily="18" charset="0"/>
+              </a:rPr>
+              <a:t>-</a:t>
+            </a:r>
+            <a:r>
+              <a:rPr lang="en-US" altLang="zh-CN" sz="1100" dirty="0" smtClean="0">
+                <a:solidFill>
+                  <a:schemeClr val="tx1"/>
+                </a:solidFill>
+                <a:latin typeface="Times New Roman" panose="02020603050405020304" pitchFamily="18" charset="0"/>
+                <a:cs typeface="Times New Roman" panose="02020603050405020304" pitchFamily="18" charset="0"/>
+              </a:rPr>
+              <a:t>15</a:t>
+            </a:r>
+            <a:endParaRPr lang="zh-CN" altLang="en-US" sz="1600" dirty="0">
+              <a:solidFill>
+                <a:schemeClr val="tx1"/>
+              </a:solidFill>
+              <a:latin typeface="Times New Roman" panose="02020603050405020304" pitchFamily="18" charset="0"/>
+              <a:cs typeface="Times New Roman" panose="02020603050405020304" pitchFamily="18" charset="0"/>
+            </a:endParaRPr>
+          </a:p>
+        </p:txBody>
+      </p:sp>
+      <p:sp>
+        <p:nvSpPr>
+          <p:cNvPr id="119" name="矩形 118"/>
+          <p:cNvSpPr/>
+          <p:nvPr/>
+        </p:nvSpPr>
+        <p:spPr>
+          <a:xfrm>
+            <a:off x="6881813" y="1504950"/>
+            <a:ext cx="733426" cy="361950"/>
+          </a:xfrm>
+          <a:prstGeom prst="rect">
+            <a:avLst/>
+          </a:prstGeom>
+          <a:noFill/>
+          <a:ln w="15240">
+            <a:solidFill>
+              <a:schemeClr val="tx1"/>
+            </a:solidFill>
+          </a:ln>
+        </p:spPr>
+        <p:style>
+          <a:lnRef idx="2">
+            <a:schemeClr val="accent1">
+              <a:shade val="50000"/>
+            </a:schemeClr>
+          </a:lnRef>
+          <a:fillRef idx="1">
+            <a:schemeClr val="accent1"/>
+          </a:fillRef>
+          <a:effectRef idx="0">
+            <a:schemeClr val="accent1"/>
+          </a:effectRef>
+          <a:fontRef idx="minor">
+            <a:schemeClr val="lt1"/>
+          </a:fontRef>
+        </p:style>
+        <p:txBody>
+          <a:bodyPr rtlCol="0" anchor="ctr"/>
+          <a:lstStyle/>
+          <a:p>
+            <a:pPr algn="ctr"/>
+            <a:r>
+              <a:rPr lang="en-US" altLang="zh-CN" sz="1600" dirty="0" smtClean="0">
+                <a:solidFill>
+                  <a:schemeClr val="tx1"/>
+                </a:solidFill>
+                <a:latin typeface="Times New Roman" panose="02020603050405020304" pitchFamily="18" charset="0"/>
+                <a:cs typeface="Times New Roman" panose="02020603050405020304" pitchFamily="18" charset="0"/>
+              </a:rPr>
+              <a:t>S</a:t>
+            </a:r>
+            <a:r>
+              <a:rPr lang="en-US" altLang="zh-CN" sz="1100" dirty="0" smtClean="0">
+                <a:solidFill>
+                  <a:schemeClr val="tx1"/>
+                </a:solidFill>
+                <a:latin typeface="Times New Roman" panose="02020603050405020304" pitchFamily="18" charset="0"/>
+                <a:cs typeface="Times New Roman" panose="02020603050405020304" pitchFamily="18" charset="0"/>
+              </a:rPr>
+              <a:t>16</a:t>
+            </a:r>
+            <a:endParaRPr lang="zh-CN" altLang="en-US" sz="1600" dirty="0">
+              <a:solidFill>
+                <a:schemeClr val="tx1"/>
+              </a:solidFill>
+              <a:latin typeface="Times New Roman" panose="02020603050405020304" pitchFamily="18" charset="0"/>
+              <a:cs typeface="Times New Roman" panose="02020603050405020304" pitchFamily="18" charset="0"/>
+            </a:endParaRPr>
+          </a:p>
+        </p:txBody>
+      </p:sp>
+      <p:sp>
+        <p:nvSpPr>
+          <p:cNvPr id="125" name="矩形 124"/>
+          <p:cNvSpPr/>
+          <p:nvPr/>
+        </p:nvSpPr>
+        <p:spPr>
+          <a:xfrm>
+            <a:off x="4363351" y="4140622"/>
+            <a:ext cx="733426" cy="361950"/>
+          </a:xfrm>
+          <a:prstGeom prst="rect">
+            <a:avLst/>
+          </a:prstGeom>
+          <a:noFill/>
+          <a:ln w="15240">
+            <a:solidFill>
+              <a:schemeClr val="tx1"/>
+            </a:solidFill>
+          </a:ln>
+        </p:spPr>
+        <p:style>
+          <a:lnRef idx="2">
+            <a:schemeClr val="accent1">
+              <a:shade val="50000"/>
+            </a:schemeClr>
+          </a:lnRef>
+          <a:fillRef idx="1">
+            <a:schemeClr val="accent1"/>
+          </a:fillRef>
+          <a:effectRef idx="0">
+            <a:schemeClr val="accent1"/>
+          </a:effectRef>
+          <a:fontRef idx="minor">
+            <a:schemeClr val="lt1"/>
+          </a:fontRef>
+        </p:style>
+        <p:txBody>
+          <a:bodyPr rtlCol="0" anchor="ctr"/>
+          <a:lstStyle/>
+          <a:p>
+            <a:pPr algn="ctr"/>
+            <a:r>
+              <a:rPr lang="en-US" altLang="zh-CN" sz="1600" dirty="0" smtClean="0">
+                <a:solidFill>
+                  <a:schemeClr val="tx1"/>
+                </a:solidFill>
+                <a:latin typeface="Times New Roman" panose="02020603050405020304" pitchFamily="18" charset="0"/>
+                <a:cs typeface="Times New Roman" panose="02020603050405020304" pitchFamily="18" charset="0"/>
+              </a:rPr>
+              <a:t>S</a:t>
+            </a:r>
+            <a:r>
+              <a:rPr lang="en-US" altLang="zh-CN" sz="1100" dirty="0" smtClean="0">
+                <a:solidFill>
+                  <a:schemeClr val="tx1"/>
+                </a:solidFill>
+                <a:latin typeface="Times New Roman" panose="02020603050405020304" pitchFamily="18" charset="0"/>
+                <a:cs typeface="Times New Roman" panose="02020603050405020304" pitchFamily="18" charset="0"/>
+              </a:rPr>
+              <a:t>6</a:t>
+            </a:r>
+            <a:endParaRPr lang="zh-CN" altLang="en-US" sz="1600" dirty="0">
+              <a:solidFill>
+                <a:schemeClr val="tx1"/>
+              </a:solidFill>
+              <a:latin typeface="Times New Roman" panose="02020603050405020304" pitchFamily="18" charset="0"/>
+              <a:cs typeface="Times New Roman" panose="02020603050405020304" pitchFamily="18" charset="0"/>
+            </a:endParaRPr>
+          </a:p>
+        </p:txBody>
+      </p:sp>
+      <p:sp>
+        <p:nvSpPr>
+          <p:cNvPr id="126" name="矩形 125"/>
+          <p:cNvSpPr/>
+          <p:nvPr/>
+        </p:nvSpPr>
+        <p:spPr>
+          <a:xfrm>
+            <a:off x="5470108" y="4140622"/>
+            <a:ext cx="733426" cy="361950"/>
+          </a:xfrm>
+          <a:prstGeom prst="rect">
+            <a:avLst/>
+          </a:prstGeom>
+          <a:noFill/>
+          <a:ln w="15240">
+            <a:solidFill>
+              <a:schemeClr val="tx1"/>
+            </a:solidFill>
+          </a:ln>
+        </p:spPr>
+        <p:style>
+          <a:lnRef idx="2">
+            <a:schemeClr val="accent1">
+              <a:shade val="50000"/>
+            </a:schemeClr>
+          </a:lnRef>
+          <a:fillRef idx="1">
+            <a:schemeClr val="accent1"/>
+          </a:fillRef>
+          <a:effectRef idx="0">
+            <a:schemeClr val="accent1"/>
+          </a:effectRef>
+          <a:fontRef idx="minor">
+            <a:schemeClr val="lt1"/>
+          </a:fontRef>
+        </p:style>
+        <p:txBody>
+          <a:bodyPr rtlCol="0" anchor="ctr"/>
+          <a:lstStyle/>
+          <a:p>
+            <a:pPr algn="ctr"/>
+            <a:r>
+              <a:rPr lang="en-US" altLang="zh-CN" sz="1600" dirty="0" smtClean="0">
+                <a:solidFill>
+                  <a:schemeClr val="tx1"/>
+                </a:solidFill>
+                <a:latin typeface="Times New Roman" panose="02020603050405020304" pitchFamily="18" charset="0"/>
+                <a:cs typeface="Times New Roman" panose="02020603050405020304" pitchFamily="18" charset="0"/>
+              </a:rPr>
+              <a:t>S</a:t>
+            </a:r>
+            <a:r>
+              <a:rPr lang="en-US" altLang="zh-CN" sz="1100" dirty="0" smtClean="0">
+                <a:solidFill>
+                  <a:schemeClr val="tx1"/>
+                </a:solidFill>
+                <a:latin typeface="Times New Roman" panose="02020603050405020304" pitchFamily="18" charset="0"/>
+                <a:cs typeface="Times New Roman" panose="02020603050405020304" pitchFamily="18" charset="0"/>
+              </a:rPr>
+              <a:t>7</a:t>
+            </a:r>
+            <a:endParaRPr lang="zh-CN" altLang="en-US" sz="1600" dirty="0">
+              <a:solidFill>
+                <a:schemeClr val="tx1"/>
+              </a:solidFill>
+              <a:latin typeface="Times New Roman" panose="02020603050405020304" pitchFamily="18" charset="0"/>
+              <a:cs typeface="Times New Roman" panose="02020603050405020304" pitchFamily="18" charset="0"/>
+            </a:endParaRPr>
+          </a:p>
+        </p:txBody>
+      </p:sp>
+      <p:sp>
+        <p:nvSpPr>
+          <p:cNvPr id="127" name="矩形 126"/>
+          <p:cNvSpPr/>
+          <p:nvPr/>
+        </p:nvSpPr>
+        <p:spPr>
+          <a:xfrm>
+            <a:off x="7197260" y="4131842"/>
+            <a:ext cx="733426" cy="361950"/>
+          </a:xfrm>
+          <a:prstGeom prst="rect">
+            <a:avLst/>
+          </a:prstGeom>
+          <a:noFill/>
+          <a:ln w="15240">
+            <a:solidFill>
+              <a:schemeClr val="tx1"/>
+            </a:solidFill>
+          </a:ln>
+        </p:spPr>
+        <p:style>
+          <a:lnRef idx="2">
+            <a:schemeClr val="accent1">
+              <a:shade val="50000"/>
+            </a:schemeClr>
+          </a:lnRef>
+          <a:fillRef idx="1">
+            <a:schemeClr val="accent1"/>
+          </a:fillRef>
+          <a:effectRef idx="0">
+            <a:schemeClr val="accent1"/>
+          </a:effectRef>
+          <a:fontRef idx="minor">
+            <a:schemeClr val="lt1"/>
+          </a:fontRef>
+        </p:style>
+        <p:txBody>
+          <a:bodyPr rtlCol="0" anchor="ctr"/>
+          <a:lstStyle/>
+          <a:p>
+            <a:pPr algn="ctr"/>
+            <a:r>
+              <a:rPr lang="en-US" altLang="zh-CN" sz="1600" dirty="0" smtClean="0">
+                <a:solidFill>
+                  <a:schemeClr val="tx1"/>
+                </a:solidFill>
+                <a:latin typeface="Times New Roman" panose="02020603050405020304" pitchFamily="18" charset="0"/>
+                <a:cs typeface="Times New Roman" panose="02020603050405020304" pitchFamily="18" charset="0"/>
+              </a:rPr>
+              <a:t>S</a:t>
+            </a:r>
+            <a:r>
+              <a:rPr lang="en-US" altLang="zh-CN" sz="1100" dirty="0" smtClean="0">
+                <a:solidFill>
+                  <a:schemeClr val="tx1"/>
+                </a:solidFill>
+                <a:latin typeface="Times New Roman" panose="02020603050405020304" pitchFamily="18" charset="0"/>
+                <a:cs typeface="Times New Roman" panose="02020603050405020304" pitchFamily="18" charset="0"/>
+              </a:rPr>
+              <a:t>12</a:t>
+            </a:r>
+            <a:endParaRPr lang="zh-CN" altLang="en-US" sz="1600" dirty="0">
+              <a:solidFill>
+                <a:schemeClr val="tx1"/>
+              </a:solidFill>
+              <a:latin typeface="Times New Roman" panose="02020603050405020304" pitchFamily="18" charset="0"/>
+              <a:cs typeface="Times New Roman" panose="02020603050405020304" pitchFamily="18" charset="0"/>
+            </a:endParaRPr>
+          </a:p>
+        </p:txBody>
+      </p:sp>
+      <p:sp>
+        <p:nvSpPr>
+          <p:cNvPr id="128" name="矩形 127"/>
+          <p:cNvSpPr/>
+          <p:nvPr/>
+        </p:nvSpPr>
+        <p:spPr>
+          <a:xfrm>
+            <a:off x="8150479" y="4131842"/>
+            <a:ext cx="733426" cy="361950"/>
+          </a:xfrm>
+          <a:prstGeom prst="rect">
+            <a:avLst/>
+          </a:prstGeom>
+          <a:noFill/>
+          <a:ln w="15240">
+            <a:solidFill>
+              <a:schemeClr val="tx1"/>
+            </a:solidFill>
+          </a:ln>
+        </p:spPr>
+        <p:style>
+          <a:lnRef idx="2">
+            <a:schemeClr val="accent1">
+              <a:shade val="50000"/>
+            </a:schemeClr>
+          </a:lnRef>
+          <a:fillRef idx="1">
+            <a:schemeClr val="accent1"/>
+          </a:fillRef>
+          <a:effectRef idx="0">
+            <a:schemeClr val="accent1"/>
+          </a:effectRef>
+          <a:fontRef idx="minor">
+            <a:schemeClr val="lt1"/>
+          </a:fontRef>
+        </p:style>
+        <p:txBody>
+          <a:bodyPr rtlCol="0" anchor="ctr"/>
+          <a:lstStyle/>
+          <a:p>
+            <a:pPr algn="ctr"/>
+            <a:r>
+              <a:rPr lang="en-US" altLang="zh-CN" sz="1600" dirty="0" smtClean="0">
+                <a:solidFill>
+                  <a:schemeClr val="tx1"/>
+                </a:solidFill>
+                <a:latin typeface="Times New Roman" panose="02020603050405020304" pitchFamily="18" charset="0"/>
+                <a:cs typeface="Times New Roman" panose="02020603050405020304" pitchFamily="18" charset="0"/>
+              </a:rPr>
+              <a:t>S</a:t>
+            </a:r>
+            <a:r>
+              <a:rPr lang="en-US" altLang="zh-CN" sz="1100" dirty="0" smtClean="0">
+                <a:solidFill>
+                  <a:schemeClr val="tx1"/>
+                </a:solidFill>
+                <a:latin typeface="Times New Roman" panose="02020603050405020304" pitchFamily="18" charset="0"/>
+                <a:cs typeface="Times New Roman" panose="02020603050405020304" pitchFamily="18" charset="0"/>
+              </a:rPr>
+              <a:t>13</a:t>
+            </a:r>
+            <a:endParaRPr lang="zh-CN" altLang="en-US" sz="1600" dirty="0">
+              <a:solidFill>
+                <a:schemeClr val="tx1"/>
+              </a:solidFill>
+              <a:latin typeface="Times New Roman" panose="02020603050405020304" pitchFamily="18" charset="0"/>
+              <a:cs typeface="Times New Roman" panose="02020603050405020304" pitchFamily="18" charset="0"/>
+            </a:endParaRPr>
+          </a:p>
+        </p:txBody>
+      </p:sp>
+      <p:cxnSp>
+        <p:nvCxnSpPr>
+          <p:cNvPr id="132" name="直接箭头连接符 131"/>
+          <p:cNvCxnSpPr>
+            <a:stCxn id="117" idx="2"/>
+            <a:endCxn id="120" idx="0"/>
+          </p:cNvCxnSpPr>
+          <p:nvPr/>
+        </p:nvCxnSpPr>
+        <p:spPr>
+          <a:xfrm flipH="1">
+            <a:off x="4427998" y="1866900"/>
+            <a:ext cx="1720389" cy="963194"/>
+          </a:xfrm>
+          <a:prstGeom prst="straightConnector1">
+            <a:avLst/>
+          </a:prstGeom>
+          <a:ln>
+            <a:tailEnd type="triangle"/>
+          </a:ln>
+        </p:spPr>
+        <p:style>
+          <a:lnRef idx="1">
+            <a:schemeClr val="dk1"/>
+          </a:lnRef>
+          <a:fillRef idx="0">
+            <a:schemeClr val="dk1"/>
+          </a:fillRef>
+          <a:effectRef idx="0">
+            <a:schemeClr val="dk1"/>
+          </a:effectRef>
+          <a:fontRef idx="minor">
+            <a:schemeClr val="tx1"/>
+          </a:fontRef>
+        </p:style>
+      </p:cxnSp>
+      <p:sp>
+        <p:nvSpPr>
+          <p:cNvPr id="133" name="文本框 132"/>
+          <p:cNvSpPr txBox="1"/>
+          <p:nvPr/>
+        </p:nvSpPr>
+        <p:spPr>
+          <a:xfrm>
+            <a:off x="3605878" y="1528346"/>
+            <a:ext cx="391454" cy="338554"/>
+          </a:xfrm>
+          <a:prstGeom prst="rect">
+            <a:avLst/>
+          </a:prstGeom>
+          <a:noFill/>
+        </p:spPr>
+        <p:txBody>
+          <a:bodyPr wrap="none" rtlCol="0">
+            <a:spAutoFit/>
+          </a:bodyPr>
+          <a:lstStyle/>
+          <a:p>
+            <a:r>
+              <a:rPr lang="en-US" altLang="zh-CN" sz="1600" b="1" dirty="0">
+                <a:latin typeface="Times New Roman" panose="02020603050405020304" pitchFamily="18" charset="0"/>
+                <a:cs typeface="Times New Roman" panose="02020603050405020304" pitchFamily="18" charset="0"/>
+              </a:rPr>
+              <a:t>L</a:t>
+            </a:r>
+            <a:r>
+              <a:rPr lang="en-US" altLang="zh-CN" sz="1100" b="1" dirty="0" smtClean="0">
+                <a:latin typeface="Times New Roman" panose="02020603050405020304" pitchFamily="18" charset="0"/>
+                <a:cs typeface="Times New Roman" panose="02020603050405020304" pitchFamily="18" charset="0"/>
+              </a:rPr>
+              <a:t>1</a:t>
+            </a:r>
+            <a:endParaRPr lang="zh-CN" altLang="en-US" sz="1600" b="1" dirty="0">
+              <a:latin typeface="Times New Roman" panose="02020603050405020304" pitchFamily="18" charset="0"/>
+              <a:cs typeface="Times New Roman" panose="02020603050405020304" pitchFamily="18" charset="0"/>
+            </a:endParaRPr>
+          </a:p>
+        </p:txBody>
+      </p:sp>
+      <p:sp>
+        <p:nvSpPr>
+          <p:cNvPr id="134" name="文本框 133"/>
+          <p:cNvSpPr txBox="1"/>
+          <p:nvPr/>
+        </p:nvSpPr>
+        <p:spPr>
+          <a:xfrm>
+            <a:off x="3605878" y="2816924"/>
+            <a:ext cx="391454" cy="338554"/>
+          </a:xfrm>
+          <a:prstGeom prst="rect">
+            <a:avLst/>
+          </a:prstGeom>
+          <a:noFill/>
+        </p:spPr>
+        <p:txBody>
+          <a:bodyPr wrap="none" rtlCol="0">
+            <a:spAutoFit/>
+          </a:bodyPr>
+          <a:lstStyle/>
+          <a:p>
+            <a:r>
+              <a:rPr lang="en-US" altLang="zh-CN" sz="1600" b="1" dirty="0">
+                <a:latin typeface="Times New Roman" panose="02020603050405020304" pitchFamily="18" charset="0"/>
+                <a:cs typeface="Times New Roman" panose="02020603050405020304" pitchFamily="18" charset="0"/>
+              </a:rPr>
+              <a:t>L</a:t>
+            </a:r>
+            <a:r>
+              <a:rPr lang="en-US" altLang="zh-CN" sz="1100" b="1" dirty="0" smtClean="0">
+                <a:latin typeface="Times New Roman" panose="02020603050405020304" pitchFamily="18" charset="0"/>
+                <a:cs typeface="Times New Roman" panose="02020603050405020304" pitchFamily="18" charset="0"/>
+              </a:rPr>
+              <a:t>2</a:t>
+            </a:r>
+            <a:endParaRPr lang="zh-CN" altLang="en-US" sz="1600" b="1" dirty="0">
+              <a:latin typeface="Times New Roman" panose="02020603050405020304" pitchFamily="18" charset="0"/>
+              <a:cs typeface="Times New Roman" panose="02020603050405020304" pitchFamily="18" charset="0"/>
+            </a:endParaRPr>
+          </a:p>
+        </p:txBody>
+      </p:sp>
+      <p:sp>
+        <p:nvSpPr>
+          <p:cNvPr id="135" name="文本框 134"/>
+          <p:cNvSpPr txBox="1"/>
+          <p:nvPr/>
+        </p:nvSpPr>
+        <p:spPr>
+          <a:xfrm>
+            <a:off x="3605878" y="4164018"/>
+            <a:ext cx="391454" cy="338554"/>
+          </a:xfrm>
+          <a:prstGeom prst="rect">
+            <a:avLst/>
+          </a:prstGeom>
+          <a:noFill/>
+        </p:spPr>
+        <p:txBody>
+          <a:bodyPr wrap="none" rtlCol="0">
+            <a:spAutoFit/>
+          </a:bodyPr>
+          <a:lstStyle/>
+          <a:p>
+            <a:r>
+              <a:rPr lang="en-US" altLang="zh-CN" sz="1600" b="1" dirty="0">
+                <a:latin typeface="Times New Roman" panose="02020603050405020304" pitchFamily="18" charset="0"/>
+                <a:cs typeface="Times New Roman" panose="02020603050405020304" pitchFamily="18" charset="0"/>
+              </a:rPr>
+              <a:t>L</a:t>
+            </a:r>
+            <a:r>
+              <a:rPr lang="en-US" altLang="zh-CN" sz="1100" b="1" dirty="0" smtClean="0">
+                <a:latin typeface="Times New Roman" panose="02020603050405020304" pitchFamily="18" charset="0"/>
+                <a:cs typeface="Times New Roman" panose="02020603050405020304" pitchFamily="18" charset="0"/>
+              </a:rPr>
+              <a:t>3</a:t>
+            </a:r>
+            <a:endParaRPr lang="zh-CN" altLang="en-US" sz="1600" b="1" dirty="0">
+              <a:latin typeface="Times New Roman" panose="02020603050405020304" pitchFamily="18" charset="0"/>
+              <a:cs typeface="Times New Roman" panose="02020603050405020304" pitchFamily="18" charset="0"/>
+            </a:endParaRPr>
+          </a:p>
+        </p:txBody>
+      </p:sp>
+      <p:cxnSp>
+        <p:nvCxnSpPr>
+          <p:cNvPr id="141" name="直接箭头连接符 140"/>
+          <p:cNvCxnSpPr>
+            <a:stCxn id="117" idx="2"/>
+            <a:endCxn id="121" idx="0"/>
+          </p:cNvCxnSpPr>
+          <p:nvPr/>
+        </p:nvCxnSpPr>
+        <p:spPr>
+          <a:xfrm flipH="1">
+            <a:off x="5398291" y="1866900"/>
+            <a:ext cx="750096" cy="955886"/>
+          </a:xfrm>
+          <a:prstGeom prst="straightConnector1">
+            <a:avLst/>
+          </a:prstGeom>
+          <a:ln>
+            <a:tailEnd type="triangle"/>
+          </a:ln>
+        </p:spPr>
+        <p:style>
+          <a:lnRef idx="1">
+            <a:schemeClr val="dk1"/>
+          </a:lnRef>
+          <a:fillRef idx="0">
+            <a:schemeClr val="dk1"/>
+          </a:fillRef>
+          <a:effectRef idx="0">
+            <a:schemeClr val="dk1"/>
+          </a:effectRef>
+          <a:fontRef idx="minor">
+            <a:schemeClr val="tx1"/>
+          </a:fontRef>
+        </p:style>
+      </p:cxnSp>
+      <p:cxnSp>
+        <p:nvCxnSpPr>
+          <p:cNvPr id="143" name="直接箭头连接符 142"/>
+          <p:cNvCxnSpPr>
+            <a:stCxn id="117" idx="2"/>
+            <a:endCxn id="122" idx="0"/>
+          </p:cNvCxnSpPr>
+          <p:nvPr/>
+        </p:nvCxnSpPr>
+        <p:spPr>
+          <a:xfrm flipH="1">
+            <a:off x="6131717" y="1866900"/>
+            <a:ext cx="16670" cy="955886"/>
+          </a:xfrm>
+          <a:prstGeom prst="straightConnector1">
+            <a:avLst/>
+          </a:prstGeom>
+          <a:ln>
+            <a:tailEnd type="triangle"/>
+          </a:ln>
+        </p:spPr>
+        <p:style>
+          <a:lnRef idx="1">
+            <a:schemeClr val="dk1"/>
+          </a:lnRef>
+          <a:fillRef idx="0">
+            <a:schemeClr val="dk1"/>
+          </a:fillRef>
+          <a:effectRef idx="0">
+            <a:schemeClr val="dk1"/>
+          </a:effectRef>
+          <a:fontRef idx="minor">
+            <a:schemeClr val="tx1"/>
+          </a:fontRef>
+        </p:style>
+      </p:cxnSp>
+      <p:cxnSp>
+        <p:nvCxnSpPr>
+          <p:cNvPr id="145" name="直接箭头连接符 144"/>
+          <p:cNvCxnSpPr>
+            <a:stCxn id="117" idx="2"/>
+            <a:endCxn id="123" idx="0"/>
+          </p:cNvCxnSpPr>
+          <p:nvPr/>
+        </p:nvCxnSpPr>
+        <p:spPr>
+          <a:xfrm>
+            <a:off x="6148387" y="1866900"/>
+            <a:ext cx="1887412" cy="955886"/>
+          </a:xfrm>
+          <a:prstGeom prst="straightConnector1">
+            <a:avLst/>
+          </a:prstGeom>
+          <a:ln>
+            <a:tailEnd type="triangle"/>
+          </a:ln>
+        </p:spPr>
+        <p:style>
+          <a:lnRef idx="1">
+            <a:schemeClr val="dk1"/>
+          </a:lnRef>
+          <a:fillRef idx="0">
+            <a:schemeClr val="dk1"/>
+          </a:fillRef>
+          <a:effectRef idx="0">
+            <a:schemeClr val="dk1"/>
+          </a:effectRef>
+          <a:fontRef idx="minor">
+            <a:schemeClr val="tx1"/>
+          </a:fontRef>
+        </p:style>
+      </p:cxnSp>
+      <p:cxnSp>
+        <p:nvCxnSpPr>
+          <p:cNvPr id="147" name="直接箭头连接符 146"/>
+          <p:cNvCxnSpPr>
+            <a:stCxn id="121" idx="2"/>
+            <a:endCxn id="125" idx="0"/>
+          </p:cNvCxnSpPr>
+          <p:nvPr/>
+        </p:nvCxnSpPr>
+        <p:spPr>
+          <a:xfrm flipH="1">
+            <a:off x="4730064" y="3184736"/>
+            <a:ext cx="597710" cy="955886"/>
+          </a:xfrm>
+          <a:prstGeom prst="straightConnector1">
+            <a:avLst/>
+          </a:prstGeom>
+          <a:ln>
+            <a:tailEnd type="triangle"/>
+          </a:ln>
+        </p:spPr>
+        <p:style>
+          <a:lnRef idx="1">
+            <a:schemeClr val="dk1"/>
+          </a:lnRef>
+          <a:fillRef idx="0">
+            <a:schemeClr val="dk1"/>
+          </a:fillRef>
+          <a:effectRef idx="0">
+            <a:schemeClr val="dk1"/>
+          </a:effectRef>
+          <a:fontRef idx="minor">
+            <a:schemeClr val="tx1"/>
+          </a:fontRef>
+        </p:style>
+      </p:cxnSp>
+      <p:cxnSp>
+        <p:nvCxnSpPr>
+          <p:cNvPr id="149" name="直接箭头连接符 148"/>
+          <p:cNvCxnSpPr>
+            <a:stCxn id="121" idx="2"/>
+            <a:endCxn id="126" idx="0"/>
+          </p:cNvCxnSpPr>
+          <p:nvPr/>
+        </p:nvCxnSpPr>
+        <p:spPr>
+          <a:xfrm>
+            <a:off x="5327774" y="3184736"/>
+            <a:ext cx="509047" cy="955886"/>
+          </a:xfrm>
+          <a:prstGeom prst="straightConnector1">
+            <a:avLst/>
+          </a:prstGeom>
+          <a:ln>
+            <a:tailEnd type="triangle"/>
+          </a:ln>
+        </p:spPr>
+        <p:style>
+          <a:lnRef idx="1">
+            <a:schemeClr val="dk1"/>
+          </a:lnRef>
+          <a:fillRef idx="0">
+            <a:schemeClr val="dk1"/>
+          </a:fillRef>
+          <a:effectRef idx="0">
+            <a:schemeClr val="dk1"/>
+          </a:effectRef>
+          <a:fontRef idx="minor">
+            <a:schemeClr val="tx1"/>
+          </a:fontRef>
+        </p:style>
+      </p:cxnSp>
+      <p:cxnSp>
+        <p:nvCxnSpPr>
+          <p:cNvPr id="151" name="直接箭头连接符 150"/>
+          <p:cNvCxnSpPr>
+            <a:stCxn id="123" idx="2"/>
+            <a:endCxn id="127" idx="0"/>
+          </p:cNvCxnSpPr>
+          <p:nvPr/>
+        </p:nvCxnSpPr>
+        <p:spPr>
+          <a:xfrm flipH="1">
+            <a:off x="7563973" y="3184736"/>
+            <a:ext cx="471826" cy="947106"/>
+          </a:xfrm>
+          <a:prstGeom prst="straightConnector1">
+            <a:avLst/>
+          </a:prstGeom>
+          <a:ln>
+            <a:tailEnd type="triangle"/>
+          </a:ln>
+        </p:spPr>
+        <p:style>
+          <a:lnRef idx="1">
+            <a:schemeClr val="dk1"/>
+          </a:lnRef>
+          <a:fillRef idx="0">
+            <a:schemeClr val="dk1"/>
+          </a:fillRef>
+          <a:effectRef idx="0">
+            <a:schemeClr val="dk1"/>
+          </a:effectRef>
+          <a:fontRef idx="minor">
+            <a:schemeClr val="tx1"/>
+          </a:fontRef>
+        </p:style>
+      </p:cxnSp>
+      <p:cxnSp>
+        <p:nvCxnSpPr>
+          <p:cNvPr id="153" name="直接箭头连接符 152"/>
+          <p:cNvCxnSpPr>
+            <a:stCxn id="123" idx="2"/>
+            <a:endCxn id="128" idx="0"/>
+          </p:cNvCxnSpPr>
+          <p:nvPr/>
+        </p:nvCxnSpPr>
+        <p:spPr>
+          <a:xfrm>
+            <a:off x="8035799" y="3184736"/>
+            <a:ext cx="481393" cy="947106"/>
+          </a:xfrm>
+          <a:prstGeom prst="straightConnector1">
+            <a:avLst/>
+          </a:prstGeom>
+          <a:ln>
+            <a:tailEnd type="triangle"/>
+          </a:ln>
+        </p:spPr>
+        <p:style>
+          <a:lnRef idx="1">
+            <a:schemeClr val="dk1"/>
+          </a:lnRef>
+          <a:fillRef idx="0">
+            <a:schemeClr val="dk1"/>
+          </a:fillRef>
+          <a:effectRef idx="0">
+            <a:schemeClr val="dk1"/>
+          </a:effectRef>
+          <a:fontRef idx="minor">
+            <a:schemeClr val="tx1"/>
+          </a:fontRef>
+        </p:style>
+      </p:cxnSp>
+      <p:sp>
+        <p:nvSpPr>
+          <p:cNvPr id="120" name="矩形 119"/>
+          <p:cNvSpPr/>
+          <p:nvPr/>
+        </p:nvSpPr>
+        <p:spPr>
+          <a:xfrm>
+            <a:off x="4061285" y="2830094"/>
+            <a:ext cx="733426" cy="361950"/>
+          </a:xfrm>
+          <a:prstGeom prst="rect">
+            <a:avLst/>
+          </a:prstGeom>
+          <a:noFill/>
+          <a:ln w="15240">
+            <a:solidFill>
+              <a:schemeClr val="tx1"/>
+            </a:solidFill>
+          </a:ln>
+        </p:spPr>
+        <p:style>
+          <a:lnRef idx="2">
+            <a:schemeClr val="accent1">
+              <a:shade val="50000"/>
+            </a:schemeClr>
+          </a:lnRef>
+          <a:fillRef idx="1">
+            <a:schemeClr val="accent1"/>
+          </a:fillRef>
+          <a:effectRef idx="0">
+            <a:schemeClr val="accent1"/>
+          </a:effectRef>
+          <a:fontRef idx="minor">
+            <a:schemeClr val="lt1"/>
+          </a:fontRef>
+        </p:style>
+        <p:txBody>
+          <a:bodyPr rtlCol="0" anchor="ctr"/>
+          <a:lstStyle/>
+          <a:p>
+            <a:pPr algn="ctr"/>
+            <a:r>
+              <a:rPr lang="en-US" altLang="zh-CN" sz="1600" dirty="0" smtClean="0">
+                <a:solidFill>
+                  <a:schemeClr val="tx1"/>
+                </a:solidFill>
+                <a:latin typeface="Times New Roman" panose="02020603050405020304" pitchFamily="18" charset="0"/>
+                <a:cs typeface="Times New Roman" panose="02020603050405020304" pitchFamily="18" charset="0"/>
+              </a:rPr>
+              <a:t>S</a:t>
+            </a:r>
+            <a:r>
+              <a:rPr lang="en-US" altLang="zh-CN" sz="1100" dirty="0" smtClean="0">
+                <a:solidFill>
+                  <a:schemeClr val="tx1"/>
+                </a:solidFill>
+                <a:latin typeface="Times New Roman" panose="02020603050405020304" pitchFamily="18" charset="0"/>
+                <a:cs typeface="Times New Roman" panose="02020603050405020304" pitchFamily="18" charset="0"/>
+              </a:rPr>
+              <a:t>4</a:t>
+            </a:r>
+            <a:endParaRPr lang="zh-CN" altLang="en-US" sz="1600" dirty="0">
+              <a:solidFill>
+                <a:schemeClr val="tx1"/>
+              </a:solidFill>
+              <a:latin typeface="Times New Roman" panose="02020603050405020304" pitchFamily="18" charset="0"/>
+              <a:cs typeface="Times New Roman" panose="02020603050405020304" pitchFamily="18" charset="0"/>
+            </a:endParaRPr>
+          </a:p>
+        </p:txBody>
+      </p:sp>
+      <p:sp>
+        <p:nvSpPr>
+          <p:cNvPr id="121" name="矩形 120"/>
+          <p:cNvSpPr/>
+          <p:nvPr/>
+        </p:nvSpPr>
+        <p:spPr>
+          <a:xfrm>
+            <a:off x="4961061" y="2822786"/>
+            <a:ext cx="733426" cy="361950"/>
+          </a:xfrm>
+          <a:prstGeom prst="rect">
+            <a:avLst/>
+          </a:prstGeom>
+          <a:noFill/>
+          <a:ln w="15240">
+            <a:solidFill>
+              <a:schemeClr val="tx1"/>
+            </a:solidFill>
+          </a:ln>
+        </p:spPr>
+        <p:style>
+          <a:lnRef idx="2">
+            <a:schemeClr val="accent1">
+              <a:shade val="50000"/>
+            </a:schemeClr>
+          </a:lnRef>
+          <a:fillRef idx="1">
+            <a:schemeClr val="accent1"/>
+          </a:fillRef>
+          <a:effectRef idx="0">
+            <a:schemeClr val="accent1"/>
+          </a:effectRef>
+          <a:fontRef idx="minor">
+            <a:schemeClr val="lt1"/>
+          </a:fontRef>
+        </p:style>
+        <p:txBody>
+          <a:bodyPr rtlCol="0" anchor="ctr"/>
+          <a:lstStyle/>
+          <a:p>
+            <a:pPr algn="ctr"/>
+            <a:r>
+              <a:rPr lang="en-US" altLang="zh-CN" sz="1600" dirty="0" smtClean="0">
+                <a:solidFill>
+                  <a:schemeClr val="tx1"/>
+                </a:solidFill>
+                <a:latin typeface="Times New Roman" panose="02020603050405020304" pitchFamily="18" charset="0"/>
+                <a:cs typeface="Times New Roman" panose="02020603050405020304" pitchFamily="18" charset="0"/>
+              </a:rPr>
+              <a:t>S</a:t>
+            </a:r>
+            <a:r>
+              <a:rPr lang="en-US" altLang="zh-CN" sz="1100" dirty="0" smtClean="0">
+                <a:solidFill>
+                  <a:schemeClr val="tx1"/>
+                </a:solidFill>
+                <a:latin typeface="Times New Roman" panose="02020603050405020304" pitchFamily="18" charset="0"/>
+                <a:cs typeface="Times New Roman" panose="02020603050405020304" pitchFamily="18" charset="0"/>
+              </a:rPr>
+              <a:t>5</a:t>
+            </a:r>
+            <a:r>
+              <a:rPr lang="en-US" altLang="zh-CN" sz="1600" dirty="0">
+                <a:solidFill>
+                  <a:schemeClr val="tx1"/>
+                </a:solidFill>
+                <a:latin typeface="Times New Roman" panose="02020603050405020304" pitchFamily="18" charset="0"/>
+                <a:cs typeface="Times New Roman" panose="02020603050405020304" pitchFamily="18" charset="0"/>
+              </a:rPr>
+              <a:t>-</a:t>
+            </a:r>
+            <a:r>
+              <a:rPr lang="en-US" altLang="zh-CN" sz="1100" dirty="0" smtClean="0">
+                <a:solidFill>
+                  <a:schemeClr val="tx1"/>
+                </a:solidFill>
+                <a:latin typeface="Times New Roman" panose="02020603050405020304" pitchFamily="18" charset="0"/>
+                <a:cs typeface="Times New Roman" panose="02020603050405020304" pitchFamily="18" charset="0"/>
+              </a:rPr>
+              <a:t>8</a:t>
+            </a:r>
+            <a:endParaRPr lang="zh-CN" altLang="en-US" sz="1600" dirty="0">
+              <a:solidFill>
+                <a:schemeClr val="tx1"/>
+              </a:solidFill>
+              <a:latin typeface="Times New Roman" panose="02020603050405020304" pitchFamily="18" charset="0"/>
+              <a:cs typeface="Times New Roman" panose="02020603050405020304" pitchFamily="18" charset="0"/>
+            </a:endParaRPr>
+          </a:p>
+        </p:txBody>
+      </p:sp>
+      <p:sp>
+        <p:nvSpPr>
+          <p:cNvPr id="122" name="矩形 121"/>
+          <p:cNvSpPr/>
+          <p:nvPr/>
+        </p:nvSpPr>
+        <p:spPr>
+          <a:xfrm>
+            <a:off x="5864475" y="2822786"/>
+            <a:ext cx="733426" cy="361950"/>
+          </a:xfrm>
+          <a:prstGeom prst="rect">
+            <a:avLst/>
+          </a:prstGeom>
+          <a:noFill/>
+          <a:ln w="15240">
+            <a:solidFill>
+              <a:schemeClr val="tx1"/>
+            </a:solidFill>
+          </a:ln>
+        </p:spPr>
+        <p:style>
+          <a:lnRef idx="2">
+            <a:schemeClr val="accent1">
+              <a:shade val="50000"/>
+            </a:schemeClr>
+          </a:lnRef>
+          <a:fillRef idx="1">
+            <a:schemeClr val="accent1"/>
+          </a:fillRef>
+          <a:effectRef idx="0">
+            <a:schemeClr val="accent1"/>
+          </a:effectRef>
+          <a:fontRef idx="minor">
+            <a:schemeClr val="lt1"/>
+          </a:fontRef>
+        </p:style>
+        <p:txBody>
+          <a:bodyPr rtlCol="0" anchor="ctr"/>
+          <a:lstStyle/>
+          <a:p>
+            <a:pPr algn="ctr"/>
+            <a:r>
+              <a:rPr lang="en-US" altLang="zh-CN" sz="1600" dirty="0" smtClean="0">
+                <a:solidFill>
+                  <a:schemeClr val="tx1"/>
+                </a:solidFill>
+                <a:latin typeface="Times New Roman" panose="02020603050405020304" pitchFamily="18" charset="0"/>
+                <a:cs typeface="Times New Roman" panose="02020603050405020304" pitchFamily="18" charset="0"/>
+              </a:rPr>
+              <a:t>S</a:t>
+            </a:r>
+            <a:r>
+              <a:rPr lang="en-US" altLang="zh-CN" sz="1100" dirty="0" smtClean="0">
+                <a:solidFill>
+                  <a:schemeClr val="tx1"/>
+                </a:solidFill>
+                <a:latin typeface="Times New Roman" panose="02020603050405020304" pitchFamily="18" charset="0"/>
+                <a:cs typeface="Times New Roman" panose="02020603050405020304" pitchFamily="18" charset="0"/>
+              </a:rPr>
+              <a:t>9</a:t>
+            </a:r>
+            <a:endParaRPr lang="zh-CN" altLang="en-US" sz="1600" dirty="0">
+              <a:solidFill>
+                <a:schemeClr val="tx1"/>
+              </a:solidFill>
+              <a:latin typeface="Times New Roman" panose="02020603050405020304" pitchFamily="18" charset="0"/>
+              <a:cs typeface="Times New Roman" panose="02020603050405020304" pitchFamily="18" charset="0"/>
+            </a:endParaRPr>
+          </a:p>
+        </p:txBody>
+      </p:sp>
+      <p:sp>
+        <p:nvSpPr>
+          <p:cNvPr id="123" name="矩形 122"/>
+          <p:cNvSpPr/>
+          <p:nvPr/>
+        </p:nvSpPr>
+        <p:spPr>
+          <a:xfrm>
+            <a:off x="7669086" y="2822786"/>
+            <a:ext cx="733426" cy="361950"/>
+          </a:xfrm>
+          <a:prstGeom prst="rect">
+            <a:avLst/>
+          </a:prstGeom>
+          <a:noFill/>
+          <a:ln w="15240">
+            <a:solidFill>
+              <a:schemeClr val="tx1"/>
+            </a:solidFill>
+          </a:ln>
+        </p:spPr>
+        <p:style>
+          <a:lnRef idx="2">
+            <a:schemeClr val="accent1">
+              <a:shade val="50000"/>
+            </a:schemeClr>
+          </a:lnRef>
+          <a:fillRef idx="1">
+            <a:schemeClr val="accent1"/>
+          </a:fillRef>
+          <a:effectRef idx="0">
+            <a:schemeClr val="accent1"/>
+          </a:effectRef>
+          <a:fontRef idx="minor">
+            <a:schemeClr val="lt1"/>
+          </a:fontRef>
+        </p:style>
+        <p:txBody>
+          <a:bodyPr rtlCol="0" anchor="ctr"/>
+          <a:lstStyle/>
+          <a:p>
+            <a:pPr algn="ctr"/>
+            <a:r>
+              <a:rPr lang="en-US" altLang="zh-CN" sz="1600" dirty="0" smtClean="0">
+                <a:solidFill>
+                  <a:schemeClr val="tx1"/>
+                </a:solidFill>
+                <a:latin typeface="Times New Roman" panose="02020603050405020304" pitchFamily="18" charset="0"/>
+                <a:cs typeface="Times New Roman" panose="02020603050405020304" pitchFamily="18" charset="0"/>
+              </a:rPr>
+              <a:t>S</a:t>
+            </a:r>
+            <a:r>
+              <a:rPr lang="en-US" altLang="zh-CN" sz="1100" dirty="0" smtClean="0">
+                <a:solidFill>
+                  <a:schemeClr val="tx1"/>
+                </a:solidFill>
+                <a:latin typeface="Times New Roman" panose="02020603050405020304" pitchFamily="18" charset="0"/>
+                <a:cs typeface="Times New Roman" panose="02020603050405020304" pitchFamily="18" charset="0"/>
+              </a:rPr>
+              <a:t>11</a:t>
+            </a:r>
+            <a:r>
+              <a:rPr lang="en-US" altLang="zh-CN" sz="1600" dirty="0">
+                <a:solidFill>
+                  <a:schemeClr val="tx1"/>
+                </a:solidFill>
+                <a:latin typeface="Times New Roman" panose="02020603050405020304" pitchFamily="18" charset="0"/>
+                <a:cs typeface="Times New Roman" panose="02020603050405020304" pitchFamily="18" charset="0"/>
+              </a:rPr>
+              <a:t>-</a:t>
+            </a:r>
+            <a:r>
+              <a:rPr lang="en-US" altLang="zh-CN" sz="1100" dirty="0" smtClean="0">
+                <a:solidFill>
+                  <a:schemeClr val="tx1"/>
+                </a:solidFill>
+                <a:latin typeface="Times New Roman" panose="02020603050405020304" pitchFamily="18" charset="0"/>
+                <a:cs typeface="Times New Roman" panose="02020603050405020304" pitchFamily="18" charset="0"/>
+              </a:rPr>
+              <a:t>14</a:t>
+            </a:r>
+            <a:endParaRPr lang="zh-CN" altLang="en-US" sz="1600" dirty="0">
+              <a:solidFill>
+                <a:schemeClr val="tx1"/>
+              </a:solidFill>
+              <a:latin typeface="Times New Roman" panose="02020603050405020304" pitchFamily="18" charset="0"/>
+              <a:cs typeface="Times New Roman" panose="02020603050405020304" pitchFamily="18" charset="0"/>
+            </a:endParaRPr>
+          </a:p>
+        </p:txBody>
+      </p:sp>
+      <p:sp>
+        <p:nvSpPr>
+          <p:cNvPr id="155" name="矩形 154"/>
+          <p:cNvSpPr/>
+          <p:nvPr/>
+        </p:nvSpPr>
+        <p:spPr>
+          <a:xfrm>
+            <a:off x="6765672" y="2840320"/>
+            <a:ext cx="733426" cy="361950"/>
+          </a:xfrm>
+          <a:prstGeom prst="rect">
+            <a:avLst/>
+          </a:prstGeom>
+          <a:noFill/>
+          <a:ln w="15240">
+            <a:solidFill>
+              <a:schemeClr val="tx1"/>
+            </a:solidFill>
+          </a:ln>
+        </p:spPr>
+        <p:style>
+          <a:lnRef idx="2">
+            <a:schemeClr val="accent1">
+              <a:shade val="50000"/>
+            </a:schemeClr>
+          </a:lnRef>
+          <a:fillRef idx="1">
+            <a:schemeClr val="accent1"/>
+          </a:fillRef>
+          <a:effectRef idx="0">
+            <a:schemeClr val="accent1"/>
+          </a:effectRef>
+          <a:fontRef idx="minor">
+            <a:schemeClr val="lt1"/>
+          </a:fontRef>
+        </p:style>
+        <p:txBody>
+          <a:bodyPr rtlCol="0" anchor="ctr"/>
+          <a:lstStyle/>
+          <a:p>
+            <a:pPr algn="ctr"/>
+            <a:r>
+              <a:rPr lang="en-US" altLang="zh-CN" sz="1600" dirty="0" smtClean="0">
+                <a:solidFill>
+                  <a:schemeClr val="tx1"/>
+                </a:solidFill>
+                <a:latin typeface="Times New Roman" panose="02020603050405020304" pitchFamily="18" charset="0"/>
+                <a:cs typeface="Times New Roman" panose="02020603050405020304" pitchFamily="18" charset="0"/>
+              </a:rPr>
+              <a:t>S</a:t>
+            </a:r>
+            <a:r>
+              <a:rPr lang="en-US" altLang="zh-CN" sz="1100" dirty="0" smtClean="0">
+                <a:solidFill>
+                  <a:schemeClr val="tx1"/>
+                </a:solidFill>
+                <a:latin typeface="Times New Roman" panose="02020603050405020304" pitchFamily="18" charset="0"/>
+                <a:cs typeface="Times New Roman" panose="02020603050405020304" pitchFamily="18" charset="0"/>
+              </a:rPr>
+              <a:t>10</a:t>
+            </a:r>
+            <a:endParaRPr lang="zh-CN" altLang="en-US" sz="1600" dirty="0">
+              <a:solidFill>
+                <a:schemeClr val="tx1"/>
+              </a:solidFill>
+              <a:latin typeface="Times New Roman" panose="02020603050405020304" pitchFamily="18" charset="0"/>
+              <a:cs typeface="Times New Roman" panose="02020603050405020304" pitchFamily="18" charset="0"/>
+            </a:endParaRPr>
+          </a:p>
+        </p:txBody>
+      </p:sp>
+      <p:cxnSp>
+        <p:nvCxnSpPr>
+          <p:cNvPr id="158" name="直接箭头连接符 157"/>
+          <p:cNvCxnSpPr>
+            <a:stCxn id="117" idx="2"/>
+          </p:cNvCxnSpPr>
+          <p:nvPr/>
+        </p:nvCxnSpPr>
+        <p:spPr>
+          <a:xfrm>
+            <a:off x="6148387" y="1866900"/>
+            <a:ext cx="763445" cy="947106"/>
+          </a:xfrm>
+          <a:prstGeom prst="straightConnector1">
+            <a:avLst/>
+          </a:prstGeom>
+          <a:ln>
+            <a:tailEnd type="triangle"/>
+          </a:ln>
+        </p:spPr>
+        <p:style>
+          <a:lnRef idx="1">
+            <a:schemeClr val="dk1"/>
+          </a:lnRef>
+          <a:fillRef idx="0">
+            <a:schemeClr val="dk1"/>
+          </a:fillRef>
+          <a:effectRef idx="0">
+            <a:schemeClr val="dk1"/>
+          </a:effectRef>
+          <a:fontRef idx="minor">
+            <a:schemeClr val="tx1"/>
+          </a:fontRef>
+        </p:style>
+      </p:cxnSp>
+      <p:sp>
+        <p:nvSpPr>
+          <p:cNvPr id="30" name="矩形 29"/>
+          <p:cNvSpPr/>
+          <p:nvPr/>
+        </p:nvSpPr>
+        <p:spPr>
+          <a:xfrm>
+            <a:off x="5774649" y="474968"/>
+            <a:ext cx="733426" cy="361950"/>
+          </a:xfrm>
+          <a:prstGeom prst="rect">
+            <a:avLst/>
+          </a:prstGeom>
+          <a:noFill/>
+          <a:ln w="15240">
+            <a:solidFill>
+              <a:schemeClr val="tx1"/>
+            </a:solidFill>
+          </a:ln>
+        </p:spPr>
+        <p:style>
+          <a:lnRef idx="2">
+            <a:schemeClr val="accent1">
+              <a:shade val="50000"/>
+            </a:schemeClr>
+          </a:lnRef>
+          <a:fillRef idx="1">
+            <a:schemeClr val="accent1"/>
+          </a:fillRef>
+          <a:effectRef idx="0">
+            <a:schemeClr val="accent1"/>
+          </a:effectRef>
+          <a:fontRef idx="minor">
+            <a:schemeClr val="lt1"/>
+          </a:fontRef>
+        </p:style>
+        <p:txBody>
+          <a:bodyPr rtlCol="0" anchor="ctr"/>
+          <a:lstStyle/>
+          <a:p>
+            <a:pPr algn="ctr"/>
+            <a:r>
+              <a:rPr lang="en-US" altLang="zh-CN" sz="1600" dirty="0" smtClean="0">
+                <a:solidFill>
+                  <a:schemeClr val="tx1"/>
+                </a:solidFill>
+                <a:latin typeface="Times New Roman" panose="02020603050405020304" pitchFamily="18" charset="0"/>
+                <a:cs typeface="Times New Roman" panose="02020603050405020304" pitchFamily="18" charset="0"/>
+              </a:rPr>
+              <a:t>R</a:t>
+            </a:r>
+            <a:endParaRPr lang="zh-CN" altLang="en-US" sz="1600" dirty="0">
+              <a:solidFill>
+                <a:schemeClr val="tx1"/>
+              </a:solidFill>
+              <a:latin typeface="Times New Roman" panose="02020603050405020304" pitchFamily="18" charset="0"/>
+              <a:cs typeface="Times New Roman" panose="02020603050405020304" pitchFamily="18" charset="0"/>
+            </a:endParaRPr>
+          </a:p>
+        </p:txBody>
+      </p:sp>
+      <p:cxnSp>
+        <p:nvCxnSpPr>
+          <p:cNvPr id="3" name="直接箭头连接符 2"/>
+          <p:cNvCxnSpPr>
+            <a:stCxn id="30" idx="2"/>
+            <a:endCxn id="116" idx="0"/>
+          </p:cNvCxnSpPr>
+          <p:nvPr/>
+        </p:nvCxnSpPr>
+        <p:spPr>
+          <a:xfrm flipH="1">
+            <a:off x="5102359" y="836918"/>
+            <a:ext cx="1039003" cy="668032"/>
+          </a:xfrm>
+          <a:prstGeom prst="straightConnector1">
+            <a:avLst/>
+          </a:prstGeom>
+          <a:ln>
+            <a:tailEnd type="triangle"/>
+          </a:ln>
+        </p:spPr>
+        <p:style>
+          <a:lnRef idx="1">
+            <a:schemeClr val="dk1"/>
+          </a:lnRef>
+          <a:fillRef idx="0">
+            <a:schemeClr val="dk1"/>
+          </a:fillRef>
+          <a:effectRef idx="0">
+            <a:schemeClr val="dk1"/>
+          </a:effectRef>
+          <a:fontRef idx="minor">
+            <a:schemeClr val="tx1"/>
+          </a:fontRef>
+        </p:style>
+      </p:cxnSp>
+      <p:cxnSp>
+        <p:nvCxnSpPr>
+          <p:cNvPr id="5" name="直接箭头连接符 4"/>
+          <p:cNvCxnSpPr>
+            <a:stCxn id="30" idx="2"/>
+            <a:endCxn id="117" idx="0"/>
+          </p:cNvCxnSpPr>
+          <p:nvPr/>
+        </p:nvCxnSpPr>
+        <p:spPr>
+          <a:xfrm>
+            <a:off x="6141362" y="836918"/>
+            <a:ext cx="7025" cy="668032"/>
+          </a:xfrm>
+          <a:prstGeom prst="straightConnector1">
+            <a:avLst/>
+          </a:prstGeom>
+          <a:ln>
+            <a:tailEnd type="triangle"/>
+          </a:ln>
+        </p:spPr>
+        <p:style>
+          <a:lnRef idx="1">
+            <a:schemeClr val="dk1"/>
+          </a:lnRef>
+          <a:fillRef idx="0">
+            <a:schemeClr val="dk1"/>
+          </a:fillRef>
+          <a:effectRef idx="0">
+            <a:schemeClr val="dk1"/>
+          </a:effectRef>
+          <a:fontRef idx="minor">
+            <a:schemeClr val="tx1"/>
+          </a:fontRef>
+        </p:style>
+      </p:cxnSp>
+      <p:cxnSp>
+        <p:nvCxnSpPr>
+          <p:cNvPr id="7" name="直接箭头连接符 6"/>
+          <p:cNvCxnSpPr>
+            <a:stCxn id="30" idx="2"/>
+            <a:endCxn id="119" idx="0"/>
+          </p:cNvCxnSpPr>
+          <p:nvPr/>
+        </p:nvCxnSpPr>
+        <p:spPr>
+          <a:xfrm>
+            <a:off x="6141362" y="836918"/>
+            <a:ext cx="1107164" cy="668032"/>
           </a:xfrm>
           <a:prstGeom prst="straightConnector1">
             <a:avLst/>
@@ -19308,7 +21254,194 @@
     </p:spTree>
     <p:extLst>
       <p:ext uri="{BB962C8B-B14F-4D97-AF65-F5344CB8AC3E}">
-        <p14:creationId xmlns:p14="http://schemas.microsoft.com/office/powerpoint/2010/main" val="989381482"/>
+        <p14:creationId xmlns:p14="http://schemas.microsoft.com/office/powerpoint/2010/main" val="2136930545"/>
+      </p:ext>
+    </p:extLst>
+  </p:cSld>
+  <p:clrMapOvr>
+    <a:masterClrMapping/>
+  </p:clrMapOvr>
+</p:sld>
+</file>
+
+<file path=ppt/slides/slide8.xml><?xml version="1.0" encoding="utf-8"?>
+<p:sld xmlns:a="http://schemas.openxmlformats.org/drawingml/2006/main" xmlns:r="http://schemas.openxmlformats.org/officeDocument/2006/relationships" xmlns:p="http://schemas.openxmlformats.org/presentationml/2006/main">
+  <p:cSld>
+    <p:spTree>
+      <p:nvGrpSpPr>
+        <p:cNvPr id="1" name=""/>
+        <p:cNvGrpSpPr/>
+        <p:nvPr/>
+      </p:nvGrpSpPr>
+      <p:grpSpPr>
+        <a:xfrm>
+          <a:off x="0" y="0"/>
+          <a:ext cx="0" cy="0"/>
+          <a:chOff x="0" y="0"/>
+          <a:chExt cx="0" cy="0"/>
+        </a:xfrm>
+      </p:grpSpPr>
+      <p:sp>
+        <p:nvSpPr>
+          <p:cNvPr id="4" name="文本框 3"/>
+          <p:cNvSpPr txBox="1"/>
+          <p:nvPr/>
+        </p:nvSpPr>
+        <p:spPr>
+          <a:xfrm>
+            <a:off x="3419475" y="952500"/>
+            <a:ext cx="3124200" cy="2031325"/>
+          </a:xfrm>
+          <a:prstGeom prst="rect">
+            <a:avLst/>
+          </a:prstGeom>
+          <a:noFill/>
+        </p:spPr>
+        <p:txBody>
+          <a:bodyPr wrap="square" rtlCol="0">
+            <a:spAutoFit/>
+          </a:bodyPr>
+          <a:lstStyle/>
+          <a:p>
+            <a:r>
+              <a:rPr lang="en-US" altLang="zh-CN" u="sng" dirty="0" smtClean="0">
+                <a:latin typeface="Times New Roman" panose="02020603050405020304" pitchFamily="18" charset="0"/>
+                <a:cs typeface="Times New Roman" panose="02020603050405020304" pitchFamily="18" charset="0"/>
+              </a:rPr>
+              <a:t>Predictions:</a:t>
+            </a:r>
+          </a:p>
+          <a:p>
+            <a:endParaRPr lang="en-US" altLang="zh-CN" u="sng" dirty="0" smtClean="0">
+              <a:latin typeface="Times New Roman" panose="02020603050405020304" pitchFamily="18" charset="0"/>
+              <a:cs typeface="Times New Roman" panose="02020603050405020304" pitchFamily="18" charset="0"/>
+            </a:endParaRPr>
+          </a:p>
+          <a:p>
+            <a:r>
+              <a:rPr lang="nl-NL" altLang="zh-CN" dirty="0" smtClean="0">
+                <a:latin typeface="Times New Roman" panose="02020603050405020304" pitchFamily="18" charset="0"/>
+                <a:cs typeface="Times New Roman" panose="02020603050405020304" pitchFamily="18" charset="0"/>
+              </a:rPr>
+              <a:t>stopBinLog   </a:t>
+            </a:r>
+          </a:p>
+          <a:p>
+            <a:r>
+              <a:rPr lang="nl-NL" altLang="zh-CN" dirty="0" smtClean="0">
+                <a:latin typeface="Times New Roman" panose="02020603050405020304" pitchFamily="18" charset="0"/>
+                <a:cs typeface="Times New Roman" panose="02020603050405020304" pitchFamily="18" charset="0"/>
+              </a:rPr>
+              <a:t>stopLog         </a:t>
+            </a:r>
+          </a:p>
+          <a:p>
+            <a:r>
+              <a:rPr lang="nl-NL" altLang="zh-CN" dirty="0" smtClean="0">
+                <a:latin typeface="Times New Roman" panose="02020603050405020304" pitchFamily="18" charset="0"/>
+                <a:cs typeface="Times New Roman" panose="02020603050405020304" pitchFamily="18" charset="0"/>
+              </a:rPr>
+              <a:t>stopLogInfo</a:t>
+            </a:r>
+          </a:p>
+          <a:p>
+            <a:r>
+              <a:rPr lang="nl-NL" altLang="zh-CN" dirty="0" smtClean="0">
+                <a:latin typeface="Times New Roman" panose="02020603050405020304" pitchFamily="18" charset="0"/>
+                <a:cs typeface="Times New Roman" panose="02020603050405020304" pitchFamily="18" charset="0"/>
+              </a:rPr>
+              <a:t>binLog</a:t>
+            </a:r>
+          </a:p>
+          <a:p>
+            <a:r>
+              <a:rPr lang="nl-NL" altLang="zh-CN" dirty="0" smtClean="0">
+                <a:latin typeface="Times New Roman" panose="02020603050405020304" pitchFamily="18" charset="0"/>
+                <a:cs typeface="Times New Roman" panose="02020603050405020304" pitchFamily="18" charset="0"/>
+              </a:rPr>
+              <a:t>binLogInfo</a:t>
+            </a:r>
+          </a:p>
+        </p:txBody>
+      </p:sp>
+      <p:sp>
+        <p:nvSpPr>
+          <p:cNvPr id="5" name="文本框 4"/>
+          <p:cNvSpPr txBox="1"/>
+          <p:nvPr/>
+        </p:nvSpPr>
+        <p:spPr>
+          <a:xfrm>
+            <a:off x="4667250" y="1229499"/>
+            <a:ext cx="3124200" cy="1754326"/>
+          </a:xfrm>
+          <a:prstGeom prst="rect">
+            <a:avLst/>
+          </a:prstGeom>
+          <a:noFill/>
+        </p:spPr>
+        <p:txBody>
+          <a:bodyPr wrap="square" rtlCol="0">
+            <a:spAutoFit/>
+          </a:bodyPr>
+          <a:lstStyle/>
+          <a:p>
+            <a:endParaRPr lang="en-US" altLang="zh-CN" u="sng" dirty="0" smtClean="0">
+              <a:latin typeface="Times New Roman" panose="02020603050405020304" pitchFamily="18" charset="0"/>
+              <a:cs typeface="Times New Roman" panose="02020603050405020304" pitchFamily="18" charset="0"/>
+            </a:endParaRPr>
+          </a:p>
+          <a:p>
+            <a:r>
+              <a:rPr lang="nl-NL" altLang="zh-CN" dirty="0" smtClean="0">
+                <a:latin typeface="Times New Roman" panose="02020603050405020304" pitchFamily="18" charset="0"/>
+                <a:cs typeface="Times New Roman" panose="02020603050405020304" pitchFamily="18" charset="0"/>
+              </a:rPr>
+              <a:t>(68.17%)</a:t>
+            </a:r>
+          </a:p>
+          <a:p>
+            <a:r>
+              <a:rPr lang="nl-NL" altLang="zh-CN" dirty="0" smtClean="0">
+                <a:latin typeface="Times New Roman" panose="02020603050405020304" pitchFamily="18" charset="0"/>
+                <a:cs typeface="Times New Roman" panose="02020603050405020304" pitchFamily="18" charset="0"/>
+              </a:rPr>
+              <a:t>(29.43%)</a:t>
+            </a:r>
+          </a:p>
+          <a:p>
+            <a:r>
+              <a:rPr lang="nl-NL" altLang="zh-CN" dirty="0" smtClean="0">
+                <a:latin typeface="Times New Roman" panose="02020603050405020304" pitchFamily="18" charset="0"/>
+                <a:cs typeface="Times New Roman" panose="02020603050405020304" pitchFamily="18" charset="0"/>
+              </a:rPr>
+              <a:t>(10.28%)</a:t>
+            </a:r>
+          </a:p>
+          <a:p>
+            <a:r>
+              <a:rPr lang="nl-NL" altLang="zh-CN" dirty="0" smtClean="0">
+                <a:latin typeface="Times New Roman" panose="02020603050405020304" pitchFamily="18" charset="0"/>
+                <a:cs typeface="Times New Roman" panose="02020603050405020304" pitchFamily="18" charset="0"/>
+              </a:rPr>
+              <a:t>(6.94\%)</a:t>
+            </a:r>
+          </a:p>
+          <a:p>
+            <a:r>
+              <a:rPr lang="nl-NL" altLang="zh-CN" dirty="0" smtClean="0">
+                <a:latin typeface="Times New Roman" panose="02020603050405020304" pitchFamily="18" charset="0"/>
+                <a:cs typeface="Times New Roman" panose="02020603050405020304" pitchFamily="18" charset="0"/>
+              </a:rPr>
+              <a:t>(0.87\%)</a:t>
+            </a:r>
+          </a:p>
+        </p:txBody>
+      </p:sp>
+    </p:spTree>
+    <p:extLst>
+      <p:ext uri="{BB962C8B-B14F-4D97-AF65-F5344CB8AC3E}">
+        <p14:creationId xmlns:p14="http://schemas.microsoft.com/office/powerpoint/2010/main" val="3319704821"/>
       </p:ext>
     </p:extLst>
   </p:cSld>

--- a/image/maintenance.pptx
+++ b/image/maintenance.pptx
@@ -5,14 +5,16 @@
     <p:sldMasterId id="2147483648" r:id="rId1"/>
   </p:sldMasterIdLst>
   <p:sldIdLst>
-    <p:sldId id="256" r:id="rId2"/>
-    <p:sldId id="259" r:id="rId3"/>
+    <p:sldId id="259" r:id="rId2"/>
+    <p:sldId id="271" r:id="rId3"/>
     <p:sldId id="261" r:id="rId4"/>
     <p:sldId id="262" r:id="rId5"/>
     <p:sldId id="264" r:id="rId6"/>
     <p:sldId id="265" r:id="rId7"/>
     <p:sldId id="266" r:id="rId8"/>
     <p:sldId id="267" r:id="rId9"/>
+    <p:sldId id="268" r:id="rId10"/>
+    <p:sldId id="270" r:id="rId11"/>
   </p:sldIdLst>
   <p:sldSz cx="12192000" cy="6858000"/>
   <p:notesSz cx="6858000" cy="9144000"/>
@@ -3976,6 +3978,2551 @@
           <a:chExt cx="0" cy="0"/>
         </a:xfrm>
       </p:grpSpPr>
+      <p:graphicFrame>
+        <p:nvGraphicFramePr>
+          <p:cNvPr id="6" name="图表 5"/>
+          <p:cNvGraphicFramePr/>
+          <p:nvPr>
+            <p:extLst>
+              <p:ext uri="{D42A27DB-BD31-4B8C-83A1-F6EECF244321}">
+                <p14:modId xmlns:p14="http://schemas.microsoft.com/office/powerpoint/2010/main" val="513454873"/>
+              </p:ext>
+            </p:extLst>
+          </p:nvPr>
+        </p:nvGraphicFramePr>
+        <p:xfrm>
+          <a:off x="108641" y="1421394"/>
+          <a:ext cx="7525442" cy="4463442"/>
+        </p:xfrm>
+        <a:graphic>
+          <a:graphicData uri="http://schemas.openxmlformats.org/drawingml/2006/chart">
+            <c:chart xmlns:c="http://schemas.openxmlformats.org/drawingml/2006/chart" xmlns:r="http://schemas.openxmlformats.org/officeDocument/2006/relationships" r:id="rId2"/>
+          </a:graphicData>
+        </a:graphic>
+      </p:graphicFrame>
+    </p:spTree>
+    <p:extLst>
+      <p:ext uri="{BB962C8B-B14F-4D97-AF65-F5344CB8AC3E}">
+        <p14:creationId xmlns:p14="http://schemas.microsoft.com/office/powerpoint/2010/main" val="844086735"/>
+      </p:ext>
+    </p:extLst>
+  </p:cSld>
+  <p:clrMapOvr>
+    <a:masterClrMapping/>
+  </p:clrMapOvr>
+</p:sld>
+</file>
+
+<file path=ppt/slides/slide10.xml><?xml version="1.0" encoding="utf-8"?>
+<p:sld xmlns:a="http://schemas.openxmlformats.org/drawingml/2006/main" xmlns:r="http://schemas.openxmlformats.org/officeDocument/2006/relationships" xmlns:p="http://schemas.openxmlformats.org/presentationml/2006/main">
+  <p:cSld>
+    <p:spTree>
+      <p:nvGrpSpPr>
+        <p:cNvPr id="1" name=""/>
+        <p:cNvGrpSpPr/>
+        <p:nvPr/>
+      </p:nvGrpSpPr>
+      <p:grpSpPr>
+        <a:xfrm>
+          <a:off x="0" y="0"/>
+          <a:ext cx="0" cy="0"/>
+          <a:chOff x="0" y="0"/>
+          <a:chExt cx="0" cy="0"/>
+        </a:xfrm>
+      </p:grpSpPr>
+      <p:sp>
+        <p:nvSpPr>
+          <p:cNvPr id="10" name="矩形 9"/>
+          <p:cNvSpPr/>
+          <p:nvPr/>
+        </p:nvSpPr>
+        <p:spPr>
+          <a:xfrm>
+            <a:off x="1638621" y="1190625"/>
+            <a:ext cx="419101" cy="419100"/>
+          </a:xfrm>
+          <a:prstGeom prst="rect">
+            <a:avLst/>
+          </a:prstGeom>
+          <a:noFill/>
+          <a:ln w="19050">
+            <a:solidFill>
+              <a:schemeClr val="tx1"/>
+            </a:solidFill>
+          </a:ln>
+        </p:spPr>
+        <p:style>
+          <a:lnRef idx="2">
+            <a:schemeClr val="accent1">
+              <a:shade val="50000"/>
+            </a:schemeClr>
+          </a:lnRef>
+          <a:fillRef idx="1">
+            <a:schemeClr val="accent1"/>
+          </a:fillRef>
+          <a:effectRef idx="0">
+            <a:schemeClr val="accent1"/>
+          </a:effectRef>
+          <a:fontRef idx="minor">
+            <a:schemeClr val="lt1"/>
+          </a:fontRef>
+        </p:style>
+        <p:txBody>
+          <a:bodyPr rtlCol="0" anchor="ctr"/>
+          <a:lstStyle/>
+          <a:p>
+            <a:pPr algn="ctr"/>
+            <a:r>
+              <a:rPr lang="en-US" altLang="zh-CN" dirty="0" smtClean="0">
+                <a:solidFill>
+                  <a:schemeClr val="tx1"/>
+                </a:solidFill>
+                <a:latin typeface="Times New Roman" panose="02020603050405020304" pitchFamily="18" charset="0"/>
+                <a:cs typeface="Times New Roman" panose="02020603050405020304" pitchFamily="18" charset="0"/>
+              </a:rPr>
+              <a:t>H</a:t>
+            </a:r>
+            <a:r>
+              <a:rPr lang="en-US" altLang="zh-CN" sz="1050" dirty="0" smtClean="0">
+                <a:solidFill>
+                  <a:schemeClr val="tx1"/>
+                </a:solidFill>
+                <a:latin typeface="Times New Roman" panose="02020603050405020304" pitchFamily="18" charset="0"/>
+                <a:cs typeface="Times New Roman" panose="02020603050405020304" pitchFamily="18" charset="0"/>
+              </a:rPr>
+              <a:t>0</a:t>
+            </a:r>
+            <a:endParaRPr lang="zh-CN" altLang="en-US" sz="1400" dirty="0">
+              <a:solidFill>
+                <a:schemeClr val="tx1"/>
+              </a:solidFill>
+              <a:latin typeface="Times New Roman" panose="02020603050405020304" pitchFamily="18" charset="0"/>
+              <a:cs typeface="Times New Roman" panose="02020603050405020304" pitchFamily="18" charset="0"/>
+            </a:endParaRPr>
+          </a:p>
+        </p:txBody>
+      </p:sp>
+      <p:sp>
+        <p:nvSpPr>
+          <p:cNvPr id="12" name="矩形 11"/>
+          <p:cNvSpPr/>
+          <p:nvPr/>
+        </p:nvSpPr>
+        <p:spPr>
+          <a:xfrm>
+            <a:off x="3896046" y="1190625"/>
+            <a:ext cx="419101" cy="419100"/>
+          </a:xfrm>
+          <a:prstGeom prst="rect">
+            <a:avLst/>
+          </a:prstGeom>
+          <a:noFill/>
+          <a:ln w="19050">
+            <a:solidFill>
+              <a:schemeClr val="tx1"/>
+            </a:solidFill>
+          </a:ln>
+        </p:spPr>
+        <p:style>
+          <a:lnRef idx="2">
+            <a:schemeClr val="accent1">
+              <a:shade val="50000"/>
+            </a:schemeClr>
+          </a:lnRef>
+          <a:fillRef idx="1">
+            <a:schemeClr val="accent1"/>
+          </a:fillRef>
+          <a:effectRef idx="0">
+            <a:schemeClr val="accent1"/>
+          </a:effectRef>
+          <a:fontRef idx="minor">
+            <a:schemeClr val="lt1"/>
+          </a:fontRef>
+        </p:style>
+        <p:txBody>
+          <a:bodyPr rtlCol="0" anchor="ctr"/>
+          <a:lstStyle/>
+          <a:p>
+            <a:pPr algn="ctr"/>
+            <a:r>
+              <a:rPr lang="en-US" altLang="zh-CN" dirty="0" smtClean="0">
+                <a:solidFill>
+                  <a:schemeClr val="tx1"/>
+                </a:solidFill>
+                <a:latin typeface="Times New Roman" panose="02020603050405020304" pitchFamily="18" charset="0"/>
+                <a:cs typeface="Times New Roman" panose="02020603050405020304" pitchFamily="18" charset="0"/>
+              </a:rPr>
+              <a:t>H</a:t>
+            </a:r>
+            <a:r>
+              <a:rPr lang="en-US" altLang="zh-CN" sz="1050" dirty="0" smtClean="0">
+                <a:solidFill>
+                  <a:schemeClr val="tx1"/>
+                </a:solidFill>
+                <a:latin typeface="Times New Roman" panose="02020603050405020304" pitchFamily="18" charset="0"/>
+                <a:cs typeface="Times New Roman" panose="02020603050405020304" pitchFamily="18" charset="0"/>
+              </a:rPr>
+              <a:t>3</a:t>
+            </a:r>
+            <a:endParaRPr lang="zh-CN" altLang="en-US" sz="1400" dirty="0">
+              <a:solidFill>
+                <a:schemeClr val="tx1"/>
+              </a:solidFill>
+              <a:latin typeface="Times New Roman" panose="02020603050405020304" pitchFamily="18" charset="0"/>
+              <a:cs typeface="Times New Roman" panose="02020603050405020304" pitchFamily="18" charset="0"/>
+            </a:endParaRPr>
+          </a:p>
+        </p:txBody>
+      </p:sp>
+      <p:sp>
+        <p:nvSpPr>
+          <p:cNvPr id="13" name="矩形 12"/>
+          <p:cNvSpPr/>
+          <p:nvPr/>
+        </p:nvSpPr>
+        <p:spPr>
+          <a:xfrm>
+            <a:off x="3143571" y="1190625"/>
+            <a:ext cx="419101" cy="419100"/>
+          </a:xfrm>
+          <a:prstGeom prst="rect">
+            <a:avLst/>
+          </a:prstGeom>
+          <a:noFill/>
+          <a:ln w="19050">
+            <a:solidFill>
+              <a:schemeClr val="tx1"/>
+            </a:solidFill>
+          </a:ln>
+        </p:spPr>
+        <p:style>
+          <a:lnRef idx="2">
+            <a:schemeClr val="accent1">
+              <a:shade val="50000"/>
+            </a:schemeClr>
+          </a:lnRef>
+          <a:fillRef idx="1">
+            <a:schemeClr val="accent1"/>
+          </a:fillRef>
+          <a:effectRef idx="0">
+            <a:schemeClr val="accent1"/>
+          </a:effectRef>
+          <a:fontRef idx="minor">
+            <a:schemeClr val="lt1"/>
+          </a:fontRef>
+        </p:style>
+        <p:txBody>
+          <a:bodyPr rtlCol="0" anchor="ctr"/>
+          <a:lstStyle/>
+          <a:p>
+            <a:pPr algn="ctr"/>
+            <a:r>
+              <a:rPr lang="en-US" altLang="zh-CN" dirty="0" smtClean="0">
+                <a:solidFill>
+                  <a:schemeClr val="tx1"/>
+                </a:solidFill>
+                <a:latin typeface="Times New Roman" panose="02020603050405020304" pitchFamily="18" charset="0"/>
+                <a:cs typeface="Times New Roman" panose="02020603050405020304" pitchFamily="18" charset="0"/>
+              </a:rPr>
+              <a:t>H</a:t>
+            </a:r>
+            <a:r>
+              <a:rPr lang="en-US" altLang="zh-CN" sz="1050" dirty="0" smtClean="0">
+                <a:solidFill>
+                  <a:schemeClr val="tx1"/>
+                </a:solidFill>
+                <a:latin typeface="Times New Roman" panose="02020603050405020304" pitchFamily="18" charset="0"/>
+                <a:cs typeface="Times New Roman" panose="02020603050405020304" pitchFamily="18" charset="0"/>
+              </a:rPr>
+              <a:t>2</a:t>
+            </a:r>
+            <a:endParaRPr lang="zh-CN" altLang="en-US" sz="1400" dirty="0">
+              <a:solidFill>
+                <a:schemeClr val="tx1"/>
+              </a:solidFill>
+              <a:latin typeface="Times New Roman" panose="02020603050405020304" pitchFamily="18" charset="0"/>
+              <a:cs typeface="Times New Roman" panose="02020603050405020304" pitchFamily="18" charset="0"/>
+            </a:endParaRPr>
+          </a:p>
+        </p:txBody>
+      </p:sp>
+      <p:sp>
+        <p:nvSpPr>
+          <p:cNvPr id="25" name="矩形 24"/>
+          <p:cNvSpPr/>
+          <p:nvPr/>
+        </p:nvSpPr>
+        <p:spPr>
+          <a:xfrm>
+            <a:off x="3659793" y="2541865"/>
+            <a:ext cx="419101" cy="526495"/>
+          </a:xfrm>
+          <a:prstGeom prst="rect">
+            <a:avLst/>
+          </a:prstGeom>
+          <a:noFill/>
+          <a:ln w="19050">
+            <a:solidFill>
+              <a:schemeClr val="tx1"/>
+            </a:solidFill>
+          </a:ln>
+        </p:spPr>
+        <p:style>
+          <a:lnRef idx="2">
+            <a:schemeClr val="accent1">
+              <a:shade val="50000"/>
+            </a:schemeClr>
+          </a:lnRef>
+          <a:fillRef idx="1">
+            <a:schemeClr val="accent1"/>
+          </a:fillRef>
+          <a:effectRef idx="0">
+            <a:schemeClr val="accent1"/>
+          </a:effectRef>
+          <a:fontRef idx="minor">
+            <a:schemeClr val="lt1"/>
+          </a:fontRef>
+        </p:style>
+        <p:txBody>
+          <a:bodyPr rtlCol="0" anchor="ctr"/>
+          <a:lstStyle/>
+          <a:p>
+            <a:pPr algn="ctr"/>
+            <a:r>
+              <a:rPr lang="en-US" altLang="zh-CN" dirty="0" smtClean="0">
+                <a:solidFill>
+                  <a:schemeClr val="tx1"/>
+                </a:solidFill>
+                <a:latin typeface="Times New Roman" panose="02020603050405020304" pitchFamily="18" charset="0"/>
+                <a:cs typeface="Times New Roman" panose="02020603050405020304" pitchFamily="18" charset="0"/>
+              </a:rPr>
+              <a:t>C</a:t>
+            </a:r>
+            <a:endParaRPr lang="zh-CN" altLang="en-US" sz="1400" dirty="0">
+              <a:solidFill>
+                <a:schemeClr val="tx1"/>
+              </a:solidFill>
+              <a:latin typeface="Times New Roman" panose="02020603050405020304" pitchFamily="18" charset="0"/>
+              <a:cs typeface="Times New Roman" panose="02020603050405020304" pitchFamily="18" charset="0"/>
+            </a:endParaRPr>
+          </a:p>
+        </p:txBody>
+      </p:sp>
+      <p:sp>
+        <p:nvSpPr>
+          <p:cNvPr id="27" name="矩形 26"/>
+          <p:cNvSpPr/>
+          <p:nvPr/>
+        </p:nvSpPr>
+        <p:spPr>
+          <a:xfrm>
+            <a:off x="3907525" y="3695700"/>
+            <a:ext cx="419101" cy="457200"/>
+          </a:xfrm>
+          <a:prstGeom prst="rect">
+            <a:avLst/>
+          </a:prstGeom>
+          <a:noFill/>
+          <a:ln w="19050">
+            <a:solidFill>
+              <a:schemeClr val="tx1"/>
+            </a:solidFill>
+          </a:ln>
+        </p:spPr>
+        <p:style>
+          <a:lnRef idx="2">
+            <a:schemeClr val="accent1">
+              <a:shade val="50000"/>
+            </a:schemeClr>
+          </a:lnRef>
+          <a:fillRef idx="1">
+            <a:schemeClr val="accent1"/>
+          </a:fillRef>
+          <a:effectRef idx="0">
+            <a:schemeClr val="accent1"/>
+          </a:effectRef>
+          <a:fontRef idx="minor">
+            <a:schemeClr val="lt1"/>
+          </a:fontRef>
+        </p:style>
+        <p:txBody>
+          <a:bodyPr rtlCol="0" anchor="ctr"/>
+          <a:lstStyle/>
+          <a:p>
+            <a:pPr algn="ctr"/>
+            <a:r>
+              <a:rPr lang="en-US" altLang="zh-CN" dirty="0" smtClean="0">
+                <a:solidFill>
+                  <a:schemeClr val="tx1"/>
+                </a:solidFill>
+                <a:latin typeface="Times New Roman" panose="02020603050405020304" pitchFamily="18" charset="0"/>
+                <a:cs typeface="Times New Roman" panose="02020603050405020304" pitchFamily="18" charset="0"/>
+              </a:rPr>
+              <a:t>h</a:t>
+            </a:r>
+            <a:r>
+              <a:rPr lang="en-US" altLang="zh-CN" sz="1050" dirty="0" smtClean="0">
+                <a:solidFill>
+                  <a:schemeClr val="tx1"/>
+                </a:solidFill>
+                <a:latin typeface="Times New Roman" panose="02020603050405020304" pitchFamily="18" charset="0"/>
+                <a:cs typeface="Times New Roman" panose="02020603050405020304" pitchFamily="18" charset="0"/>
+              </a:rPr>
+              <a:t>3</a:t>
+            </a:r>
+            <a:endParaRPr lang="zh-CN" altLang="en-US" sz="1400" dirty="0">
+              <a:solidFill>
+                <a:schemeClr val="tx1"/>
+              </a:solidFill>
+              <a:latin typeface="Times New Roman" panose="02020603050405020304" pitchFamily="18" charset="0"/>
+              <a:cs typeface="Times New Roman" panose="02020603050405020304" pitchFamily="18" charset="0"/>
+            </a:endParaRPr>
+          </a:p>
+        </p:txBody>
+      </p:sp>
+      <p:sp>
+        <p:nvSpPr>
+          <p:cNvPr id="28" name="矩形 27"/>
+          <p:cNvSpPr/>
+          <p:nvPr/>
+        </p:nvSpPr>
+        <p:spPr>
+          <a:xfrm>
+            <a:off x="5031476" y="3695700"/>
+            <a:ext cx="419100" cy="457200"/>
+          </a:xfrm>
+          <a:prstGeom prst="rect">
+            <a:avLst/>
+          </a:prstGeom>
+          <a:noFill/>
+          <a:ln w="19050">
+            <a:solidFill>
+              <a:schemeClr val="tx1"/>
+            </a:solidFill>
+          </a:ln>
+        </p:spPr>
+        <p:style>
+          <a:lnRef idx="2">
+            <a:schemeClr val="accent1">
+              <a:shade val="50000"/>
+            </a:schemeClr>
+          </a:lnRef>
+          <a:fillRef idx="1">
+            <a:schemeClr val="accent1"/>
+          </a:fillRef>
+          <a:effectRef idx="0">
+            <a:schemeClr val="accent1"/>
+          </a:effectRef>
+          <a:fontRef idx="minor">
+            <a:schemeClr val="lt1"/>
+          </a:fontRef>
+        </p:style>
+        <p:txBody>
+          <a:bodyPr rtlCol="0" anchor="ctr"/>
+          <a:lstStyle/>
+          <a:p>
+            <a:pPr algn="ctr"/>
+            <a:r>
+              <a:rPr lang="en-US" altLang="zh-CN" dirty="0" err="1" smtClean="0">
+                <a:solidFill>
+                  <a:schemeClr val="tx1"/>
+                </a:solidFill>
+                <a:latin typeface="Times New Roman" panose="02020603050405020304" pitchFamily="18" charset="0"/>
+                <a:cs typeface="Times New Roman" panose="02020603050405020304" pitchFamily="18" charset="0"/>
+              </a:rPr>
+              <a:t>h</a:t>
+            </a:r>
+            <a:r>
+              <a:rPr lang="en-US" altLang="zh-CN" sz="1050" dirty="0" err="1" smtClean="0">
+                <a:solidFill>
+                  <a:schemeClr val="tx1"/>
+                </a:solidFill>
+                <a:latin typeface="Times New Roman" panose="02020603050405020304" pitchFamily="18" charset="0"/>
+                <a:cs typeface="Times New Roman" panose="02020603050405020304" pitchFamily="18" charset="0"/>
+              </a:rPr>
+              <a:t>m</a:t>
+            </a:r>
+            <a:endParaRPr lang="zh-CN" altLang="en-US" sz="1400" dirty="0">
+              <a:solidFill>
+                <a:schemeClr val="tx1"/>
+              </a:solidFill>
+              <a:latin typeface="Times New Roman" panose="02020603050405020304" pitchFamily="18" charset="0"/>
+              <a:cs typeface="Times New Roman" panose="02020603050405020304" pitchFamily="18" charset="0"/>
+            </a:endParaRPr>
+          </a:p>
+        </p:txBody>
+      </p:sp>
+      <p:sp>
+        <p:nvSpPr>
+          <p:cNvPr id="29" name="矩形 28"/>
+          <p:cNvSpPr/>
+          <p:nvPr/>
+        </p:nvSpPr>
+        <p:spPr>
+          <a:xfrm>
+            <a:off x="3155050" y="3695700"/>
+            <a:ext cx="419101" cy="457200"/>
+          </a:xfrm>
+          <a:prstGeom prst="rect">
+            <a:avLst/>
+          </a:prstGeom>
+          <a:noFill/>
+          <a:ln w="19050">
+            <a:solidFill>
+              <a:schemeClr val="tx1"/>
+            </a:solidFill>
+          </a:ln>
+        </p:spPr>
+        <p:style>
+          <a:lnRef idx="2">
+            <a:schemeClr val="accent1">
+              <a:shade val="50000"/>
+            </a:schemeClr>
+          </a:lnRef>
+          <a:fillRef idx="1">
+            <a:schemeClr val="accent1"/>
+          </a:fillRef>
+          <a:effectRef idx="0">
+            <a:schemeClr val="accent1"/>
+          </a:effectRef>
+          <a:fontRef idx="minor">
+            <a:schemeClr val="lt1"/>
+          </a:fontRef>
+        </p:style>
+        <p:txBody>
+          <a:bodyPr rtlCol="0" anchor="ctr"/>
+          <a:lstStyle/>
+          <a:p>
+            <a:pPr algn="ctr"/>
+            <a:r>
+              <a:rPr lang="en-US" altLang="zh-CN" dirty="0" smtClean="0">
+                <a:solidFill>
+                  <a:schemeClr val="tx1"/>
+                </a:solidFill>
+                <a:latin typeface="Times New Roman" panose="02020603050405020304" pitchFamily="18" charset="0"/>
+                <a:cs typeface="Times New Roman" panose="02020603050405020304" pitchFamily="18" charset="0"/>
+              </a:rPr>
+              <a:t>h</a:t>
+            </a:r>
+            <a:r>
+              <a:rPr lang="en-US" altLang="zh-CN" sz="1050" dirty="0" smtClean="0">
+                <a:solidFill>
+                  <a:schemeClr val="tx1"/>
+                </a:solidFill>
+                <a:latin typeface="Times New Roman" panose="02020603050405020304" pitchFamily="18" charset="0"/>
+                <a:cs typeface="Times New Roman" panose="02020603050405020304" pitchFamily="18" charset="0"/>
+              </a:rPr>
+              <a:t>2</a:t>
+            </a:r>
+            <a:endParaRPr lang="zh-CN" altLang="en-US" sz="1400" dirty="0">
+              <a:solidFill>
+                <a:schemeClr val="tx1"/>
+              </a:solidFill>
+              <a:latin typeface="Times New Roman" panose="02020603050405020304" pitchFamily="18" charset="0"/>
+              <a:cs typeface="Times New Roman" panose="02020603050405020304" pitchFamily="18" charset="0"/>
+            </a:endParaRPr>
+          </a:p>
+        </p:txBody>
+      </p:sp>
+      <p:sp>
+        <p:nvSpPr>
+          <p:cNvPr id="30" name="矩形 29"/>
+          <p:cNvSpPr/>
+          <p:nvPr/>
+        </p:nvSpPr>
+        <p:spPr>
+          <a:xfrm>
+            <a:off x="2402575" y="3695700"/>
+            <a:ext cx="419101" cy="457200"/>
+          </a:xfrm>
+          <a:prstGeom prst="rect">
+            <a:avLst/>
+          </a:prstGeom>
+          <a:noFill/>
+          <a:ln w="19050">
+            <a:solidFill>
+              <a:schemeClr val="tx1"/>
+            </a:solidFill>
+          </a:ln>
+        </p:spPr>
+        <p:style>
+          <a:lnRef idx="2">
+            <a:schemeClr val="accent1">
+              <a:shade val="50000"/>
+            </a:schemeClr>
+          </a:lnRef>
+          <a:fillRef idx="1">
+            <a:schemeClr val="accent1"/>
+          </a:fillRef>
+          <a:effectRef idx="0">
+            <a:schemeClr val="accent1"/>
+          </a:effectRef>
+          <a:fontRef idx="minor">
+            <a:schemeClr val="lt1"/>
+          </a:fontRef>
+        </p:style>
+        <p:txBody>
+          <a:bodyPr rtlCol="0" anchor="ctr"/>
+          <a:lstStyle/>
+          <a:p>
+            <a:pPr algn="ctr"/>
+            <a:r>
+              <a:rPr lang="en-US" altLang="zh-CN" dirty="0" smtClean="0">
+                <a:solidFill>
+                  <a:schemeClr val="tx1"/>
+                </a:solidFill>
+                <a:latin typeface="Times New Roman" panose="02020603050405020304" pitchFamily="18" charset="0"/>
+                <a:cs typeface="Times New Roman" panose="02020603050405020304" pitchFamily="18" charset="0"/>
+              </a:rPr>
+              <a:t>h</a:t>
+            </a:r>
+            <a:r>
+              <a:rPr lang="en-US" altLang="zh-CN" sz="1050" dirty="0" smtClean="0">
+                <a:solidFill>
+                  <a:schemeClr val="tx1"/>
+                </a:solidFill>
+                <a:latin typeface="Times New Roman" panose="02020603050405020304" pitchFamily="18" charset="0"/>
+                <a:cs typeface="Times New Roman" panose="02020603050405020304" pitchFamily="18" charset="0"/>
+              </a:rPr>
+              <a:t>1</a:t>
+            </a:r>
+            <a:endParaRPr lang="zh-CN" altLang="en-US" sz="1400" dirty="0">
+              <a:solidFill>
+                <a:schemeClr val="tx1"/>
+              </a:solidFill>
+              <a:latin typeface="Times New Roman" panose="02020603050405020304" pitchFamily="18" charset="0"/>
+              <a:cs typeface="Times New Roman" panose="02020603050405020304" pitchFamily="18" charset="0"/>
+            </a:endParaRPr>
+          </a:p>
+        </p:txBody>
+      </p:sp>
+      <p:cxnSp>
+        <p:nvCxnSpPr>
+          <p:cNvPr id="32" name="直接箭头连接符 31"/>
+          <p:cNvCxnSpPr>
+            <a:stCxn id="30" idx="3"/>
+            <a:endCxn id="29" idx="1"/>
+          </p:cNvCxnSpPr>
+          <p:nvPr/>
+        </p:nvCxnSpPr>
+        <p:spPr>
+          <a:xfrm>
+            <a:off x="2821676" y="3924300"/>
+            <a:ext cx="333374" cy="0"/>
+          </a:xfrm>
+          <a:prstGeom prst="straightConnector1">
+            <a:avLst/>
+          </a:prstGeom>
+          <a:ln>
+            <a:tailEnd type="triangle"/>
+          </a:ln>
+        </p:spPr>
+        <p:style>
+          <a:lnRef idx="1">
+            <a:schemeClr val="dk1"/>
+          </a:lnRef>
+          <a:fillRef idx="0">
+            <a:schemeClr val="dk1"/>
+          </a:fillRef>
+          <a:effectRef idx="0">
+            <a:schemeClr val="dk1"/>
+          </a:effectRef>
+          <a:fontRef idx="minor">
+            <a:schemeClr val="tx1"/>
+          </a:fontRef>
+        </p:style>
+      </p:cxnSp>
+      <p:cxnSp>
+        <p:nvCxnSpPr>
+          <p:cNvPr id="34" name="直接箭头连接符 33"/>
+          <p:cNvCxnSpPr>
+            <a:stCxn id="29" idx="3"/>
+            <a:endCxn id="27" idx="1"/>
+          </p:cNvCxnSpPr>
+          <p:nvPr/>
+        </p:nvCxnSpPr>
+        <p:spPr>
+          <a:xfrm>
+            <a:off x="3574151" y="3924300"/>
+            <a:ext cx="333374" cy="0"/>
+          </a:xfrm>
+          <a:prstGeom prst="straightConnector1">
+            <a:avLst/>
+          </a:prstGeom>
+          <a:ln>
+            <a:tailEnd type="triangle"/>
+          </a:ln>
+        </p:spPr>
+        <p:style>
+          <a:lnRef idx="1">
+            <a:schemeClr val="dk1"/>
+          </a:lnRef>
+          <a:fillRef idx="0">
+            <a:schemeClr val="dk1"/>
+          </a:fillRef>
+          <a:effectRef idx="0">
+            <a:schemeClr val="dk1"/>
+          </a:effectRef>
+          <a:fontRef idx="minor">
+            <a:schemeClr val="tx1"/>
+          </a:fontRef>
+        </p:style>
+      </p:cxnSp>
+      <p:cxnSp>
+        <p:nvCxnSpPr>
+          <p:cNvPr id="36" name="直接箭头连接符 35"/>
+          <p:cNvCxnSpPr>
+            <a:stCxn id="27" idx="3"/>
+          </p:cNvCxnSpPr>
+          <p:nvPr/>
+        </p:nvCxnSpPr>
+        <p:spPr>
+          <a:xfrm>
+            <a:off x="4326626" y="3924300"/>
+            <a:ext cx="361950" cy="0"/>
+          </a:xfrm>
+          <a:prstGeom prst="straightConnector1">
+            <a:avLst/>
+          </a:prstGeom>
+          <a:ln>
+            <a:tailEnd type="triangle"/>
+          </a:ln>
+        </p:spPr>
+        <p:style>
+          <a:lnRef idx="1">
+            <a:schemeClr val="dk1"/>
+          </a:lnRef>
+          <a:fillRef idx="0">
+            <a:schemeClr val="dk1"/>
+          </a:fillRef>
+          <a:effectRef idx="0">
+            <a:schemeClr val="dk1"/>
+          </a:effectRef>
+          <a:fontRef idx="minor">
+            <a:schemeClr val="tx1"/>
+          </a:fontRef>
+        </p:style>
+      </p:cxnSp>
+      <p:sp>
+        <p:nvSpPr>
+          <p:cNvPr id="37" name="矩形 36"/>
+          <p:cNvSpPr/>
+          <p:nvPr/>
+        </p:nvSpPr>
+        <p:spPr>
+          <a:xfrm>
+            <a:off x="1650100" y="3695700"/>
+            <a:ext cx="419101" cy="457200"/>
+          </a:xfrm>
+          <a:prstGeom prst="rect">
+            <a:avLst/>
+          </a:prstGeom>
+          <a:noFill/>
+          <a:ln w="19050">
+            <a:solidFill>
+              <a:schemeClr val="tx1"/>
+            </a:solidFill>
+          </a:ln>
+        </p:spPr>
+        <p:style>
+          <a:lnRef idx="2">
+            <a:schemeClr val="accent1">
+              <a:shade val="50000"/>
+            </a:schemeClr>
+          </a:lnRef>
+          <a:fillRef idx="1">
+            <a:schemeClr val="accent1"/>
+          </a:fillRef>
+          <a:effectRef idx="0">
+            <a:schemeClr val="accent1"/>
+          </a:effectRef>
+          <a:fontRef idx="minor">
+            <a:schemeClr val="lt1"/>
+          </a:fontRef>
+        </p:style>
+        <p:txBody>
+          <a:bodyPr rtlCol="0" anchor="ctr"/>
+          <a:lstStyle/>
+          <a:p>
+            <a:pPr algn="ctr"/>
+            <a:r>
+              <a:rPr lang="en-US" altLang="zh-CN" dirty="0" smtClean="0">
+                <a:solidFill>
+                  <a:schemeClr val="tx1"/>
+                </a:solidFill>
+                <a:latin typeface="Times New Roman" panose="02020603050405020304" pitchFamily="18" charset="0"/>
+                <a:cs typeface="Times New Roman" panose="02020603050405020304" pitchFamily="18" charset="0"/>
+              </a:rPr>
+              <a:t>h</a:t>
+            </a:r>
+            <a:r>
+              <a:rPr lang="en-US" altLang="zh-CN" sz="1050" dirty="0" smtClean="0">
+                <a:solidFill>
+                  <a:schemeClr val="tx1"/>
+                </a:solidFill>
+                <a:latin typeface="Times New Roman" panose="02020603050405020304" pitchFamily="18" charset="0"/>
+                <a:cs typeface="Times New Roman" panose="02020603050405020304" pitchFamily="18" charset="0"/>
+              </a:rPr>
+              <a:t>0</a:t>
+            </a:r>
+            <a:endParaRPr lang="zh-CN" altLang="en-US" sz="1400" dirty="0">
+              <a:solidFill>
+                <a:schemeClr val="tx1"/>
+              </a:solidFill>
+              <a:latin typeface="Times New Roman" panose="02020603050405020304" pitchFamily="18" charset="0"/>
+              <a:cs typeface="Times New Roman" panose="02020603050405020304" pitchFamily="18" charset="0"/>
+            </a:endParaRPr>
+          </a:p>
+        </p:txBody>
+      </p:sp>
+      <p:cxnSp>
+        <p:nvCxnSpPr>
+          <p:cNvPr id="39" name="直接箭头连接符 38"/>
+          <p:cNvCxnSpPr>
+            <a:stCxn id="37" idx="3"/>
+            <a:endCxn id="30" idx="1"/>
+          </p:cNvCxnSpPr>
+          <p:nvPr/>
+        </p:nvCxnSpPr>
+        <p:spPr>
+          <a:xfrm>
+            <a:off x="2069201" y="3924300"/>
+            <a:ext cx="333374" cy="0"/>
+          </a:xfrm>
+          <a:prstGeom prst="straightConnector1">
+            <a:avLst/>
+          </a:prstGeom>
+          <a:ln>
+            <a:tailEnd type="triangle"/>
+          </a:ln>
+        </p:spPr>
+        <p:style>
+          <a:lnRef idx="1">
+            <a:schemeClr val="dk1"/>
+          </a:lnRef>
+          <a:fillRef idx="0">
+            <a:schemeClr val="dk1"/>
+          </a:fillRef>
+          <a:effectRef idx="0">
+            <a:schemeClr val="dk1"/>
+          </a:effectRef>
+          <a:fontRef idx="minor">
+            <a:schemeClr val="tx1"/>
+          </a:fontRef>
+        </p:style>
+      </p:cxnSp>
+      <p:sp>
+        <p:nvSpPr>
+          <p:cNvPr id="40" name="椭圆 39"/>
+          <p:cNvSpPr/>
+          <p:nvPr/>
+        </p:nvSpPr>
+        <p:spPr>
+          <a:xfrm>
+            <a:off x="2438965" y="4446032"/>
+            <a:ext cx="333375" cy="342900"/>
+          </a:xfrm>
+          <a:prstGeom prst="ellipse">
+            <a:avLst/>
+          </a:prstGeom>
+          <a:noFill/>
+          <a:ln w="19050">
+            <a:solidFill>
+              <a:schemeClr val="tx1"/>
+            </a:solidFill>
+          </a:ln>
+        </p:spPr>
+        <p:style>
+          <a:lnRef idx="2">
+            <a:schemeClr val="accent1">
+              <a:shade val="50000"/>
+            </a:schemeClr>
+          </a:lnRef>
+          <a:fillRef idx="1">
+            <a:schemeClr val="accent1"/>
+          </a:fillRef>
+          <a:effectRef idx="0">
+            <a:schemeClr val="accent1"/>
+          </a:effectRef>
+          <a:fontRef idx="minor">
+            <a:schemeClr val="lt1"/>
+          </a:fontRef>
+        </p:style>
+        <p:txBody>
+          <a:bodyPr rtlCol="0" anchor="ctr"/>
+          <a:lstStyle/>
+          <a:p>
+            <a:pPr algn="ctr"/>
+            <a:endParaRPr lang="zh-CN" altLang="en-US" sz="1050" dirty="0">
+              <a:solidFill>
+                <a:schemeClr val="tx1"/>
+              </a:solidFill>
+              <a:latin typeface="Times New Roman" panose="02020603050405020304" pitchFamily="18" charset="0"/>
+              <a:cs typeface="Times New Roman" panose="02020603050405020304" pitchFamily="18" charset="0"/>
+            </a:endParaRPr>
+          </a:p>
+        </p:txBody>
+      </p:sp>
+      <p:sp>
+        <p:nvSpPr>
+          <p:cNvPr id="41" name="文本框 40"/>
+          <p:cNvSpPr txBox="1"/>
+          <p:nvPr/>
+        </p:nvSpPr>
+        <p:spPr>
+          <a:xfrm>
+            <a:off x="2431473" y="4400550"/>
+            <a:ext cx="367408" cy="369332"/>
+          </a:xfrm>
+          <a:prstGeom prst="rect">
+            <a:avLst/>
+          </a:prstGeom>
+          <a:noFill/>
+        </p:spPr>
+        <p:txBody>
+          <a:bodyPr wrap="none" rtlCol="0">
+            <a:spAutoFit/>
+          </a:bodyPr>
+          <a:lstStyle/>
+          <a:p>
+            <a:r>
+              <a:rPr lang="en-US" altLang="zh-CN" dirty="0" smtClean="0">
+                <a:latin typeface="Times New Roman" panose="02020603050405020304" pitchFamily="18" charset="0"/>
+                <a:cs typeface="Times New Roman" panose="02020603050405020304" pitchFamily="18" charset="0"/>
+              </a:rPr>
+              <a:t>x</a:t>
+            </a:r>
+            <a:r>
+              <a:rPr lang="en-US" altLang="zh-CN" sz="1050" dirty="0" smtClean="0">
+                <a:latin typeface="Times New Roman" panose="02020603050405020304" pitchFamily="18" charset="0"/>
+                <a:cs typeface="Times New Roman" panose="02020603050405020304" pitchFamily="18" charset="0"/>
+              </a:rPr>
+              <a:t>1</a:t>
+            </a:r>
+            <a:endParaRPr lang="zh-CN" altLang="en-US" sz="1050" dirty="0">
+              <a:latin typeface="Times New Roman" panose="02020603050405020304" pitchFamily="18" charset="0"/>
+              <a:cs typeface="Times New Roman" panose="02020603050405020304" pitchFamily="18" charset="0"/>
+            </a:endParaRPr>
+          </a:p>
+        </p:txBody>
+      </p:sp>
+      <p:sp>
+        <p:nvSpPr>
+          <p:cNvPr id="42" name="椭圆 41"/>
+          <p:cNvSpPr/>
+          <p:nvPr/>
+        </p:nvSpPr>
+        <p:spPr>
+          <a:xfrm>
+            <a:off x="3191118" y="4446032"/>
+            <a:ext cx="333375" cy="342900"/>
+          </a:xfrm>
+          <a:prstGeom prst="ellipse">
+            <a:avLst/>
+          </a:prstGeom>
+          <a:noFill/>
+          <a:ln w="19050">
+            <a:solidFill>
+              <a:schemeClr val="tx1"/>
+            </a:solidFill>
+          </a:ln>
+        </p:spPr>
+        <p:style>
+          <a:lnRef idx="2">
+            <a:schemeClr val="accent1">
+              <a:shade val="50000"/>
+            </a:schemeClr>
+          </a:lnRef>
+          <a:fillRef idx="1">
+            <a:schemeClr val="accent1"/>
+          </a:fillRef>
+          <a:effectRef idx="0">
+            <a:schemeClr val="accent1"/>
+          </a:effectRef>
+          <a:fontRef idx="minor">
+            <a:schemeClr val="lt1"/>
+          </a:fontRef>
+        </p:style>
+        <p:txBody>
+          <a:bodyPr rtlCol="0" anchor="ctr"/>
+          <a:lstStyle/>
+          <a:p>
+            <a:pPr algn="ctr"/>
+            <a:endParaRPr lang="zh-CN" altLang="en-US" sz="1050" dirty="0">
+              <a:solidFill>
+                <a:schemeClr val="tx1"/>
+              </a:solidFill>
+              <a:latin typeface="Times New Roman" panose="02020603050405020304" pitchFamily="18" charset="0"/>
+              <a:cs typeface="Times New Roman" panose="02020603050405020304" pitchFamily="18" charset="0"/>
+            </a:endParaRPr>
+          </a:p>
+        </p:txBody>
+      </p:sp>
+      <p:sp>
+        <p:nvSpPr>
+          <p:cNvPr id="43" name="文本框 42"/>
+          <p:cNvSpPr txBox="1"/>
+          <p:nvPr/>
+        </p:nvSpPr>
+        <p:spPr>
+          <a:xfrm>
+            <a:off x="3183626" y="4410075"/>
+            <a:ext cx="367408" cy="369332"/>
+          </a:xfrm>
+          <a:prstGeom prst="rect">
+            <a:avLst/>
+          </a:prstGeom>
+          <a:noFill/>
+        </p:spPr>
+        <p:txBody>
+          <a:bodyPr wrap="none" rtlCol="0">
+            <a:spAutoFit/>
+          </a:bodyPr>
+          <a:lstStyle/>
+          <a:p>
+            <a:r>
+              <a:rPr lang="en-US" altLang="zh-CN" dirty="0" smtClean="0">
+                <a:latin typeface="Times New Roman" panose="02020603050405020304" pitchFamily="18" charset="0"/>
+                <a:cs typeface="Times New Roman" panose="02020603050405020304" pitchFamily="18" charset="0"/>
+              </a:rPr>
+              <a:t>x</a:t>
+            </a:r>
+            <a:r>
+              <a:rPr lang="en-US" altLang="zh-CN" sz="1050" dirty="0" smtClean="0">
+                <a:latin typeface="Times New Roman" panose="02020603050405020304" pitchFamily="18" charset="0"/>
+                <a:cs typeface="Times New Roman" panose="02020603050405020304" pitchFamily="18" charset="0"/>
+              </a:rPr>
+              <a:t>2</a:t>
+            </a:r>
+            <a:endParaRPr lang="zh-CN" altLang="en-US" sz="1050" dirty="0">
+              <a:latin typeface="Times New Roman" panose="02020603050405020304" pitchFamily="18" charset="0"/>
+              <a:cs typeface="Times New Roman" panose="02020603050405020304" pitchFamily="18" charset="0"/>
+            </a:endParaRPr>
+          </a:p>
+        </p:txBody>
+      </p:sp>
+      <p:sp>
+        <p:nvSpPr>
+          <p:cNvPr id="44" name="椭圆 43"/>
+          <p:cNvSpPr/>
+          <p:nvPr/>
+        </p:nvSpPr>
+        <p:spPr>
+          <a:xfrm>
+            <a:off x="3943593" y="4446032"/>
+            <a:ext cx="333375" cy="342900"/>
+          </a:xfrm>
+          <a:prstGeom prst="ellipse">
+            <a:avLst/>
+          </a:prstGeom>
+          <a:noFill/>
+          <a:ln w="19050">
+            <a:solidFill>
+              <a:schemeClr val="tx1"/>
+            </a:solidFill>
+          </a:ln>
+        </p:spPr>
+        <p:style>
+          <a:lnRef idx="2">
+            <a:schemeClr val="accent1">
+              <a:shade val="50000"/>
+            </a:schemeClr>
+          </a:lnRef>
+          <a:fillRef idx="1">
+            <a:schemeClr val="accent1"/>
+          </a:fillRef>
+          <a:effectRef idx="0">
+            <a:schemeClr val="accent1"/>
+          </a:effectRef>
+          <a:fontRef idx="minor">
+            <a:schemeClr val="lt1"/>
+          </a:fontRef>
+        </p:style>
+        <p:txBody>
+          <a:bodyPr rtlCol="0" anchor="ctr"/>
+          <a:lstStyle/>
+          <a:p>
+            <a:pPr algn="ctr"/>
+            <a:endParaRPr lang="zh-CN" altLang="en-US" sz="1050" dirty="0">
+              <a:solidFill>
+                <a:schemeClr val="tx1"/>
+              </a:solidFill>
+              <a:latin typeface="Times New Roman" panose="02020603050405020304" pitchFamily="18" charset="0"/>
+              <a:cs typeface="Times New Roman" panose="02020603050405020304" pitchFamily="18" charset="0"/>
+            </a:endParaRPr>
+          </a:p>
+        </p:txBody>
+      </p:sp>
+      <p:sp>
+        <p:nvSpPr>
+          <p:cNvPr id="45" name="文本框 44"/>
+          <p:cNvSpPr txBox="1"/>
+          <p:nvPr/>
+        </p:nvSpPr>
+        <p:spPr>
+          <a:xfrm>
+            <a:off x="3936101" y="4410075"/>
+            <a:ext cx="367408" cy="369332"/>
+          </a:xfrm>
+          <a:prstGeom prst="rect">
+            <a:avLst/>
+          </a:prstGeom>
+          <a:noFill/>
+        </p:spPr>
+        <p:txBody>
+          <a:bodyPr wrap="none" rtlCol="0">
+            <a:spAutoFit/>
+          </a:bodyPr>
+          <a:lstStyle/>
+          <a:p>
+            <a:r>
+              <a:rPr lang="en-US" altLang="zh-CN" dirty="0" smtClean="0">
+                <a:latin typeface="Times New Roman" panose="02020603050405020304" pitchFamily="18" charset="0"/>
+                <a:cs typeface="Times New Roman" panose="02020603050405020304" pitchFamily="18" charset="0"/>
+              </a:rPr>
+              <a:t>x</a:t>
+            </a:r>
+            <a:r>
+              <a:rPr lang="en-US" altLang="zh-CN" sz="1050" dirty="0" smtClean="0">
+                <a:latin typeface="Times New Roman" panose="02020603050405020304" pitchFamily="18" charset="0"/>
+                <a:cs typeface="Times New Roman" panose="02020603050405020304" pitchFamily="18" charset="0"/>
+              </a:rPr>
+              <a:t>3</a:t>
+            </a:r>
+            <a:endParaRPr lang="zh-CN" altLang="en-US" sz="1050" dirty="0">
+              <a:latin typeface="Times New Roman" panose="02020603050405020304" pitchFamily="18" charset="0"/>
+              <a:cs typeface="Times New Roman" panose="02020603050405020304" pitchFamily="18" charset="0"/>
+            </a:endParaRPr>
+          </a:p>
+        </p:txBody>
+      </p:sp>
+      <p:sp>
+        <p:nvSpPr>
+          <p:cNvPr id="46" name="椭圆 45"/>
+          <p:cNvSpPr/>
+          <p:nvPr/>
+        </p:nvSpPr>
+        <p:spPr>
+          <a:xfrm>
+            <a:off x="5079423" y="4446032"/>
+            <a:ext cx="333375" cy="342900"/>
+          </a:xfrm>
+          <a:prstGeom prst="ellipse">
+            <a:avLst/>
+          </a:prstGeom>
+          <a:noFill/>
+          <a:ln w="19050">
+            <a:solidFill>
+              <a:schemeClr val="tx1"/>
+            </a:solidFill>
+          </a:ln>
+        </p:spPr>
+        <p:style>
+          <a:lnRef idx="2">
+            <a:schemeClr val="accent1">
+              <a:shade val="50000"/>
+            </a:schemeClr>
+          </a:lnRef>
+          <a:fillRef idx="1">
+            <a:schemeClr val="accent1"/>
+          </a:fillRef>
+          <a:effectRef idx="0">
+            <a:schemeClr val="accent1"/>
+          </a:effectRef>
+          <a:fontRef idx="minor">
+            <a:schemeClr val="lt1"/>
+          </a:fontRef>
+        </p:style>
+        <p:txBody>
+          <a:bodyPr rtlCol="0" anchor="ctr"/>
+          <a:lstStyle/>
+          <a:p>
+            <a:pPr algn="ctr"/>
+            <a:endParaRPr lang="zh-CN" altLang="en-US" sz="1050" dirty="0">
+              <a:solidFill>
+                <a:schemeClr val="tx1"/>
+              </a:solidFill>
+              <a:latin typeface="Times New Roman" panose="02020603050405020304" pitchFamily="18" charset="0"/>
+              <a:cs typeface="Times New Roman" panose="02020603050405020304" pitchFamily="18" charset="0"/>
+            </a:endParaRPr>
+          </a:p>
+        </p:txBody>
+      </p:sp>
+      <p:sp>
+        <p:nvSpPr>
+          <p:cNvPr id="47" name="文本框 46"/>
+          <p:cNvSpPr txBox="1"/>
+          <p:nvPr/>
+        </p:nvSpPr>
+        <p:spPr>
+          <a:xfrm>
+            <a:off x="5052881" y="4410075"/>
+            <a:ext cx="404278" cy="369332"/>
+          </a:xfrm>
+          <a:prstGeom prst="rect">
+            <a:avLst/>
+          </a:prstGeom>
+          <a:noFill/>
+        </p:spPr>
+        <p:txBody>
+          <a:bodyPr wrap="none" rtlCol="0">
+            <a:spAutoFit/>
+          </a:bodyPr>
+          <a:lstStyle/>
+          <a:p>
+            <a:r>
+              <a:rPr lang="en-US" altLang="zh-CN" dirty="0" err="1" smtClean="0">
+                <a:latin typeface="Times New Roman" panose="02020603050405020304" pitchFamily="18" charset="0"/>
+                <a:cs typeface="Times New Roman" panose="02020603050405020304" pitchFamily="18" charset="0"/>
+              </a:rPr>
+              <a:t>x</a:t>
+            </a:r>
+            <a:r>
+              <a:rPr lang="en-US" altLang="zh-CN" sz="1050" dirty="0" err="1" smtClean="0">
+                <a:latin typeface="Times New Roman" panose="02020603050405020304" pitchFamily="18" charset="0"/>
+                <a:cs typeface="Times New Roman" panose="02020603050405020304" pitchFamily="18" charset="0"/>
+              </a:rPr>
+              <a:t>m</a:t>
+            </a:r>
+            <a:endParaRPr lang="zh-CN" altLang="en-US" sz="1050" dirty="0">
+              <a:latin typeface="Times New Roman" panose="02020603050405020304" pitchFamily="18" charset="0"/>
+              <a:cs typeface="Times New Roman" panose="02020603050405020304" pitchFamily="18" charset="0"/>
+            </a:endParaRPr>
+          </a:p>
+        </p:txBody>
+      </p:sp>
+      <p:cxnSp>
+        <p:nvCxnSpPr>
+          <p:cNvPr id="49" name="直接箭头连接符 48"/>
+          <p:cNvCxnSpPr>
+            <a:stCxn id="41" idx="0"/>
+            <a:endCxn id="30" idx="2"/>
+          </p:cNvCxnSpPr>
+          <p:nvPr/>
+        </p:nvCxnSpPr>
+        <p:spPr>
+          <a:xfrm flipH="1" flipV="1">
+            <a:off x="2612126" y="4152900"/>
+            <a:ext cx="3051" cy="247650"/>
+          </a:xfrm>
+          <a:prstGeom prst="straightConnector1">
+            <a:avLst/>
+          </a:prstGeom>
+          <a:ln>
+            <a:tailEnd type="triangle"/>
+          </a:ln>
+        </p:spPr>
+        <p:style>
+          <a:lnRef idx="1">
+            <a:schemeClr val="dk1"/>
+          </a:lnRef>
+          <a:fillRef idx="0">
+            <a:schemeClr val="dk1"/>
+          </a:fillRef>
+          <a:effectRef idx="0">
+            <a:schemeClr val="dk1"/>
+          </a:effectRef>
+          <a:fontRef idx="minor">
+            <a:schemeClr val="tx1"/>
+          </a:fontRef>
+        </p:style>
+      </p:cxnSp>
+      <p:cxnSp>
+        <p:nvCxnSpPr>
+          <p:cNvPr id="55" name="直接箭头连接符 54"/>
+          <p:cNvCxnSpPr>
+            <a:stCxn id="43" idx="0"/>
+            <a:endCxn id="29" idx="2"/>
+          </p:cNvCxnSpPr>
+          <p:nvPr/>
+        </p:nvCxnSpPr>
+        <p:spPr>
+          <a:xfrm flipH="1" flipV="1">
+            <a:off x="3364601" y="4152900"/>
+            <a:ext cx="2729" cy="257175"/>
+          </a:xfrm>
+          <a:prstGeom prst="straightConnector1">
+            <a:avLst/>
+          </a:prstGeom>
+          <a:ln>
+            <a:tailEnd type="triangle"/>
+          </a:ln>
+        </p:spPr>
+        <p:style>
+          <a:lnRef idx="1">
+            <a:schemeClr val="dk1"/>
+          </a:lnRef>
+          <a:fillRef idx="0">
+            <a:schemeClr val="dk1"/>
+          </a:fillRef>
+          <a:effectRef idx="0">
+            <a:schemeClr val="dk1"/>
+          </a:effectRef>
+          <a:fontRef idx="minor">
+            <a:schemeClr val="tx1"/>
+          </a:fontRef>
+        </p:style>
+      </p:cxnSp>
+      <p:cxnSp>
+        <p:nvCxnSpPr>
+          <p:cNvPr id="57" name="直接箭头连接符 56"/>
+          <p:cNvCxnSpPr>
+            <a:stCxn id="45" idx="0"/>
+            <a:endCxn id="27" idx="2"/>
+          </p:cNvCxnSpPr>
+          <p:nvPr/>
+        </p:nvCxnSpPr>
+        <p:spPr>
+          <a:xfrm flipH="1" flipV="1">
+            <a:off x="4117076" y="4152900"/>
+            <a:ext cx="2729" cy="257175"/>
+          </a:xfrm>
+          <a:prstGeom prst="straightConnector1">
+            <a:avLst/>
+          </a:prstGeom>
+          <a:ln>
+            <a:tailEnd type="triangle"/>
+          </a:ln>
+        </p:spPr>
+        <p:style>
+          <a:lnRef idx="1">
+            <a:schemeClr val="dk1"/>
+          </a:lnRef>
+          <a:fillRef idx="0">
+            <a:schemeClr val="dk1"/>
+          </a:fillRef>
+          <a:effectRef idx="0">
+            <a:schemeClr val="dk1"/>
+          </a:effectRef>
+          <a:fontRef idx="minor">
+            <a:schemeClr val="tx1"/>
+          </a:fontRef>
+        </p:style>
+      </p:cxnSp>
+      <p:cxnSp>
+        <p:nvCxnSpPr>
+          <p:cNvPr id="60" name="直接箭头连接符 59"/>
+          <p:cNvCxnSpPr>
+            <a:stCxn id="47" idx="0"/>
+            <a:endCxn id="28" idx="2"/>
+          </p:cNvCxnSpPr>
+          <p:nvPr/>
+        </p:nvCxnSpPr>
+        <p:spPr>
+          <a:xfrm flipH="1" flipV="1">
+            <a:off x="5241026" y="4152900"/>
+            <a:ext cx="13994" cy="257175"/>
+          </a:xfrm>
+          <a:prstGeom prst="straightConnector1">
+            <a:avLst/>
+          </a:prstGeom>
+          <a:ln>
+            <a:tailEnd type="triangle"/>
+          </a:ln>
+        </p:spPr>
+        <p:style>
+          <a:lnRef idx="1">
+            <a:schemeClr val="dk1"/>
+          </a:lnRef>
+          <a:fillRef idx="0">
+            <a:schemeClr val="dk1"/>
+          </a:fillRef>
+          <a:effectRef idx="0">
+            <a:schemeClr val="dk1"/>
+          </a:effectRef>
+          <a:fontRef idx="minor">
+            <a:schemeClr val="tx1"/>
+          </a:fontRef>
+        </p:style>
+      </p:cxnSp>
+      <p:cxnSp>
+        <p:nvCxnSpPr>
+          <p:cNvPr id="62" name="直接箭头连接符 61"/>
+          <p:cNvCxnSpPr>
+            <a:stCxn id="28" idx="0"/>
+            <a:endCxn id="25" idx="2"/>
+          </p:cNvCxnSpPr>
+          <p:nvPr/>
+        </p:nvCxnSpPr>
+        <p:spPr>
+          <a:xfrm flipH="1" flipV="1">
+            <a:off x="3869344" y="3068360"/>
+            <a:ext cx="1371682" cy="627340"/>
+          </a:xfrm>
+          <a:prstGeom prst="straightConnector1">
+            <a:avLst/>
+          </a:prstGeom>
+          <a:ln>
+            <a:tailEnd type="triangle"/>
+          </a:ln>
+        </p:spPr>
+        <p:style>
+          <a:lnRef idx="1">
+            <a:schemeClr val="dk1"/>
+          </a:lnRef>
+          <a:fillRef idx="0">
+            <a:schemeClr val="dk1"/>
+          </a:fillRef>
+          <a:effectRef idx="0">
+            <a:schemeClr val="dk1"/>
+          </a:effectRef>
+          <a:fontRef idx="minor">
+            <a:schemeClr val="tx1"/>
+          </a:fontRef>
+        </p:style>
+      </p:cxnSp>
+      <p:cxnSp>
+        <p:nvCxnSpPr>
+          <p:cNvPr id="65" name="直接箭头连接符 64"/>
+          <p:cNvCxnSpPr>
+            <a:stCxn id="25" idx="0"/>
+            <a:endCxn id="66" idx="2"/>
+          </p:cNvCxnSpPr>
+          <p:nvPr/>
+        </p:nvCxnSpPr>
+        <p:spPr>
+          <a:xfrm flipH="1" flipV="1">
+            <a:off x="2600647" y="1609725"/>
+            <a:ext cx="1268697" cy="932140"/>
+          </a:xfrm>
+          <a:prstGeom prst="straightConnector1">
+            <a:avLst/>
+          </a:prstGeom>
+          <a:ln>
+            <a:tailEnd type="triangle"/>
+          </a:ln>
+        </p:spPr>
+        <p:style>
+          <a:lnRef idx="1">
+            <a:schemeClr val="dk1"/>
+          </a:lnRef>
+          <a:fillRef idx="0">
+            <a:schemeClr val="dk1"/>
+          </a:fillRef>
+          <a:effectRef idx="0">
+            <a:schemeClr val="dk1"/>
+          </a:effectRef>
+          <a:fontRef idx="minor">
+            <a:schemeClr val="tx1"/>
+          </a:fontRef>
+        </p:style>
+      </p:cxnSp>
+      <p:sp>
+        <p:nvSpPr>
+          <p:cNvPr id="66" name="矩形 65"/>
+          <p:cNvSpPr/>
+          <p:nvPr/>
+        </p:nvSpPr>
+        <p:spPr>
+          <a:xfrm>
+            <a:off x="2391096" y="1190625"/>
+            <a:ext cx="419101" cy="419100"/>
+          </a:xfrm>
+          <a:prstGeom prst="rect">
+            <a:avLst/>
+          </a:prstGeom>
+          <a:noFill/>
+          <a:ln w="19050">
+            <a:solidFill>
+              <a:schemeClr val="tx1"/>
+            </a:solidFill>
+          </a:ln>
+        </p:spPr>
+        <p:style>
+          <a:lnRef idx="2">
+            <a:schemeClr val="accent1">
+              <a:shade val="50000"/>
+            </a:schemeClr>
+          </a:lnRef>
+          <a:fillRef idx="1">
+            <a:schemeClr val="accent1"/>
+          </a:fillRef>
+          <a:effectRef idx="0">
+            <a:schemeClr val="accent1"/>
+          </a:effectRef>
+          <a:fontRef idx="minor">
+            <a:schemeClr val="lt1"/>
+          </a:fontRef>
+        </p:style>
+        <p:txBody>
+          <a:bodyPr rtlCol="0" anchor="ctr"/>
+          <a:lstStyle/>
+          <a:p>
+            <a:pPr algn="ctr"/>
+            <a:r>
+              <a:rPr lang="en-US" altLang="zh-CN" dirty="0" smtClean="0">
+                <a:solidFill>
+                  <a:schemeClr val="tx1"/>
+                </a:solidFill>
+                <a:latin typeface="Times New Roman" panose="02020603050405020304" pitchFamily="18" charset="0"/>
+                <a:cs typeface="Times New Roman" panose="02020603050405020304" pitchFamily="18" charset="0"/>
+              </a:rPr>
+              <a:t>H</a:t>
+            </a:r>
+            <a:r>
+              <a:rPr lang="en-US" altLang="zh-CN" sz="1050" dirty="0" smtClean="0">
+                <a:solidFill>
+                  <a:schemeClr val="tx1"/>
+                </a:solidFill>
+                <a:latin typeface="Times New Roman" panose="02020603050405020304" pitchFamily="18" charset="0"/>
+                <a:cs typeface="Times New Roman" panose="02020603050405020304" pitchFamily="18" charset="0"/>
+              </a:rPr>
+              <a:t>1</a:t>
+            </a:r>
+            <a:endParaRPr lang="zh-CN" altLang="en-US" sz="1400" dirty="0">
+              <a:solidFill>
+                <a:schemeClr val="tx1"/>
+              </a:solidFill>
+              <a:latin typeface="Times New Roman" panose="02020603050405020304" pitchFamily="18" charset="0"/>
+              <a:cs typeface="Times New Roman" panose="02020603050405020304" pitchFamily="18" charset="0"/>
+            </a:endParaRPr>
+          </a:p>
+        </p:txBody>
+      </p:sp>
+      <p:sp>
+        <p:nvSpPr>
+          <p:cNvPr id="67" name="椭圆 66"/>
+          <p:cNvSpPr/>
+          <p:nvPr/>
+        </p:nvSpPr>
+        <p:spPr>
+          <a:xfrm>
+            <a:off x="2434656" y="329684"/>
+            <a:ext cx="333375" cy="342900"/>
+          </a:xfrm>
+          <a:prstGeom prst="ellipse">
+            <a:avLst/>
+          </a:prstGeom>
+          <a:noFill/>
+          <a:ln w="19050">
+            <a:solidFill>
+              <a:schemeClr val="tx1"/>
+            </a:solidFill>
+          </a:ln>
+        </p:spPr>
+        <p:style>
+          <a:lnRef idx="2">
+            <a:schemeClr val="accent1">
+              <a:shade val="50000"/>
+            </a:schemeClr>
+          </a:lnRef>
+          <a:fillRef idx="1">
+            <a:schemeClr val="accent1"/>
+          </a:fillRef>
+          <a:effectRef idx="0">
+            <a:schemeClr val="accent1"/>
+          </a:effectRef>
+          <a:fontRef idx="minor">
+            <a:schemeClr val="lt1"/>
+          </a:fontRef>
+        </p:style>
+        <p:txBody>
+          <a:bodyPr rtlCol="0" anchor="ctr"/>
+          <a:lstStyle/>
+          <a:p>
+            <a:pPr algn="ctr"/>
+            <a:endParaRPr lang="zh-CN" altLang="en-US" sz="1050" dirty="0">
+              <a:solidFill>
+                <a:schemeClr val="tx1"/>
+              </a:solidFill>
+              <a:latin typeface="Times New Roman" panose="02020603050405020304" pitchFamily="18" charset="0"/>
+              <a:cs typeface="Times New Roman" panose="02020603050405020304" pitchFamily="18" charset="0"/>
+            </a:endParaRPr>
+          </a:p>
+        </p:txBody>
+      </p:sp>
+      <p:sp>
+        <p:nvSpPr>
+          <p:cNvPr id="68" name="文本框 67"/>
+          <p:cNvSpPr txBox="1"/>
+          <p:nvPr/>
+        </p:nvSpPr>
+        <p:spPr>
+          <a:xfrm>
+            <a:off x="2427164" y="284202"/>
+            <a:ext cx="367408" cy="369332"/>
+          </a:xfrm>
+          <a:prstGeom prst="rect">
+            <a:avLst/>
+          </a:prstGeom>
+          <a:noFill/>
+        </p:spPr>
+        <p:txBody>
+          <a:bodyPr wrap="none" rtlCol="0">
+            <a:spAutoFit/>
+          </a:bodyPr>
+          <a:lstStyle/>
+          <a:p>
+            <a:r>
+              <a:rPr lang="en-US" altLang="zh-CN" dirty="0" smtClean="0">
+                <a:latin typeface="Times New Roman" panose="02020603050405020304" pitchFamily="18" charset="0"/>
+                <a:cs typeface="Times New Roman" panose="02020603050405020304" pitchFamily="18" charset="0"/>
+              </a:rPr>
+              <a:t>y</a:t>
+            </a:r>
+            <a:r>
+              <a:rPr lang="en-US" altLang="zh-CN" sz="1050" dirty="0" smtClean="0">
+                <a:latin typeface="Times New Roman" panose="02020603050405020304" pitchFamily="18" charset="0"/>
+                <a:cs typeface="Times New Roman" panose="02020603050405020304" pitchFamily="18" charset="0"/>
+              </a:rPr>
+              <a:t>1</a:t>
+            </a:r>
+            <a:endParaRPr lang="zh-CN" altLang="en-US" sz="1050" dirty="0">
+              <a:latin typeface="Times New Roman" panose="02020603050405020304" pitchFamily="18" charset="0"/>
+              <a:cs typeface="Times New Roman" panose="02020603050405020304" pitchFamily="18" charset="0"/>
+            </a:endParaRPr>
+          </a:p>
+        </p:txBody>
+      </p:sp>
+      <p:sp>
+        <p:nvSpPr>
+          <p:cNvPr id="69" name="椭圆 68"/>
+          <p:cNvSpPr/>
+          <p:nvPr/>
+        </p:nvSpPr>
+        <p:spPr>
+          <a:xfrm>
+            <a:off x="3186970" y="365641"/>
+            <a:ext cx="333375" cy="342900"/>
+          </a:xfrm>
+          <a:prstGeom prst="ellipse">
+            <a:avLst/>
+          </a:prstGeom>
+          <a:noFill/>
+          <a:ln w="19050">
+            <a:solidFill>
+              <a:schemeClr val="tx1"/>
+            </a:solidFill>
+          </a:ln>
+        </p:spPr>
+        <p:style>
+          <a:lnRef idx="2">
+            <a:schemeClr val="accent1">
+              <a:shade val="50000"/>
+            </a:schemeClr>
+          </a:lnRef>
+          <a:fillRef idx="1">
+            <a:schemeClr val="accent1"/>
+          </a:fillRef>
+          <a:effectRef idx="0">
+            <a:schemeClr val="accent1"/>
+          </a:effectRef>
+          <a:fontRef idx="minor">
+            <a:schemeClr val="lt1"/>
+          </a:fontRef>
+        </p:style>
+        <p:txBody>
+          <a:bodyPr rtlCol="0" anchor="ctr"/>
+          <a:lstStyle/>
+          <a:p>
+            <a:pPr algn="ctr"/>
+            <a:endParaRPr lang="zh-CN" altLang="en-US" sz="1050" dirty="0">
+              <a:solidFill>
+                <a:schemeClr val="tx1"/>
+              </a:solidFill>
+              <a:latin typeface="Times New Roman" panose="02020603050405020304" pitchFamily="18" charset="0"/>
+              <a:cs typeface="Times New Roman" panose="02020603050405020304" pitchFamily="18" charset="0"/>
+            </a:endParaRPr>
+          </a:p>
+        </p:txBody>
+      </p:sp>
+      <p:sp>
+        <p:nvSpPr>
+          <p:cNvPr id="70" name="文本框 69"/>
+          <p:cNvSpPr txBox="1"/>
+          <p:nvPr/>
+        </p:nvSpPr>
+        <p:spPr>
+          <a:xfrm>
+            <a:off x="3179478" y="329684"/>
+            <a:ext cx="367408" cy="369332"/>
+          </a:xfrm>
+          <a:prstGeom prst="rect">
+            <a:avLst/>
+          </a:prstGeom>
+          <a:noFill/>
+        </p:spPr>
+        <p:txBody>
+          <a:bodyPr wrap="none" rtlCol="0">
+            <a:spAutoFit/>
+          </a:bodyPr>
+          <a:lstStyle/>
+          <a:p>
+            <a:r>
+              <a:rPr lang="en-US" altLang="zh-CN" dirty="0">
+                <a:latin typeface="Times New Roman" panose="02020603050405020304" pitchFamily="18" charset="0"/>
+                <a:cs typeface="Times New Roman" panose="02020603050405020304" pitchFamily="18" charset="0"/>
+              </a:rPr>
+              <a:t>y</a:t>
+            </a:r>
+            <a:r>
+              <a:rPr lang="en-US" altLang="zh-CN" sz="1050" dirty="0" smtClean="0">
+                <a:latin typeface="Times New Roman" panose="02020603050405020304" pitchFamily="18" charset="0"/>
+                <a:cs typeface="Times New Roman" panose="02020603050405020304" pitchFamily="18" charset="0"/>
+              </a:rPr>
+              <a:t>2</a:t>
+            </a:r>
+            <a:endParaRPr lang="zh-CN" altLang="en-US" sz="1050" dirty="0">
+              <a:latin typeface="Times New Roman" panose="02020603050405020304" pitchFamily="18" charset="0"/>
+              <a:cs typeface="Times New Roman" panose="02020603050405020304" pitchFamily="18" charset="0"/>
+            </a:endParaRPr>
+          </a:p>
+        </p:txBody>
+      </p:sp>
+      <p:sp>
+        <p:nvSpPr>
+          <p:cNvPr id="71" name="椭圆 70"/>
+          <p:cNvSpPr/>
+          <p:nvPr/>
+        </p:nvSpPr>
+        <p:spPr>
+          <a:xfrm>
+            <a:off x="3912207" y="364093"/>
+            <a:ext cx="333375" cy="342900"/>
+          </a:xfrm>
+          <a:prstGeom prst="ellipse">
+            <a:avLst/>
+          </a:prstGeom>
+          <a:noFill/>
+          <a:ln w="19050">
+            <a:solidFill>
+              <a:schemeClr val="tx1"/>
+            </a:solidFill>
+          </a:ln>
+        </p:spPr>
+        <p:style>
+          <a:lnRef idx="2">
+            <a:schemeClr val="accent1">
+              <a:shade val="50000"/>
+            </a:schemeClr>
+          </a:lnRef>
+          <a:fillRef idx="1">
+            <a:schemeClr val="accent1"/>
+          </a:fillRef>
+          <a:effectRef idx="0">
+            <a:schemeClr val="accent1"/>
+          </a:effectRef>
+          <a:fontRef idx="minor">
+            <a:schemeClr val="lt1"/>
+          </a:fontRef>
+        </p:style>
+        <p:txBody>
+          <a:bodyPr rtlCol="0" anchor="ctr"/>
+          <a:lstStyle/>
+          <a:p>
+            <a:pPr algn="ctr"/>
+            <a:endParaRPr lang="zh-CN" altLang="en-US" sz="1050" dirty="0">
+              <a:solidFill>
+                <a:schemeClr val="tx1"/>
+              </a:solidFill>
+              <a:latin typeface="Times New Roman" panose="02020603050405020304" pitchFamily="18" charset="0"/>
+              <a:cs typeface="Times New Roman" panose="02020603050405020304" pitchFamily="18" charset="0"/>
+            </a:endParaRPr>
+          </a:p>
+        </p:txBody>
+      </p:sp>
+      <p:sp>
+        <p:nvSpPr>
+          <p:cNvPr id="72" name="文本框 71"/>
+          <p:cNvSpPr txBox="1"/>
+          <p:nvPr/>
+        </p:nvSpPr>
+        <p:spPr>
+          <a:xfrm>
+            <a:off x="3904715" y="328136"/>
+            <a:ext cx="367408" cy="369332"/>
+          </a:xfrm>
+          <a:prstGeom prst="rect">
+            <a:avLst/>
+          </a:prstGeom>
+          <a:noFill/>
+        </p:spPr>
+        <p:txBody>
+          <a:bodyPr wrap="none" rtlCol="0">
+            <a:spAutoFit/>
+          </a:bodyPr>
+          <a:lstStyle/>
+          <a:p>
+            <a:r>
+              <a:rPr lang="en-US" altLang="zh-CN" dirty="0">
+                <a:latin typeface="Times New Roman" panose="02020603050405020304" pitchFamily="18" charset="0"/>
+                <a:cs typeface="Times New Roman" panose="02020603050405020304" pitchFamily="18" charset="0"/>
+              </a:rPr>
+              <a:t>y</a:t>
+            </a:r>
+            <a:r>
+              <a:rPr lang="en-US" altLang="zh-CN" sz="1050" dirty="0" smtClean="0">
+                <a:latin typeface="Times New Roman" panose="02020603050405020304" pitchFamily="18" charset="0"/>
+                <a:cs typeface="Times New Roman" panose="02020603050405020304" pitchFamily="18" charset="0"/>
+              </a:rPr>
+              <a:t>3</a:t>
+            </a:r>
+            <a:endParaRPr lang="zh-CN" altLang="en-US" sz="1050" dirty="0">
+              <a:latin typeface="Times New Roman" panose="02020603050405020304" pitchFamily="18" charset="0"/>
+              <a:cs typeface="Times New Roman" panose="02020603050405020304" pitchFamily="18" charset="0"/>
+            </a:endParaRPr>
+          </a:p>
+        </p:txBody>
+      </p:sp>
+      <p:sp>
+        <p:nvSpPr>
+          <p:cNvPr id="73" name="椭圆 72"/>
+          <p:cNvSpPr/>
+          <p:nvPr/>
+        </p:nvSpPr>
+        <p:spPr>
+          <a:xfrm>
+            <a:off x="5154578" y="364093"/>
+            <a:ext cx="333375" cy="342900"/>
+          </a:xfrm>
+          <a:prstGeom prst="ellipse">
+            <a:avLst/>
+          </a:prstGeom>
+          <a:noFill/>
+          <a:ln w="19050">
+            <a:solidFill>
+              <a:schemeClr val="tx1"/>
+            </a:solidFill>
+          </a:ln>
+        </p:spPr>
+        <p:style>
+          <a:lnRef idx="2">
+            <a:schemeClr val="accent1">
+              <a:shade val="50000"/>
+            </a:schemeClr>
+          </a:lnRef>
+          <a:fillRef idx="1">
+            <a:schemeClr val="accent1"/>
+          </a:fillRef>
+          <a:effectRef idx="0">
+            <a:schemeClr val="accent1"/>
+          </a:effectRef>
+          <a:fontRef idx="minor">
+            <a:schemeClr val="lt1"/>
+          </a:fontRef>
+        </p:style>
+        <p:txBody>
+          <a:bodyPr rtlCol="0" anchor="ctr"/>
+          <a:lstStyle/>
+          <a:p>
+            <a:pPr algn="ctr"/>
+            <a:endParaRPr lang="zh-CN" altLang="en-US" sz="1050" dirty="0">
+              <a:solidFill>
+                <a:schemeClr val="tx1"/>
+              </a:solidFill>
+              <a:latin typeface="Times New Roman" panose="02020603050405020304" pitchFamily="18" charset="0"/>
+              <a:cs typeface="Times New Roman" panose="02020603050405020304" pitchFamily="18" charset="0"/>
+            </a:endParaRPr>
+          </a:p>
+        </p:txBody>
+      </p:sp>
+      <p:sp>
+        <p:nvSpPr>
+          <p:cNvPr id="74" name="文本框 73"/>
+          <p:cNvSpPr txBox="1"/>
+          <p:nvPr/>
+        </p:nvSpPr>
+        <p:spPr>
+          <a:xfrm>
+            <a:off x="5128036" y="328136"/>
+            <a:ext cx="367408" cy="369332"/>
+          </a:xfrm>
+          <a:prstGeom prst="rect">
+            <a:avLst/>
+          </a:prstGeom>
+          <a:noFill/>
+        </p:spPr>
+        <p:txBody>
+          <a:bodyPr wrap="none" rtlCol="0">
+            <a:spAutoFit/>
+          </a:bodyPr>
+          <a:lstStyle/>
+          <a:p>
+            <a:r>
+              <a:rPr lang="en-US" altLang="zh-CN" dirty="0" err="1" smtClean="0">
+                <a:latin typeface="Times New Roman" panose="02020603050405020304" pitchFamily="18" charset="0"/>
+                <a:cs typeface="Times New Roman" panose="02020603050405020304" pitchFamily="18" charset="0"/>
+              </a:rPr>
+              <a:t>y</a:t>
+            </a:r>
+            <a:r>
+              <a:rPr lang="en-US" altLang="zh-CN" sz="1050" dirty="0" err="1" smtClean="0">
+                <a:latin typeface="Times New Roman" panose="02020603050405020304" pitchFamily="18" charset="0"/>
+                <a:cs typeface="Times New Roman" panose="02020603050405020304" pitchFamily="18" charset="0"/>
+              </a:rPr>
+              <a:t>n</a:t>
+            </a:r>
+            <a:endParaRPr lang="zh-CN" altLang="en-US" sz="1050" dirty="0">
+              <a:latin typeface="Times New Roman" panose="02020603050405020304" pitchFamily="18" charset="0"/>
+              <a:cs typeface="Times New Roman" panose="02020603050405020304" pitchFamily="18" charset="0"/>
+            </a:endParaRPr>
+          </a:p>
+        </p:txBody>
+      </p:sp>
+      <p:cxnSp>
+        <p:nvCxnSpPr>
+          <p:cNvPr id="75" name="直接箭头连接符 74"/>
+          <p:cNvCxnSpPr>
+            <a:stCxn id="66" idx="0"/>
+            <a:endCxn id="67" idx="4"/>
+          </p:cNvCxnSpPr>
+          <p:nvPr/>
+        </p:nvCxnSpPr>
+        <p:spPr>
+          <a:xfrm flipV="1">
+            <a:off x="2600647" y="672584"/>
+            <a:ext cx="697" cy="518041"/>
+          </a:xfrm>
+          <a:prstGeom prst="straightConnector1">
+            <a:avLst/>
+          </a:prstGeom>
+          <a:ln>
+            <a:tailEnd type="triangle"/>
+          </a:ln>
+        </p:spPr>
+        <p:style>
+          <a:lnRef idx="1">
+            <a:schemeClr val="dk1"/>
+          </a:lnRef>
+          <a:fillRef idx="0">
+            <a:schemeClr val="dk1"/>
+          </a:fillRef>
+          <a:effectRef idx="0">
+            <a:schemeClr val="dk1"/>
+          </a:effectRef>
+          <a:fontRef idx="minor">
+            <a:schemeClr val="tx1"/>
+          </a:fontRef>
+        </p:style>
+      </p:cxnSp>
+      <p:cxnSp>
+        <p:nvCxnSpPr>
+          <p:cNvPr id="76" name="直接箭头连接符 75"/>
+          <p:cNvCxnSpPr>
+            <a:stCxn id="13" idx="0"/>
+            <a:endCxn id="69" idx="4"/>
+          </p:cNvCxnSpPr>
+          <p:nvPr/>
+        </p:nvCxnSpPr>
+        <p:spPr>
+          <a:xfrm flipV="1">
+            <a:off x="3353122" y="708541"/>
+            <a:ext cx="536" cy="482084"/>
+          </a:xfrm>
+          <a:prstGeom prst="straightConnector1">
+            <a:avLst/>
+          </a:prstGeom>
+          <a:ln>
+            <a:tailEnd type="triangle"/>
+          </a:ln>
+        </p:spPr>
+        <p:style>
+          <a:lnRef idx="1">
+            <a:schemeClr val="dk1"/>
+          </a:lnRef>
+          <a:fillRef idx="0">
+            <a:schemeClr val="dk1"/>
+          </a:fillRef>
+          <a:effectRef idx="0">
+            <a:schemeClr val="dk1"/>
+          </a:effectRef>
+          <a:fontRef idx="minor">
+            <a:schemeClr val="tx1"/>
+          </a:fontRef>
+        </p:style>
+      </p:cxnSp>
+      <p:cxnSp>
+        <p:nvCxnSpPr>
+          <p:cNvPr id="77" name="直接箭头连接符 76"/>
+          <p:cNvCxnSpPr>
+            <a:stCxn id="12" idx="0"/>
+            <a:endCxn id="72" idx="2"/>
+          </p:cNvCxnSpPr>
+          <p:nvPr/>
+        </p:nvCxnSpPr>
+        <p:spPr>
+          <a:xfrm flipH="1" flipV="1">
+            <a:off x="4088419" y="697468"/>
+            <a:ext cx="17178" cy="493157"/>
+          </a:xfrm>
+          <a:prstGeom prst="straightConnector1">
+            <a:avLst/>
+          </a:prstGeom>
+          <a:ln>
+            <a:tailEnd type="triangle"/>
+          </a:ln>
+        </p:spPr>
+        <p:style>
+          <a:lnRef idx="1">
+            <a:schemeClr val="dk1"/>
+          </a:lnRef>
+          <a:fillRef idx="0">
+            <a:schemeClr val="dk1"/>
+          </a:fillRef>
+          <a:effectRef idx="0">
+            <a:schemeClr val="dk1"/>
+          </a:effectRef>
+          <a:fontRef idx="minor">
+            <a:schemeClr val="tx1"/>
+          </a:fontRef>
+        </p:style>
+      </p:cxnSp>
+      <p:cxnSp>
+        <p:nvCxnSpPr>
+          <p:cNvPr id="78" name="直接箭头连接符 77"/>
+          <p:cNvCxnSpPr>
+            <a:stCxn id="99" idx="0"/>
+            <a:endCxn id="74" idx="2"/>
+          </p:cNvCxnSpPr>
+          <p:nvPr/>
+        </p:nvCxnSpPr>
+        <p:spPr>
+          <a:xfrm flipH="1" flipV="1">
+            <a:off x="5311740" y="697468"/>
+            <a:ext cx="24214" cy="493157"/>
+          </a:xfrm>
+          <a:prstGeom prst="straightConnector1">
+            <a:avLst/>
+          </a:prstGeom>
+          <a:ln>
+            <a:tailEnd type="triangle"/>
+          </a:ln>
+        </p:spPr>
+        <p:style>
+          <a:lnRef idx="1">
+            <a:schemeClr val="dk1"/>
+          </a:lnRef>
+          <a:fillRef idx="0">
+            <a:schemeClr val="dk1"/>
+          </a:fillRef>
+          <a:effectRef idx="0">
+            <a:schemeClr val="dk1"/>
+          </a:effectRef>
+          <a:fontRef idx="minor">
+            <a:schemeClr val="tx1"/>
+          </a:fontRef>
+        </p:style>
+      </p:cxnSp>
+      <p:cxnSp>
+        <p:nvCxnSpPr>
+          <p:cNvPr id="92" name="直接箭头连接符 91"/>
+          <p:cNvCxnSpPr>
+            <a:stCxn id="10" idx="3"/>
+            <a:endCxn id="66" idx="1"/>
+          </p:cNvCxnSpPr>
+          <p:nvPr/>
+        </p:nvCxnSpPr>
+        <p:spPr>
+          <a:xfrm>
+            <a:off x="2057722" y="1400175"/>
+            <a:ext cx="333374" cy="0"/>
+          </a:xfrm>
+          <a:prstGeom prst="straightConnector1">
+            <a:avLst/>
+          </a:prstGeom>
+          <a:ln>
+            <a:tailEnd type="triangle"/>
+          </a:ln>
+        </p:spPr>
+        <p:style>
+          <a:lnRef idx="1">
+            <a:schemeClr val="dk1"/>
+          </a:lnRef>
+          <a:fillRef idx="0">
+            <a:schemeClr val="dk1"/>
+          </a:fillRef>
+          <a:effectRef idx="0">
+            <a:schemeClr val="dk1"/>
+          </a:effectRef>
+          <a:fontRef idx="minor">
+            <a:schemeClr val="tx1"/>
+          </a:fontRef>
+        </p:style>
+      </p:cxnSp>
+      <p:cxnSp>
+        <p:nvCxnSpPr>
+          <p:cNvPr id="94" name="直接箭头连接符 93"/>
+          <p:cNvCxnSpPr>
+            <a:stCxn id="66" idx="3"/>
+            <a:endCxn id="13" idx="1"/>
+          </p:cNvCxnSpPr>
+          <p:nvPr/>
+        </p:nvCxnSpPr>
+        <p:spPr>
+          <a:xfrm>
+            <a:off x="2810197" y="1400175"/>
+            <a:ext cx="333374" cy="0"/>
+          </a:xfrm>
+          <a:prstGeom prst="straightConnector1">
+            <a:avLst/>
+          </a:prstGeom>
+          <a:ln>
+            <a:tailEnd type="triangle"/>
+          </a:ln>
+        </p:spPr>
+        <p:style>
+          <a:lnRef idx="1">
+            <a:schemeClr val="dk1"/>
+          </a:lnRef>
+          <a:fillRef idx="0">
+            <a:schemeClr val="dk1"/>
+          </a:fillRef>
+          <a:effectRef idx="0">
+            <a:schemeClr val="dk1"/>
+          </a:effectRef>
+          <a:fontRef idx="minor">
+            <a:schemeClr val="tx1"/>
+          </a:fontRef>
+        </p:style>
+      </p:cxnSp>
+      <p:cxnSp>
+        <p:nvCxnSpPr>
+          <p:cNvPr id="96" name="直接箭头连接符 95"/>
+          <p:cNvCxnSpPr>
+            <a:stCxn id="13" idx="3"/>
+            <a:endCxn id="12" idx="1"/>
+          </p:cNvCxnSpPr>
+          <p:nvPr/>
+        </p:nvCxnSpPr>
+        <p:spPr>
+          <a:xfrm>
+            <a:off x="3562672" y="1400175"/>
+            <a:ext cx="333374" cy="0"/>
+          </a:xfrm>
+          <a:prstGeom prst="straightConnector1">
+            <a:avLst/>
+          </a:prstGeom>
+          <a:ln>
+            <a:tailEnd type="triangle"/>
+          </a:ln>
+        </p:spPr>
+        <p:style>
+          <a:lnRef idx="1">
+            <a:schemeClr val="dk1"/>
+          </a:lnRef>
+          <a:fillRef idx="0">
+            <a:schemeClr val="dk1"/>
+          </a:fillRef>
+          <a:effectRef idx="0">
+            <a:schemeClr val="dk1"/>
+          </a:effectRef>
+          <a:fontRef idx="minor">
+            <a:schemeClr val="tx1"/>
+          </a:fontRef>
+        </p:style>
+      </p:cxnSp>
+      <p:cxnSp>
+        <p:nvCxnSpPr>
+          <p:cNvPr id="98" name="直接箭头连接符 97"/>
+          <p:cNvCxnSpPr>
+            <a:stCxn id="12" idx="3"/>
+          </p:cNvCxnSpPr>
+          <p:nvPr/>
+        </p:nvCxnSpPr>
+        <p:spPr>
+          <a:xfrm>
+            <a:off x="4315147" y="1400175"/>
+            <a:ext cx="352425" cy="0"/>
+          </a:xfrm>
+          <a:prstGeom prst="straightConnector1">
+            <a:avLst/>
+          </a:prstGeom>
+          <a:ln>
+            <a:tailEnd type="triangle"/>
+          </a:ln>
+        </p:spPr>
+        <p:style>
+          <a:lnRef idx="1">
+            <a:schemeClr val="dk1"/>
+          </a:lnRef>
+          <a:fillRef idx="0">
+            <a:schemeClr val="dk1"/>
+          </a:fillRef>
+          <a:effectRef idx="0">
+            <a:schemeClr val="dk1"/>
+          </a:effectRef>
+          <a:fontRef idx="minor">
+            <a:schemeClr val="tx1"/>
+          </a:fontRef>
+        </p:style>
+      </p:cxnSp>
+      <p:sp>
+        <p:nvSpPr>
+          <p:cNvPr id="99" name="矩形 98"/>
+          <p:cNvSpPr/>
+          <p:nvPr/>
+        </p:nvSpPr>
+        <p:spPr>
+          <a:xfrm>
+            <a:off x="5099461" y="1190625"/>
+            <a:ext cx="472986" cy="419100"/>
+          </a:xfrm>
+          <a:prstGeom prst="rect">
+            <a:avLst/>
+          </a:prstGeom>
+          <a:noFill/>
+          <a:ln w="19050">
+            <a:solidFill>
+              <a:schemeClr val="tx1"/>
+            </a:solidFill>
+          </a:ln>
+        </p:spPr>
+        <p:style>
+          <a:lnRef idx="2">
+            <a:schemeClr val="accent1">
+              <a:shade val="50000"/>
+            </a:schemeClr>
+          </a:lnRef>
+          <a:fillRef idx="1">
+            <a:schemeClr val="accent1"/>
+          </a:fillRef>
+          <a:effectRef idx="0">
+            <a:schemeClr val="accent1"/>
+          </a:effectRef>
+          <a:fontRef idx="minor">
+            <a:schemeClr val="lt1"/>
+          </a:fontRef>
+        </p:style>
+        <p:txBody>
+          <a:bodyPr rtlCol="0" anchor="ctr"/>
+          <a:lstStyle/>
+          <a:p>
+            <a:pPr algn="ctr"/>
+            <a:r>
+              <a:rPr lang="en-US" altLang="zh-CN" dirty="0" err="1" smtClean="0">
+                <a:solidFill>
+                  <a:schemeClr val="tx1"/>
+                </a:solidFill>
+                <a:latin typeface="Times New Roman" panose="02020603050405020304" pitchFamily="18" charset="0"/>
+                <a:cs typeface="Times New Roman" panose="02020603050405020304" pitchFamily="18" charset="0"/>
+              </a:rPr>
+              <a:t>H</a:t>
+            </a:r>
+            <a:r>
+              <a:rPr lang="en-US" altLang="zh-CN" sz="1050" dirty="0" err="1" smtClean="0">
+                <a:solidFill>
+                  <a:schemeClr val="tx1"/>
+                </a:solidFill>
+                <a:latin typeface="Times New Roman" panose="02020603050405020304" pitchFamily="18" charset="0"/>
+                <a:cs typeface="Times New Roman" panose="02020603050405020304" pitchFamily="18" charset="0"/>
+              </a:rPr>
+              <a:t>n</a:t>
+            </a:r>
+            <a:endParaRPr lang="zh-CN" altLang="en-US" sz="1400" dirty="0">
+              <a:solidFill>
+                <a:schemeClr val="tx1"/>
+              </a:solidFill>
+              <a:latin typeface="Times New Roman" panose="02020603050405020304" pitchFamily="18" charset="0"/>
+              <a:cs typeface="Times New Roman" panose="02020603050405020304" pitchFamily="18" charset="0"/>
+            </a:endParaRPr>
+          </a:p>
+        </p:txBody>
+      </p:sp>
+      <p:cxnSp>
+        <p:nvCxnSpPr>
+          <p:cNvPr id="106" name="直接箭头连接符 105"/>
+          <p:cNvCxnSpPr>
+            <a:stCxn id="67" idx="4"/>
+            <a:endCxn id="13" idx="1"/>
+          </p:cNvCxnSpPr>
+          <p:nvPr/>
+        </p:nvCxnSpPr>
+        <p:spPr>
+          <a:xfrm>
+            <a:off x="2601344" y="672584"/>
+            <a:ext cx="542227" cy="727591"/>
+          </a:xfrm>
+          <a:prstGeom prst="straightConnector1">
+            <a:avLst/>
+          </a:prstGeom>
+          <a:ln>
+            <a:tailEnd type="triangle"/>
+          </a:ln>
+        </p:spPr>
+        <p:style>
+          <a:lnRef idx="1">
+            <a:schemeClr val="dk1"/>
+          </a:lnRef>
+          <a:fillRef idx="0">
+            <a:schemeClr val="dk1"/>
+          </a:fillRef>
+          <a:effectRef idx="0">
+            <a:schemeClr val="dk1"/>
+          </a:effectRef>
+          <a:fontRef idx="minor">
+            <a:schemeClr val="tx1"/>
+          </a:fontRef>
+        </p:style>
+      </p:cxnSp>
+      <p:cxnSp>
+        <p:nvCxnSpPr>
+          <p:cNvPr id="110" name="直接箭头连接符 109"/>
+          <p:cNvCxnSpPr>
+            <a:stCxn id="70" idx="2"/>
+            <a:endCxn id="12" idx="1"/>
+          </p:cNvCxnSpPr>
+          <p:nvPr/>
+        </p:nvCxnSpPr>
+        <p:spPr>
+          <a:xfrm>
+            <a:off x="3363182" y="699016"/>
+            <a:ext cx="532864" cy="701159"/>
+          </a:xfrm>
+          <a:prstGeom prst="straightConnector1">
+            <a:avLst/>
+          </a:prstGeom>
+          <a:ln>
+            <a:tailEnd type="triangle"/>
+          </a:ln>
+        </p:spPr>
+        <p:style>
+          <a:lnRef idx="1">
+            <a:schemeClr val="dk1"/>
+          </a:lnRef>
+          <a:fillRef idx="0">
+            <a:schemeClr val="dk1"/>
+          </a:fillRef>
+          <a:effectRef idx="0">
+            <a:schemeClr val="dk1"/>
+          </a:effectRef>
+          <a:fontRef idx="minor">
+            <a:schemeClr val="tx1"/>
+          </a:fontRef>
+        </p:style>
+      </p:cxnSp>
+      <p:cxnSp>
+        <p:nvCxnSpPr>
+          <p:cNvPr id="112" name="直接箭头连接符 111"/>
+          <p:cNvCxnSpPr>
+            <a:stCxn id="72" idx="2"/>
+          </p:cNvCxnSpPr>
+          <p:nvPr/>
+        </p:nvCxnSpPr>
+        <p:spPr>
+          <a:xfrm>
+            <a:off x="4088419" y="697468"/>
+            <a:ext cx="579153" cy="702707"/>
+          </a:xfrm>
+          <a:prstGeom prst="straightConnector1">
+            <a:avLst/>
+          </a:prstGeom>
+          <a:ln>
+            <a:tailEnd type="triangle"/>
+          </a:ln>
+        </p:spPr>
+        <p:style>
+          <a:lnRef idx="1">
+            <a:schemeClr val="dk1"/>
+          </a:lnRef>
+          <a:fillRef idx="0">
+            <a:schemeClr val="dk1"/>
+          </a:fillRef>
+          <a:effectRef idx="0">
+            <a:schemeClr val="dk1"/>
+          </a:effectRef>
+          <a:fontRef idx="minor">
+            <a:schemeClr val="tx1"/>
+          </a:fontRef>
+        </p:style>
+      </p:cxnSp>
+      <p:sp>
+        <p:nvSpPr>
+          <p:cNvPr id="113" name="文本框 112"/>
+          <p:cNvSpPr txBox="1"/>
+          <p:nvPr/>
+        </p:nvSpPr>
+        <p:spPr>
+          <a:xfrm>
+            <a:off x="4680663" y="3739633"/>
+            <a:ext cx="372218" cy="369332"/>
+          </a:xfrm>
+          <a:prstGeom prst="rect">
+            <a:avLst/>
+          </a:prstGeom>
+          <a:noFill/>
+        </p:spPr>
+        <p:txBody>
+          <a:bodyPr wrap="none" rtlCol="0">
+            <a:spAutoFit/>
+          </a:bodyPr>
+          <a:lstStyle/>
+          <a:p>
+            <a:r>
+              <a:rPr lang="en-US" altLang="zh-CN" b="1" dirty="0" smtClean="0"/>
+              <a:t>…</a:t>
+            </a:r>
+            <a:endParaRPr lang="zh-CN" altLang="en-US" b="1" dirty="0"/>
+          </a:p>
+        </p:txBody>
+      </p:sp>
+      <p:sp>
+        <p:nvSpPr>
+          <p:cNvPr id="114" name="文本框 113"/>
+          <p:cNvSpPr txBox="1"/>
+          <p:nvPr/>
+        </p:nvSpPr>
+        <p:spPr>
+          <a:xfrm>
+            <a:off x="4667572" y="1216582"/>
+            <a:ext cx="372218" cy="369332"/>
+          </a:xfrm>
+          <a:prstGeom prst="rect">
+            <a:avLst/>
+          </a:prstGeom>
+          <a:noFill/>
+        </p:spPr>
+        <p:txBody>
+          <a:bodyPr wrap="none" rtlCol="0">
+            <a:spAutoFit/>
+          </a:bodyPr>
+          <a:lstStyle/>
+          <a:p>
+            <a:r>
+              <a:rPr lang="en-US" altLang="zh-CN" b="1" dirty="0" smtClean="0"/>
+              <a:t>…</a:t>
+            </a:r>
+            <a:endParaRPr lang="zh-CN" altLang="en-US" b="1" dirty="0"/>
+          </a:p>
+        </p:txBody>
+      </p:sp>
+      <p:cxnSp>
+        <p:nvCxnSpPr>
+          <p:cNvPr id="126" name="直接箭头连接符 125"/>
+          <p:cNvCxnSpPr>
+            <a:stCxn id="25" idx="0"/>
+            <a:endCxn id="13" idx="2"/>
+          </p:cNvCxnSpPr>
+          <p:nvPr/>
+        </p:nvCxnSpPr>
+        <p:spPr>
+          <a:xfrm flipH="1" flipV="1">
+            <a:off x="3353122" y="1609725"/>
+            <a:ext cx="516222" cy="932140"/>
+          </a:xfrm>
+          <a:prstGeom prst="straightConnector1">
+            <a:avLst/>
+          </a:prstGeom>
+          <a:ln>
+            <a:tailEnd type="triangle"/>
+          </a:ln>
+        </p:spPr>
+        <p:style>
+          <a:lnRef idx="1">
+            <a:schemeClr val="dk1"/>
+          </a:lnRef>
+          <a:fillRef idx="0">
+            <a:schemeClr val="dk1"/>
+          </a:fillRef>
+          <a:effectRef idx="0">
+            <a:schemeClr val="dk1"/>
+          </a:effectRef>
+          <a:fontRef idx="minor">
+            <a:schemeClr val="tx1"/>
+          </a:fontRef>
+        </p:style>
+      </p:cxnSp>
+      <p:cxnSp>
+        <p:nvCxnSpPr>
+          <p:cNvPr id="128" name="直接箭头连接符 127"/>
+          <p:cNvCxnSpPr>
+            <a:stCxn id="25" idx="0"/>
+            <a:endCxn id="12" idx="2"/>
+          </p:cNvCxnSpPr>
+          <p:nvPr/>
+        </p:nvCxnSpPr>
+        <p:spPr>
+          <a:xfrm flipV="1">
+            <a:off x="3869344" y="1609725"/>
+            <a:ext cx="236253" cy="932140"/>
+          </a:xfrm>
+          <a:prstGeom prst="straightConnector1">
+            <a:avLst/>
+          </a:prstGeom>
+          <a:ln>
+            <a:tailEnd type="triangle"/>
+          </a:ln>
+        </p:spPr>
+        <p:style>
+          <a:lnRef idx="1">
+            <a:schemeClr val="dk1"/>
+          </a:lnRef>
+          <a:fillRef idx="0">
+            <a:schemeClr val="dk1"/>
+          </a:fillRef>
+          <a:effectRef idx="0">
+            <a:schemeClr val="dk1"/>
+          </a:effectRef>
+          <a:fontRef idx="minor">
+            <a:schemeClr val="tx1"/>
+          </a:fontRef>
+        </p:style>
+      </p:cxnSp>
+      <p:cxnSp>
+        <p:nvCxnSpPr>
+          <p:cNvPr id="130" name="直接箭头连接符 129"/>
+          <p:cNvCxnSpPr>
+            <a:stCxn id="25" idx="0"/>
+            <a:endCxn id="99" idx="2"/>
+          </p:cNvCxnSpPr>
+          <p:nvPr/>
+        </p:nvCxnSpPr>
+        <p:spPr>
+          <a:xfrm flipV="1">
+            <a:off x="3869344" y="1609725"/>
+            <a:ext cx="1466610" cy="932140"/>
+          </a:xfrm>
+          <a:prstGeom prst="straightConnector1">
+            <a:avLst/>
+          </a:prstGeom>
+          <a:ln>
+            <a:tailEnd type="triangle"/>
+          </a:ln>
+        </p:spPr>
+        <p:style>
+          <a:lnRef idx="1">
+            <a:schemeClr val="dk1"/>
+          </a:lnRef>
+          <a:fillRef idx="0">
+            <a:schemeClr val="dk1"/>
+          </a:fillRef>
+          <a:effectRef idx="0">
+            <a:schemeClr val="dk1"/>
+          </a:effectRef>
+          <a:fontRef idx="minor">
+            <a:schemeClr val="tx1"/>
+          </a:fontRef>
+        </p:style>
+      </p:cxnSp>
+    </p:spTree>
+    <p:extLst>
+      <p:ext uri="{BB962C8B-B14F-4D97-AF65-F5344CB8AC3E}">
+        <p14:creationId xmlns:p14="http://schemas.microsoft.com/office/powerpoint/2010/main" val="2936490542"/>
+      </p:ext>
+    </p:extLst>
+  </p:cSld>
+  <p:clrMapOvr>
+    <a:masterClrMapping/>
+  </p:clrMapOvr>
+</p:sld>
+</file>
+
+<file path=ppt/slides/slide2.xml><?xml version="1.0" encoding="utf-8"?>
+<p:sld xmlns:a="http://schemas.openxmlformats.org/drawingml/2006/main" xmlns:r="http://schemas.openxmlformats.org/officeDocument/2006/relationships" xmlns:p="http://schemas.openxmlformats.org/presentationml/2006/main">
+  <p:cSld>
+    <p:spTree>
+      <p:nvGrpSpPr>
+        <p:cNvPr id="1" name=""/>
+        <p:cNvGrpSpPr/>
+        <p:nvPr/>
+      </p:nvGrpSpPr>
+      <p:grpSpPr>
+        <a:xfrm>
+          <a:off x="0" y="0"/>
+          <a:ext cx="0" cy="0"/>
+          <a:chOff x="0" y="0"/>
+          <a:chExt cx="0" cy="0"/>
+        </a:xfrm>
+      </p:grpSpPr>
       <p:sp>
         <p:nvSpPr>
           <p:cNvPr id="9" name="矩形 8"/>
@@ -3984,7 +6531,7 @@
         </p:nvSpPr>
         <p:spPr>
           <a:xfrm>
-            <a:off x="4044218" y="2507672"/>
+            <a:off x="4044218" y="2398306"/>
             <a:ext cx="989214" cy="548639"/>
           </a:xfrm>
           <a:prstGeom prst="rect">
@@ -4288,78 +6835,6 @@
       </p:sp>
       <p:cxnSp>
         <p:nvCxnSpPr>
-          <p:cNvPr id="15" name="直接箭头连接符 14"/>
-          <p:cNvCxnSpPr>
-            <a:stCxn id="9" idx="0"/>
-            <a:endCxn id="10" idx="1"/>
-          </p:cNvCxnSpPr>
-          <p:nvPr/>
-        </p:nvCxnSpPr>
-        <p:spPr>
-          <a:xfrm flipV="1">
-            <a:off x="4538825" y="1781696"/>
-            <a:ext cx="1620906" cy="725976"/>
-          </a:xfrm>
-          <a:prstGeom prst="straightConnector1">
-            <a:avLst/>
-          </a:prstGeom>
-          <a:ln w="12700">
-            <a:tailEnd type="triangle"/>
-          </a:ln>
-        </p:spPr>
-        <p:style>
-          <a:lnRef idx="1">
-            <a:schemeClr val="dk1"/>
-          </a:lnRef>
-          <a:fillRef idx="0">
-            <a:schemeClr val="dk1"/>
-          </a:fillRef>
-          <a:effectRef idx="0">
-            <a:schemeClr val="dk1"/>
-          </a:effectRef>
-          <a:fontRef idx="minor">
-            <a:schemeClr val="tx1"/>
-          </a:fontRef>
-        </p:style>
-      </p:cxnSp>
-      <p:cxnSp>
-        <p:nvCxnSpPr>
-          <p:cNvPr id="17" name="直接箭头连接符 16"/>
-          <p:cNvCxnSpPr>
-            <a:stCxn id="10" idx="3"/>
-            <a:endCxn id="11" idx="0"/>
-          </p:cNvCxnSpPr>
-          <p:nvPr/>
-        </p:nvCxnSpPr>
-        <p:spPr>
-          <a:xfrm>
-            <a:off x="7148945" y="1781696"/>
-            <a:ext cx="1638944" cy="655054"/>
-          </a:xfrm>
-          <a:prstGeom prst="straightConnector1">
-            <a:avLst/>
-          </a:prstGeom>
-          <a:ln w="12700">
-            <a:tailEnd type="triangle"/>
-          </a:ln>
-        </p:spPr>
-        <p:style>
-          <a:lnRef idx="1">
-            <a:schemeClr val="dk1"/>
-          </a:lnRef>
-          <a:fillRef idx="0">
-            <a:schemeClr val="dk1"/>
-          </a:fillRef>
-          <a:effectRef idx="0">
-            <a:schemeClr val="dk1"/>
-          </a:effectRef>
-          <a:fontRef idx="minor">
-            <a:schemeClr val="tx1"/>
-          </a:fontRef>
-        </p:style>
-      </p:cxnSp>
-      <p:cxnSp>
-        <p:nvCxnSpPr>
           <p:cNvPr id="19" name="直接箭头连接符 18"/>
           <p:cNvCxnSpPr>
             <a:stCxn id="11" idx="1"/>
@@ -4371,42 +6846,6 @@
           <a:xfrm flipH="1">
             <a:off x="7148945" y="2781991"/>
             <a:ext cx="844683" cy="1"/>
-          </a:xfrm>
-          <a:prstGeom prst="straightConnector1">
-            <a:avLst/>
-          </a:prstGeom>
-          <a:ln w="12700">
-            <a:tailEnd type="triangle"/>
-          </a:ln>
-        </p:spPr>
-        <p:style>
-          <a:lnRef idx="1">
-            <a:schemeClr val="dk1"/>
-          </a:lnRef>
-          <a:fillRef idx="0">
-            <a:schemeClr val="dk1"/>
-          </a:fillRef>
-          <a:effectRef idx="0">
-            <a:schemeClr val="dk1"/>
-          </a:effectRef>
-          <a:fontRef idx="minor">
-            <a:schemeClr val="tx1"/>
-          </a:fontRef>
-        </p:style>
-      </p:cxnSp>
-      <p:cxnSp>
-        <p:nvCxnSpPr>
-          <p:cNvPr id="21" name="直接箭头连接符 20"/>
-          <p:cNvCxnSpPr>
-            <a:stCxn id="11" idx="2"/>
-            <a:endCxn id="13" idx="3"/>
-          </p:cNvCxnSpPr>
-          <p:nvPr/>
-        </p:nvCxnSpPr>
-        <p:spPr>
-          <a:xfrm flipH="1">
-            <a:off x="7148945" y="3127232"/>
-            <a:ext cx="1638944" cy="655056"/>
           </a:xfrm>
           <a:prstGeom prst="straightConnector1">
             <a:avLst/>
@@ -4466,43 +6905,6 @@
           </a:fontRef>
         </p:style>
       </p:cxnSp>
-      <p:cxnSp>
-        <p:nvCxnSpPr>
-          <p:cNvPr id="25" name="直接箭头连接符 24"/>
-          <p:cNvCxnSpPr>
-            <a:stCxn id="13" idx="1"/>
-            <a:endCxn id="9" idx="2"/>
-          </p:cNvCxnSpPr>
-          <p:nvPr/>
-        </p:nvCxnSpPr>
-        <p:spPr>
-          <a:xfrm flipH="1" flipV="1">
-            <a:off x="4538825" y="3056311"/>
-            <a:ext cx="1620906" cy="725977"/>
-          </a:xfrm>
-          <a:prstGeom prst="straightConnector1">
-            <a:avLst/>
-          </a:prstGeom>
-          <a:ln w="12700">
-            <a:prstDash val="dash"/>
-            <a:tailEnd type="triangle"/>
-          </a:ln>
-        </p:spPr>
-        <p:style>
-          <a:lnRef idx="1">
-            <a:schemeClr val="dk1"/>
-          </a:lnRef>
-          <a:fillRef idx="0">
-            <a:schemeClr val="dk1"/>
-          </a:fillRef>
-          <a:effectRef idx="0">
-            <a:schemeClr val="dk1"/>
-          </a:effectRef>
-          <a:fontRef idx="minor">
-            <a:schemeClr val="tx1"/>
-          </a:fontRef>
-        </p:style>
-      </p:cxnSp>
       <p:sp>
         <p:nvSpPr>
           <p:cNvPr id="76" name="文本框 75"/>
@@ -4547,7 +6949,7 @@
         </p:nvSpPr>
         <p:spPr>
           <a:xfrm>
-            <a:off x="7690917" y="3426578"/>
+            <a:off x="7225827" y="3512605"/>
             <a:ext cx="835450" cy="338554"/>
           </a:xfrm>
           <a:prstGeom prst="rect">
@@ -4584,8 +6986,8 @@
         </p:nvSpPr>
         <p:spPr>
           <a:xfrm>
-            <a:off x="4291522" y="3411617"/>
-            <a:ext cx="1483821" cy="338554"/>
+            <a:off x="4415173" y="3484142"/>
+            <a:ext cx="1868210" cy="338554"/>
           </a:xfrm>
           <a:prstGeom prst="rect">
             <a:avLst/>
@@ -4613,62 +7015,330 @@
           </a:p>
         </p:txBody>
       </p:sp>
+      <p:grpSp>
+        <p:nvGrpSpPr>
+          <p:cNvPr id="40" name="组合 39"/>
+          <p:cNvGrpSpPr/>
+          <p:nvPr/>
+        </p:nvGrpSpPr>
+        <p:grpSpPr>
+          <a:xfrm>
+            <a:off x="4538825" y="1781695"/>
+            <a:ext cx="1620906" cy="616611"/>
+            <a:chOff x="4538825" y="1781695"/>
+            <a:chExt cx="1620906" cy="616611"/>
+          </a:xfrm>
+        </p:grpSpPr>
+        <p:cxnSp>
+          <p:nvCxnSpPr>
+            <p:cNvPr id="24" name="直接连接符 23"/>
+            <p:cNvCxnSpPr>
+              <a:stCxn id="9" idx="0"/>
+            </p:cNvCxnSpPr>
+            <p:nvPr/>
+          </p:nvCxnSpPr>
+          <p:spPr>
+            <a:xfrm flipV="1">
+              <a:off x="4538825" y="1781695"/>
+              <a:ext cx="0" cy="616611"/>
+            </a:xfrm>
+            <a:prstGeom prst="line">
+              <a:avLst/>
+            </a:prstGeom>
+          </p:spPr>
+          <p:style>
+            <a:lnRef idx="1">
+              <a:schemeClr val="dk1"/>
+            </a:lnRef>
+            <a:fillRef idx="0">
+              <a:schemeClr val="dk1"/>
+            </a:fillRef>
+            <a:effectRef idx="0">
+              <a:schemeClr val="dk1"/>
+            </a:effectRef>
+            <a:fontRef idx="minor">
+              <a:schemeClr val="tx1"/>
+            </a:fontRef>
+          </p:style>
+        </p:cxnSp>
+        <p:cxnSp>
+          <p:nvCxnSpPr>
+            <p:cNvPr id="28" name="直接箭头连接符 27"/>
+            <p:cNvCxnSpPr>
+              <a:endCxn id="10" idx="1"/>
+            </p:cNvCxnSpPr>
+            <p:nvPr/>
+          </p:nvCxnSpPr>
+          <p:spPr>
+            <a:xfrm>
+              <a:off x="4538825" y="1781695"/>
+              <a:ext cx="1620906" cy="1"/>
+            </a:xfrm>
+            <a:prstGeom prst="straightConnector1">
+              <a:avLst/>
+            </a:prstGeom>
+            <a:ln>
+              <a:tailEnd type="triangle"/>
+            </a:ln>
+          </p:spPr>
+          <p:style>
+            <a:lnRef idx="1">
+              <a:schemeClr val="dk1"/>
+            </a:lnRef>
+            <a:fillRef idx="0">
+              <a:schemeClr val="dk1"/>
+            </a:fillRef>
+            <a:effectRef idx="0">
+              <a:schemeClr val="dk1"/>
+            </a:effectRef>
+            <a:fontRef idx="minor">
+              <a:schemeClr val="tx1"/>
+            </a:fontRef>
+          </p:style>
+        </p:cxnSp>
+      </p:grpSp>
+      <p:grpSp>
+        <p:nvGrpSpPr>
+          <p:cNvPr id="44" name="组合 43"/>
+          <p:cNvGrpSpPr/>
+          <p:nvPr/>
+        </p:nvGrpSpPr>
+        <p:grpSpPr>
+          <a:xfrm rot="5400000">
+            <a:off x="7640859" y="1296071"/>
+            <a:ext cx="649675" cy="1631684"/>
+            <a:chOff x="4538825" y="1781695"/>
+            <a:chExt cx="1620906" cy="616611"/>
+          </a:xfrm>
+        </p:grpSpPr>
+        <p:cxnSp>
+          <p:nvCxnSpPr>
+            <p:cNvPr id="45" name="直接连接符 44"/>
+            <p:cNvCxnSpPr/>
+            <p:nvPr/>
+          </p:nvCxnSpPr>
+          <p:spPr>
+            <a:xfrm flipV="1">
+              <a:off x="4538825" y="1781695"/>
+              <a:ext cx="0" cy="616611"/>
+            </a:xfrm>
+            <a:prstGeom prst="line">
+              <a:avLst/>
+            </a:prstGeom>
+          </p:spPr>
+          <p:style>
+            <a:lnRef idx="1">
+              <a:schemeClr val="dk1"/>
+            </a:lnRef>
+            <a:fillRef idx="0">
+              <a:schemeClr val="dk1"/>
+            </a:fillRef>
+            <a:effectRef idx="0">
+              <a:schemeClr val="dk1"/>
+            </a:effectRef>
+            <a:fontRef idx="minor">
+              <a:schemeClr val="tx1"/>
+            </a:fontRef>
+          </p:style>
+        </p:cxnSp>
+        <p:cxnSp>
+          <p:nvCxnSpPr>
+            <p:cNvPr id="46" name="直接箭头连接符 45"/>
+            <p:cNvCxnSpPr/>
+            <p:nvPr/>
+          </p:nvCxnSpPr>
+          <p:spPr>
+            <a:xfrm>
+              <a:off x="4538825" y="1781695"/>
+              <a:ext cx="1620906" cy="1"/>
+            </a:xfrm>
+            <a:prstGeom prst="straightConnector1">
+              <a:avLst/>
+            </a:prstGeom>
+            <a:ln>
+              <a:tailEnd type="triangle"/>
+            </a:ln>
+          </p:spPr>
+          <p:style>
+            <a:lnRef idx="1">
+              <a:schemeClr val="dk1"/>
+            </a:lnRef>
+            <a:fillRef idx="0">
+              <a:schemeClr val="dk1"/>
+            </a:fillRef>
+            <a:effectRef idx="0">
+              <a:schemeClr val="dk1"/>
+            </a:effectRef>
+            <a:fontRef idx="minor">
+              <a:schemeClr val="tx1"/>
+            </a:fontRef>
+          </p:style>
+        </p:cxnSp>
+      </p:grpSp>
+      <p:grpSp>
+        <p:nvGrpSpPr>
+          <p:cNvPr id="47" name="组合 46"/>
+          <p:cNvGrpSpPr/>
+          <p:nvPr/>
+        </p:nvGrpSpPr>
+        <p:grpSpPr>
+          <a:xfrm rot="10800000">
+            <a:off x="7183175" y="3109649"/>
+            <a:ext cx="1620906" cy="713048"/>
+            <a:chOff x="4538825" y="1781695"/>
+            <a:chExt cx="1620906" cy="616611"/>
+          </a:xfrm>
+        </p:grpSpPr>
+        <p:cxnSp>
+          <p:nvCxnSpPr>
+            <p:cNvPr id="48" name="直接连接符 47"/>
+            <p:cNvCxnSpPr/>
+            <p:nvPr/>
+          </p:nvCxnSpPr>
+          <p:spPr>
+            <a:xfrm flipV="1">
+              <a:off x="4538825" y="1781695"/>
+              <a:ext cx="0" cy="616611"/>
+            </a:xfrm>
+            <a:prstGeom prst="line">
+              <a:avLst/>
+            </a:prstGeom>
+          </p:spPr>
+          <p:style>
+            <a:lnRef idx="1">
+              <a:schemeClr val="dk1"/>
+            </a:lnRef>
+            <a:fillRef idx="0">
+              <a:schemeClr val="dk1"/>
+            </a:fillRef>
+            <a:effectRef idx="0">
+              <a:schemeClr val="dk1"/>
+            </a:effectRef>
+            <a:fontRef idx="minor">
+              <a:schemeClr val="tx1"/>
+            </a:fontRef>
+          </p:style>
+        </p:cxnSp>
+        <p:cxnSp>
+          <p:nvCxnSpPr>
+            <p:cNvPr id="49" name="直接箭头连接符 48"/>
+            <p:cNvCxnSpPr/>
+            <p:nvPr/>
+          </p:nvCxnSpPr>
+          <p:spPr>
+            <a:xfrm>
+              <a:off x="4538825" y="1781695"/>
+              <a:ext cx="1620906" cy="1"/>
+            </a:xfrm>
+            <a:prstGeom prst="straightConnector1">
+              <a:avLst/>
+            </a:prstGeom>
+            <a:ln>
+              <a:tailEnd type="triangle"/>
+            </a:ln>
+          </p:spPr>
+          <p:style>
+            <a:lnRef idx="1">
+              <a:schemeClr val="dk1"/>
+            </a:lnRef>
+            <a:fillRef idx="0">
+              <a:schemeClr val="dk1"/>
+            </a:fillRef>
+            <a:effectRef idx="0">
+              <a:schemeClr val="dk1"/>
+            </a:effectRef>
+            <a:fontRef idx="minor">
+              <a:schemeClr val="tx1"/>
+            </a:fontRef>
+          </p:style>
+        </p:cxnSp>
+      </p:grpSp>
+      <p:grpSp>
+        <p:nvGrpSpPr>
+          <p:cNvPr id="50" name="组合 49"/>
+          <p:cNvGrpSpPr/>
+          <p:nvPr/>
+        </p:nvGrpSpPr>
+        <p:grpSpPr>
+          <a:xfrm rot="16200000">
+            <a:off x="4940840" y="2603804"/>
+            <a:ext cx="816880" cy="1620909"/>
+            <a:chOff x="4538825" y="1781695"/>
+            <a:chExt cx="1620906" cy="616611"/>
+          </a:xfrm>
+        </p:grpSpPr>
+        <p:cxnSp>
+          <p:nvCxnSpPr>
+            <p:cNvPr id="51" name="直接连接符 50"/>
+            <p:cNvCxnSpPr/>
+            <p:nvPr/>
+          </p:nvCxnSpPr>
+          <p:spPr>
+            <a:xfrm flipV="1">
+              <a:off x="4538825" y="1781695"/>
+              <a:ext cx="0" cy="616611"/>
+            </a:xfrm>
+            <a:prstGeom prst="line">
+              <a:avLst/>
+            </a:prstGeom>
+            <a:ln>
+              <a:prstDash val="dash"/>
+            </a:ln>
+          </p:spPr>
+          <p:style>
+            <a:lnRef idx="1">
+              <a:schemeClr val="dk1"/>
+            </a:lnRef>
+            <a:fillRef idx="0">
+              <a:schemeClr val="dk1"/>
+            </a:fillRef>
+            <a:effectRef idx="0">
+              <a:schemeClr val="dk1"/>
+            </a:effectRef>
+            <a:fontRef idx="minor">
+              <a:schemeClr val="tx1"/>
+            </a:fontRef>
+          </p:style>
+        </p:cxnSp>
+        <p:cxnSp>
+          <p:nvCxnSpPr>
+            <p:cNvPr id="52" name="直接箭头连接符 51"/>
+            <p:cNvCxnSpPr/>
+            <p:nvPr/>
+          </p:nvCxnSpPr>
+          <p:spPr>
+            <a:xfrm>
+              <a:off x="4538825" y="1781695"/>
+              <a:ext cx="1620906" cy="1"/>
+            </a:xfrm>
+            <a:prstGeom prst="straightConnector1">
+              <a:avLst/>
+            </a:prstGeom>
+            <a:ln>
+              <a:prstDash val="dash"/>
+              <a:tailEnd type="triangle"/>
+            </a:ln>
+          </p:spPr>
+          <p:style>
+            <a:lnRef idx="1">
+              <a:schemeClr val="dk1"/>
+            </a:lnRef>
+            <a:fillRef idx="0">
+              <a:schemeClr val="dk1"/>
+            </a:fillRef>
+            <a:effectRef idx="0">
+              <a:schemeClr val="dk1"/>
+            </a:effectRef>
+            <a:fontRef idx="minor">
+              <a:schemeClr val="tx1"/>
+            </a:fontRef>
+          </p:style>
+        </p:cxnSp>
+      </p:grpSp>
     </p:spTree>
     <p:extLst>
       <p:ext uri="{BB962C8B-B14F-4D97-AF65-F5344CB8AC3E}">
-        <p14:creationId xmlns:p14="http://schemas.microsoft.com/office/powerpoint/2010/main" val="2263541932"/>
-      </p:ext>
-    </p:extLst>
-  </p:cSld>
-  <p:clrMapOvr>
-    <a:masterClrMapping/>
-  </p:clrMapOvr>
-</p:sld>
-</file>
-
-<file path=ppt/slides/slide2.xml><?xml version="1.0" encoding="utf-8"?>
-<p:sld xmlns:a="http://schemas.openxmlformats.org/drawingml/2006/main" xmlns:r="http://schemas.openxmlformats.org/officeDocument/2006/relationships" xmlns:p="http://schemas.openxmlformats.org/presentationml/2006/main">
-  <p:cSld>
-    <p:spTree>
-      <p:nvGrpSpPr>
-        <p:cNvPr id="1" name=""/>
-        <p:cNvGrpSpPr/>
-        <p:nvPr/>
-      </p:nvGrpSpPr>
-      <p:grpSpPr>
-        <a:xfrm>
-          <a:off x="0" y="0"/>
-          <a:ext cx="0" cy="0"/>
-          <a:chOff x="0" y="0"/>
-          <a:chExt cx="0" cy="0"/>
-        </a:xfrm>
-      </p:grpSpPr>
-      <p:graphicFrame>
-        <p:nvGraphicFramePr>
-          <p:cNvPr id="6" name="图表 5"/>
-          <p:cNvGraphicFramePr/>
-          <p:nvPr>
-            <p:extLst>
-              <p:ext uri="{D42A27DB-BD31-4B8C-83A1-F6EECF244321}">
-                <p14:modId xmlns:p14="http://schemas.microsoft.com/office/powerpoint/2010/main" val="513454873"/>
-              </p:ext>
-            </p:extLst>
-          </p:nvPr>
-        </p:nvGraphicFramePr>
-        <p:xfrm>
-          <a:off x="108641" y="1421394"/>
-          <a:ext cx="7525442" cy="4463442"/>
-        </p:xfrm>
-        <a:graphic>
-          <a:graphicData uri="http://schemas.openxmlformats.org/drawingml/2006/chart">
-            <c:chart xmlns:c="http://schemas.openxmlformats.org/drawingml/2006/chart" xmlns:r="http://schemas.openxmlformats.org/officeDocument/2006/relationships" r:id="rId2"/>
-          </a:graphicData>
-        </a:graphic>
-      </p:graphicFrame>
-    </p:spTree>
-    <p:extLst>
-      <p:ext uri="{BB962C8B-B14F-4D97-AF65-F5344CB8AC3E}">
-        <p14:creationId xmlns:p14="http://schemas.microsoft.com/office/powerpoint/2010/main" val="844086735"/>
+        <p14:creationId xmlns:p14="http://schemas.microsoft.com/office/powerpoint/2010/main" val="4254988129"/>
       </p:ext>
     </p:extLst>
   </p:cSld>
@@ -4745,7 +7415,17 @@
                 <a:latin typeface="宋体" panose="02010600030101010101" pitchFamily="2" charset="-122"/>
                 <a:ea typeface="宋体" panose="02010600030101010101" pitchFamily="2" charset="-122"/>
               </a:rPr>
-              <a:t>研究基础和现状</a:t>
+              <a:t>研究</a:t>
+            </a:r>
+            <a:r>
+              <a:rPr lang="zh-CN" altLang="en-US" sz="2000" dirty="0" smtClean="0">
+                <a:solidFill>
+                  <a:schemeClr val="tx1"/>
+                </a:solidFill>
+                <a:latin typeface="宋体" panose="02010600030101010101" pitchFamily="2" charset="-122"/>
+                <a:ea typeface="宋体" panose="02010600030101010101" pitchFamily="2" charset="-122"/>
+              </a:rPr>
+              <a:t>基础与现状</a:t>
             </a:r>
             <a:endParaRPr lang="zh-CN" altLang="en-US" sz="2000" dirty="0">
               <a:solidFill>
@@ -4807,7 +7487,7 @@
                 <a:latin typeface="宋体" panose="02010600030101010101" pitchFamily="2" charset="-122"/>
                 <a:ea typeface="宋体" panose="02010600030101010101" pitchFamily="2" charset="-122"/>
               </a:rPr>
-              <a:t>研究背景和意义</a:t>
+              <a:t>绪论</a:t>
             </a:r>
             <a:endParaRPr lang="zh-CN" altLang="en-US" sz="2000" dirty="0">
               <a:solidFill>
@@ -4827,7 +7507,7 @@
         </p:nvSpPr>
         <p:spPr>
           <a:xfrm>
-            <a:off x="2655889" y="976428"/>
+            <a:off x="2655889" y="1414578"/>
             <a:ext cx="2062088" cy="3527366"/>
           </a:xfrm>
           <a:prstGeom prst="rect">
@@ -4879,7 +7559,7 @@
         </p:nvSpPr>
         <p:spPr>
           <a:xfrm>
-            <a:off x="2895192" y="1245205"/>
+            <a:off x="2895192" y="1683355"/>
             <a:ext cx="1616006" cy="338554"/>
           </a:xfrm>
           <a:prstGeom prst="rect">
@@ -4915,14 +7595,14 @@
       </p:sp>
       <p:sp>
         <p:nvSpPr>
-          <p:cNvPr id="11" name="矩形 10"/>
+          <p:cNvPr id="12" name="矩形 11"/>
           <p:cNvSpPr/>
           <p:nvPr/>
         </p:nvSpPr>
         <p:spPr>
           <a:xfrm>
-            <a:off x="2840734" y="1895105"/>
-            <a:ext cx="481745" cy="1764656"/>
+            <a:off x="2895192" y="2351409"/>
+            <a:ext cx="1616006" cy="1764656"/>
           </a:xfrm>
           <a:prstGeom prst="rect">
             <a:avLst/>
@@ -4956,65 +7636,16 @@
           <a:p>
             <a:pPr algn="ctr"/>
             <a:r>
-              <a:rPr lang="zh-CN" altLang="en-US" sz="1600" dirty="0">
+              <a:rPr lang="en-US" altLang="zh-CN" sz="1600" dirty="0" smtClean="0">
                 <a:solidFill>
                   <a:schemeClr val="tx1"/>
                 </a:solidFill>
                 <a:latin typeface="宋体" panose="02010600030101010101" pitchFamily="2" charset="-122"/>
                 <a:ea typeface="宋体" panose="02010600030101010101" pitchFamily="2" charset="-122"/>
               </a:rPr>
-              <a:t>相关统计量</a:t>
+              <a:t>Relief</a:t>
             </a:r>
-            <a:endParaRPr lang="zh-CN" altLang="en-US" sz="1600" dirty="0">
-              <a:solidFill>
-                <a:schemeClr val="tx1"/>
-              </a:solidFill>
-              <a:latin typeface="宋体" panose="02010600030101010101" pitchFamily="2" charset="-122"/>
-              <a:ea typeface="宋体" panose="02010600030101010101" pitchFamily="2" charset="-122"/>
-            </a:endParaRPr>
-          </a:p>
-        </p:txBody>
-      </p:sp>
-      <p:sp>
-        <p:nvSpPr>
-          <p:cNvPr id="12" name="矩形 11"/>
-          <p:cNvSpPr/>
-          <p:nvPr/>
-        </p:nvSpPr>
-        <p:spPr>
-          <a:xfrm>
-            <a:off x="3945933" y="1895105"/>
-            <a:ext cx="565265" cy="1764656"/>
-          </a:xfrm>
-          <a:prstGeom prst="rect">
-            <a:avLst/>
-          </a:prstGeom>
-          <a:noFill/>
-          <a:ln>
-            <a:solidFill>
-              <a:schemeClr val="tx1"/>
-            </a:solidFill>
-          </a:ln>
-        </p:spPr>
-        <p:style>
-          <a:lnRef idx="2">
-            <a:schemeClr val="accent1">
-              <a:shade val="50000"/>
-            </a:schemeClr>
-          </a:lnRef>
-          <a:fillRef idx="1">
-            <a:schemeClr val="accent1"/>
-          </a:fillRef>
-          <a:effectRef idx="0">
-            <a:schemeClr val="accent1"/>
-          </a:effectRef>
-          <a:fontRef idx="minor">
-            <a:schemeClr val="lt1"/>
-          </a:fontRef>
-        </p:style>
-        <p:txBody>
-          <a:bodyPr vert="horz" rtlCol="0" anchor="ctr"/>
-          <a:lstStyle/>
+          </a:p>
           <a:p>
             <a:pPr algn="ctr"/>
             <a:r>
@@ -5025,8 +7656,38 @@
                 <a:latin typeface="宋体" panose="02010600030101010101" pitchFamily="2" charset="-122"/>
                 <a:ea typeface="宋体" panose="02010600030101010101" pitchFamily="2" charset="-122"/>
               </a:rPr>
-              <a:t>可疑度计算公式</a:t>
+              <a:t>特征选择算法</a:t>
             </a:r>
+            <a:endParaRPr lang="en-US" altLang="zh-CN" sz="1600" dirty="0" smtClean="0">
+              <a:solidFill>
+                <a:schemeClr val="tx1"/>
+              </a:solidFill>
+              <a:latin typeface="宋体" panose="02010600030101010101" pitchFamily="2" charset="-122"/>
+              <a:ea typeface="宋体" panose="02010600030101010101" pitchFamily="2" charset="-122"/>
+            </a:endParaRPr>
+          </a:p>
+          <a:p>
+            <a:pPr algn="ctr"/>
+            <a:endParaRPr lang="en-US" altLang="zh-CN" sz="1600" dirty="0">
+              <a:solidFill>
+                <a:schemeClr val="tx1"/>
+              </a:solidFill>
+              <a:latin typeface="宋体" panose="02010600030101010101" pitchFamily="2" charset="-122"/>
+              <a:ea typeface="宋体" panose="02010600030101010101" pitchFamily="2" charset="-122"/>
+            </a:endParaRPr>
+          </a:p>
+          <a:p>
+            <a:pPr algn="ctr"/>
+            <a:endParaRPr lang="en-US" altLang="zh-CN" sz="1600" dirty="0" smtClean="0">
+              <a:solidFill>
+                <a:schemeClr val="tx1"/>
+              </a:solidFill>
+              <a:latin typeface="宋体" panose="02010600030101010101" pitchFamily="2" charset="-122"/>
+              <a:ea typeface="宋体" panose="02010600030101010101" pitchFamily="2" charset="-122"/>
+            </a:endParaRPr>
+          </a:p>
+          <a:p>
+            <a:pPr algn="ctr"/>
             <a:endParaRPr lang="zh-CN" altLang="en-US" sz="1600" dirty="0">
               <a:solidFill>
                 <a:schemeClr val="tx1"/>
@@ -5045,8 +7706,8 @@
         </p:nvSpPr>
         <p:spPr>
           <a:xfrm>
-            <a:off x="2764267" y="3971107"/>
-            <a:ext cx="1844040" cy="338554"/>
+            <a:off x="2895191" y="4409257"/>
+            <a:ext cx="1616007" cy="338554"/>
           </a:xfrm>
           <a:prstGeom prst="rect">
             <a:avLst/>
@@ -5079,150 +7740,6 @@
           </a:p>
         </p:txBody>
       </p:sp>
-      <p:cxnSp>
-        <p:nvCxnSpPr>
-          <p:cNvPr id="3" name="直接箭头连接符 2"/>
-          <p:cNvCxnSpPr>
-            <a:stCxn id="8" idx="2"/>
-            <a:endCxn id="11" idx="0"/>
-          </p:cNvCxnSpPr>
-          <p:nvPr/>
-        </p:nvCxnSpPr>
-        <p:spPr>
-          <a:xfrm flipH="1">
-            <a:off x="3123367" y="1583759"/>
-            <a:ext cx="495033" cy="311346"/>
-          </a:xfrm>
-          <a:prstGeom prst="straightConnector1">
-            <a:avLst/>
-          </a:prstGeom>
-          <a:ln>
-            <a:tailEnd type="triangle"/>
-          </a:ln>
-        </p:spPr>
-        <p:style>
-          <a:lnRef idx="1">
-            <a:schemeClr val="dk1"/>
-          </a:lnRef>
-          <a:fillRef idx="0">
-            <a:schemeClr val="dk1"/>
-          </a:fillRef>
-          <a:effectRef idx="0">
-            <a:schemeClr val="dk1"/>
-          </a:effectRef>
-          <a:fontRef idx="minor">
-            <a:schemeClr val="tx1"/>
-          </a:fontRef>
-        </p:style>
-      </p:cxnSp>
-      <p:cxnSp>
-        <p:nvCxnSpPr>
-          <p:cNvPr id="17" name="直接箭头连接符 16"/>
-          <p:cNvCxnSpPr>
-            <a:stCxn id="8" idx="2"/>
-            <a:endCxn id="12" idx="0"/>
-          </p:cNvCxnSpPr>
-          <p:nvPr/>
-        </p:nvCxnSpPr>
-        <p:spPr>
-          <a:xfrm>
-            <a:off x="3618400" y="1583759"/>
-            <a:ext cx="610166" cy="311346"/>
-          </a:xfrm>
-          <a:prstGeom prst="straightConnector1">
-            <a:avLst/>
-          </a:prstGeom>
-          <a:ln>
-            <a:tailEnd type="triangle"/>
-          </a:ln>
-        </p:spPr>
-        <p:style>
-          <a:lnRef idx="1">
-            <a:schemeClr val="dk1"/>
-          </a:lnRef>
-          <a:fillRef idx="0">
-            <a:schemeClr val="dk1"/>
-          </a:fillRef>
-          <a:effectRef idx="0">
-            <a:schemeClr val="dk1"/>
-          </a:effectRef>
-          <a:fontRef idx="minor">
-            <a:schemeClr val="tx1"/>
-          </a:fontRef>
-        </p:style>
-      </p:cxnSp>
-      <p:cxnSp>
-        <p:nvCxnSpPr>
-          <p:cNvPr id="19" name="直接箭头连接符 18"/>
-          <p:cNvCxnSpPr>
-            <a:stCxn id="11" idx="2"/>
-            <a:endCxn id="16" idx="0"/>
-          </p:cNvCxnSpPr>
-          <p:nvPr/>
-        </p:nvCxnSpPr>
-        <p:spPr>
-          <a:xfrm>
-            <a:off x="3081607" y="3659761"/>
-            <a:ext cx="604680" cy="311346"/>
-          </a:xfrm>
-          <a:prstGeom prst="straightConnector1">
-            <a:avLst/>
-          </a:prstGeom>
-          <a:ln>
-            <a:tailEnd type="triangle"/>
-          </a:ln>
-        </p:spPr>
-        <p:style>
-          <a:lnRef idx="1">
-            <a:schemeClr val="dk1"/>
-          </a:lnRef>
-          <a:fillRef idx="0">
-            <a:schemeClr val="dk1"/>
-          </a:fillRef>
-          <a:effectRef idx="0">
-            <a:schemeClr val="dk1"/>
-          </a:effectRef>
-          <a:fontRef idx="minor">
-            <a:schemeClr val="tx1"/>
-          </a:fontRef>
-        </p:style>
-      </p:cxnSp>
-      <p:cxnSp>
-        <p:nvCxnSpPr>
-          <p:cNvPr id="21" name="直接箭头连接符 20"/>
-          <p:cNvCxnSpPr>
-            <a:stCxn id="12" idx="2"/>
-            <a:endCxn id="16" idx="0"/>
-          </p:cNvCxnSpPr>
-          <p:nvPr/>
-        </p:nvCxnSpPr>
-        <p:spPr>
-          <a:xfrm flipH="1">
-            <a:off x="3686287" y="3659761"/>
-            <a:ext cx="542279" cy="311346"/>
-          </a:xfrm>
-          <a:prstGeom prst="straightConnector1">
-            <a:avLst/>
-          </a:prstGeom>
-          <a:ln>
-            <a:tailEnd type="triangle"/>
-          </a:ln>
-        </p:spPr>
-        <p:style>
-          <a:lnRef idx="1">
-            <a:schemeClr val="dk1"/>
-          </a:lnRef>
-          <a:fillRef idx="0">
-            <a:schemeClr val="dk1"/>
-          </a:fillRef>
-          <a:effectRef idx="0">
-            <a:schemeClr val="dk1"/>
-          </a:effectRef>
-          <a:fontRef idx="minor">
-            <a:schemeClr val="tx1"/>
-          </a:fontRef>
-        </p:style>
-      </p:cxnSp>
       <p:sp>
         <p:nvSpPr>
           <p:cNvPr id="23" name="文本框 22"/>
@@ -5231,7 +7748,7 @@
         </p:nvSpPr>
         <p:spPr>
           <a:xfrm>
-            <a:off x="2895192" y="4964212"/>
+            <a:off x="2851381" y="984853"/>
             <a:ext cx="1620957" cy="338554"/>
           </a:xfrm>
           <a:prstGeom prst="rect">
@@ -5246,13 +7763,13 @@
           <a:lstStyle/>
           <a:p>
             <a:r>
-              <a:rPr lang="zh-CN" altLang="en-US" sz="1600" dirty="0" smtClean="0">
+              <a:rPr lang="zh-CN" altLang="en-US" sz="1600" b="1" dirty="0" smtClean="0">
                 <a:latin typeface="宋体" panose="02010600030101010101" pitchFamily="2" charset="-122"/>
                 <a:ea typeface="宋体" panose="02010600030101010101" pitchFamily="2" charset="-122"/>
               </a:rPr>
               <a:t>纠错性软件维护</a:t>
             </a:r>
-            <a:endParaRPr lang="zh-CN" altLang="en-US" sz="1600" dirty="0">
+            <a:endParaRPr lang="zh-CN" altLang="en-US" sz="1600" b="1" dirty="0">
               <a:latin typeface="宋体" panose="02010600030101010101" pitchFamily="2" charset="-122"/>
               <a:ea typeface="宋体" panose="02010600030101010101" pitchFamily="2" charset="-122"/>
             </a:endParaRPr>
@@ -5267,7 +7784,7 @@
         </p:nvSpPr>
         <p:spPr>
           <a:xfrm>
-            <a:off x="4873920" y="982479"/>
+            <a:off x="4873920" y="1420629"/>
             <a:ext cx="5161620" cy="1499455"/>
           </a:xfrm>
           <a:prstGeom prst="rect">
@@ -5318,7 +7835,7 @@
         </p:nvSpPr>
         <p:spPr>
           <a:xfrm>
-            <a:off x="6670683" y="4969739"/>
+            <a:off x="6644251" y="984853"/>
             <a:ext cx="1620957" cy="338554"/>
           </a:xfrm>
           <a:prstGeom prst="rect">
@@ -5333,13 +7850,13 @@
           <a:lstStyle/>
           <a:p>
             <a:r>
-              <a:rPr lang="zh-CN" altLang="en-US" sz="1600" dirty="0" smtClean="0">
+              <a:rPr lang="zh-CN" altLang="en-US" sz="1600" b="1" dirty="0" smtClean="0">
                 <a:latin typeface="宋体" panose="02010600030101010101" pitchFamily="2" charset="-122"/>
                 <a:ea typeface="宋体" panose="02010600030101010101" pitchFamily="2" charset="-122"/>
               </a:rPr>
               <a:t>完善性软件维护</a:t>
             </a:r>
-            <a:endParaRPr lang="zh-CN" altLang="en-US" sz="1600" dirty="0">
+            <a:endParaRPr lang="zh-CN" altLang="en-US" sz="1600" b="1" dirty="0">
               <a:latin typeface="宋体" panose="02010600030101010101" pitchFamily="2" charset="-122"/>
               <a:ea typeface="宋体" panose="02010600030101010101" pitchFamily="2" charset="-122"/>
             </a:endParaRPr>
@@ -5354,7 +7871,7 @@
         </p:nvSpPr>
         <p:spPr>
           <a:xfrm>
-            <a:off x="5016809" y="1320089"/>
+            <a:off x="5016809" y="1758239"/>
             <a:ext cx="1446415" cy="338554"/>
           </a:xfrm>
           <a:prstGeom prst="rect">
@@ -5395,7 +7912,7 @@
         </p:nvSpPr>
         <p:spPr>
           <a:xfrm>
-            <a:off x="6722827" y="1314913"/>
+            <a:off x="6722827" y="1753063"/>
             <a:ext cx="1051464" cy="338554"/>
           </a:xfrm>
           <a:prstGeom prst="rect">
@@ -5437,7 +7954,7 @@
         </p:nvSpPr>
         <p:spPr>
           <a:xfrm>
-            <a:off x="8089457" y="1314913"/>
+            <a:off x="8089457" y="1753063"/>
             <a:ext cx="1820579" cy="338554"/>
           </a:xfrm>
           <a:prstGeom prst="rect">
@@ -5479,7 +7996,7 @@
         </p:nvSpPr>
         <p:spPr>
           <a:xfrm>
-            <a:off x="6753549" y="976428"/>
+            <a:off x="6753549" y="1414578"/>
             <a:ext cx="997222" cy="338554"/>
           </a:xfrm>
           <a:prstGeom prst="rect">
@@ -5515,7 +8032,7 @@
         </p:nvSpPr>
         <p:spPr>
           <a:xfrm>
-            <a:off x="5016807" y="2074826"/>
+            <a:off x="5016807" y="2512976"/>
             <a:ext cx="1446415" cy="338554"/>
           </a:xfrm>
           <a:prstGeom prst="rect">
@@ -5556,7 +8073,7 @@
         </p:nvSpPr>
         <p:spPr>
           <a:xfrm>
-            <a:off x="8089458" y="2072561"/>
+            <a:off x="8089458" y="2510711"/>
             <a:ext cx="1820579" cy="338554"/>
           </a:xfrm>
           <a:prstGeom prst="rect">
@@ -5598,7 +8115,7 @@
         </p:nvSpPr>
         <p:spPr>
           <a:xfrm>
-            <a:off x="6745793" y="1739245"/>
+            <a:off x="6745793" y="2177395"/>
             <a:ext cx="997222" cy="338554"/>
           </a:xfrm>
           <a:prstGeom prst="rect">
@@ -5636,7 +8153,7 @@
         </p:nvCxnSpPr>
         <p:spPr>
           <a:xfrm>
-            <a:off x="6463224" y="1484190"/>
+            <a:off x="6463224" y="1922340"/>
             <a:ext cx="259603" cy="0"/>
           </a:xfrm>
           <a:prstGeom prst="straightConnector1">
@@ -5672,7 +8189,7 @@
         </p:nvCxnSpPr>
         <p:spPr>
           <a:xfrm>
-            <a:off x="7774291" y="1484190"/>
+            <a:off x="7774291" y="1922340"/>
             <a:ext cx="315166" cy="0"/>
           </a:xfrm>
           <a:prstGeom prst="straightConnector1">
@@ -5708,7 +8225,7 @@
         </p:nvCxnSpPr>
         <p:spPr>
           <a:xfrm>
-            <a:off x="6463222" y="2244103"/>
+            <a:off x="6463222" y="2682253"/>
             <a:ext cx="257301" cy="0"/>
           </a:xfrm>
           <a:prstGeom prst="straightConnector1">
@@ -5744,7 +8261,7 @@
         </p:nvCxnSpPr>
         <p:spPr>
           <a:xfrm flipV="1">
-            <a:off x="7774290" y="2241838"/>
+            <a:off x="7774290" y="2679988"/>
             <a:ext cx="315168" cy="2265"/>
           </a:xfrm>
           <a:prstGeom prst="straightConnector1">
@@ -5777,7 +8294,7 @@
         </p:nvSpPr>
         <p:spPr>
           <a:xfrm>
-            <a:off x="4891898" y="3004339"/>
+            <a:off x="4891898" y="3442489"/>
             <a:ext cx="5143642" cy="1499455"/>
           </a:xfrm>
           <a:prstGeom prst="rect">
@@ -5828,7 +8345,7 @@
         </p:nvSpPr>
         <p:spPr>
           <a:xfrm>
-            <a:off x="5016807" y="3341949"/>
+            <a:off x="5016807" y="3780099"/>
             <a:ext cx="1446415" cy="338554"/>
           </a:xfrm>
           <a:prstGeom prst="rect">
@@ -5870,7 +8387,7 @@
         </p:nvSpPr>
         <p:spPr>
           <a:xfrm>
-            <a:off x="6723472" y="3339361"/>
+            <a:off x="6723472" y="3777511"/>
             <a:ext cx="1050010" cy="338554"/>
           </a:xfrm>
           <a:prstGeom prst="rect">
@@ -5891,11 +8408,11 @@
           <a:p>
             <a:pPr algn="ctr"/>
             <a:r>
-              <a:rPr lang="zh-CN" altLang="en-US" sz="1600" dirty="0" smtClean="0">
+              <a:rPr lang="zh-CN" altLang="en-US" sz="1600" dirty="0">
                 <a:latin typeface="宋体" panose="02010600030101010101" pitchFamily="2" charset="-122"/>
                 <a:ea typeface="宋体" panose="02010600030101010101" pitchFamily="2" charset="-122"/>
               </a:rPr>
-              <a:t>序列表示</a:t>
+              <a:t>编码器</a:t>
             </a:r>
             <a:endParaRPr lang="zh-CN" altLang="en-US" sz="1600" dirty="0">
               <a:latin typeface="宋体" panose="02010600030101010101" pitchFamily="2" charset="-122"/>
@@ -5912,7 +8429,7 @@
         </p:nvSpPr>
         <p:spPr>
           <a:xfrm>
-            <a:off x="8089458" y="3343457"/>
+            <a:off x="8089458" y="3781607"/>
             <a:ext cx="1820578" cy="338554"/>
           </a:xfrm>
           <a:prstGeom prst="rect">
@@ -5937,7 +8454,28 @@
                 <a:latin typeface="宋体" panose="02010600030101010101" pitchFamily="2" charset="-122"/>
                 <a:ea typeface="宋体" panose="02010600030101010101" pitchFamily="2" charset="-122"/>
               </a:rPr>
-              <a:t>层次注意力网络</a:t>
+              <a:t>基于</a:t>
+            </a:r>
+            <a:r>
+              <a:rPr lang="en-US" altLang="zh-CN" sz="1600" dirty="0" smtClean="0">
+                <a:latin typeface="宋体" panose="02010600030101010101" pitchFamily="2" charset="-122"/>
+                <a:ea typeface="宋体" panose="02010600030101010101" pitchFamily="2" charset="-122"/>
+              </a:rPr>
+              <a:t>GRU</a:t>
+            </a:r>
+            <a:r>
+              <a:rPr lang="zh-CN" altLang="en-US" sz="1600" dirty="0" smtClean="0">
+                <a:latin typeface="宋体" panose="02010600030101010101" pitchFamily="2" charset="-122"/>
+                <a:ea typeface="宋体" panose="02010600030101010101" pitchFamily="2" charset="-122"/>
+              </a:rPr>
+              <a:t>的</a:t>
+            </a:r>
+            <a:r>
+              <a:rPr lang="zh-CN" altLang="en-US" sz="1600" dirty="0" smtClean="0">
+                <a:latin typeface="宋体" panose="02010600030101010101" pitchFamily="2" charset="-122"/>
+                <a:ea typeface="宋体" panose="02010600030101010101" pitchFamily="2" charset="-122"/>
+              </a:rPr>
+              <a:t>解码器</a:t>
             </a:r>
             <a:endParaRPr lang="zh-CN" altLang="en-US" sz="1600" dirty="0">
               <a:latin typeface="宋体" panose="02010600030101010101" pitchFamily="2" charset="-122"/>
@@ -5954,7 +8492,7 @@
         </p:nvSpPr>
         <p:spPr>
           <a:xfrm>
-            <a:off x="6752349" y="3000807"/>
+            <a:off x="6752349" y="3438957"/>
             <a:ext cx="997222" cy="338554"/>
           </a:xfrm>
           <a:prstGeom prst="rect">
@@ -5990,7 +8528,7 @@
         </p:nvSpPr>
         <p:spPr>
           <a:xfrm>
-            <a:off x="5016806" y="4086242"/>
+            <a:off x="5016806" y="4524392"/>
             <a:ext cx="1446415" cy="338554"/>
           </a:xfrm>
           <a:prstGeom prst="rect">
@@ -6032,7 +8570,7 @@
         </p:nvSpPr>
         <p:spPr>
           <a:xfrm>
-            <a:off x="6725955" y="4086242"/>
+            <a:off x="6725955" y="4524392"/>
             <a:ext cx="1050010" cy="338554"/>
           </a:xfrm>
           <a:prstGeom prst="rect">
@@ -6074,7 +8612,7 @@
         </p:nvSpPr>
         <p:spPr>
           <a:xfrm>
-            <a:off x="6755481" y="3761486"/>
+            <a:off x="6755481" y="4199636"/>
             <a:ext cx="997222" cy="338554"/>
           </a:xfrm>
           <a:prstGeom prst="rect">
@@ -6113,7 +8651,7 @@
         </p:nvCxnSpPr>
         <p:spPr>
           <a:xfrm flipV="1">
-            <a:off x="6463222" y="3508638"/>
+            <a:off x="6463222" y="3946788"/>
             <a:ext cx="260250" cy="2588"/>
           </a:xfrm>
           <a:prstGeom prst="straightConnector1">
@@ -6149,7 +8687,7 @@
         </p:nvCxnSpPr>
         <p:spPr>
           <a:xfrm>
-            <a:off x="6463221" y="4255519"/>
+            <a:off x="6463221" y="4693669"/>
             <a:ext cx="262734" cy="0"/>
           </a:xfrm>
           <a:prstGeom prst="straightConnector1">
@@ -6185,7 +8723,7 @@
         </p:nvCxnSpPr>
         <p:spPr>
           <a:xfrm>
-            <a:off x="7773482" y="3508638"/>
+            <a:off x="7773482" y="3946788"/>
             <a:ext cx="315976" cy="4096"/>
           </a:xfrm>
           <a:prstGeom prst="straightConnector1">
@@ -6218,7 +8756,7 @@
         </p:nvSpPr>
         <p:spPr>
           <a:xfrm>
-            <a:off x="8084092" y="4086242"/>
+            <a:off x="8084092" y="4524392"/>
             <a:ext cx="1820578" cy="338554"/>
           </a:xfrm>
           <a:prstGeom prst="rect">
@@ -6263,7 +8801,7 @@
         </p:nvCxnSpPr>
         <p:spPr>
           <a:xfrm>
-            <a:off x="7775965" y="4255519"/>
+            <a:off x="7775965" y="4693669"/>
             <a:ext cx="308127" cy="0"/>
           </a:xfrm>
           <a:prstGeom prst="straightConnector1">
@@ -6527,7 +9065,7 @@
         </p:nvSpPr>
         <p:spPr>
           <a:xfrm>
-            <a:off x="7096882" y="2564591"/>
+            <a:off x="7096882" y="3002741"/>
             <a:ext cx="723128" cy="307777"/>
           </a:xfrm>
           <a:prstGeom prst="rect">
@@ -6569,7 +9107,7 @@
         </p:nvSpPr>
         <p:spPr>
           <a:xfrm>
-            <a:off x="7119598" y="4582006"/>
+            <a:off x="7119598" y="5020156"/>
             <a:ext cx="723128" cy="307777"/>
           </a:xfrm>
           <a:prstGeom prst="rect">
@@ -6611,7 +9149,7 @@
         </p:nvSpPr>
         <p:spPr>
           <a:xfrm>
-            <a:off x="3324723" y="4582007"/>
+            <a:off x="3324723" y="5020157"/>
             <a:ext cx="723128" cy="307777"/>
           </a:xfrm>
           <a:prstGeom prst="rect">
@@ -6726,15 +9264,12 @@
       <p:cxnSp>
         <p:nvCxnSpPr>
           <p:cNvPr id="88" name="直接箭头连接符 87"/>
-          <p:cNvCxnSpPr>
-            <a:stCxn id="4" idx="3"/>
-            <a:endCxn id="72" idx="1"/>
-          </p:cNvCxnSpPr>
+          <p:cNvCxnSpPr/>
           <p:nvPr/>
         </p:nvCxnSpPr>
         <p:spPr>
           <a:xfrm>
-            <a:off x="2108558" y="2862350"/>
+            <a:off x="2108558" y="3300500"/>
             <a:ext cx="300572" cy="2140"/>
           </a:xfrm>
           <a:prstGeom prst="straightConnector1">
@@ -6803,7 +9338,7 @@
         </p:nvSpPr>
         <p:spPr>
           <a:xfrm>
-            <a:off x="6720523" y="2074826"/>
+            <a:off x="6720523" y="2512976"/>
             <a:ext cx="1053767" cy="338554"/>
           </a:xfrm>
           <a:prstGeom prst="rect">
@@ -6837,6 +9372,142 @@
           </a:p>
         </p:txBody>
       </p:sp>
+      <p:sp>
+        <p:nvSpPr>
+          <p:cNvPr id="2" name="矩形 1"/>
+          <p:cNvSpPr/>
+          <p:nvPr/>
+        </p:nvSpPr>
+        <p:spPr>
+          <a:xfrm>
+            <a:off x="3157035" y="3310518"/>
+            <a:ext cx="1009650" cy="556632"/>
+          </a:xfrm>
+          <a:prstGeom prst="rect">
+            <a:avLst/>
+          </a:prstGeom>
+          <a:solidFill>
+            <a:schemeClr val="bg1"/>
+          </a:solidFill>
+          <a:ln>
+            <a:solidFill>
+              <a:schemeClr val="tx1"/>
+            </a:solidFill>
+          </a:ln>
+        </p:spPr>
+        <p:style>
+          <a:lnRef idx="2">
+            <a:schemeClr val="accent1">
+              <a:shade val="50000"/>
+            </a:schemeClr>
+          </a:lnRef>
+          <a:fillRef idx="1">
+            <a:schemeClr val="accent1"/>
+          </a:fillRef>
+          <a:effectRef idx="0">
+            <a:schemeClr val="accent1"/>
+          </a:effectRef>
+          <a:fontRef idx="minor">
+            <a:schemeClr val="lt1"/>
+          </a:fontRef>
+        </p:style>
+        <p:txBody>
+          <a:bodyPr rtlCol="0" anchor="ctr"/>
+          <a:lstStyle/>
+          <a:p>
+            <a:pPr algn="ctr"/>
+            <a:r>
+              <a:rPr lang="zh-CN" altLang="en-US" sz="1600" dirty="0" smtClean="0">
+                <a:solidFill>
+                  <a:schemeClr val="tx1"/>
+                </a:solidFill>
+                <a:latin typeface="宋体" panose="02010600030101010101" pitchFamily="2" charset="-122"/>
+                <a:ea typeface="宋体" panose="02010600030101010101" pitchFamily="2" charset="-122"/>
+              </a:rPr>
+              <a:t>缺陷相关统计量</a:t>
+            </a:r>
+            <a:endParaRPr lang="zh-CN" altLang="en-US" sz="1600" dirty="0">
+              <a:solidFill>
+                <a:schemeClr val="tx1"/>
+              </a:solidFill>
+              <a:latin typeface="宋体" panose="02010600030101010101" pitchFamily="2" charset="-122"/>
+              <a:ea typeface="宋体" panose="02010600030101010101" pitchFamily="2" charset="-122"/>
+            </a:endParaRPr>
+          </a:p>
+        </p:txBody>
+      </p:sp>
+      <p:cxnSp>
+        <p:nvCxnSpPr>
+          <p:cNvPr id="9" name="直接箭头连接符 8"/>
+          <p:cNvCxnSpPr>
+            <a:stCxn id="8" idx="2"/>
+            <a:endCxn id="12" idx="0"/>
+          </p:cNvCxnSpPr>
+          <p:nvPr/>
+        </p:nvCxnSpPr>
+        <p:spPr>
+          <a:xfrm>
+            <a:off x="3703195" y="2021909"/>
+            <a:ext cx="0" cy="329500"/>
+          </a:xfrm>
+          <a:prstGeom prst="straightConnector1">
+            <a:avLst/>
+          </a:prstGeom>
+          <a:ln>
+            <a:tailEnd type="triangle"/>
+          </a:ln>
+        </p:spPr>
+        <p:style>
+          <a:lnRef idx="1">
+            <a:schemeClr val="dk1"/>
+          </a:lnRef>
+          <a:fillRef idx="0">
+            <a:schemeClr val="dk1"/>
+          </a:fillRef>
+          <a:effectRef idx="0">
+            <a:schemeClr val="dk1"/>
+          </a:effectRef>
+          <a:fontRef idx="minor">
+            <a:schemeClr val="tx1"/>
+          </a:fontRef>
+        </p:style>
+      </p:cxnSp>
+      <p:cxnSp>
+        <p:nvCxnSpPr>
+          <p:cNvPr id="15" name="直接箭头连接符 14"/>
+          <p:cNvCxnSpPr>
+            <a:stCxn id="12" idx="2"/>
+            <a:endCxn id="16" idx="0"/>
+          </p:cNvCxnSpPr>
+          <p:nvPr/>
+        </p:nvCxnSpPr>
+        <p:spPr>
+          <a:xfrm>
+            <a:off x="3703195" y="4116065"/>
+            <a:ext cx="0" cy="293192"/>
+          </a:xfrm>
+          <a:prstGeom prst="straightConnector1">
+            <a:avLst/>
+          </a:prstGeom>
+          <a:ln>
+            <a:tailEnd type="triangle"/>
+          </a:ln>
+        </p:spPr>
+        <p:style>
+          <a:lnRef idx="1">
+            <a:schemeClr val="dk1"/>
+          </a:lnRef>
+          <a:fillRef idx="0">
+            <a:schemeClr val="dk1"/>
+          </a:fillRef>
+          <a:effectRef idx="0">
+            <a:schemeClr val="dk1"/>
+          </a:effectRef>
+          <a:fontRef idx="minor">
+            <a:schemeClr val="tx1"/>
+          </a:fontRef>
+        </p:style>
+      </p:cxnSp>
     </p:spTree>
     <p:extLst>
       <p:ext uri="{BB962C8B-B14F-4D97-AF65-F5344CB8AC3E}">
@@ -19949,7 +22620,7 @@
         </p:nvSpPr>
         <p:spPr>
           <a:xfrm>
-            <a:off x="4363351" y="4140622"/>
+            <a:off x="4363351" y="3978697"/>
             <a:ext cx="733426" cy="361950"/>
           </a:xfrm>
           <a:prstGeom prst="rect">
@@ -20021,7 +22692,7 @@
         </p:nvSpPr>
         <p:spPr>
           <a:xfrm>
-            <a:off x="5470108" y="4140622"/>
+            <a:off x="5470108" y="3978697"/>
             <a:ext cx="733426" cy="361950"/>
           </a:xfrm>
           <a:prstGeom prst="rect">
@@ -20093,7 +22764,7 @@
         </p:nvSpPr>
         <p:spPr>
           <a:xfrm>
-            <a:off x="7197260" y="4131842"/>
+            <a:off x="7197260" y="3969917"/>
             <a:ext cx="733426" cy="361950"/>
           </a:xfrm>
           <a:prstGeom prst="rect">
@@ -20165,7 +22836,7 @@
         </p:nvSpPr>
         <p:spPr>
           <a:xfrm>
-            <a:off x="8150479" y="4131842"/>
+            <a:off x="8150479" y="3969917"/>
             <a:ext cx="733426" cy="361950"/>
           </a:xfrm>
           <a:prstGeom prst="rect">
@@ -20241,7 +22912,7 @@
         <p:spPr>
           <a:xfrm flipH="1">
             <a:off x="4427998" y="1866900"/>
-            <a:ext cx="1720389" cy="963194"/>
+            <a:ext cx="1720389" cy="915569"/>
           </a:xfrm>
           <a:prstGeom prst="straightConnector1">
             <a:avLst/>
@@ -20316,7 +22987,7 @@
         </p:nvSpPr>
         <p:spPr>
           <a:xfrm>
-            <a:off x="3605878" y="2816924"/>
+            <a:off x="3605878" y="2769299"/>
             <a:ext cx="391454" cy="338554"/>
           </a:xfrm>
           <a:prstGeom prst="rect">
@@ -20359,7 +23030,7 @@
         </p:nvSpPr>
         <p:spPr>
           <a:xfrm>
-            <a:off x="3605878" y="4164018"/>
+            <a:off x="3605878" y="4002093"/>
             <a:ext cx="391454" cy="338554"/>
           </a:xfrm>
           <a:prstGeom prst="rect">
@@ -20478,7 +23149,7 @@
         <p:spPr>
           <a:xfrm>
             <a:off x="6148387" y="1866900"/>
-            <a:ext cx="1887412" cy="955886"/>
+            <a:ext cx="1887412" cy="908261"/>
           </a:xfrm>
           <a:prstGeom prst="straightConnector1">
             <a:avLst/>
@@ -20513,8 +23184,8 @@
         </p:nvCxnSpPr>
         <p:spPr>
           <a:xfrm flipH="1">
-            <a:off x="4730064" y="3184736"/>
-            <a:ext cx="597710" cy="955886"/>
+            <a:off x="4730064" y="3137111"/>
+            <a:ext cx="597710" cy="841586"/>
           </a:xfrm>
           <a:prstGeom prst="straightConnector1">
             <a:avLst/>
@@ -20549,8 +23220,8 @@
         </p:nvCxnSpPr>
         <p:spPr>
           <a:xfrm>
-            <a:off x="5327774" y="3184736"/>
-            <a:ext cx="509047" cy="955886"/>
+            <a:off x="5327774" y="3137111"/>
+            <a:ext cx="509047" cy="841586"/>
           </a:xfrm>
           <a:prstGeom prst="straightConnector1">
             <a:avLst/>
@@ -20585,8 +23256,8 @@
         </p:nvCxnSpPr>
         <p:spPr>
           <a:xfrm flipH="1">
-            <a:off x="7563973" y="3184736"/>
-            <a:ext cx="471826" cy="947106"/>
+            <a:off x="7563973" y="3137111"/>
+            <a:ext cx="471826" cy="832806"/>
           </a:xfrm>
           <a:prstGeom prst="straightConnector1">
             <a:avLst/>
@@ -20621,8 +23292,8 @@
         </p:nvCxnSpPr>
         <p:spPr>
           <a:xfrm>
-            <a:off x="8035799" y="3184736"/>
-            <a:ext cx="481393" cy="947106"/>
+            <a:off x="8035799" y="3137111"/>
+            <a:ext cx="481393" cy="832806"/>
           </a:xfrm>
           <a:prstGeom prst="straightConnector1">
             <a:avLst/>
@@ -20654,7 +23325,7 @@
         </p:nvSpPr>
         <p:spPr>
           <a:xfrm>
-            <a:off x="4061285" y="2830094"/>
+            <a:off x="4061285" y="2782469"/>
             <a:ext cx="733426" cy="361950"/>
           </a:xfrm>
           <a:prstGeom prst="rect">
@@ -20726,7 +23397,7 @@
         </p:nvSpPr>
         <p:spPr>
           <a:xfrm>
-            <a:off x="4961061" y="2822786"/>
+            <a:off x="4961061" y="2775161"/>
             <a:ext cx="733426" cy="361950"/>
           </a:xfrm>
           <a:prstGeom prst="rect">
@@ -20818,7 +23489,7 @@
         </p:nvSpPr>
         <p:spPr>
           <a:xfrm>
-            <a:off x="5864475" y="2822786"/>
+            <a:off x="5864475" y="2775161"/>
             <a:ext cx="733426" cy="361950"/>
           </a:xfrm>
           <a:prstGeom prst="rect">
@@ -20890,7 +23561,7 @@
         </p:nvSpPr>
         <p:spPr>
           <a:xfrm>
-            <a:off x="7669086" y="2822786"/>
+            <a:off x="7669086" y="2775161"/>
             <a:ext cx="733426" cy="361950"/>
           </a:xfrm>
           <a:prstGeom prst="rect">
@@ -20982,7 +23653,7 @@
         </p:nvSpPr>
         <p:spPr>
           <a:xfrm>
-            <a:off x="6765672" y="2840320"/>
+            <a:off x="6765672" y="2792695"/>
             <a:ext cx="733426" cy="361950"/>
           </a:xfrm>
           <a:prstGeom prst="rect">
@@ -21442,6 +24113,1813 @@
     <p:extLst>
       <p:ext uri="{BB962C8B-B14F-4D97-AF65-F5344CB8AC3E}">
         <p14:creationId xmlns:p14="http://schemas.microsoft.com/office/powerpoint/2010/main" val="3319704821"/>
+      </p:ext>
+    </p:extLst>
+  </p:cSld>
+  <p:clrMapOvr>
+    <a:masterClrMapping/>
+  </p:clrMapOvr>
+</p:sld>
+</file>
+
+<file path=ppt/slides/slide9.xml><?xml version="1.0" encoding="utf-8"?>
+<p:sld xmlns:a="http://schemas.openxmlformats.org/drawingml/2006/main" xmlns:r="http://schemas.openxmlformats.org/officeDocument/2006/relationships" xmlns:p="http://schemas.openxmlformats.org/presentationml/2006/main">
+  <p:cSld>
+    <p:spTree>
+      <p:nvGrpSpPr>
+        <p:cNvPr id="1" name=""/>
+        <p:cNvGrpSpPr/>
+        <p:nvPr/>
+      </p:nvGrpSpPr>
+      <p:grpSpPr>
+        <a:xfrm>
+          <a:off x="0" y="0"/>
+          <a:ext cx="0" cy="0"/>
+          <a:chOff x="0" y="0"/>
+          <a:chExt cx="0" cy="0"/>
+        </a:xfrm>
+      </p:grpSpPr>
+      <p:sp>
+        <p:nvSpPr>
+          <p:cNvPr id="116" name="矩形 115"/>
+          <p:cNvSpPr/>
+          <p:nvPr/>
+        </p:nvSpPr>
+        <p:spPr>
+          <a:xfrm>
+            <a:off x="4735646" y="1504950"/>
+            <a:ext cx="733426" cy="361950"/>
+          </a:xfrm>
+          <a:prstGeom prst="rect">
+            <a:avLst/>
+          </a:prstGeom>
+          <a:noFill/>
+          <a:ln w="15240">
+            <a:solidFill>
+              <a:schemeClr val="tx1"/>
+            </a:solidFill>
+          </a:ln>
+        </p:spPr>
+        <p:style>
+          <a:lnRef idx="2">
+            <a:schemeClr val="accent1">
+              <a:shade val="50000"/>
+            </a:schemeClr>
+          </a:lnRef>
+          <a:fillRef idx="1">
+            <a:schemeClr val="accent1"/>
+          </a:fillRef>
+          <a:effectRef idx="0">
+            <a:schemeClr val="accent1"/>
+          </a:effectRef>
+          <a:fontRef idx="minor">
+            <a:schemeClr val="lt1"/>
+          </a:fontRef>
+        </p:style>
+        <p:txBody>
+          <a:bodyPr rtlCol="0" anchor="ctr"/>
+          <a:lstStyle/>
+          <a:p>
+            <a:pPr algn="ctr"/>
+            <a:r>
+              <a:rPr lang="en-US" altLang="zh-CN" sz="1600" dirty="0" smtClean="0">
+                <a:solidFill>
+                  <a:schemeClr val="tx1"/>
+                </a:solidFill>
+                <a:latin typeface="Times New Roman" panose="02020603050405020304" pitchFamily="18" charset="0"/>
+                <a:cs typeface="Times New Roman" panose="02020603050405020304" pitchFamily="18" charset="0"/>
+              </a:rPr>
+              <a:t>S</a:t>
+            </a:r>
+            <a:r>
+              <a:rPr lang="en-US" altLang="zh-CN" sz="1100" dirty="0" smtClean="0">
+                <a:solidFill>
+                  <a:schemeClr val="tx1"/>
+                </a:solidFill>
+                <a:latin typeface="Times New Roman" panose="02020603050405020304" pitchFamily="18" charset="0"/>
+                <a:cs typeface="Times New Roman" panose="02020603050405020304" pitchFamily="18" charset="0"/>
+              </a:rPr>
+              <a:t>2</a:t>
+            </a:r>
+            <a:endParaRPr lang="zh-CN" altLang="en-US" sz="1600" dirty="0">
+              <a:solidFill>
+                <a:schemeClr val="tx1"/>
+              </a:solidFill>
+              <a:latin typeface="Times New Roman" panose="02020603050405020304" pitchFamily="18" charset="0"/>
+              <a:cs typeface="Times New Roman" panose="02020603050405020304" pitchFamily="18" charset="0"/>
+            </a:endParaRPr>
+          </a:p>
+        </p:txBody>
+      </p:sp>
+      <p:sp>
+        <p:nvSpPr>
+          <p:cNvPr id="117" name="矩形 116"/>
+          <p:cNvSpPr/>
+          <p:nvPr/>
+        </p:nvSpPr>
+        <p:spPr>
+          <a:xfrm>
+            <a:off x="5781674" y="1504950"/>
+            <a:ext cx="733426" cy="361950"/>
+          </a:xfrm>
+          <a:prstGeom prst="rect">
+            <a:avLst/>
+          </a:prstGeom>
+          <a:noFill/>
+          <a:ln w="15240">
+            <a:solidFill>
+              <a:schemeClr val="tx1"/>
+            </a:solidFill>
+          </a:ln>
+        </p:spPr>
+        <p:style>
+          <a:lnRef idx="2">
+            <a:schemeClr val="accent1">
+              <a:shade val="50000"/>
+            </a:schemeClr>
+          </a:lnRef>
+          <a:fillRef idx="1">
+            <a:schemeClr val="accent1"/>
+          </a:fillRef>
+          <a:effectRef idx="0">
+            <a:schemeClr val="accent1"/>
+          </a:effectRef>
+          <a:fontRef idx="minor">
+            <a:schemeClr val="lt1"/>
+          </a:fontRef>
+        </p:style>
+        <p:txBody>
+          <a:bodyPr rtlCol="0" anchor="ctr"/>
+          <a:lstStyle/>
+          <a:p>
+            <a:pPr algn="ctr"/>
+            <a:r>
+              <a:rPr lang="en-US" altLang="zh-CN" sz="1600" dirty="0" smtClean="0">
+                <a:solidFill>
+                  <a:schemeClr val="tx1"/>
+                </a:solidFill>
+                <a:latin typeface="Times New Roman" panose="02020603050405020304" pitchFamily="18" charset="0"/>
+                <a:cs typeface="Times New Roman" panose="02020603050405020304" pitchFamily="18" charset="0"/>
+              </a:rPr>
+              <a:t>S</a:t>
+            </a:r>
+            <a:r>
+              <a:rPr lang="en-US" altLang="zh-CN" sz="1100" dirty="0" smtClean="0">
+                <a:solidFill>
+                  <a:schemeClr val="tx1"/>
+                </a:solidFill>
+                <a:latin typeface="Times New Roman" panose="02020603050405020304" pitchFamily="18" charset="0"/>
+                <a:cs typeface="Times New Roman" panose="02020603050405020304" pitchFamily="18" charset="0"/>
+              </a:rPr>
+              <a:t>3</a:t>
+            </a:r>
+            <a:r>
+              <a:rPr lang="en-US" altLang="zh-CN" sz="1600" dirty="0">
+                <a:solidFill>
+                  <a:schemeClr val="tx1"/>
+                </a:solidFill>
+                <a:latin typeface="Times New Roman" panose="02020603050405020304" pitchFamily="18" charset="0"/>
+                <a:cs typeface="Times New Roman" panose="02020603050405020304" pitchFamily="18" charset="0"/>
+              </a:rPr>
+              <a:t>-</a:t>
+            </a:r>
+            <a:r>
+              <a:rPr lang="en-US" altLang="zh-CN" sz="1100" dirty="0" smtClean="0">
+                <a:solidFill>
+                  <a:schemeClr val="tx1"/>
+                </a:solidFill>
+                <a:latin typeface="Times New Roman" panose="02020603050405020304" pitchFamily="18" charset="0"/>
+                <a:cs typeface="Times New Roman" panose="02020603050405020304" pitchFamily="18" charset="0"/>
+              </a:rPr>
+              <a:t>15</a:t>
+            </a:r>
+            <a:endParaRPr lang="zh-CN" altLang="en-US" sz="1600" dirty="0">
+              <a:solidFill>
+                <a:schemeClr val="tx1"/>
+              </a:solidFill>
+              <a:latin typeface="Times New Roman" panose="02020603050405020304" pitchFamily="18" charset="0"/>
+              <a:cs typeface="Times New Roman" panose="02020603050405020304" pitchFamily="18" charset="0"/>
+            </a:endParaRPr>
+          </a:p>
+        </p:txBody>
+      </p:sp>
+      <p:sp>
+        <p:nvSpPr>
+          <p:cNvPr id="119" name="矩形 118"/>
+          <p:cNvSpPr/>
+          <p:nvPr/>
+        </p:nvSpPr>
+        <p:spPr>
+          <a:xfrm>
+            <a:off x="6881813" y="1504950"/>
+            <a:ext cx="733426" cy="361950"/>
+          </a:xfrm>
+          <a:prstGeom prst="rect">
+            <a:avLst/>
+          </a:prstGeom>
+          <a:noFill/>
+          <a:ln w="15240">
+            <a:solidFill>
+              <a:schemeClr val="tx1"/>
+            </a:solidFill>
+          </a:ln>
+        </p:spPr>
+        <p:style>
+          <a:lnRef idx="2">
+            <a:schemeClr val="accent1">
+              <a:shade val="50000"/>
+            </a:schemeClr>
+          </a:lnRef>
+          <a:fillRef idx="1">
+            <a:schemeClr val="accent1"/>
+          </a:fillRef>
+          <a:effectRef idx="0">
+            <a:schemeClr val="accent1"/>
+          </a:effectRef>
+          <a:fontRef idx="minor">
+            <a:schemeClr val="lt1"/>
+          </a:fontRef>
+        </p:style>
+        <p:txBody>
+          <a:bodyPr rtlCol="0" anchor="ctr"/>
+          <a:lstStyle/>
+          <a:p>
+            <a:pPr algn="ctr"/>
+            <a:r>
+              <a:rPr lang="en-US" altLang="zh-CN" sz="1600" dirty="0" smtClean="0">
+                <a:solidFill>
+                  <a:schemeClr val="tx1"/>
+                </a:solidFill>
+                <a:latin typeface="Times New Roman" panose="02020603050405020304" pitchFamily="18" charset="0"/>
+                <a:cs typeface="Times New Roman" panose="02020603050405020304" pitchFamily="18" charset="0"/>
+              </a:rPr>
+              <a:t>S</a:t>
+            </a:r>
+            <a:r>
+              <a:rPr lang="en-US" altLang="zh-CN" sz="1100" dirty="0" smtClean="0">
+                <a:solidFill>
+                  <a:schemeClr val="tx1"/>
+                </a:solidFill>
+                <a:latin typeface="Times New Roman" panose="02020603050405020304" pitchFamily="18" charset="0"/>
+                <a:cs typeface="Times New Roman" panose="02020603050405020304" pitchFamily="18" charset="0"/>
+              </a:rPr>
+              <a:t>16</a:t>
+            </a:r>
+            <a:endParaRPr lang="zh-CN" altLang="en-US" sz="1600" dirty="0">
+              <a:solidFill>
+                <a:schemeClr val="tx1"/>
+              </a:solidFill>
+              <a:latin typeface="Times New Roman" panose="02020603050405020304" pitchFamily="18" charset="0"/>
+              <a:cs typeface="Times New Roman" panose="02020603050405020304" pitchFamily="18" charset="0"/>
+            </a:endParaRPr>
+          </a:p>
+        </p:txBody>
+      </p:sp>
+      <p:sp>
+        <p:nvSpPr>
+          <p:cNvPr id="125" name="矩形 124"/>
+          <p:cNvSpPr/>
+          <p:nvPr/>
+        </p:nvSpPr>
+        <p:spPr>
+          <a:xfrm>
+            <a:off x="4363351" y="3978697"/>
+            <a:ext cx="733426" cy="361950"/>
+          </a:xfrm>
+          <a:prstGeom prst="rect">
+            <a:avLst/>
+          </a:prstGeom>
+          <a:noFill/>
+          <a:ln w="15240">
+            <a:solidFill>
+              <a:schemeClr val="tx1"/>
+            </a:solidFill>
+          </a:ln>
+        </p:spPr>
+        <p:style>
+          <a:lnRef idx="2">
+            <a:schemeClr val="accent1">
+              <a:shade val="50000"/>
+            </a:schemeClr>
+          </a:lnRef>
+          <a:fillRef idx="1">
+            <a:schemeClr val="accent1"/>
+          </a:fillRef>
+          <a:effectRef idx="0">
+            <a:schemeClr val="accent1"/>
+          </a:effectRef>
+          <a:fontRef idx="minor">
+            <a:schemeClr val="lt1"/>
+          </a:fontRef>
+        </p:style>
+        <p:txBody>
+          <a:bodyPr rtlCol="0" anchor="ctr"/>
+          <a:lstStyle/>
+          <a:p>
+            <a:pPr algn="ctr"/>
+            <a:r>
+              <a:rPr lang="en-US" altLang="zh-CN" sz="1600" dirty="0" smtClean="0">
+                <a:solidFill>
+                  <a:schemeClr val="tx1"/>
+                </a:solidFill>
+                <a:latin typeface="Times New Roman" panose="02020603050405020304" pitchFamily="18" charset="0"/>
+                <a:cs typeface="Times New Roman" panose="02020603050405020304" pitchFamily="18" charset="0"/>
+              </a:rPr>
+              <a:t>S</a:t>
+            </a:r>
+            <a:r>
+              <a:rPr lang="en-US" altLang="zh-CN" sz="1100" dirty="0" smtClean="0">
+                <a:solidFill>
+                  <a:schemeClr val="tx1"/>
+                </a:solidFill>
+                <a:latin typeface="Times New Roman" panose="02020603050405020304" pitchFamily="18" charset="0"/>
+                <a:cs typeface="Times New Roman" panose="02020603050405020304" pitchFamily="18" charset="0"/>
+              </a:rPr>
+              <a:t>6</a:t>
+            </a:r>
+            <a:endParaRPr lang="zh-CN" altLang="en-US" sz="1600" dirty="0">
+              <a:solidFill>
+                <a:schemeClr val="tx1"/>
+              </a:solidFill>
+              <a:latin typeface="Times New Roman" panose="02020603050405020304" pitchFamily="18" charset="0"/>
+              <a:cs typeface="Times New Roman" panose="02020603050405020304" pitchFamily="18" charset="0"/>
+            </a:endParaRPr>
+          </a:p>
+        </p:txBody>
+      </p:sp>
+      <p:sp>
+        <p:nvSpPr>
+          <p:cNvPr id="126" name="矩形 125"/>
+          <p:cNvSpPr/>
+          <p:nvPr/>
+        </p:nvSpPr>
+        <p:spPr>
+          <a:xfrm>
+            <a:off x="5470108" y="3978697"/>
+            <a:ext cx="733426" cy="361950"/>
+          </a:xfrm>
+          <a:prstGeom prst="rect">
+            <a:avLst/>
+          </a:prstGeom>
+          <a:noFill/>
+          <a:ln w="15240">
+            <a:solidFill>
+              <a:schemeClr val="tx1"/>
+            </a:solidFill>
+          </a:ln>
+        </p:spPr>
+        <p:style>
+          <a:lnRef idx="2">
+            <a:schemeClr val="accent1">
+              <a:shade val="50000"/>
+            </a:schemeClr>
+          </a:lnRef>
+          <a:fillRef idx="1">
+            <a:schemeClr val="accent1"/>
+          </a:fillRef>
+          <a:effectRef idx="0">
+            <a:schemeClr val="accent1"/>
+          </a:effectRef>
+          <a:fontRef idx="minor">
+            <a:schemeClr val="lt1"/>
+          </a:fontRef>
+        </p:style>
+        <p:txBody>
+          <a:bodyPr rtlCol="0" anchor="ctr"/>
+          <a:lstStyle/>
+          <a:p>
+            <a:pPr algn="ctr"/>
+            <a:r>
+              <a:rPr lang="en-US" altLang="zh-CN" sz="1600" dirty="0" smtClean="0">
+                <a:solidFill>
+                  <a:schemeClr val="tx1"/>
+                </a:solidFill>
+                <a:latin typeface="Times New Roman" panose="02020603050405020304" pitchFamily="18" charset="0"/>
+                <a:cs typeface="Times New Roman" panose="02020603050405020304" pitchFamily="18" charset="0"/>
+              </a:rPr>
+              <a:t>S</a:t>
+            </a:r>
+            <a:r>
+              <a:rPr lang="en-US" altLang="zh-CN" sz="1100" dirty="0" smtClean="0">
+                <a:solidFill>
+                  <a:schemeClr val="tx1"/>
+                </a:solidFill>
+                <a:latin typeface="Times New Roman" panose="02020603050405020304" pitchFamily="18" charset="0"/>
+                <a:cs typeface="Times New Roman" panose="02020603050405020304" pitchFamily="18" charset="0"/>
+              </a:rPr>
+              <a:t>7</a:t>
+            </a:r>
+            <a:endParaRPr lang="zh-CN" altLang="en-US" sz="1600" dirty="0">
+              <a:solidFill>
+                <a:schemeClr val="tx1"/>
+              </a:solidFill>
+              <a:latin typeface="Times New Roman" panose="02020603050405020304" pitchFamily="18" charset="0"/>
+              <a:cs typeface="Times New Roman" panose="02020603050405020304" pitchFamily="18" charset="0"/>
+            </a:endParaRPr>
+          </a:p>
+        </p:txBody>
+      </p:sp>
+      <p:sp>
+        <p:nvSpPr>
+          <p:cNvPr id="127" name="矩形 126"/>
+          <p:cNvSpPr/>
+          <p:nvPr/>
+        </p:nvSpPr>
+        <p:spPr>
+          <a:xfrm>
+            <a:off x="7197260" y="3969917"/>
+            <a:ext cx="733426" cy="361950"/>
+          </a:xfrm>
+          <a:prstGeom prst="rect">
+            <a:avLst/>
+          </a:prstGeom>
+          <a:noFill/>
+          <a:ln w="15240">
+            <a:solidFill>
+              <a:schemeClr val="tx1"/>
+            </a:solidFill>
+          </a:ln>
+        </p:spPr>
+        <p:style>
+          <a:lnRef idx="2">
+            <a:schemeClr val="accent1">
+              <a:shade val="50000"/>
+            </a:schemeClr>
+          </a:lnRef>
+          <a:fillRef idx="1">
+            <a:schemeClr val="accent1"/>
+          </a:fillRef>
+          <a:effectRef idx="0">
+            <a:schemeClr val="accent1"/>
+          </a:effectRef>
+          <a:fontRef idx="minor">
+            <a:schemeClr val="lt1"/>
+          </a:fontRef>
+        </p:style>
+        <p:txBody>
+          <a:bodyPr rtlCol="0" anchor="ctr"/>
+          <a:lstStyle/>
+          <a:p>
+            <a:pPr algn="ctr"/>
+            <a:r>
+              <a:rPr lang="en-US" altLang="zh-CN" sz="1600" dirty="0" smtClean="0">
+                <a:solidFill>
+                  <a:schemeClr val="tx1"/>
+                </a:solidFill>
+                <a:latin typeface="Times New Roman" panose="02020603050405020304" pitchFamily="18" charset="0"/>
+                <a:cs typeface="Times New Roman" panose="02020603050405020304" pitchFamily="18" charset="0"/>
+              </a:rPr>
+              <a:t>S</a:t>
+            </a:r>
+            <a:r>
+              <a:rPr lang="en-US" altLang="zh-CN" sz="1100" dirty="0" smtClean="0">
+                <a:solidFill>
+                  <a:schemeClr val="tx1"/>
+                </a:solidFill>
+                <a:latin typeface="Times New Roman" panose="02020603050405020304" pitchFamily="18" charset="0"/>
+                <a:cs typeface="Times New Roman" panose="02020603050405020304" pitchFamily="18" charset="0"/>
+              </a:rPr>
+              <a:t>12</a:t>
+            </a:r>
+            <a:endParaRPr lang="zh-CN" altLang="en-US" sz="1600" dirty="0">
+              <a:solidFill>
+                <a:schemeClr val="tx1"/>
+              </a:solidFill>
+              <a:latin typeface="Times New Roman" panose="02020603050405020304" pitchFamily="18" charset="0"/>
+              <a:cs typeface="Times New Roman" panose="02020603050405020304" pitchFamily="18" charset="0"/>
+            </a:endParaRPr>
+          </a:p>
+        </p:txBody>
+      </p:sp>
+      <p:sp>
+        <p:nvSpPr>
+          <p:cNvPr id="128" name="矩形 127"/>
+          <p:cNvSpPr/>
+          <p:nvPr/>
+        </p:nvSpPr>
+        <p:spPr>
+          <a:xfrm>
+            <a:off x="8150479" y="3969917"/>
+            <a:ext cx="733426" cy="361950"/>
+          </a:xfrm>
+          <a:prstGeom prst="rect">
+            <a:avLst/>
+          </a:prstGeom>
+          <a:noFill/>
+          <a:ln w="15240">
+            <a:solidFill>
+              <a:schemeClr val="tx1"/>
+            </a:solidFill>
+          </a:ln>
+        </p:spPr>
+        <p:style>
+          <a:lnRef idx="2">
+            <a:schemeClr val="accent1">
+              <a:shade val="50000"/>
+            </a:schemeClr>
+          </a:lnRef>
+          <a:fillRef idx="1">
+            <a:schemeClr val="accent1"/>
+          </a:fillRef>
+          <a:effectRef idx="0">
+            <a:schemeClr val="accent1"/>
+          </a:effectRef>
+          <a:fontRef idx="minor">
+            <a:schemeClr val="lt1"/>
+          </a:fontRef>
+        </p:style>
+        <p:txBody>
+          <a:bodyPr rtlCol="0" anchor="ctr"/>
+          <a:lstStyle/>
+          <a:p>
+            <a:pPr algn="ctr"/>
+            <a:r>
+              <a:rPr lang="en-US" altLang="zh-CN" sz="1600" dirty="0" smtClean="0">
+                <a:solidFill>
+                  <a:schemeClr val="tx1"/>
+                </a:solidFill>
+                <a:latin typeface="Times New Roman" panose="02020603050405020304" pitchFamily="18" charset="0"/>
+                <a:cs typeface="Times New Roman" panose="02020603050405020304" pitchFamily="18" charset="0"/>
+              </a:rPr>
+              <a:t>S</a:t>
+            </a:r>
+            <a:r>
+              <a:rPr lang="en-US" altLang="zh-CN" sz="1100" dirty="0" smtClean="0">
+                <a:solidFill>
+                  <a:schemeClr val="tx1"/>
+                </a:solidFill>
+                <a:latin typeface="Times New Roman" panose="02020603050405020304" pitchFamily="18" charset="0"/>
+                <a:cs typeface="Times New Roman" panose="02020603050405020304" pitchFamily="18" charset="0"/>
+              </a:rPr>
+              <a:t>13</a:t>
+            </a:r>
+            <a:endParaRPr lang="zh-CN" altLang="en-US" sz="1600" dirty="0">
+              <a:solidFill>
+                <a:schemeClr val="tx1"/>
+              </a:solidFill>
+              <a:latin typeface="Times New Roman" panose="02020603050405020304" pitchFamily="18" charset="0"/>
+              <a:cs typeface="Times New Roman" panose="02020603050405020304" pitchFamily="18" charset="0"/>
+            </a:endParaRPr>
+          </a:p>
+        </p:txBody>
+      </p:sp>
+      <p:cxnSp>
+        <p:nvCxnSpPr>
+          <p:cNvPr id="132" name="直接箭头连接符 131"/>
+          <p:cNvCxnSpPr>
+            <a:stCxn id="117" idx="2"/>
+            <a:endCxn id="120" idx="0"/>
+          </p:cNvCxnSpPr>
+          <p:nvPr/>
+        </p:nvCxnSpPr>
+        <p:spPr>
+          <a:xfrm flipH="1">
+            <a:off x="4427998" y="1866900"/>
+            <a:ext cx="1720389" cy="915569"/>
+          </a:xfrm>
+          <a:prstGeom prst="straightConnector1">
+            <a:avLst/>
+          </a:prstGeom>
+          <a:ln>
+            <a:tailEnd type="triangle"/>
+          </a:ln>
+        </p:spPr>
+        <p:style>
+          <a:lnRef idx="1">
+            <a:schemeClr val="dk1"/>
+          </a:lnRef>
+          <a:fillRef idx="0">
+            <a:schemeClr val="dk1"/>
+          </a:fillRef>
+          <a:effectRef idx="0">
+            <a:schemeClr val="dk1"/>
+          </a:effectRef>
+          <a:fontRef idx="minor">
+            <a:schemeClr val="tx1"/>
+          </a:fontRef>
+        </p:style>
+      </p:cxnSp>
+      <p:sp>
+        <p:nvSpPr>
+          <p:cNvPr id="133" name="文本框 132"/>
+          <p:cNvSpPr txBox="1"/>
+          <p:nvPr/>
+        </p:nvSpPr>
+        <p:spPr>
+          <a:xfrm>
+            <a:off x="3605878" y="1528346"/>
+            <a:ext cx="391454" cy="338554"/>
+          </a:xfrm>
+          <a:prstGeom prst="rect">
+            <a:avLst/>
+          </a:prstGeom>
+          <a:noFill/>
+        </p:spPr>
+        <p:txBody>
+          <a:bodyPr wrap="none" rtlCol="0">
+            <a:spAutoFit/>
+          </a:bodyPr>
+          <a:lstStyle/>
+          <a:p>
+            <a:r>
+              <a:rPr lang="en-US" altLang="zh-CN" sz="1600" b="1" dirty="0" smtClean="0">
+                <a:latin typeface="Times New Roman" panose="02020603050405020304" pitchFamily="18" charset="0"/>
+                <a:cs typeface="Times New Roman" panose="02020603050405020304" pitchFamily="18" charset="0"/>
+              </a:rPr>
+              <a:t>L</a:t>
+            </a:r>
+            <a:r>
+              <a:rPr lang="en-US" altLang="zh-CN" sz="1100" b="1" dirty="0" smtClean="0">
+                <a:latin typeface="Times New Roman" panose="02020603050405020304" pitchFamily="18" charset="0"/>
+                <a:cs typeface="Times New Roman" panose="02020603050405020304" pitchFamily="18" charset="0"/>
+              </a:rPr>
+              <a:t>2</a:t>
+            </a:r>
+            <a:endParaRPr lang="zh-CN" altLang="en-US" sz="1600" b="1" dirty="0">
+              <a:latin typeface="Times New Roman" panose="02020603050405020304" pitchFamily="18" charset="0"/>
+              <a:cs typeface="Times New Roman" panose="02020603050405020304" pitchFamily="18" charset="0"/>
+            </a:endParaRPr>
+          </a:p>
+        </p:txBody>
+      </p:sp>
+      <p:sp>
+        <p:nvSpPr>
+          <p:cNvPr id="134" name="文本框 133"/>
+          <p:cNvSpPr txBox="1"/>
+          <p:nvPr/>
+        </p:nvSpPr>
+        <p:spPr>
+          <a:xfrm>
+            <a:off x="3605878" y="2769299"/>
+            <a:ext cx="391454" cy="338554"/>
+          </a:xfrm>
+          <a:prstGeom prst="rect">
+            <a:avLst/>
+          </a:prstGeom>
+          <a:noFill/>
+        </p:spPr>
+        <p:txBody>
+          <a:bodyPr wrap="none" rtlCol="0">
+            <a:spAutoFit/>
+          </a:bodyPr>
+          <a:lstStyle/>
+          <a:p>
+            <a:r>
+              <a:rPr lang="en-US" altLang="zh-CN" sz="1600" b="1" dirty="0" smtClean="0">
+                <a:latin typeface="Times New Roman" panose="02020603050405020304" pitchFamily="18" charset="0"/>
+                <a:cs typeface="Times New Roman" panose="02020603050405020304" pitchFamily="18" charset="0"/>
+              </a:rPr>
+              <a:t>L</a:t>
+            </a:r>
+            <a:r>
+              <a:rPr lang="en-US" altLang="zh-CN" sz="1100" b="1" dirty="0" smtClean="0">
+                <a:latin typeface="Times New Roman" panose="02020603050405020304" pitchFamily="18" charset="0"/>
+                <a:cs typeface="Times New Roman" panose="02020603050405020304" pitchFamily="18" charset="0"/>
+              </a:rPr>
+              <a:t>3</a:t>
+            </a:r>
+            <a:endParaRPr lang="zh-CN" altLang="en-US" sz="1600" b="1" dirty="0">
+              <a:latin typeface="Times New Roman" panose="02020603050405020304" pitchFamily="18" charset="0"/>
+              <a:cs typeface="Times New Roman" panose="02020603050405020304" pitchFamily="18" charset="0"/>
+            </a:endParaRPr>
+          </a:p>
+        </p:txBody>
+      </p:sp>
+      <p:sp>
+        <p:nvSpPr>
+          <p:cNvPr id="135" name="文本框 134"/>
+          <p:cNvSpPr txBox="1"/>
+          <p:nvPr/>
+        </p:nvSpPr>
+        <p:spPr>
+          <a:xfrm>
+            <a:off x="3605878" y="4002093"/>
+            <a:ext cx="391454" cy="338554"/>
+          </a:xfrm>
+          <a:prstGeom prst="rect">
+            <a:avLst/>
+          </a:prstGeom>
+          <a:noFill/>
+        </p:spPr>
+        <p:txBody>
+          <a:bodyPr wrap="none" rtlCol="0">
+            <a:spAutoFit/>
+          </a:bodyPr>
+          <a:lstStyle/>
+          <a:p>
+            <a:r>
+              <a:rPr lang="en-US" altLang="zh-CN" sz="1600" b="1" dirty="0" smtClean="0">
+                <a:latin typeface="Times New Roman" panose="02020603050405020304" pitchFamily="18" charset="0"/>
+                <a:cs typeface="Times New Roman" panose="02020603050405020304" pitchFamily="18" charset="0"/>
+              </a:rPr>
+              <a:t>L</a:t>
+            </a:r>
+            <a:r>
+              <a:rPr lang="en-US" altLang="zh-CN" sz="1100" b="1" dirty="0" smtClean="0">
+                <a:latin typeface="Times New Roman" panose="02020603050405020304" pitchFamily="18" charset="0"/>
+                <a:cs typeface="Times New Roman" panose="02020603050405020304" pitchFamily="18" charset="0"/>
+              </a:rPr>
+              <a:t>4</a:t>
+            </a:r>
+            <a:endParaRPr lang="zh-CN" altLang="en-US" sz="1600" b="1" dirty="0">
+              <a:latin typeface="Times New Roman" panose="02020603050405020304" pitchFamily="18" charset="0"/>
+              <a:cs typeface="Times New Roman" panose="02020603050405020304" pitchFamily="18" charset="0"/>
+            </a:endParaRPr>
+          </a:p>
+        </p:txBody>
+      </p:sp>
+      <p:cxnSp>
+        <p:nvCxnSpPr>
+          <p:cNvPr id="141" name="直接箭头连接符 140"/>
+          <p:cNvCxnSpPr>
+            <a:stCxn id="117" idx="2"/>
+            <a:endCxn id="121" idx="0"/>
+          </p:cNvCxnSpPr>
+          <p:nvPr/>
+        </p:nvCxnSpPr>
+        <p:spPr>
+          <a:xfrm flipH="1">
+            <a:off x="5398291" y="1866900"/>
+            <a:ext cx="750096" cy="955886"/>
+          </a:xfrm>
+          <a:prstGeom prst="straightConnector1">
+            <a:avLst/>
+          </a:prstGeom>
+          <a:ln>
+            <a:tailEnd type="triangle"/>
+          </a:ln>
+        </p:spPr>
+        <p:style>
+          <a:lnRef idx="1">
+            <a:schemeClr val="dk1"/>
+          </a:lnRef>
+          <a:fillRef idx="0">
+            <a:schemeClr val="dk1"/>
+          </a:fillRef>
+          <a:effectRef idx="0">
+            <a:schemeClr val="dk1"/>
+          </a:effectRef>
+          <a:fontRef idx="minor">
+            <a:schemeClr val="tx1"/>
+          </a:fontRef>
+        </p:style>
+      </p:cxnSp>
+      <p:cxnSp>
+        <p:nvCxnSpPr>
+          <p:cNvPr id="143" name="直接箭头连接符 142"/>
+          <p:cNvCxnSpPr>
+            <a:stCxn id="117" idx="2"/>
+            <a:endCxn id="122" idx="0"/>
+          </p:cNvCxnSpPr>
+          <p:nvPr/>
+        </p:nvCxnSpPr>
+        <p:spPr>
+          <a:xfrm flipH="1">
+            <a:off x="6131717" y="1866900"/>
+            <a:ext cx="16670" cy="955886"/>
+          </a:xfrm>
+          <a:prstGeom prst="straightConnector1">
+            <a:avLst/>
+          </a:prstGeom>
+          <a:ln>
+            <a:tailEnd type="triangle"/>
+          </a:ln>
+        </p:spPr>
+        <p:style>
+          <a:lnRef idx="1">
+            <a:schemeClr val="dk1"/>
+          </a:lnRef>
+          <a:fillRef idx="0">
+            <a:schemeClr val="dk1"/>
+          </a:fillRef>
+          <a:effectRef idx="0">
+            <a:schemeClr val="dk1"/>
+          </a:effectRef>
+          <a:fontRef idx="minor">
+            <a:schemeClr val="tx1"/>
+          </a:fontRef>
+        </p:style>
+      </p:cxnSp>
+      <p:cxnSp>
+        <p:nvCxnSpPr>
+          <p:cNvPr id="145" name="直接箭头连接符 144"/>
+          <p:cNvCxnSpPr>
+            <a:stCxn id="117" idx="2"/>
+            <a:endCxn id="123" idx="0"/>
+          </p:cNvCxnSpPr>
+          <p:nvPr/>
+        </p:nvCxnSpPr>
+        <p:spPr>
+          <a:xfrm>
+            <a:off x="6148387" y="1866900"/>
+            <a:ext cx="1887412" cy="908261"/>
+          </a:xfrm>
+          <a:prstGeom prst="straightConnector1">
+            <a:avLst/>
+          </a:prstGeom>
+          <a:ln>
+            <a:tailEnd type="triangle"/>
+          </a:ln>
+        </p:spPr>
+        <p:style>
+          <a:lnRef idx="1">
+            <a:schemeClr val="dk1"/>
+          </a:lnRef>
+          <a:fillRef idx="0">
+            <a:schemeClr val="dk1"/>
+          </a:fillRef>
+          <a:effectRef idx="0">
+            <a:schemeClr val="dk1"/>
+          </a:effectRef>
+          <a:fontRef idx="minor">
+            <a:schemeClr val="tx1"/>
+          </a:fontRef>
+        </p:style>
+      </p:cxnSp>
+      <p:cxnSp>
+        <p:nvCxnSpPr>
+          <p:cNvPr id="147" name="直接箭头连接符 146"/>
+          <p:cNvCxnSpPr>
+            <a:stCxn id="121" idx="2"/>
+            <a:endCxn id="125" idx="0"/>
+          </p:cNvCxnSpPr>
+          <p:nvPr/>
+        </p:nvCxnSpPr>
+        <p:spPr>
+          <a:xfrm flipH="1">
+            <a:off x="4730064" y="3137111"/>
+            <a:ext cx="597710" cy="841586"/>
+          </a:xfrm>
+          <a:prstGeom prst="straightConnector1">
+            <a:avLst/>
+          </a:prstGeom>
+          <a:ln>
+            <a:tailEnd type="triangle"/>
+          </a:ln>
+        </p:spPr>
+        <p:style>
+          <a:lnRef idx="1">
+            <a:schemeClr val="dk1"/>
+          </a:lnRef>
+          <a:fillRef idx="0">
+            <a:schemeClr val="dk1"/>
+          </a:fillRef>
+          <a:effectRef idx="0">
+            <a:schemeClr val="dk1"/>
+          </a:effectRef>
+          <a:fontRef idx="minor">
+            <a:schemeClr val="tx1"/>
+          </a:fontRef>
+        </p:style>
+      </p:cxnSp>
+      <p:cxnSp>
+        <p:nvCxnSpPr>
+          <p:cNvPr id="149" name="直接箭头连接符 148"/>
+          <p:cNvCxnSpPr>
+            <a:stCxn id="121" idx="2"/>
+            <a:endCxn id="126" idx="0"/>
+          </p:cNvCxnSpPr>
+          <p:nvPr/>
+        </p:nvCxnSpPr>
+        <p:spPr>
+          <a:xfrm>
+            <a:off x="5327774" y="3137111"/>
+            <a:ext cx="509047" cy="841586"/>
+          </a:xfrm>
+          <a:prstGeom prst="straightConnector1">
+            <a:avLst/>
+          </a:prstGeom>
+          <a:ln>
+            <a:tailEnd type="triangle"/>
+          </a:ln>
+        </p:spPr>
+        <p:style>
+          <a:lnRef idx="1">
+            <a:schemeClr val="dk1"/>
+          </a:lnRef>
+          <a:fillRef idx="0">
+            <a:schemeClr val="dk1"/>
+          </a:fillRef>
+          <a:effectRef idx="0">
+            <a:schemeClr val="dk1"/>
+          </a:effectRef>
+          <a:fontRef idx="minor">
+            <a:schemeClr val="tx1"/>
+          </a:fontRef>
+        </p:style>
+      </p:cxnSp>
+      <p:cxnSp>
+        <p:nvCxnSpPr>
+          <p:cNvPr id="151" name="直接箭头连接符 150"/>
+          <p:cNvCxnSpPr>
+            <a:stCxn id="123" idx="2"/>
+            <a:endCxn id="127" idx="0"/>
+          </p:cNvCxnSpPr>
+          <p:nvPr/>
+        </p:nvCxnSpPr>
+        <p:spPr>
+          <a:xfrm flipH="1">
+            <a:off x="7563973" y="3137111"/>
+            <a:ext cx="471826" cy="832806"/>
+          </a:xfrm>
+          <a:prstGeom prst="straightConnector1">
+            <a:avLst/>
+          </a:prstGeom>
+          <a:ln>
+            <a:tailEnd type="triangle"/>
+          </a:ln>
+        </p:spPr>
+        <p:style>
+          <a:lnRef idx="1">
+            <a:schemeClr val="dk1"/>
+          </a:lnRef>
+          <a:fillRef idx="0">
+            <a:schemeClr val="dk1"/>
+          </a:fillRef>
+          <a:effectRef idx="0">
+            <a:schemeClr val="dk1"/>
+          </a:effectRef>
+          <a:fontRef idx="minor">
+            <a:schemeClr val="tx1"/>
+          </a:fontRef>
+        </p:style>
+      </p:cxnSp>
+      <p:cxnSp>
+        <p:nvCxnSpPr>
+          <p:cNvPr id="153" name="直接箭头连接符 152"/>
+          <p:cNvCxnSpPr>
+            <a:stCxn id="123" idx="2"/>
+            <a:endCxn id="128" idx="0"/>
+          </p:cNvCxnSpPr>
+          <p:nvPr/>
+        </p:nvCxnSpPr>
+        <p:spPr>
+          <a:xfrm>
+            <a:off x="8035799" y="3137111"/>
+            <a:ext cx="481393" cy="832806"/>
+          </a:xfrm>
+          <a:prstGeom prst="straightConnector1">
+            <a:avLst/>
+          </a:prstGeom>
+          <a:ln>
+            <a:tailEnd type="triangle"/>
+          </a:ln>
+        </p:spPr>
+        <p:style>
+          <a:lnRef idx="1">
+            <a:schemeClr val="dk1"/>
+          </a:lnRef>
+          <a:fillRef idx="0">
+            <a:schemeClr val="dk1"/>
+          </a:fillRef>
+          <a:effectRef idx="0">
+            <a:schemeClr val="dk1"/>
+          </a:effectRef>
+          <a:fontRef idx="minor">
+            <a:schemeClr val="tx1"/>
+          </a:fontRef>
+        </p:style>
+      </p:cxnSp>
+      <p:sp>
+        <p:nvSpPr>
+          <p:cNvPr id="120" name="矩形 119"/>
+          <p:cNvSpPr/>
+          <p:nvPr/>
+        </p:nvSpPr>
+        <p:spPr>
+          <a:xfrm>
+            <a:off x="4061285" y="2782469"/>
+            <a:ext cx="733426" cy="361950"/>
+          </a:xfrm>
+          <a:prstGeom prst="rect">
+            <a:avLst/>
+          </a:prstGeom>
+          <a:noFill/>
+          <a:ln w="15240">
+            <a:solidFill>
+              <a:schemeClr val="tx1"/>
+            </a:solidFill>
+          </a:ln>
+        </p:spPr>
+        <p:style>
+          <a:lnRef idx="2">
+            <a:schemeClr val="accent1">
+              <a:shade val="50000"/>
+            </a:schemeClr>
+          </a:lnRef>
+          <a:fillRef idx="1">
+            <a:schemeClr val="accent1"/>
+          </a:fillRef>
+          <a:effectRef idx="0">
+            <a:schemeClr val="accent1"/>
+          </a:effectRef>
+          <a:fontRef idx="minor">
+            <a:schemeClr val="lt1"/>
+          </a:fontRef>
+        </p:style>
+        <p:txBody>
+          <a:bodyPr rtlCol="0" anchor="ctr"/>
+          <a:lstStyle/>
+          <a:p>
+            <a:pPr algn="ctr"/>
+            <a:r>
+              <a:rPr lang="en-US" altLang="zh-CN" sz="1600" dirty="0" smtClean="0">
+                <a:solidFill>
+                  <a:schemeClr val="tx1"/>
+                </a:solidFill>
+                <a:latin typeface="Times New Roman" panose="02020603050405020304" pitchFamily="18" charset="0"/>
+                <a:cs typeface="Times New Roman" panose="02020603050405020304" pitchFamily="18" charset="0"/>
+              </a:rPr>
+              <a:t>S</a:t>
+            </a:r>
+            <a:r>
+              <a:rPr lang="en-US" altLang="zh-CN" sz="1100" dirty="0" smtClean="0">
+                <a:solidFill>
+                  <a:schemeClr val="tx1"/>
+                </a:solidFill>
+                <a:latin typeface="Times New Roman" panose="02020603050405020304" pitchFamily="18" charset="0"/>
+                <a:cs typeface="Times New Roman" panose="02020603050405020304" pitchFamily="18" charset="0"/>
+              </a:rPr>
+              <a:t>4</a:t>
+            </a:r>
+            <a:endParaRPr lang="zh-CN" altLang="en-US" sz="1600" dirty="0">
+              <a:solidFill>
+                <a:schemeClr val="tx1"/>
+              </a:solidFill>
+              <a:latin typeface="Times New Roman" panose="02020603050405020304" pitchFamily="18" charset="0"/>
+              <a:cs typeface="Times New Roman" panose="02020603050405020304" pitchFamily="18" charset="0"/>
+            </a:endParaRPr>
+          </a:p>
+        </p:txBody>
+      </p:sp>
+      <p:sp>
+        <p:nvSpPr>
+          <p:cNvPr id="121" name="矩形 120"/>
+          <p:cNvSpPr/>
+          <p:nvPr/>
+        </p:nvSpPr>
+        <p:spPr>
+          <a:xfrm>
+            <a:off x="4961061" y="2775161"/>
+            <a:ext cx="733426" cy="361950"/>
+          </a:xfrm>
+          <a:prstGeom prst="rect">
+            <a:avLst/>
+          </a:prstGeom>
+          <a:noFill/>
+          <a:ln w="15240">
+            <a:solidFill>
+              <a:schemeClr val="tx1"/>
+            </a:solidFill>
+          </a:ln>
+        </p:spPr>
+        <p:style>
+          <a:lnRef idx="2">
+            <a:schemeClr val="accent1">
+              <a:shade val="50000"/>
+            </a:schemeClr>
+          </a:lnRef>
+          <a:fillRef idx="1">
+            <a:schemeClr val="accent1"/>
+          </a:fillRef>
+          <a:effectRef idx="0">
+            <a:schemeClr val="accent1"/>
+          </a:effectRef>
+          <a:fontRef idx="minor">
+            <a:schemeClr val="lt1"/>
+          </a:fontRef>
+        </p:style>
+        <p:txBody>
+          <a:bodyPr rtlCol="0" anchor="ctr"/>
+          <a:lstStyle/>
+          <a:p>
+            <a:pPr algn="ctr"/>
+            <a:r>
+              <a:rPr lang="en-US" altLang="zh-CN" sz="1600" dirty="0" smtClean="0">
+                <a:solidFill>
+                  <a:schemeClr val="tx1"/>
+                </a:solidFill>
+                <a:latin typeface="Times New Roman" panose="02020603050405020304" pitchFamily="18" charset="0"/>
+                <a:cs typeface="Times New Roman" panose="02020603050405020304" pitchFamily="18" charset="0"/>
+              </a:rPr>
+              <a:t>S</a:t>
+            </a:r>
+            <a:r>
+              <a:rPr lang="en-US" altLang="zh-CN" sz="1100" dirty="0" smtClean="0">
+                <a:solidFill>
+                  <a:schemeClr val="tx1"/>
+                </a:solidFill>
+                <a:latin typeface="Times New Roman" panose="02020603050405020304" pitchFamily="18" charset="0"/>
+                <a:cs typeface="Times New Roman" panose="02020603050405020304" pitchFamily="18" charset="0"/>
+              </a:rPr>
+              <a:t>5</a:t>
+            </a:r>
+            <a:r>
+              <a:rPr lang="en-US" altLang="zh-CN" sz="1600" dirty="0">
+                <a:solidFill>
+                  <a:schemeClr val="tx1"/>
+                </a:solidFill>
+                <a:latin typeface="Times New Roman" panose="02020603050405020304" pitchFamily="18" charset="0"/>
+                <a:cs typeface="Times New Roman" panose="02020603050405020304" pitchFamily="18" charset="0"/>
+              </a:rPr>
+              <a:t>-</a:t>
+            </a:r>
+            <a:r>
+              <a:rPr lang="en-US" altLang="zh-CN" sz="1100" dirty="0" smtClean="0">
+                <a:solidFill>
+                  <a:schemeClr val="tx1"/>
+                </a:solidFill>
+                <a:latin typeface="Times New Roman" panose="02020603050405020304" pitchFamily="18" charset="0"/>
+                <a:cs typeface="Times New Roman" panose="02020603050405020304" pitchFamily="18" charset="0"/>
+              </a:rPr>
+              <a:t>8</a:t>
+            </a:r>
+            <a:endParaRPr lang="zh-CN" altLang="en-US" sz="1600" dirty="0">
+              <a:solidFill>
+                <a:schemeClr val="tx1"/>
+              </a:solidFill>
+              <a:latin typeface="Times New Roman" panose="02020603050405020304" pitchFamily="18" charset="0"/>
+              <a:cs typeface="Times New Roman" panose="02020603050405020304" pitchFamily="18" charset="0"/>
+            </a:endParaRPr>
+          </a:p>
+        </p:txBody>
+      </p:sp>
+      <p:sp>
+        <p:nvSpPr>
+          <p:cNvPr id="122" name="矩形 121"/>
+          <p:cNvSpPr/>
+          <p:nvPr/>
+        </p:nvSpPr>
+        <p:spPr>
+          <a:xfrm>
+            <a:off x="5864475" y="2775161"/>
+            <a:ext cx="733426" cy="361950"/>
+          </a:xfrm>
+          <a:prstGeom prst="rect">
+            <a:avLst/>
+          </a:prstGeom>
+          <a:noFill/>
+          <a:ln w="15240">
+            <a:solidFill>
+              <a:schemeClr val="tx1"/>
+            </a:solidFill>
+          </a:ln>
+        </p:spPr>
+        <p:style>
+          <a:lnRef idx="2">
+            <a:schemeClr val="accent1">
+              <a:shade val="50000"/>
+            </a:schemeClr>
+          </a:lnRef>
+          <a:fillRef idx="1">
+            <a:schemeClr val="accent1"/>
+          </a:fillRef>
+          <a:effectRef idx="0">
+            <a:schemeClr val="accent1"/>
+          </a:effectRef>
+          <a:fontRef idx="minor">
+            <a:schemeClr val="lt1"/>
+          </a:fontRef>
+        </p:style>
+        <p:txBody>
+          <a:bodyPr rtlCol="0" anchor="ctr"/>
+          <a:lstStyle/>
+          <a:p>
+            <a:pPr algn="ctr"/>
+            <a:r>
+              <a:rPr lang="en-US" altLang="zh-CN" sz="1600" dirty="0" smtClean="0">
+                <a:solidFill>
+                  <a:schemeClr val="tx1"/>
+                </a:solidFill>
+                <a:latin typeface="Times New Roman" panose="02020603050405020304" pitchFamily="18" charset="0"/>
+                <a:cs typeface="Times New Roman" panose="02020603050405020304" pitchFamily="18" charset="0"/>
+              </a:rPr>
+              <a:t>S</a:t>
+            </a:r>
+            <a:r>
+              <a:rPr lang="en-US" altLang="zh-CN" sz="1100" dirty="0" smtClean="0">
+                <a:solidFill>
+                  <a:schemeClr val="tx1"/>
+                </a:solidFill>
+                <a:latin typeface="Times New Roman" panose="02020603050405020304" pitchFamily="18" charset="0"/>
+                <a:cs typeface="Times New Roman" panose="02020603050405020304" pitchFamily="18" charset="0"/>
+              </a:rPr>
+              <a:t>9</a:t>
+            </a:r>
+            <a:endParaRPr lang="zh-CN" altLang="en-US" sz="1600" dirty="0">
+              <a:solidFill>
+                <a:schemeClr val="tx1"/>
+              </a:solidFill>
+              <a:latin typeface="Times New Roman" panose="02020603050405020304" pitchFamily="18" charset="0"/>
+              <a:cs typeface="Times New Roman" panose="02020603050405020304" pitchFamily="18" charset="0"/>
+            </a:endParaRPr>
+          </a:p>
+        </p:txBody>
+      </p:sp>
+      <p:sp>
+        <p:nvSpPr>
+          <p:cNvPr id="123" name="矩形 122"/>
+          <p:cNvSpPr/>
+          <p:nvPr/>
+        </p:nvSpPr>
+        <p:spPr>
+          <a:xfrm>
+            <a:off x="7669086" y="2775161"/>
+            <a:ext cx="733426" cy="361950"/>
+          </a:xfrm>
+          <a:prstGeom prst="rect">
+            <a:avLst/>
+          </a:prstGeom>
+          <a:noFill/>
+          <a:ln w="15240">
+            <a:solidFill>
+              <a:schemeClr val="tx1"/>
+            </a:solidFill>
+          </a:ln>
+        </p:spPr>
+        <p:style>
+          <a:lnRef idx="2">
+            <a:schemeClr val="accent1">
+              <a:shade val="50000"/>
+            </a:schemeClr>
+          </a:lnRef>
+          <a:fillRef idx="1">
+            <a:schemeClr val="accent1"/>
+          </a:fillRef>
+          <a:effectRef idx="0">
+            <a:schemeClr val="accent1"/>
+          </a:effectRef>
+          <a:fontRef idx="minor">
+            <a:schemeClr val="lt1"/>
+          </a:fontRef>
+        </p:style>
+        <p:txBody>
+          <a:bodyPr rtlCol="0" anchor="ctr"/>
+          <a:lstStyle/>
+          <a:p>
+            <a:pPr algn="ctr"/>
+            <a:r>
+              <a:rPr lang="en-US" altLang="zh-CN" sz="1600" dirty="0" smtClean="0">
+                <a:solidFill>
+                  <a:schemeClr val="tx1"/>
+                </a:solidFill>
+                <a:latin typeface="Times New Roman" panose="02020603050405020304" pitchFamily="18" charset="0"/>
+                <a:cs typeface="Times New Roman" panose="02020603050405020304" pitchFamily="18" charset="0"/>
+              </a:rPr>
+              <a:t>S</a:t>
+            </a:r>
+            <a:r>
+              <a:rPr lang="en-US" altLang="zh-CN" sz="1100" dirty="0" smtClean="0">
+                <a:solidFill>
+                  <a:schemeClr val="tx1"/>
+                </a:solidFill>
+                <a:latin typeface="Times New Roman" panose="02020603050405020304" pitchFamily="18" charset="0"/>
+                <a:cs typeface="Times New Roman" panose="02020603050405020304" pitchFamily="18" charset="0"/>
+              </a:rPr>
+              <a:t>11</a:t>
+            </a:r>
+            <a:r>
+              <a:rPr lang="en-US" altLang="zh-CN" sz="1600" dirty="0">
+                <a:solidFill>
+                  <a:schemeClr val="tx1"/>
+                </a:solidFill>
+                <a:latin typeface="Times New Roman" panose="02020603050405020304" pitchFamily="18" charset="0"/>
+                <a:cs typeface="Times New Roman" panose="02020603050405020304" pitchFamily="18" charset="0"/>
+              </a:rPr>
+              <a:t>-</a:t>
+            </a:r>
+            <a:r>
+              <a:rPr lang="en-US" altLang="zh-CN" sz="1100" dirty="0" smtClean="0">
+                <a:solidFill>
+                  <a:schemeClr val="tx1"/>
+                </a:solidFill>
+                <a:latin typeface="Times New Roman" panose="02020603050405020304" pitchFamily="18" charset="0"/>
+                <a:cs typeface="Times New Roman" panose="02020603050405020304" pitchFamily="18" charset="0"/>
+              </a:rPr>
+              <a:t>14</a:t>
+            </a:r>
+            <a:endParaRPr lang="zh-CN" altLang="en-US" sz="1600" dirty="0">
+              <a:solidFill>
+                <a:schemeClr val="tx1"/>
+              </a:solidFill>
+              <a:latin typeface="Times New Roman" panose="02020603050405020304" pitchFamily="18" charset="0"/>
+              <a:cs typeface="Times New Roman" panose="02020603050405020304" pitchFamily="18" charset="0"/>
+            </a:endParaRPr>
+          </a:p>
+        </p:txBody>
+      </p:sp>
+      <p:sp>
+        <p:nvSpPr>
+          <p:cNvPr id="155" name="矩形 154"/>
+          <p:cNvSpPr/>
+          <p:nvPr/>
+        </p:nvSpPr>
+        <p:spPr>
+          <a:xfrm>
+            <a:off x="6765672" y="2792695"/>
+            <a:ext cx="733426" cy="361950"/>
+          </a:xfrm>
+          <a:prstGeom prst="rect">
+            <a:avLst/>
+          </a:prstGeom>
+          <a:noFill/>
+          <a:ln w="15240">
+            <a:solidFill>
+              <a:schemeClr val="tx1"/>
+            </a:solidFill>
+          </a:ln>
+        </p:spPr>
+        <p:style>
+          <a:lnRef idx="2">
+            <a:schemeClr val="accent1">
+              <a:shade val="50000"/>
+            </a:schemeClr>
+          </a:lnRef>
+          <a:fillRef idx="1">
+            <a:schemeClr val="accent1"/>
+          </a:fillRef>
+          <a:effectRef idx="0">
+            <a:schemeClr val="accent1"/>
+          </a:effectRef>
+          <a:fontRef idx="minor">
+            <a:schemeClr val="lt1"/>
+          </a:fontRef>
+        </p:style>
+        <p:txBody>
+          <a:bodyPr rtlCol="0" anchor="ctr"/>
+          <a:lstStyle/>
+          <a:p>
+            <a:pPr algn="ctr"/>
+            <a:r>
+              <a:rPr lang="en-US" altLang="zh-CN" sz="1600" dirty="0" smtClean="0">
+                <a:solidFill>
+                  <a:schemeClr val="tx1"/>
+                </a:solidFill>
+                <a:latin typeface="Times New Roman" panose="02020603050405020304" pitchFamily="18" charset="0"/>
+                <a:cs typeface="Times New Roman" panose="02020603050405020304" pitchFamily="18" charset="0"/>
+              </a:rPr>
+              <a:t>S</a:t>
+            </a:r>
+            <a:r>
+              <a:rPr lang="en-US" altLang="zh-CN" sz="1100" dirty="0" smtClean="0">
+                <a:solidFill>
+                  <a:schemeClr val="tx1"/>
+                </a:solidFill>
+                <a:latin typeface="Times New Roman" panose="02020603050405020304" pitchFamily="18" charset="0"/>
+                <a:cs typeface="Times New Roman" panose="02020603050405020304" pitchFamily="18" charset="0"/>
+              </a:rPr>
+              <a:t>10</a:t>
+            </a:r>
+            <a:endParaRPr lang="zh-CN" altLang="en-US" sz="1600" dirty="0">
+              <a:solidFill>
+                <a:schemeClr val="tx1"/>
+              </a:solidFill>
+              <a:latin typeface="Times New Roman" panose="02020603050405020304" pitchFamily="18" charset="0"/>
+              <a:cs typeface="Times New Roman" panose="02020603050405020304" pitchFamily="18" charset="0"/>
+            </a:endParaRPr>
+          </a:p>
+        </p:txBody>
+      </p:sp>
+      <p:cxnSp>
+        <p:nvCxnSpPr>
+          <p:cNvPr id="158" name="直接箭头连接符 157"/>
+          <p:cNvCxnSpPr>
+            <a:stCxn id="117" idx="2"/>
+          </p:cNvCxnSpPr>
+          <p:nvPr/>
+        </p:nvCxnSpPr>
+        <p:spPr>
+          <a:xfrm>
+            <a:off x="6148387" y="1866900"/>
+            <a:ext cx="763445" cy="947106"/>
+          </a:xfrm>
+          <a:prstGeom prst="straightConnector1">
+            <a:avLst/>
+          </a:prstGeom>
+          <a:ln>
+            <a:tailEnd type="triangle"/>
+          </a:ln>
+        </p:spPr>
+        <p:style>
+          <a:lnRef idx="1">
+            <a:schemeClr val="dk1"/>
+          </a:lnRef>
+          <a:fillRef idx="0">
+            <a:schemeClr val="dk1"/>
+          </a:fillRef>
+          <a:effectRef idx="0">
+            <a:schemeClr val="dk1"/>
+          </a:effectRef>
+          <a:fontRef idx="minor">
+            <a:schemeClr val="tx1"/>
+          </a:fontRef>
+        </p:style>
+      </p:cxnSp>
+      <p:sp>
+        <p:nvSpPr>
+          <p:cNvPr id="30" name="矩形 29"/>
+          <p:cNvSpPr/>
+          <p:nvPr/>
+        </p:nvSpPr>
+        <p:spPr>
+          <a:xfrm>
+            <a:off x="5774649" y="474968"/>
+            <a:ext cx="733426" cy="361950"/>
+          </a:xfrm>
+          <a:prstGeom prst="rect">
+            <a:avLst/>
+          </a:prstGeom>
+          <a:noFill/>
+          <a:ln w="15240">
+            <a:solidFill>
+              <a:schemeClr val="tx1"/>
+            </a:solidFill>
+          </a:ln>
+        </p:spPr>
+        <p:style>
+          <a:lnRef idx="2">
+            <a:schemeClr val="accent1">
+              <a:shade val="50000"/>
+            </a:schemeClr>
+          </a:lnRef>
+          <a:fillRef idx="1">
+            <a:schemeClr val="accent1"/>
+          </a:fillRef>
+          <a:effectRef idx="0">
+            <a:schemeClr val="accent1"/>
+          </a:effectRef>
+          <a:fontRef idx="minor">
+            <a:schemeClr val="lt1"/>
+          </a:fontRef>
+        </p:style>
+        <p:txBody>
+          <a:bodyPr rtlCol="0" anchor="ctr"/>
+          <a:lstStyle/>
+          <a:p>
+            <a:pPr algn="ctr"/>
+            <a:r>
+              <a:rPr lang="en-US" altLang="zh-CN" sz="1600" dirty="0" smtClean="0">
+                <a:solidFill>
+                  <a:schemeClr val="tx1"/>
+                </a:solidFill>
+                <a:latin typeface="Times New Roman" panose="02020603050405020304" pitchFamily="18" charset="0"/>
+                <a:cs typeface="Times New Roman" panose="02020603050405020304" pitchFamily="18" charset="0"/>
+              </a:rPr>
+              <a:t>R</a:t>
+            </a:r>
+            <a:endParaRPr lang="zh-CN" altLang="en-US" sz="1600" dirty="0">
+              <a:solidFill>
+                <a:schemeClr val="tx1"/>
+              </a:solidFill>
+              <a:latin typeface="Times New Roman" panose="02020603050405020304" pitchFamily="18" charset="0"/>
+              <a:cs typeface="Times New Roman" panose="02020603050405020304" pitchFamily="18" charset="0"/>
+            </a:endParaRPr>
+          </a:p>
+        </p:txBody>
+      </p:sp>
+      <p:cxnSp>
+        <p:nvCxnSpPr>
+          <p:cNvPr id="3" name="直接箭头连接符 2"/>
+          <p:cNvCxnSpPr>
+            <a:stCxn id="30" idx="2"/>
+            <a:endCxn id="116" idx="0"/>
+          </p:cNvCxnSpPr>
+          <p:nvPr/>
+        </p:nvCxnSpPr>
+        <p:spPr>
+          <a:xfrm flipH="1">
+            <a:off x="5102359" y="836918"/>
+            <a:ext cx="1039003" cy="668032"/>
+          </a:xfrm>
+          <a:prstGeom prst="straightConnector1">
+            <a:avLst/>
+          </a:prstGeom>
+          <a:ln>
+            <a:tailEnd type="triangle"/>
+          </a:ln>
+        </p:spPr>
+        <p:style>
+          <a:lnRef idx="1">
+            <a:schemeClr val="dk1"/>
+          </a:lnRef>
+          <a:fillRef idx="0">
+            <a:schemeClr val="dk1"/>
+          </a:fillRef>
+          <a:effectRef idx="0">
+            <a:schemeClr val="dk1"/>
+          </a:effectRef>
+          <a:fontRef idx="minor">
+            <a:schemeClr val="tx1"/>
+          </a:fontRef>
+        </p:style>
+      </p:cxnSp>
+      <p:cxnSp>
+        <p:nvCxnSpPr>
+          <p:cNvPr id="5" name="直接箭头连接符 4"/>
+          <p:cNvCxnSpPr>
+            <a:stCxn id="30" idx="2"/>
+            <a:endCxn id="117" idx="0"/>
+          </p:cNvCxnSpPr>
+          <p:nvPr/>
+        </p:nvCxnSpPr>
+        <p:spPr>
+          <a:xfrm>
+            <a:off x="6141362" y="836918"/>
+            <a:ext cx="7025" cy="668032"/>
+          </a:xfrm>
+          <a:prstGeom prst="straightConnector1">
+            <a:avLst/>
+          </a:prstGeom>
+          <a:ln>
+            <a:tailEnd type="triangle"/>
+          </a:ln>
+        </p:spPr>
+        <p:style>
+          <a:lnRef idx="1">
+            <a:schemeClr val="dk1"/>
+          </a:lnRef>
+          <a:fillRef idx="0">
+            <a:schemeClr val="dk1"/>
+          </a:fillRef>
+          <a:effectRef idx="0">
+            <a:schemeClr val="dk1"/>
+          </a:effectRef>
+          <a:fontRef idx="minor">
+            <a:schemeClr val="tx1"/>
+          </a:fontRef>
+        </p:style>
+      </p:cxnSp>
+      <p:cxnSp>
+        <p:nvCxnSpPr>
+          <p:cNvPr id="7" name="直接箭头连接符 6"/>
+          <p:cNvCxnSpPr>
+            <a:stCxn id="30" idx="2"/>
+            <a:endCxn id="119" idx="0"/>
+          </p:cNvCxnSpPr>
+          <p:nvPr/>
+        </p:nvCxnSpPr>
+        <p:spPr>
+          <a:xfrm>
+            <a:off x="6141362" y="836918"/>
+            <a:ext cx="1107164" cy="668032"/>
+          </a:xfrm>
+          <a:prstGeom prst="straightConnector1">
+            <a:avLst/>
+          </a:prstGeom>
+          <a:ln>
+            <a:tailEnd type="triangle"/>
+          </a:ln>
+        </p:spPr>
+        <p:style>
+          <a:lnRef idx="1">
+            <a:schemeClr val="dk1"/>
+          </a:lnRef>
+          <a:fillRef idx="0">
+            <a:schemeClr val="dk1"/>
+          </a:fillRef>
+          <a:effectRef idx="0">
+            <a:schemeClr val="dk1"/>
+          </a:effectRef>
+          <a:fontRef idx="minor">
+            <a:schemeClr val="tx1"/>
+          </a:fontRef>
+        </p:style>
+      </p:cxnSp>
+      <p:sp>
+        <p:nvSpPr>
+          <p:cNvPr id="2" name="矩形 1"/>
+          <p:cNvSpPr/>
+          <p:nvPr/>
+        </p:nvSpPr>
+        <p:spPr>
+          <a:xfrm>
+            <a:off x="4638674" y="1343025"/>
+            <a:ext cx="3114676" cy="619125"/>
+          </a:xfrm>
+          <a:prstGeom prst="rect">
+            <a:avLst/>
+          </a:prstGeom>
+          <a:noFill/>
+          <a:ln w="19050">
+            <a:solidFill>
+              <a:srgbClr val="1B41E3"/>
+            </a:solidFill>
+            <a:prstDash val="dash"/>
+          </a:ln>
+        </p:spPr>
+        <p:style>
+          <a:lnRef idx="2">
+            <a:schemeClr val="accent1">
+              <a:shade val="50000"/>
+            </a:schemeClr>
+          </a:lnRef>
+          <a:fillRef idx="1">
+            <a:schemeClr val="accent1"/>
+          </a:fillRef>
+          <a:effectRef idx="0">
+            <a:schemeClr val="accent1"/>
+          </a:effectRef>
+          <a:fontRef idx="minor">
+            <a:schemeClr val="lt1"/>
+          </a:fontRef>
+        </p:style>
+        <p:txBody>
+          <a:bodyPr rtlCol="0" anchor="ctr"/>
+          <a:lstStyle/>
+          <a:p>
+            <a:pPr algn="ctr"/>
+            <a:endParaRPr lang="zh-CN" altLang="en-US"/>
+          </a:p>
+        </p:txBody>
+      </p:sp>
+      <p:sp>
+        <p:nvSpPr>
+          <p:cNvPr id="31" name="矩形 30"/>
+          <p:cNvSpPr/>
+          <p:nvPr/>
+        </p:nvSpPr>
+        <p:spPr>
+          <a:xfrm>
+            <a:off x="3984632" y="2639487"/>
+            <a:ext cx="4519860" cy="619125"/>
+          </a:xfrm>
+          <a:prstGeom prst="rect">
+            <a:avLst/>
+          </a:prstGeom>
+          <a:noFill/>
+          <a:ln w="19050">
+            <a:solidFill>
+              <a:srgbClr val="1B41E3"/>
+            </a:solidFill>
+            <a:prstDash val="dash"/>
+          </a:ln>
+        </p:spPr>
+        <p:style>
+          <a:lnRef idx="2">
+            <a:schemeClr val="accent1">
+              <a:shade val="50000"/>
+            </a:schemeClr>
+          </a:lnRef>
+          <a:fillRef idx="1">
+            <a:schemeClr val="accent1"/>
+          </a:fillRef>
+          <a:effectRef idx="0">
+            <a:schemeClr val="accent1"/>
+          </a:effectRef>
+          <a:fontRef idx="minor">
+            <a:schemeClr val="lt1"/>
+          </a:fontRef>
+        </p:style>
+        <p:txBody>
+          <a:bodyPr rtlCol="0" anchor="ctr"/>
+          <a:lstStyle/>
+          <a:p>
+            <a:pPr algn="ctr"/>
+            <a:endParaRPr lang="zh-CN" altLang="en-US"/>
+          </a:p>
+        </p:txBody>
+      </p:sp>
+      <p:sp>
+        <p:nvSpPr>
+          <p:cNvPr id="32" name="矩形 31"/>
+          <p:cNvSpPr/>
+          <p:nvPr/>
+        </p:nvSpPr>
+        <p:spPr>
+          <a:xfrm>
+            <a:off x="4286250" y="3841329"/>
+            <a:ext cx="1990725" cy="619125"/>
+          </a:xfrm>
+          <a:prstGeom prst="rect">
+            <a:avLst/>
+          </a:prstGeom>
+          <a:noFill/>
+          <a:ln w="19050">
+            <a:solidFill>
+              <a:srgbClr val="1B41E3"/>
+            </a:solidFill>
+            <a:prstDash val="dash"/>
+          </a:ln>
+        </p:spPr>
+        <p:style>
+          <a:lnRef idx="2">
+            <a:schemeClr val="accent1">
+              <a:shade val="50000"/>
+            </a:schemeClr>
+          </a:lnRef>
+          <a:fillRef idx="1">
+            <a:schemeClr val="accent1"/>
+          </a:fillRef>
+          <a:effectRef idx="0">
+            <a:schemeClr val="accent1"/>
+          </a:effectRef>
+          <a:fontRef idx="minor">
+            <a:schemeClr val="lt1"/>
+          </a:fontRef>
+        </p:style>
+        <p:txBody>
+          <a:bodyPr rtlCol="0" anchor="ctr"/>
+          <a:lstStyle/>
+          <a:p>
+            <a:pPr algn="ctr"/>
+            <a:endParaRPr lang="zh-CN" altLang="en-US"/>
+          </a:p>
+        </p:txBody>
+      </p:sp>
+      <p:sp>
+        <p:nvSpPr>
+          <p:cNvPr id="33" name="矩形 32"/>
+          <p:cNvSpPr/>
+          <p:nvPr/>
+        </p:nvSpPr>
+        <p:spPr>
+          <a:xfrm>
+            <a:off x="7092093" y="3850109"/>
+            <a:ext cx="1899507" cy="619125"/>
+          </a:xfrm>
+          <a:prstGeom prst="rect">
+            <a:avLst/>
+          </a:prstGeom>
+          <a:noFill/>
+          <a:ln w="19050">
+            <a:solidFill>
+              <a:srgbClr val="1B41E3"/>
+            </a:solidFill>
+            <a:prstDash val="dash"/>
+          </a:ln>
+        </p:spPr>
+        <p:style>
+          <a:lnRef idx="2">
+            <a:schemeClr val="accent1">
+              <a:shade val="50000"/>
+            </a:schemeClr>
+          </a:lnRef>
+          <a:fillRef idx="1">
+            <a:schemeClr val="accent1"/>
+          </a:fillRef>
+          <a:effectRef idx="0">
+            <a:schemeClr val="accent1"/>
+          </a:effectRef>
+          <a:fontRef idx="minor">
+            <a:schemeClr val="lt1"/>
+          </a:fontRef>
+        </p:style>
+        <p:txBody>
+          <a:bodyPr rtlCol="0" anchor="ctr"/>
+          <a:lstStyle/>
+          <a:p>
+            <a:pPr algn="ctr"/>
+            <a:endParaRPr lang="zh-CN" altLang="en-US"/>
+          </a:p>
+        </p:txBody>
+      </p:sp>
+      <p:sp>
+        <p:nvSpPr>
+          <p:cNvPr id="34" name="文本框 33"/>
+          <p:cNvSpPr txBox="1"/>
+          <p:nvPr/>
+        </p:nvSpPr>
+        <p:spPr>
+          <a:xfrm>
+            <a:off x="3605986" y="486666"/>
+            <a:ext cx="391454" cy="338554"/>
+          </a:xfrm>
+          <a:prstGeom prst="rect">
+            <a:avLst/>
+          </a:prstGeom>
+          <a:noFill/>
+        </p:spPr>
+        <p:txBody>
+          <a:bodyPr wrap="none" rtlCol="0">
+            <a:spAutoFit/>
+          </a:bodyPr>
+          <a:lstStyle/>
+          <a:p>
+            <a:r>
+              <a:rPr lang="en-US" altLang="zh-CN" sz="1600" b="1" dirty="0">
+                <a:latin typeface="Times New Roman" panose="02020603050405020304" pitchFamily="18" charset="0"/>
+                <a:cs typeface="Times New Roman" panose="02020603050405020304" pitchFamily="18" charset="0"/>
+              </a:rPr>
+              <a:t>L</a:t>
+            </a:r>
+            <a:r>
+              <a:rPr lang="en-US" altLang="zh-CN" sz="1100" b="1" dirty="0" smtClean="0">
+                <a:latin typeface="Times New Roman" panose="02020603050405020304" pitchFamily="18" charset="0"/>
+                <a:cs typeface="Times New Roman" panose="02020603050405020304" pitchFamily="18" charset="0"/>
+              </a:rPr>
+              <a:t>1</a:t>
+            </a:r>
+            <a:endParaRPr lang="zh-CN" altLang="en-US" sz="1600" b="1" dirty="0">
+              <a:latin typeface="Times New Roman" panose="02020603050405020304" pitchFamily="18" charset="0"/>
+              <a:cs typeface="Times New Roman" panose="02020603050405020304" pitchFamily="18" charset="0"/>
+            </a:endParaRPr>
+          </a:p>
+        </p:txBody>
+      </p:sp>
+    </p:spTree>
+    <p:extLst>
+      <p:ext uri="{BB962C8B-B14F-4D97-AF65-F5344CB8AC3E}">
+        <p14:creationId xmlns:p14="http://schemas.microsoft.com/office/powerpoint/2010/main" val="1656896362"/>
       </p:ext>
     </p:extLst>
   </p:cSld>

--- a/image/maintenance.pptx
+++ b/image/maintenance.pptx
@@ -1252,7 +1252,7 @@
           <a:p>
             <a:fld id="{C2D6D81D-1817-42AA-9AF4-71BCE609F401}" type="datetimeFigureOut">
               <a:rPr lang="zh-CN" altLang="en-US" smtClean="0"/>
-              <a:t>2018/9/10</a:t>
+              <a:t>2018/11/18</a:t>
             </a:fld>
             <a:endParaRPr lang="zh-CN" altLang="en-US"/>
           </a:p>
@@ -1422,7 +1422,7 @@
           <a:p>
             <a:fld id="{C2D6D81D-1817-42AA-9AF4-71BCE609F401}" type="datetimeFigureOut">
               <a:rPr lang="zh-CN" altLang="en-US" smtClean="0"/>
-              <a:t>2018/9/10</a:t>
+              <a:t>2018/11/18</a:t>
             </a:fld>
             <a:endParaRPr lang="zh-CN" altLang="en-US"/>
           </a:p>
@@ -1602,7 +1602,7 @@
           <a:p>
             <a:fld id="{C2D6D81D-1817-42AA-9AF4-71BCE609F401}" type="datetimeFigureOut">
               <a:rPr lang="zh-CN" altLang="en-US" smtClean="0"/>
-              <a:t>2018/9/10</a:t>
+              <a:t>2018/11/18</a:t>
             </a:fld>
             <a:endParaRPr lang="zh-CN" altLang="en-US"/>
           </a:p>
@@ -1772,7 +1772,7 @@
           <a:p>
             <a:fld id="{C2D6D81D-1817-42AA-9AF4-71BCE609F401}" type="datetimeFigureOut">
               <a:rPr lang="zh-CN" altLang="en-US" smtClean="0"/>
-              <a:t>2018/9/10</a:t>
+              <a:t>2018/11/18</a:t>
             </a:fld>
             <a:endParaRPr lang="zh-CN" altLang="en-US"/>
           </a:p>
@@ -2018,7 +2018,7 @@
           <a:p>
             <a:fld id="{C2D6D81D-1817-42AA-9AF4-71BCE609F401}" type="datetimeFigureOut">
               <a:rPr lang="zh-CN" altLang="en-US" smtClean="0"/>
-              <a:t>2018/9/10</a:t>
+              <a:t>2018/11/18</a:t>
             </a:fld>
             <a:endParaRPr lang="zh-CN" altLang="en-US"/>
           </a:p>
@@ -2250,7 +2250,7 @@
           <a:p>
             <a:fld id="{C2D6D81D-1817-42AA-9AF4-71BCE609F401}" type="datetimeFigureOut">
               <a:rPr lang="zh-CN" altLang="en-US" smtClean="0"/>
-              <a:t>2018/9/10</a:t>
+              <a:t>2018/11/18</a:t>
             </a:fld>
             <a:endParaRPr lang="zh-CN" altLang="en-US"/>
           </a:p>
@@ -2617,7 +2617,7 @@
           <a:p>
             <a:fld id="{C2D6D81D-1817-42AA-9AF4-71BCE609F401}" type="datetimeFigureOut">
               <a:rPr lang="zh-CN" altLang="en-US" smtClean="0"/>
-              <a:t>2018/9/10</a:t>
+              <a:t>2018/11/18</a:t>
             </a:fld>
             <a:endParaRPr lang="zh-CN" altLang="en-US"/>
           </a:p>
@@ -2735,7 +2735,7 @@
           <a:p>
             <a:fld id="{C2D6D81D-1817-42AA-9AF4-71BCE609F401}" type="datetimeFigureOut">
               <a:rPr lang="zh-CN" altLang="en-US" smtClean="0"/>
-              <a:t>2018/9/10</a:t>
+              <a:t>2018/11/18</a:t>
             </a:fld>
             <a:endParaRPr lang="zh-CN" altLang="en-US"/>
           </a:p>
@@ -2830,7 +2830,7 @@
           <a:p>
             <a:fld id="{C2D6D81D-1817-42AA-9AF4-71BCE609F401}" type="datetimeFigureOut">
               <a:rPr lang="zh-CN" altLang="en-US" smtClean="0"/>
-              <a:t>2018/9/10</a:t>
+              <a:t>2018/11/18</a:t>
             </a:fld>
             <a:endParaRPr lang="zh-CN" altLang="en-US"/>
           </a:p>
@@ -3107,7 +3107,7 @@
           <a:p>
             <a:fld id="{C2D6D81D-1817-42AA-9AF4-71BCE609F401}" type="datetimeFigureOut">
               <a:rPr lang="zh-CN" altLang="en-US" smtClean="0"/>
-              <a:t>2018/9/10</a:t>
+              <a:t>2018/11/18</a:t>
             </a:fld>
             <a:endParaRPr lang="zh-CN" altLang="en-US"/>
           </a:p>
@@ -3360,7 +3360,7 @@
           <a:p>
             <a:fld id="{C2D6D81D-1817-42AA-9AF4-71BCE609F401}" type="datetimeFigureOut">
               <a:rPr lang="zh-CN" altLang="en-US" smtClean="0"/>
-              <a:t>2018/9/10</a:t>
+              <a:t>2018/11/18</a:t>
             </a:fld>
             <a:endParaRPr lang="zh-CN" altLang="en-US"/>
           </a:p>
@@ -3573,7 +3573,7 @@
           <a:p>
             <a:fld id="{C2D6D81D-1817-42AA-9AF4-71BCE609F401}" type="datetimeFigureOut">
               <a:rPr lang="zh-CN" altLang="en-US" smtClean="0"/>
-              <a:t>2018/9/10</a:t>
+              <a:t>2018/11/18</a:t>
             </a:fld>
             <a:endParaRPr lang="zh-CN" altLang="en-US"/>
           </a:p>
@@ -6779,7 +6779,7 @@
         </p:nvSpPr>
         <p:spPr>
           <a:xfrm>
-            <a:off x="6159731" y="3507968"/>
+            <a:off x="6189315" y="4477750"/>
             <a:ext cx="989214" cy="548639"/>
           </a:xfrm>
           <a:prstGeom prst="rect">
@@ -6949,7 +6949,7 @@
         </p:nvSpPr>
         <p:spPr>
           <a:xfrm>
-            <a:off x="7225827" y="3512605"/>
+            <a:off x="7723407" y="3514654"/>
             <a:ext cx="835450" cy="338554"/>
           </a:xfrm>
           <a:prstGeom prst="rect">
@@ -6987,7 +6987,7 @@
         <p:spPr>
           <a:xfrm>
             <a:off x="4415173" y="3484142"/>
-            <a:ext cx="1868210" cy="338554"/>
+            <a:ext cx="1484756" cy="338554"/>
           </a:xfrm>
           <a:prstGeom prst="rect">
             <a:avLst/>
@@ -7006,7 +7006,7 @@
                 <a:latin typeface="宋体" panose="02010600030101010101" pitchFamily="2" charset="-122"/>
                 <a:ea typeface="宋体" panose="02010600030101010101" pitchFamily="2" charset="-122"/>
               </a:rPr>
-              <a:t>（新一轮重构）</a:t>
+              <a:t>是</a:t>
             </a:r>
             <a:endParaRPr lang="zh-CN" altLang="en-US" sz="1600" dirty="0">
               <a:latin typeface="宋体" panose="02010600030101010101" pitchFamily="2" charset="-122"/>
@@ -7175,166 +7175,275 @@
           </p:style>
         </p:cxnSp>
       </p:grpSp>
-      <p:grpSp>
-        <p:nvGrpSpPr>
-          <p:cNvPr id="47" name="组合 46"/>
-          <p:cNvGrpSpPr/>
+      <p:cxnSp>
+        <p:nvCxnSpPr>
+          <p:cNvPr id="48" name="直接连接符 47"/>
+          <p:cNvCxnSpPr/>
           <p:nvPr/>
-        </p:nvGrpSpPr>
-        <p:grpSpPr>
-          <a:xfrm rot="10800000">
-            <a:off x="7183175" y="3109649"/>
-            <a:ext cx="1620906" cy="713048"/>
-            <a:chOff x="4538825" y="1781695"/>
-            <a:chExt cx="1620906" cy="616611"/>
+        </p:nvCxnSpPr>
+        <p:spPr>
+          <a:xfrm rot="10800000" flipV="1">
+            <a:off x="8804081" y="3109649"/>
+            <a:ext cx="0" cy="713048"/>
           </a:xfrm>
-        </p:grpSpPr>
-        <p:cxnSp>
-          <p:nvCxnSpPr>
-            <p:cNvPr id="48" name="直接连接符 47"/>
-            <p:cNvCxnSpPr/>
-            <p:nvPr/>
-          </p:nvCxnSpPr>
-          <p:spPr>
-            <a:xfrm flipV="1">
-              <a:off x="4538825" y="1781695"/>
-              <a:ext cx="0" cy="616611"/>
-            </a:xfrm>
-            <a:prstGeom prst="line">
-              <a:avLst/>
-            </a:prstGeom>
-          </p:spPr>
-          <p:style>
-            <a:lnRef idx="1">
-              <a:schemeClr val="dk1"/>
-            </a:lnRef>
-            <a:fillRef idx="0">
-              <a:schemeClr val="dk1"/>
-            </a:fillRef>
-            <a:effectRef idx="0">
-              <a:schemeClr val="dk1"/>
-            </a:effectRef>
-            <a:fontRef idx="minor">
+          <a:prstGeom prst="line">
+            <a:avLst/>
+          </a:prstGeom>
+        </p:spPr>
+        <p:style>
+          <a:lnRef idx="1">
+            <a:schemeClr val="dk1"/>
+          </a:lnRef>
+          <a:fillRef idx="0">
+            <a:schemeClr val="dk1"/>
+          </a:fillRef>
+          <a:effectRef idx="0">
+            <a:schemeClr val="dk1"/>
+          </a:effectRef>
+          <a:fontRef idx="minor">
+            <a:schemeClr val="tx1"/>
+          </a:fontRef>
+        </p:style>
+      </p:cxnSp>
+      <p:cxnSp>
+        <p:nvCxnSpPr>
+          <p:cNvPr id="49" name="直接箭头连接符 48"/>
+          <p:cNvCxnSpPr>
+            <a:endCxn id="25" idx="3"/>
+          </p:cNvCxnSpPr>
+          <p:nvPr/>
+        </p:nvCxnSpPr>
+        <p:spPr>
+          <a:xfrm flipH="1" flipV="1">
+            <a:off x="7478183" y="3822696"/>
+            <a:ext cx="1325898" cy="2"/>
+          </a:xfrm>
+          <a:prstGeom prst="straightConnector1">
+            <a:avLst/>
+          </a:prstGeom>
+          <a:ln>
+            <a:tailEnd type="triangle"/>
+          </a:ln>
+        </p:spPr>
+        <p:style>
+          <a:lnRef idx="1">
+            <a:schemeClr val="dk1"/>
+          </a:lnRef>
+          <a:fillRef idx="0">
+            <a:schemeClr val="dk1"/>
+          </a:fillRef>
+          <a:effectRef idx="0">
+            <a:schemeClr val="dk1"/>
+          </a:effectRef>
+          <a:fontRef idx="minor">
+            <a:schemeClr val="tx1"/>
+          </a:fontRef>
+        </p:style>
+      </p:cxnSp>
+      <p:cxnSp>
+        <p:nvCxnSpPr>
+          <p:cNvPr id="51" name="直接连接符 50"/>
+          <p:cNvCxnSpPr>
+            <a:stCxn id="25" idx="1"/>
+          </p:cNvCxnSpPr>
+          <p:nvPr/>
+        </p:nvCxnSpPr>
+        <p:spPr>
+          <a:xfrm flipH="1">
+            <a:off x="4538827" y="3822696"/>
+            <a:ext cx="1350834" cy="3"/>
+          </a:xfrm>
+          <a:prstGeom prst="line">
+            <a:avLst/>
+          </a:prstGeom>
+          <a:ln>
+            <a:prstDash val="solid"/>
+          </a:ln>
+        </p:spPr>
+        <p:style>
+          <a:lnRef idx="1">
+            <a:schemeClr val="dk1"/>
+          </a:lnRef>
+          <a:fillRef idx="0">
+            <a:schemeClr val="dk1"/>
+          </a:fillRef>
+          <a:effectRef idx="0">
+            <a:schemeClr val="dk1"/>
+          </a:effectRef>
+          <a:fontRef idx="minor">
+            <a:schemeClr val="tx1"/>
+          </a:fontRef>
+        </p:style>
+      </p:cxnSp>
+      <p:cxnSp>
+        <p:nvCxnSpPr>
+          <p:cNvPr id="52" name="直接箭头连接符 51"/>
+          <p:cNvCxnSpPr/>
+          <p:nvPr/>
+        </p:nvCxnSpPr>
+        <p:spPr>
+          <a:xfrm rot="16200000">
+            <a:off x="4130387" y="3414257"/>
+            <a:ext cx="816880" cy="3"/>
+          </a:xfrm>
+          <a:prstGeom prst="straightConnector1">
+            <a:avLst/>
+          </a:prstGeom>
+          <a:ln>
+            <a:prstDash val="solid"/>
+            <a:tailEnd type="triangle"/>
+          </a:ln>
+        </p:spPr>
+        <p:style>
+          <a:lnRef idx="1">
+            <a:schemeClr val="dk1"/>
+          </a:lnRef>
+          <a:fillRef idx="0">
+            <a:schemeClr val="dk1"/>
+          </a:fillRef>
+          <a:effectRef idx="0">
+            <a:schemeClr val="dk1"/>
+          </a:effectRef>
+          <a:fontRef idx="minor">
+            <a:schemeClr val="tx1"/>
+          </a:fontRef>
+        </p:style>
+      </p:cxnSp>
+      <p:sp>
+        <p:nvSpPr>
+          <p:cNvPr id="25" name="流程图: 决策 24"/>
+          <p:cNvSpPr/>
+          <p:nvPr/>
+        </p:nvSpPr>
+        <p:spPr>
+          <a:xfrm>
+            <a:off x="5889661" y="3477455"/>
+            <a:ext cx="1588522" cy="690482"/>
+          </a:xfrm>
+          <a:prstGeom prst="flowChartDecision">
+            <a:avLst/>
+          </a:prstGeom>
+          <a:noFill/>
+          <a:ln>
+            <a:solidFill>
               <a:schemeClr val="tx1"/>
-            </a:fontRef>
-          </p:style>
-        </p:cxnSp>
-        <p:cxnSp>
-          <p:nvCxnSpPr>
-            <p:cNvPr id="49" name="直接箭头连接符 48"/>
-            <p:cNvCxnSpPr/>
-            <p:nvPr/>
-          </p:nvCxnSpPr>
-          <p:spPr>
-            <a:xfrm>
-              <a:off x="4538825" y="1781695"/>
-              <a:ext cx="1620906" cy="1"/>
-            </a:xfrm>
-            <a:prstGeom prst="straightConnector1">
-              <a:avLst/>
-            </a:prstGeom>
-            <a:ln>
-              <a:tailEnd type="triangle"/>
-            </a:ln>
-          </p:spPr>
-          <p:style>
-            <a:lnRef idx="1">
-              <a:schemeClr val="dk1"/>
-            </a:lnRef>
-            <a:fillRef idx="0">
-              <a:schemeClr val="dk1"/>
-            </a:fillRef>
-            <a:effectRef idx="0">
-              <a:schemeClr val="dk1"/>
-            </a:effectRef>
-            <a:fontRef idx="minor">
-              <a:schemeClr val="tx1"/>
-            </a:fontRef>
-          </p:style>
-        </p:cxnSp>
-      </p:grpSp>
-      <p:grpSp>
-        <p:nvGrpSpPr>
-          <p:cNvPr id="50" name="组合 49"/>
-          <p:cNvGrpSpPr/>
+            </a:solidFill>
+          </a:ln>
+        </p:spPr>
+        <p:style>
+          <a:lnRef idx="2">
+            <a:schemeClr val="accent1">
+              <a:shade val="50000"/>
+            </a:schemeClr>
+          </a:lnRef>
+          <a:fillRef idx="1">
+            <a:schemeClr val="accent1"/>
+          </a:fillRef>
+          <a:effectRef idx="0">
+            <a:schemeClr val="accent1"/>
+          </a:effectRef>
+          <a:fontRef idx="minor">
+            <a:schemeClr val="lt1"/>
+          </a:fontRef>
+        </p:style>
+        <p:txBody>
+          <a:bodyPr rtlCol="0" anchor="ctr"/>
+          <a:lstStyle/>
+          <a:p>
+            <a:pPr algn="ctr"/>
+            <a:r>
+              <a:rPr lang="zh-CN" altLang="en-US" sz="1600" dirty="0" smtClean="0">
+                <a:solidFill>
+                  <a:schemeClr val="tx1"/>
+                </a:solidFill>
+                <a:latin typeface="宋体" panose="02010600030101010101" pitchFamily="2" charset="-122"/>
+                <a:ea typeface="宋体" panose="02010600030101010101" pitchFamily="2" charset="-122"/>
+              </a:rPr>
+              <a:t>是否继续重构</a:t>
+            </a:r>
+            <a:endParaRPr lang="zh-CN" altLang="en-US" sz="1600" dirty="0">
+              <a:solidFill>
+                <a:schemeClr val="tx1"/>
+              </a:solidFill>
+              <a:latin typeface="宋体" panose="02010600030101010101" pitchFamily="2" charset="-122"/>
+              <a:ea typeface="宋体" panose="02010600030101010101" pitchFamily="2" charset="-122"/>
+            </a:endParaRPr>
+          </a:p>
+        </p:txBody>
+      </p:sp>
+      <p:cxnSp>
+        <p:nvCxnSpPr>
+          <p:cNvPr id="6" name="直接箭头连接符 5"/>
+          <p:cNvCxnSpPr>
+            <a:stCxn id="25" idx="2"/>
+            <a:endCxn id="13" idx="0"/>
+          </p:cNvCxnSpPr>
           <p:nvPr/>
-        </p:nvGrpSpPr>
-        <p:grpSpPr>
-          <a:xfrm rot="16200000">
-            <a:off x="4940840" y="2603804"/>
-            <a:ext cx="816880" cy="1620909"/>
-            <a:chOff x="4538825" y="1781695"/>
-            <a:chExt cx="1620906" cy="616611"/>
+        </p:nvCxnSpPr>
+        <p:spPr>
+          <a:xfrm>
+            <a:off x="6683922" y="4167937"/>
+            <a:ext cx="0" cy="309813"/>
           </a:xfrm>
-        </p:grpSpPr>
-        <p:cxnSp>
-          <p:nvCxnSpPr>
-            <p:cNvPr id="51" name="直接连接符 50"/>
-            <p:cNvCxnSpPr/>
-            <p:nvPr/>
-          </p:nvCxnSpPr>
-          <p:spPr>
-            <a:xfrm flipV="1">
-              <a:off x="4538825" y="1781695"/>
-              <a:ext cx="0" cy="616611"/>
-            </a:xfrm>
-            <a:prstGeom prst="line">
-              <a:avLst/>
-            </a:prstGeom>
-            <a:ln>
-              <a:prstDash val="dash"/>
-            </a:ln>
-          </p:spPr>
-          <p:style>
-            <a:lnRef idx="1">
-              <a:schemeClr val="dk1"/>
-            </a:lnRef>
-            <a:fillRef idx="0">
-              <a:schemeClr val="dk1"/>
-            </a:fillRef>
-            <a:effectRef idx="0">
-              <a:schemeClr val="dk1"/>
-            </a:effectRef>
-            <a:fontRef idx="minor">
-              <a:schemeClr val="tx1"/>
-            </a:fontRef>
-          </p:style>
-        </p:cxnSp>
-        <p:cxnSp>
-          <p:nvCxnSpPr>
-            <p:cNvPr id="52" name="直接箭头连接符 51"/>
-            <p:cNvCxnSpPr/>
-            <p:nvPr/>
-          </p:nvCxnSpPr>
-          <p:spPr>
-            <a:xfrm>
-              <a:off x="4538825" y="1781695"/>
-              <a:ext cx="1620906" cy="1"/>
-            </a:xfrm>
-            <a:prstGeom prst="straightConnector1">
-              <a:avLst/>
-            </a:prstGeom>
-            <a:ln>
-              <a:prstDash val="dash"/>
-              <a:tailEnd type="triangle"/>
-            </a:ln>
-          </p:spPr>
-          <p:style>
-            <a:lnRef idx="1">
-              <a:schemeClr val="dk1"/>
-            </a:lnRef>
-            <a:fillRef idx="0">
-              <a:schemeClr val="dk1"/>
-            </a:fillRef>
-            <a:effectRef idx="0">
-              <a:schemeClr val="dk1"/>
-            </a:effectRef>
-            <a:fontRef idx="minor">
-              <a:schemeClr val="tx1"/>
-            </a:fontRef>
-          </p:style>
-        </p:cxnSp>
-      </p:grpSp>
+          <a:prstGeom prst="straightConnector1">
+            <a:avLst/>
+          </a:prstGeom>
+          <a:ln>
+            <a:tailEnd type="triangle"/>
+          </a:ln>
+        </p:spPr>
+        <p:style>
+          <a:lnRef idx="1">
+            <a:schemeClr val="dk1"/>
+          </a:lnRef>
+          <a:fillRef idx="0">
+            <a:schemeClr val="dk1"/>
+          </a:fillRef>
+          <a:effectRef idx="0">
+            <a:schemeClr val="dk1"/>
+          </a:effectRef>
+          <a:fontRef idx="minor">
+            <a:schemeClr val="tx1"/>
+          </a:fontRef>
+        </p:style>
+      </p:cxnSp>
+      <p:sp>
+        <p:nvSpPr>
+          <p:cNvPr id="31" name="文本框 30"/>
+          <p:cNvSpPr txBox="1"/>
+          <p:nvPr/>
+        </p:nvSpPr>
+        <p:spPr>
+          <a:xfrm>
+            <a:off x="6072069" y="4153566"/>
+            <a:ext cx="1484756" cy="338554"/>
+          </a:xfrm>
+          <a:prstGeom prst="rect">
+            <a:avLst/>
+          </a:prstGeom>
+          <a:noFill/>
+        </p:spPr>
+        <p:txBody>
+          <a:bodyPr wrap="square" rtlCol="0">
+            <a:spAutoFit/>
+          </a:bodyPr>
+          <a:lstStyle/>
+          <a:p>
+            <a:pPr algn="ctr"/>
+            <a:r>
+              <a:rPr lang="zh-CN" altLang="en-US" sz="1600" dirty="0" smtClean="0">
+                <a:latin typeface="宋体" panose="02010600030101010101" pitchFamily="2" charset="-122"/>
+                <a:ea typeface="宋体" panose="02010600030101010101" pitchFamily="2" charset="-122"/>
+              </a:rPr>
+              <a:t>否</a:t>
+            </a:r>
+            <a:endParaRPr lang="zh-CN" altLang="en-US" sz="1600" dirty="0">
+              <a:latin typeface="宋体" panose="02010600030101010101" pitchFamily="2" charset="-122"/>
+              <a:ea typeface="宋体" panose="02010600030101010101" pitchFamily="2" charset="-122"/>
+            </a:endParaRPr>
+          </a:p>
+        </p:txBody>
+      </p:sp>
     </p:spTree>
     <p:extLst>
       <p:ext uri="{BB962C8B-B14F-4D97-AF65-F5344CB8AC3E}">
@@ -7415,17 +7524,7 @@
                 <a:latin typeface="宋体" panose="02010600030101010101" pitchFamily="2" charset="-122"/>
                 <a:ea typeface="宋体" panose="02010600030101010101" pitchFamily="2" charset="-122"/>
               </a:rPr>
-              <a:t>研究</a:t>
-            </a:r>
-            <a:r>
-              <a:rPr lang="zh-CN" altLang="en-US" sz="2000" dirty="0" smtClean="0">
-                <a:solidFill>
-                  <a:schemeClr val="tx1"/>
-                </a:solidFill>
-                <a:latin typeface="宋体" panose="02010600030101010101" pitchFamily="2" charset="-122"/>
-                <a:ea typeface="宋体" panose="02010600030101010101" pitchFamily="2" charset="-122"/>
-              </a:rPr>
-              <a:t>基础与现状</a:t>
+              <a:t>研究基础与现状</a:t>
             </a:r>
             <a:endParaRPr lang="zh-CN" altLang="en-US" sz="2000" dirty="0">
               <a:solidFill>
@@ -8414,10 +8513,6 @@
               </a:rPr>
               <a:t>编码器</a:t>
             </a:r>
-            <a:endParaRPr lang="zh-CN" altLang="en-US" sz="1600" dirty="0">
-              <a:latin typeface="宋体" panose="02010600030101010101" pitchFamily="2" charset="-122"/>
-              <a:ea typeface="宋体" panose="02010600030101010101" pitchFamily="2" charset="-122"/>
-            </a:endParaRPr>
           </a:p>
         </p:txBody>
       </p:sp>
@@ -8468,14 +8563,7 @@
                 <a:latin typeface="宋体" panose="02010600030101010101" pitchFamily="2" charset="-122"/>
                 <a:ea typeface="宋体" panose="02010600030101010101" pitchFamily="2" charset="-122"/>
               </a:rPr>
-              <a:t>的</a:t>
-            </a:r>
-            <a:r>
-              <a:rPr lang="zh-CN" altLang="en-US" sz="1600" dirty="0" smtClean="0">
-                <a:latin typeface="宋体" panose="02010600030101010101" pitchFamily="2" charset="-122"/>
-                <a:ea typeface="宋体" panose="02010600030101010101" pitchFamily="2" charset="-122"/>
-              </a:rPr>
-              <a:t>解码器</a:t>
+              <a:t>的解码器</a:t>
             </a:r>
             <a:endParaRPr lang="zh-CN" altLang="en-US" sz="1600" dirty="0">
               <a:latin typeface="宋体" panose="02010600030101010101" pitchFamily="2" charset="-122"/>
@@ -13085,17 +13173,7 @@
                           <a:latin typeface="Times New Roman" panose="02020603050405020304" pitchFamily="18" charset="0"/>
                           <a:cs typeface="Times New Roman" panose="02020603050405020304" pitchFamily="18" charset="0"/>
                         </a:rPr>
-                        <a:t>    </a:t>
-                      </a:r>
-                      <a:r>
-                        <a:rPr lang="en-US" altLang="zh-CN" sz="1600" dirty="0" smtClean="0">
-                          <a:solidFill>
-                            <a:schemeClr val="tx1"/>
-                          </a:solidFill>
-                          <a:latin typeface="Times New Roman" panose="02020603050405020304" pitchFamily="18" charset="0"/>
-                          <a:cs typeface="Times New Roman" panose="02020603050405020304" pitchFamily="18" charset="0"/>
-                        </a:rPr>
-                        <a:t>if</a:t>
+                        <a:t>    if</a:t>
                       </a:r>
                       <a:r>
                         <a:rPr lang="en-US" altLang="zh-CN" sz="1600" baseline="0" dirty="0" smtClean="0">
@@ -13941,17 +14019,7 @@
                           <a:latin typeface="Times New Roman" panose="02020603050405020304" pitchFamily="18" charset="0"/>
                           <a:cs typeface="Times New Roman" panose="02020603050405020304" pitchFamily="18" charset="0"/>
                         </a:rPr>
-                        <a:t>        if </a:t>
-                      </a:r>
-                      <a:r>
-                        <a:rPr lang="en-US" altLang="zh-CN" sz="1600" dirty="0" smtClean="0">
-                          <a:solidFill>
-                            <a:schemeClr val="tx1"/>
-                          </a:solidFill>
-                          <a:latin typeface="Times New Roman" panose="02020603050405020304" pitchFamily="18" charset="0"/>
-                          <a:cs typeface="Times New Roman" panose="02020603050405020304" pitchFamily="18" charset="0"/>
-                        </a:rPr>
-                        <a:t>(s[*</a:t>
+                        <a:t>        if (s[*</a:t>
                       </a:r>
                       <a:r>
                         <a:rPr lang="en-US" altLang="zh-CN" sz="1600" dirty="0" err="1" smtClean="0">
@@ -13971,27 +14039,7 @@
                           <a:latin typeface="Times New Roman" panose="02020603050405020304" pitchFamily="18" charset="0"/>
                           <a:cs typeface="Times New Roman" panose="02020603050405020304" pitchFamily="18" charset="0"/>
                         </a:rPr>
-                        <a:t> </a:t>
-                      </a:r>
-                      <a:r>
-                        <a:rPr lang="en-US" altLang="zh-CN" sz="1600" dirty="0" smtClean="0">
-                          <a:solidFill>
-                            <a:schemeClr val="tx1"/>
-                          </a:solidFill>
-                          <a:latin typeface="Times New Roman" panose="02020603050405020304" pitchFamily="18" charset="0"/>
-                          <a:cs typeface="Times New Roman" panose="02020603050405020304" pitchFamily="18" charset="0"/>
-                        </a:rPr>
-                        <a:t>+ </a:t>
-                      </a:r>
-                      <a:r>
-                        <a:rPr lang="en-US" altLang="zh-CN" sz="1600" dirty="0" smtClean="0">
-                          <a:solidFill>
-                            <a:schemeClr val="tx1"/>
-                          </a:solidFill>
-                          <a:latin typeface="Times New Roman" panose="02020603050405020304" pitchFamily="18" charset="0"/>
-                          <a:cs typeface="Times New Roman" panose="02020603050405020304" pitchFamily="18" charset="0"/>
-                        </a:rPr>
-                        <a:t>1] == ENDSTR) {</a:t>
+                        <a:t> + 1] == ENDSTR) {</a:t>
                       </a:r>
                       <a:endParaRPr lang="zh-CN" altLang="en-US" sz="1600" dirty="0">
                         <a:solidFill>
@@ -14841,27 +14889,7 @@
                           <a:latin typeface="Times New Roman" panose="02020603050405020304" pitchFamily="18" charset="0"/>
                           <a:cs typeface="Times New Roman" panose="02020603050405020304" pitchFamily="18" charset="0"/>
                         </a:rPr>
-                        <a:t>result </a:t>
-                      </a:r>
-                      <a:r>
-                        <a:rPr lang="en-US" altLang="zh-CN" sz="1600" dirty="0" smtClean="0">
-                          <a:solidFill>
-                            <a:schemeClr val="tx1"/>
-                          </a:solidFill>
-                          <a:latin typeface="Times New Roman" panose="02020603050405020304" pitchFamily="18" charset="0"/>
-                          <a:cs typeface="Times New Roman" panose="02020603050405020304" pitchFamily="18" charset="0"/>
-                        </a:rPr>
-                        <a:t>= </a:t>
-                      </a:r>
-                      <a:r>
-                        <a:rPr lang="en-US" altLang="zh-CN" sz="1600" dirty="0" smtClean="0">
-                          <a:solidFill>
-                            <a:schemeClr val="tx1"/>
-                          </a:solidFill>
-                          <a:latin typeface="Times New Roman" panose="02020603050405020304" pitchFamily="18" charset="0"/>
-                          <a:cs typeface="Times New Roman" panose="02020603050405020304" pitchFamily="18" charset="0"/>
-                        </a:rPr>
-                        <a:t>ENDSTR;</a:t>
+                        <a:t>result = ENDSTR;</a:t>
                       </a:r>
                       <a:endParaRPr lang="zh-CN" altLang="en-US" sz="1600" dirty="0">
                         <a:solidFill>
@@ -16367,25 +16395,8 @@
                           <a:latin typeface="Times New Roman" panose="02020603050405020304" pitchFamily="18" charset="0"/>
                           <a:cs typeface="Times New Roman" panose="02020603050405020304" pitchFamily="18" charset="0"/>
                         </a:rPr>
-                        <a:t>        else</a:t>
+                        <a:t>        else{ </a:t>
                       </a:r>
-                      <a:r>
-                        <a:rPr lang="en-US" altLang="zh-CN" sz="1600" dirty="0" smtClean="0">
-                          <a:solidFill>
-                            <a:schemeClr val="tx1"/>
-                          </a:solidFill>
-                          <a:latin typeface="Times New Roman" panose="02020603050405020304" pitchFamily="18" charset="0"/>
-                          <a:cs typeface="Times New Roman" panose="02020603050405020304" pitchFamily="18" charset="0"/>
-                        </a:rPr>
-                        <a:t>{ </a:t>
-                      </a:r>
-                      <a:endParaRPr lang="en-US" altLang="zh-CN" sz="1600" dirty="0" smtClean="0">
-                        <a:solidFill>
-                          <a:schemeClr val="tx1"/>
-                        </a:solidFill>
-                        <a:latin typeface="Times New Roman" panose="02020603050405020304" pitchFamily="18" charset="0"/>
-                        <a:cs typeface="Times New Roman" panose="02020603050405020304" pitchFamily="18" charset="0"/>
-                      </a:endParaRPr>
                     </a:p>
                     <a:p>
                       <a:pPr algn="l"/>
@@ -17267,17 +17278,7 @@
                           <a:latin typeface="Times New Roman" panose="02020603050405020304" pitchFamily="18" charset="0"/>
                           <a:cs typeface="Times New Roman" panose="02020603050405020304" pitchFamily="18" charset="0"/>
                         </a:rPr>
-                        <a:t>            /*</a:t>
-                      </a:r>
-                      <a:r>
-                        <a:rPr lang="en-US" altLang="zh-CN" sz="1600" dirty="0" smtClean="0">
-                          <a:solidFill>
-                            <a:schemeClr val="tx1"/>
-                          </a:solidFill>
-                          <a:latin typeface="Times New Roman" panose="02020603050405020304" pitchFamily="18" charset="0"/>
-                          <a:cs typeface="Times New Roman" panose="02020603050405020304" pitchFamily="18" charset="0"/>
-                        </a:rPr>
-                        <a:t>should be *</a:t>
+                        <a:t>            /*should be *</a:t>
                       </a:r>
                       <a:r>
                         <a:rPr lang="en-US" altLang="zh-CN" sz="1600" dirty="0" err="1" smtClean="0">
@@ -17317,17 +17318,7 @@
                           <a:latin typeface="Times New Roman" panose="02020603050405020304" pitchFamily="18" charset="0"/>
                           <a:cs typeface="Times New Roman" panose="02020603050405020304" pitchFamily="18" charset="0"/>
                         </a:rPr>
-                        <a:t> + 1; </a:t>
-                      </a:r>
-                      <a:r>
-                        <a:rPr lang="en-US" altLang="zh-CN" sz="1600" baseline="0" dirty="0" smtClean="0">
-                          <a:solidFill>
-                            <a:schemeClr val="tx1"/>
-                          </a:solidFill>
-                          <a:latin typeface="Times New Roman" panose="02020603050405020304" pitchFamily="18" charset="0"/>
-                          <a:cs typeface="Times New Roman" panose="02020603050405020304" pitchFamily="18" charset="0"/>
-                        </a:rPr>
-                        <a:t>*/}}</a:t>
+                        <a:t> + 1; */}}</a:t>
                       </a:r>
                       <a:endParaRPr lang="zh-CN" altLang="en-US" sz="1600" dirty="0">
                         <a:solidFill>
@@ -21453,13 +21444,6 @@
               </a:rPr>
               <a:t>统计量</a:t>
             </a:r>
-            <a:endParaRPr lang="zh-CN" altLang="en-US" sz="1600" dirty="0">
-              <a:solidFill>
-                <a:schemeClr val="tx1"/>
-              </a:solidFill>
-              <a:latin typeface="宋体" panose="02010600030101010101" pitchFamily="2" charset="-122"/>
-              <a:ea typeface="宋体" panose="02010600030101010101" pitchFamily="2" charset="-122"/>
-            </a:endParaRPr>
           </a:p>
         </p:txBody>
       </p:sp>
@@ -21783,13 +21767,6 @@
               </a:rPr>
               <a:t>分支覆盖特征谱</a:t>
             </a:r>
-            <a:endParaRPr lang="zh-CN" altLang="en-US" sz="1600" dirty="0">
-              <a:solidFill>
-                <a:schemeClr val="tx1"/>
-              </a:solidFill>
-              <a:latin typeface="宋体" panose="02010600030101010101" pitchFamily="2" charset="-122"/>
-              <a:ea typeface="宋体" panose="02010600030101010101" pitchFamily="2" charset="-122"/>
-            </a:endParaRPr>
           </a:p>
         </p:txBody>
       </p:sp>
@@ -22127,7 +22104,7 @@
               <a:pPr>
                 <a:defRPr/>
               </a:pPr>
-              <a:t>4</a:t>
+              <a:t>6</a:t>
             </a:fld>
             <a:endParaRPr lang="en-US" altLang="zh-CN"/>
           </a:p>

--- a/image/maintenance.pptx
+++ b/image/maintenance.pptx
@@ -1252,7 +1252,7 @@
           <a:p>
             <a:fld id="{C2D6D81D-1817-42AA-9AF4-71BCE609F401}" type="datetimeFigureOut">
               <a:rPr lang="zh-CN" altLang="en-US" smtClean="0"/>
-              <a:t>2018/11/18</a:t>
+              <a:t>2018/11/22</a:t>
             </a:fld>
             <a:endParaRPr lang="zh-CN" altLang="en-US"/>
           </a:p>
@@ -1422,7 +1422,7 @@
           <a:p>
             <a:fld id="{C2D6D81D-1817-42AA-9AF4-71BCE609F401}" type="datetimeFigureOut">
               <a:rPr lang="zh-CN" altLang="en-US" smtClean="0"/>
-              <a:t>2018/11/18</a:t>
+              <a:t>2018/11/22</a:t>
             </a:fld>
             <a:endParaRPr lang="zh-CN" altLang="en-US"/>
           </a:p>
@@ -1602,7 +1602,7 @@
           <a:p>
             <a:fld id="{C2D6D81D-1817-42AA-9AF4-71BCE609F401}" type="datetimeFigureOut">
               <a:rPr lang="zh-CN" altLang="en-US" smtClean="0"/>
-              <a:t>2018/11/18</a:t>
+              <a:t>2018/11/22</a:t>
             </a:fld>
             <a:endParaRPr lang="zh-CN" altLang="en-US"/>
           </a:p>
@@ -1772,7 +1772,7 @@
           <a:p>
             <a:fld id="{C2D6D81D-1817-42AA-9AF4-71BCE609F401}" type="datetimeFigureOut">
               <a:rPr lang="zh-CN" altLang="en-US" smtClean="0"/>
-              <a:t>2018/11/18</a:t>
+              <a:t>2018/11/22</a:t>
             </a:fld>
             <a:endParaRPr lang="zh-CN" altLang="en-US"/>
           </a:p>
@@ -2018,7 +2018,7 @@
           <a:p>
             <a:fld id="{C2D6D81D-1817-42AA-9AF4-71BCE609F401}" type="datetimeFigureOut">
               <a:rPr lang="zh-CN" altLang="en-US" smtClean="0"/>
-              <a:t>2018/11/18</a:t>
+              <a:t>2018/11/22</a:t>
             </a:fld>
             <a:endParaRPr lang="zh-CN" altLang="en-US"/>
           </a:p>
@@ -2250,7 +2250,7 @@
           <a:p>
             <a:fld id="{C2D6D81D-1817-42AA-9AF4-71BCE609F401}" type="datetimeFigureOut">
               <a:rPr lang="zh-CN" altLang="en-US" smtClean="0"/>
-              <a:t>2018/11/18</a:t>
+              <a:t>2018/11/22</a:t>
             </a:fld>
             <a:endParaRPr lang="zh-CN" altLang="en-US"/>
           </a:p>
@@ -2617,7 +2617,7 @@
           <a:p>
             <a:fld id="{C2D6D81D-1817-42AA-9AF4-71BCE609F401}" type="datetimeFigureOut">
               <a:rPr lang="zh-CN" altLang="en-US" smtClean="0"/>
-              <a:t>2018/11/18</a:t>
+              <a:t>2018/11/22</a:t>
             </a:fld>
             <a:endParaRPr lang="zh-CN" altLang="en-US"/>
           </a:p>
@@ -2735,7 +2735,7 @@
           <a:p>
             <a:fld id="{C2D6D81D-1817-42AA-9AF4-71BCE609F401}" type="datetimeFigureOut">
               <a:rPr lang="zh-CN" altLang="en-US" smtClean="0"/>
-              <a:t>2018/11/18</a:t>
+              <a:t>2018/11/22</a:t>
             </a:fld>
             <a:endParaRPr lang="zh-CN" altLang="en-US"/>
           </a:p>
@@ -2830,7 +2830,7 @@
           <a:p>
             <a:fld id="{C2D6D81D-1817-42AA-9AF4-71BCE609F401}" type="datetimeFigureOut">
               <a:rPr lang="zh-CN" altLang="en-US" smtClean="0"/>
-              <a:t>2018/11/18</a:t>
+              <a:t>2018/11/22</a:t>
             </a:fld>
             <a:endParaRPr lang="zh-CN" altLang="en-US"/>
           </a:p>
@@ -3107,7 +3107,7 @@
           <a:p>
             <a:fld id="{C2D6D81D-1817-42AA-9AF4-71BCE609F401}" type="datetimeFigureOut">
               <a:rPr lang="zh-CN" altLang="en-US" smtClean="0"/>
-              <a:t>2018/11/18</a:t>
+              <a:t>2018/11/22</a:t>
             </a:fld>
             <a:endParaRPr lang="zh-CN" altLang="en-US"/>
           </a:p>
@@ -3360,7 +3360,7 @@
           <a:p>
             <a:fld id="{C2D6D81D-1817-42AA-9AF4-71BCE609F401}" type="datetimeFigureOut">
               <a:rPr lang="zh-CN" altLang="en-US" smtClean="0"/>
-              <a:t>2018/11/18</a:t>
+              <a:t>2018/11/22</a:t>
             </a:fld>
             <a:endParaRPr lang="zh-CN" altLang="en-US"/>
           </a:p>
@@ -3573,7 +3573,7 @@
           <a:p>
             <a:fld id="{C2D6D81D-1817-42AA-9AF4-71BCE609F401}" type="datetimeFigureOut">
               <a:rPr lang="zh-CN" altLang="en-US" smtClean="0"/>
-              <a:t>2018/11/18</a:t>
+              <a:t>2018/11/22</a:t>
             </a:fld>
             <a:endParaRPr lang="zh-CN" altLang="en-US"/>
           </a:p>
@@ -6523,524 +6523,682 @@
           <a:chExt cx="0" cy="0"/>
         </a:xfrm>
       </p:grpSpPr>
-      <p:sp>
-        <p:nvSpPr>
-          <p:cNvPr id="9" name="矩形 8"/>
-          <p:cNvSpPr/>
+      <p:grpSp>
+        <p:nvGrpSpPr>
+          <p:cNvPr id="2" name="组合 1"/>
+          <p:cNvGrpSpPr/>
           <p:nvPr/>
-        </p:nvSpPr>
-        <p:spPr>
+        </p:nvGrpSpPr>
+        <p:grpSpPr>
           <a:xfrm>
-            <a:off x="4044218" y="2398306"/>
-            <a:ext cx="989214" cy="548639"/>
+            <a:off x="4044218" y="1507376"/>
+            <a:ext cx="5537932" cy="3519013"/>
+            <a:chOff x="4044218" y="1507376"/>
+            <a:chExt cx="5537932" cy="3519013"/>
           </a:xfrm>
-          <a:prstGeom prst="rect">
-            <a:avLst/>
-          </a:prstGeom>
-          <a:noFill/>
-          <a:ln>
-            <a:solidFill>
-              <a:schemeClr val="tx1"/>
-            </a:solidFill>
-          </a:ln>
-        </p:spPr>
-        <p:style>
-          <a:lnRef idx="2">
-            <a:schemeClr val="accent1">
-              <a:shade val="50000"/>
-            </a:schemeClr>
-          </a:lnRef>
-          <a:fillRef idx="1">
-            <a:schemeClr val="accent1"/>
-          </a:fillRef>
-          <a:effectRef idx="0">
-            <a:schemeClr val="accent1"/>
-          </a:effectRef>
-          <a:fontRef idx="minor">
-            <a:schemeClr val="lt1"/>
-          </a:fontRef>
-        </p:style>
-        <p:txBody>
-          <a:bodyPr rtlCol="0" anchor="ctr"/>
-          <a:lstStyle/>
-          <a:p>
-            <a:pPr algn="ctr"/>
-            <a:r>
-              <a:rPr lang="zh-CN" altLang="en-US" sz="1600" dirty="0" smtClean="0">
+        </p:grpSpPr>
+        <p:sp>
+          <p:nvSpPr>
+            <p:cNvPr id="9" name="矩形 8"/>
+            <p:cNvSpPr/>
+            <p:nvPr/>
+          </p:nvSpPr>
+          <p:spPr>
+            <a:xfrm>
+              <a:off x="4044218" y="2398306"/>
+              <a:ext cx="989214" cy="548639"/>
+            </a:xfrm>
+            <a:prstGeom prst="rect">
+              <a:avLst/>
+            </a:prstGeom>
+            <a:noFill/>
+            <a:ln>
+              <a:solidFill>
+                <a:schemeClr val="tx1"/>
+              </a:solidFill>
+            </a:ln>
+          </p:spPr>
+          <p:style>
+            <a:lnRef idx="2">
+              <a:schemeClr val="accent1">
+                <a:shade val="50000"/>
+              </a:schemeClr>
+            </a:lnRef>
+            <a:fillRef idx="1">
+              <a:schemeClr val="accent1"/>
+            </a:fillRef>
+            <a:effectRef idx="0">
+              <a:schemeClr val="accent1"/>
+            </a:effectRef>
+            <a:fontRef idx="minor">
+              <a:schemeClr val="lt1"/>
+            </a:fontRef>
+          </p:style>
+          <p:txBody>
+            <a:bodyPr rtlCol="0" anchor="ctr"/>
+            <a:lstStyle/>
+            <a:p>
+              <a:pPr algn="ctr"/>
+              <a:r>
+                <a:rPr lang="zh-CN" altLang="en-US" sz="1600" dirty="0" smtClean="0">
+                  <a:solidFill>
+                    <a:schemeClr val="tx1"/>
+                  </a:solidFill>
+                  <a:latin typeface="宋体" panose="02010600030101010101" pitchFamily="2" charset="-122"/>
+                  <a:ea typeface="宋体" panose="02010600030101010101" pitchFamily="2" charset="-122"/>
+                </a:rPr>
+                <a:t>原软件系统</a:t>
+              </a:r>
+              <a:endParaRPr lang="zh-CN" altLang="en-US" sz="1600" dirty="0">
                 <a:solidFill>
                   <a:schemeClr val="tx1"/>
                 </a:solidFill>
                 <a:latin typeface="宋体" panose="02010600030101010101" pitchFamily="2" charset="-122"/>
                 <a:ea typeface="宋体" panose="02010600030101010101" pitchFamily="2" charset="-122"/>
-              </a:rPr>
-              <a:t>原软件系统</a:t>
-            </a:r>
-            <a:endParaRPr lang="zh-CN" altLang="en-US" sz="1600" dirty="0">
+              </a:endParaRPr>
+            </a:p>
+          </p:txBody>
+        </p:sp>
+        <p:sp>
+          <p:nvSpPr>
+            <p:cNvPr id="10" name="矩形 9"/>
+            <p:cNvSpPr/>
+            <p:nvPr/>
+          </p:nvSpPr>
+          <p:spPr>
+            <a:xfrm>
+              <a:off x="6159731" y="1507376"/>
+              <a:ext cx="989214" cy="548639"/>
+            </a:xfrm>
+            <a:prstGeom prst="rect">
+              <a:avLst/>
+            </a:prstGeom>
+            <a:noFill/>
+            <a:ln>
               <a:solidFill>
                 <a:schemeClr val="tx1"/>
               </a:solidFill>
-              <a:latin typeface="宋体" panose="02010600030101010101" pitchFamily="2" charset="-122"/>
-              <a:ea typeface="宋体" panose="02010600030101010101" pitchFamily="2" charset="-122"/>
-            </a:endParaRPr>
-          </a:p>
-        </p:txBody>
-      </p:sp>
-      <p:sp>
-        <p:nvSpPr>
-          <p:cNvPr id="10" name="矩形 9"/>
-          <p:cNvSpPr/>
-          <p:nvPr/>
-        </p:nvSpPr>
-        <p:spPr>
-          <a:xfrm>
-            <a:off x="6159731" y="1507376"/>
-            <a:ext cx="989214" cy="548639"/>
-          </a:xfrm>
-          <a:prstGeom prst="rect">
-            <a:avLst/>
-          </a:prstGeom>
-          <a:noFill/>
-          <a:ln>
-            <a:solidFill>
-              <a:schemeClr val="tx1"/>
-            </a:solidFill>
-          </a:ln>
-        </p:spPr>
-        <p:style>
-          <a:lnRef idx="2">
-            <a:schemeClr val="accent1">
-              <a:shade val="50000"/>
-            </a:schemeClr>
-          </a:lnRef>
-          <a:fillRef idx="1">
-            <a:schemeClr val="accent1"/>
-          </a:fillRef>
-          <a:effectRef idx="0">
-            <a:schemeClr val="accent1"/>
-          </a:effectRef>
-          <a:fontRef idx="minor">
-            <a:schemeClr val="lt1"/>
-          </a:fontRef>
-        </p:style>
-        <p:txBody>
-          <a:bodyPr rtlCol="0" anchor="ctr"/>
-          <a:lstStyle/>
-          <a:p>
-            <a:pPr algn="ctr"/>
-            <a:r>
-              <a:rPr lang="zh-CN" altLang="en-US" sz="1600" dirty="0" smtClean="0">
+            </a:ln>
+          </p:spPr>
+          <p:style>
+            <a:lnRef idx="2">
+              <a:schemeClr val="accent1">
+                <a:shade val="50000"/>
+              </a:schemeClr>
+            </a:lnRef>
+            <a:fillRef idx="1">
+              <a:schemeClr val="accent1"/>
+            </a:fillRef>
+            <a:effectRef idx="0">
+              <a:schemeClr val="accent1"/>
+            </a:effectRef>
+            <a:fontRef idx="minor">
+              <a:schemeClr val="lt1"/>
+            </a:fontRef>
+          </p:style>
+          <p:txBody>
+            <a:bodyPr rtlCol="0" anchor="ctr"/>
+            <a:lstStyle/>
+            <a:p>
+              <a:pPr algn="ctr"/>
+              <a:r>
+                <a:rPr lang="zh-CN" altLang="en-US" sz="1600" dirty="0" smtClean="0">
+                  <a:solidFill>
+                    <a:schemeClr val="tx1"/>
+                  </a:solidFill>
+                  <a:latin typeface="宋体" panose="02010600030101010101" pitchFamily="2" charset="-122"/>
+                  <a:ea typeface="宋体" panose="02010600030101010101" pitchFamily="2" charset="-122"/>
+                </a:rPr>
+                <a:t>重构方法选择</a:t>
+              </a:r>
+              <a:endParaRPr lang="zh-CN" altLang="en-US" sz="1600" dirty="0">
                 <a:solidFill>
                   <a:schemeClr val="tx1"/>
                 </a:solidFill>
                 <a:latin typeface="宋体" panose="02010600030101010101" pitchFamily="2" charset="-122"/>
                 <a:ea typeface="宋体" panose="02010600030101010101" pitchFamily="2" charset="-122"/>
-              </a:rPr>
-              <a:t>重构方法选择</a:t>
-            </a:r>
-            <a:endParaRPr lang="zh-CN" altLang="en-US" sz="1600" dirty="0">
+              </a:endParaRPr>
+            </a:p>
+          </p:txBody>
+        </p:sp>
+        <p:sp>
+          <p:nvSpPr>
+            <p:cNvPr id="11" name="流程图: 决策 10"/>
+            <p:cNvSpPr/>
+            <p:nvPr/>
+          </p:nvSpPr>
+          <p:spPr>
+            <a:xfrm>
+              <a:off x="7993628" y="2436750"/>
+              <a:ext cx="1588522" cy="690482"/>
+            </a:xfrm>
+            <a:prstGeom prst="flowChartDecision">
+              <a:avLst/>
+            </a:prstGeom>
+            <a:noFill/>
+            <a:ln>
               <a:solidFill>
                 <a:schemeClr val="tx1"/>
               </a:solidFill>
-              <a:latin typeface="宋体" panose="02010600030101010101" pitchFamily="2" charset="-122"/>
-              <a:ea typeface="宋体" panose="02010600030101010101" pitchFamily="2" charset="-122"/>
-            </a:endParaRPr>
-          </a:p>
-        </p:txBody>
-      </p:sp>
-      <p:sp>
-        <p:nvSpPr>
-          <p:cNvPr id="11" name="流程图: 决策 10"/>
-          <p:cNvSpPr/>
-          <p:nvPr/>
-        </p:nvSpPr>
-        <p:spPr>
-          <a:xfrm>
-            <a:off x="7993628" y="2436750"/>
-            <a:ext cx="1588522" cy="690482"/>
-          </a:xfrm>
-          <a:prstGeom prst="flowChartDecision">
-            <a:avLst/>
-          </a:prstGeom>
-          <a:noFill/>
-          <a:ln>
-            <a:solidFill>
-              <a:schemeClr val="tx1"/>
-            </a:solidFill>
-          </a:ln>
-        </p:spPr>
-        <p:style>
-          <a:lnRef idx="2">
-            <a:schemeClr val="accent1">
-              <a:shade val="50000"/>
-            </a:schemeClr>
-          </a:lnRef>
-          <a:fillRef idx="1">
-            <a:schemeClr val="accent1"/>
-          </a:fillRef>
-          <a:effectRef idx="0">
-            <a:schemeClr val="accent1"/>
-          </a:effectRef>
-          <a:fontRef idx="minor">
-            <a:schemeClr val="lt1"/>
-          </a:fontRef>
-        </p:style>
-        <p:txBody>
-          <a:bodyPr rtlCol="0" anchor="ctr"/>
-          <a:lstStyle/>
-          <a:p>
-            <a:pPr algn="ctr"/>
-            <a:r>
-              <a:rPr lang="zh-CN" altLang="en-US" sz="1600" dirty="0" smtClean="0">
+            </a:ln>
+          </p:spPr>
+          <p:style>
+            <a:lnRef idx="2">
+              <a:schemeClr val="accent1">
+                <a:shade val="50000"/>
+              </a:schemeClr>
+            </a:lnRef>
+            <a:fillRef idx="1">
+              <a:schemeClr val="accent1"/>
+            </a:fillRef>
+            <a:effectRef idx="0">
+              <a:schemeClr val="accent1"/>
+            </a:effectRef>
+            <a:fontRef idx="minor">
+              <a:schemeClr val="lt1"/>
+            </a:fontRef>
+          </p:style>
+          <p:txBody>
+            <a:bodyPr rtlCol="0" anchor="ctr"/>
+            <a:lstStyle/>
+            <a:p>
+              <a:pPr algn="ctr"/>
+              <a:r>
+                <a:rPr lang="zh-CN" altLang="en-US" sz="1600" dirty="0" smtClean="0">
+                  <a:solidFill>
+                    <a:schemeClr val="tx1"/>
+                  </a:solidFill>
+                  <a:latin typeface="宋体" panose="02010600030101010101" pitchFamily="2" charset="-122"/>
+                  <a:ea typeface="宋体" panose="02010600030101010101" pitchFamily="2" charset="-122"/>
+                </a:rPr>
+                <a:t>一致性验证</a:t>
+              </a:r>
+              <a:endParaRPr lang="zh-CN" altLang="en-US" sz="1600" dirty="0">
                 <a:solidFill>
                   <a:schemeClr val="tx1"/>
                 </a:solidFill>
                 <a:latin typeface="宋体" panose="02010600030101010101" pitchFamily="2" charset="-122"/>
                 <a:ea typeface="宋体" panose="02010600030101010101" pitchFamily="2" charset="-122"/>
-              </a:rPr>
-              <a:t>一致性验证</a:t>
-            </a:r>
-            <a:endParaRPr lang="zh-CN" altLang="en-US" sz="1600" dirty="0">
+              </a:endParaRPr>
+            </a:p>
+          </p:txBody>
+        </p:sp>
+        <p:sp>
+          <p:nvSpPr>
+            <p:cNvPr id="12" name="矩形 11"/>
+            <p:cNvSpPr/>
+            <p:nvPr/>
+          </p:nvSpPr>
+          <p:spPr>
+            <a:xfrm>
+              <a:off x="6159731" y="2507672"/>
+              <a:ext cx="989214" cy="548639"/>
+            </a:xfrm>
+            <a:prstGeom prst="rect">
+              <a:avLst/>
+            </a:prstGeom>
+            <a:noFill/>
+            <a:ln>
               <a:solidFill>
                 <a:schemeClr val="tx1"/>
               </a:solidFill>
-              <a:latin typeface="宋体" panose="02010600030101010101" pitchFamily="2" charset="-122"/>
-              <a:ea typeface="宋体" panose="02010600030101010101" pitchFamily="2" charset="-122"/>
-            </a:endParaRPr>
-          </a:p>
-        </p:txBody>
-      </p:sp>
-      <p:sp>
-        <p:nvSpPr>
-          <p:cNvPr id="12" name="矩形 11"/>
-          <p:cNvSpPr/>
-          <p:nvPr/>
-        </p:nvSpPr>
-        <p:spPr>
-          <a:xfrm>
-            <a:off x="6159731" y="2507672"/>
-            <a:ext cx="989214" cy="548639"/>
-          </a:xfrm>
-          <a:prstGeom prst="rect">
-            <a:avLst/>
-          </a:prstGeom>
-          <a:noFill/>
-          <a:ln>
-            <a:solidFill>
-              <a:schemeClr val="tx1"/>
-            </a:solidFill>
-          </a:ln>
-        </p:spPr>
-        <p:style>
-          <a:lnRef idx="2">
-            <a:schemeClr val="accent1">
-              <a:shade val="50000"/>
-            </a:schemeClr>
-          </a:lnRef>
-          <a:fillRef idx="1">
-            <a:schemeClr val="accent1"/>
-          </a:fillRef>
-          <a:effectRef idx="0">
-            <a:schemeClr val="accent1"/>
-          </a:effectRef>
-          <a:fontRef idx="minor">
-            <a:schemeClr val="lt1"/>
-          </a:fontRef>
-        </p:style>
-        <p:txBody>
-          <a:bodyPr rtlCol="0" anchor="ctr"/>
-          <a:lstStyle/>
-          <a:p>
-            <a:pPr algn="ctr"/>
-            <a:r>
-              <a:rPr lang="zh-CN" altLang="en-US" sz="1600" dirty="0" smtClean="0">
+            </a:ln>
+          </p:spPr>
+          <p:style>
+            <a:lnRef idx="2">
+              <a:schemeClr val="accent1">
+                <a:shade val="50000"/>
+              </a:schemeClr>
+            </a:lnRef>
+            <a:fillRef idx="1">
+              <a:schemeClr val="accent1"/>
+            </a:fillRef>
+            <a:effectRef idx="0">
+              <a:schemeClr val="accent1"/>
+            </a:effectRef>
+            <a:fontRef idx="minor">
+              <a:schemeClr val="lt1"/>
+            </a:fontRef>
+          </p:style>
+          <p:txBody>
+            <a:bodyPr rtlCol="0" anchor="ctr"/>
+            <a:lstStyle/>
+            <a:p>
+              <a:pPr algn="ctr"/>
+              <a:r>
+                <a:rPr lang="zh-CN" altLang="en-US" sz="1600" dirty="0" smtClean="0">
+                  <a:solidFill>
+                    <a:schemeClr val="tx1"/>
+                  </a:solidFill>
+                  <a:latin typeface="宋体" panose="02010600030101010101" pitchFamily="2" charset="-122"/>
+                  <a:ea typeface="宋体" panose="02010600030101010101" pitchFamily="2" charset="-122"/>
+                </a:rPr>
+                <a:t>撤销重构操作</a:t>
+              </a:r>
+              <a:endParaRPr lang="zh-CN" altLang="en-US" sz="1600" dirty="0">
                 <a:solidFill>
                   <a:schemeClr val="tx1"/>
                 </a:solidFill>
                 <a:latin typeface="宋体" panose="02010600030101010101" pitchFamily="2" charset="-122"/>
                 <a:ea typeface="宋体" panose="02010600030101010101" pitchFamily="2" charset="-122"/>
-              </a:rPr>
-              <a:t>撤销重构操作</a:t>
-            </a:r>
-            <a:endParaRPr lang="zh-CN" altLang="en-US" sz="1600" dirty="0">
+              </a:endParaRPr>
+            </a:p>
+          </p:txBody>
+        </p:sp>
+        <p:sp>
+          <p:nvSpPr>
+            <p:cNvPr id="13" name="矩形 12"/>
+            <p:cNvSpPr/>
+            <p:nvPr/>
+          </p:nvSpPr>
+          <p:spPr>
+            <a:xfrm>
+              <a:off x="6189315" y="4477750"/>
+              <a:ext cx="989214" cy="548639"/>
+            </a:xfrm>
+            <a:prstGeom prst="rect">
+              <a:avLst/>
+            </a:prstGeom>
+            <a:noFill/>
+            <a:ln>
               <a:solidFill>
                 <a:schemeClr val="tx1"/>
               </a:solidFill>
-              <a:latin typeface="宋体" panose="02010600030101010101" pitchFamily="2" charset="-122"/>
-              <a:ea typeface="宋体" panose="02010600030101010101" pitchFamily="2" charset="-122"/>
-            </a:endParaRPr>
-          </a:p>
-        </p:txBody>
-      </p:sp>
-      <p:sp>
-        <p:nvSpPr>
-          <p:cNvPr id="13" name="矩形 12"/>
-          <p:cNvSpPr/>
-          <p:nvPr/>
-        </p:nvSpPr>
-        <p:spPr>
-          <a:xfrm>
-            <a:off x="6189315" y="4477750"/>
-            <a:ext cx="989214" cy="548639"/>
-          </a:xfrm>
-          <a:prstGeom prst="rect">
-            <a:avLst/>
-          </a:prstGeom>
-          <a:noFill/>
-          <a:ln>
-            <a:solidFill>
-              <a:schemeClr val="tx1"/>
-            </a:solidFill>
-          </a:ln>
-        </p:spPr>
-        <p:style>
-          <a:lnRef idx="2">
-            <a:schemeClr val="accent1">
-              <a:shade val="50000"/>
-            </a:schemeClr>
-          </a:lnRef>
-          <a:fillRef idx="1">
-            <a:schemeClr val="accent1"/>
-          </a:fillRef>
-          <a:effectRef idx="0">
-            <a:schemeClr val="accent1"/>
-          </a:effectRef>
-          <a:fontRef idx="minor">
-            <a:schemeClr val="lt1"/>
-          </a:fontRef>
-        </p:style>
-        <p:txBody>
-          <a:bodyPr rtlCol="0" anchor="ctr"/>
-          <a:lstStyle/>
-          <a:p>
-            <a:pPr algn="ctr"/>
-            <a:r>
-              <a:rPr lang="zh-CN" altLang="en-US" sz="1600" dirty="0" smtClean="0">
+            </a:ln>
+          </p:spPr>
+          <p:style>
+            <a:lnRef idx="2">
+              <a:schemeClr val="accent1">
+                <a:shade val="50000"/>
+              </a:schemeClr>
+            </a:lnRef>
+            <a:fillRef idx="1">
+              <a:schemeClr val="accent1"/>
+            </a:fillRef>
+            <a:effectRef idx="0">
+              <a:schemeClr val="accent1"/>
+            </a:effectRef>
+            <a:fontRef idx="minor">
+              <a:schemeClr val="lt1"/>
+            </a:fontRef>
+          </p:style>
+          <p:txBody>
+            <a:bodyPr rtlCol="0" anchor="ctr"/>
+            <a:lstStyle/>
+            <a:p>
+              <a:pPr algn="ctr"/>
+              <a:r>
+                <a:rPr lang="zh-CN" altLang="en-US" sz="1600" dirty="0" smtClean="0">
+                  <a:solidFill>
+                    <a:schemeClr val="tx1"/>
+                  </a:solidFill>
+                  <a:latin typeface="宋体" panose="02010600030101010101" pitchFamily="2" charset="-122"/>
+                  <a:ea typeface="宋体" panose="02010600030101010101" pitchFamily="2" charset="-122"/>
+                </a:rPr>
+                <a:t>新软件系统</a:t>
+              </a:r>
+              <a:endParaRPr lang="zh-CN" altLang="en-US" sz="1600" dirty="0">
                 <a:solidFill>
                   <a:schemeClr val="tx1"/>
                 </a:solidFill>
                 <a:latin typeface="宋体" panose="02010600030101010101" pitchFamily="2" charset="-122"/>
                 <a:ea typeface="宋体" panose="02010600030101010101" pitchFamily="2" charset="-122"/>
-              </a:rPr>
-              <a:t>新软件系统</a:t>
-            </a:r>
-            <a:endParaRPr lang="zh-CN" altLang="en-US" sz="1600" dirty="0">
-              <a:solidFill>
-                <a:schemeClr val="tx1"/>
-              </a:solidFill>
-              <a:latin typeface="宋体" panose="02010600030101010101" pitchFamily="2" charset="-122"/>
-              <a:ea typeface="宋体" panose="02010600030101010101" pitchFamily="2" charset="-122"/>
-            </a:endParaRPr>
-          </a:p>
-        </p:txBody>
-      </p:sp>
-      <p:cxnSp>
-        <p:nvCxnSpPr>
-          <p:cNvPr id="19" name="直接箭头连接符 18"/>
-          <p:cNvCxnSpPr>
-            <a:stCxn id="11" idx="1"/>
-            <a:endCxn id="12" idx="3"/>
-          </p:cNvCxnSpPr>
-          <p:nvPr/>
-        </p:nvCxnSpPr>
-        <p:spPr>
-          <a:xfrm flipH="1">
-            <a:off x="7148945" y="2781991"/>
-            <a:ext cx="844683" cy="1"/>
-          </a:xfrm>
-          <a:prstGeom prst="straightConnector1">
-            <a:avLst/>
-          </a:prstGeom>
-          <a:ln w="12700">
-            <a:tailEnd type="triangle"/>
-          </a:ln>
-        </p:spPr>
-        <p:style>
-          <a:lnRef idx="1">
-            <a:schemeClr val="dk1"/>
-          </a:lnRef>
-          <a:fillRef idx="0">
-            <a:schemeClr val="dk1"/>
-          </a:fillRef>
-          <a:effectRef idx="0">
-            <a:schemeClr val="dk1"/>
-          </a:effectRef>
-          <a:fontRef idx="minor">
-            <a:schemeClr val="tx1"/>
-          </a:fontRef>
-        </p:style>
-      </p:cxnSp>
-      <p:cxnSp>
-        <p:nvCxnSpPr>
-          <p:cNvPr id="23" name="直接箭头连接符 22"/>
-          <p:cNvCxnSpPr>
-            <a:stCxn id="12" idx="0"/>
-            <a:endCxn id="10" idx="2"/>
-          </p:cNvCxnSpPr>
-          <p:nvPr/>
-        </p:nvCxnSpPr>
-        <p:spPr>
-          <a:xfrm flipV="1">
-            <a:off x="6654338" y="2056015"/>
-            <a:ext cx="0" cy="451657"/>
-          </a:xfrm>
-          <a:prstGeom prst="straightConnector1">
-            <a:avLst/>
-          </a:prstGeom>
-          <a:ln w="12700">
-            <a:tailEnd type="triangle"/>
-          </a:ln>
-        </p:spPr>
-        <p:style>
-          <a:lnRef idx="1">
-            <a:schemeClr val="dk1"/>
-          </a:lnRef>
-          <a:fillRef idx="0">
-            <a:schemeClr val="dk1"/>
-          </a:fillRef>
-          <a:effectRef idx="0">
-            <a:schemeClr val="dk1"/>
-          </a:effectRef>
-          <a:fontRef idx="minor">
-            <a:schemeClr val="tx1"/>
-          </a:fontRef>
-        </p:style>
-      </p:cxnSp>
-      <p:sp>
-        <p:nvSpPr>
-          <p:cNvPr id="76" name="文本框 75"/>
-          <p:cNvSpPr txBox="1"/>
-          <p:nvPr/>
-        </p:nvSpPr>
-        <p:spPr>
-          <a:xfrm>
-            <a:off x="7225827" y="2469728"/>
-            <a:ext cx="835450" cy="338554"/>
-          </a:xfrm>
-          <a:prstGeom prst="rect">
-            <a:avLst/>
-          </a:prstGeom>
-          <a:noFill/>
-        </p:spPr>
-        <p:txBody>
-          <a:bodyPr wrap="square" rtlCol="0">
-            <a:spAutoFit/>
-          </a:bodyPr>
-          <a:lstStyle/>
-          <a:p>
-            <a:r>
-              <a:rPr lang="zh-CN" altLang="en-US" sz="1600" dirty="0" smtClean="0">
-                <a:latin typeface="宋体" panose="02010600030101010101" pitchFamily="2" charset="-122"/>
-                <a:ea typeface="宋体" panose="02010600030101010101" pitchFamily="2" charset="-122"/>
-              </a:rPr>
-              <a:t>不通过</a:t>
-            </a:r>
-            <a:endParaRPr lang="zh-CN" altLang="en-US" sz="1600" dirty="0">
-              <a:latin typeface="宋体" panose="02010600030101010101" pitchFamily="2" charset="-122"/>
-              <a:ea typeface="宋体" panose="02010600030101010101" pitchFamily="2" charset="-122"/>
-            </a:endParaRPr>
-          </a:p>
-        </p:txBody>
-      </p:sp>
-      <p:sp>
-        <p:nvSpPr>
-          <p:cNvPr id="77" name="文本框 76"/>
-          <p:cNvSpPr txBox="1"/>
-          <p:nvPr/>
-        </p:nvSpPr>
-        <p:spPr>
-          <a:xfrm>
-            <a:off x="7723407" y="3514654"/>
-            <a:ext cx="835450" cy="338554"/>
-          </a:xfrm>
-          <a:prstGeom prst="rect">
-            <a:avLst/>
-          </a:prstGeom>
-          <a:noFill/>
-        </p:spPr>
-        <p:txBody>
-          <a:bodyPr wrap="square" rtlCol="0">
-            <a:spAutoFit/>
-          </a:bodyPr>
-          <a:lstStyle/>
-          <a:p>
-            <a:pPr algn="ctr"/>
-            <a:r>
-              <a:rPr lang="zh-CN" altLang="en-US" sz="1600" dirty="0" smtClean="0">
-                <a:latin typeface="宋体" panose="02010600030101010101" pitchFamily="2" charset="-122"/>
-                <a:ea typeface="宋体" panose="02010600030101010101" pitchFamily="2" charset="-122"/>
-              </a:rPr>
-              <a:t>通过</a:t>
-            </a:r>
-            <a:endParaRPr lang="zh-CN" altLang="en-US" sz="1600" dirty="0">
-              <a:latin typeface="宋体" panose="02010600030101010101" pitchFamily="2" charset="-122"/>
-              <a:ea typeface="宋体" panose="02010600030101010101" pitchFamily="2" charset="-122"/>
-            </a:endParaRPr>
-          </a:p>
-        </p:txBody>
-      </p:sp>
-      <p:sp>
-        <p:nvSpPr>
-          <p:cNvPr id="78" name="文本框 77"/>
-          <p:cNvSpPr txBox="1"/>
-          <p:nvPr/>
-        </p:nvSpPr>
-        <p:spPr>
-          <a:xfrm>
-            <a:off x="4415173" y="3484142"/>
-            <a:ext cx="1484756" cy="338554"/>
-          </a:xfrm>
-          <a:prstGeom prst="rect">
-            <a:avLst/>
-          </a:prstGeom>
-          <a:noFill/>
-        </p:spPr>
-        <p:txBody>
-          <a:bodyPr wrap="square" rtlCol="0">
-            <a:spAutoFit/>
-          </a:bodyPr>
-          <a:lstStyle/>
-          <a:p>
-            <a:pPr algn="ctr"/>
-            <a:r>
-              <a:rPr lang="zh-CN" altLang="en-US" sz="1600" dirty="0" smtClean="0">
-                <a:latin typeface="宋体" panose="02010600030101010101" pitchFamily="2" charset="-122"/>
-                <a:ea typeface="宋体" panose="02010600030101010101" pitchFamily="2" charset="-122"/>
-              </a:rPr>
-              <a:t>是</a:t>
-            </a:r>
-            <a:endParaRPr lang="zh-CN" altLang="en-US" sz="1600" dirty="0">
-              <a:latin typeface="宋体" panose="02010600030101010101" pitchFamily="2" charset="-122"/>
-              <a:ea typeface="宋体" panose="02010600030101010101" pitchFamily="2" charset="-122"/>
-            </a:endParaRPr>
-          </a:p>
-        </p:txBody>
-      </p:sp>
-      <p:grpSp>
-        <p:nvGrpSpPr>
-          <p:cNvPr id="40" name="组合 39"/>
-          <p:cNvGrpSpPr/>
-          <p:nvPr/>
-        </p:nvGrpSpPr>
-        <p:grpSpPr>
-          <a:xfrm>
-            <a:off x="4538825" y="1781695"/>
-            <a:ext cx="1620906" cy="616611"/>
-            <a:chOff x="4538825" y="1781695"/>
-            <a:chExt cx="1620906" cy="616611"/>
-          </a:xfrm>
-        </p:grpSpPr>
+              </a:endParaRPr>
+            </a:p>
+          </p:txBody>
+        </p:sp>
         <p:cxnSp>
           <p:nvCxnSpPr>
-            <p:cNvPr id="24" name="直接连接符 23"/>
+            <p:cNvPr id="19" name="直接箭头连接符 18"/>
             <p:cNvCxnSpPr>
-              <a:stCxn id="9" idx="0"/>
+              <a:stCxn id="11" idx="1"/>
+              <a:endCxn id="12" idx="3"/>
+            </p:cNvCxnSpPr>
+            <p:nvPr/>
+          </p:nvCxnSpPr>
+          <p:spPr>
+            <a:xfrm flipH="1">
+              <a:off x="7148945" y="2781991"/>
+              <a:ext cx="844683" cy="1"/>
+            </a:xfrm>
+            <a:prstGeom prst="straightConnector1">
+              <a:avLst/>
+            </a:prstGeom>
+            <a:ln w="12700">
+              <a:tailEnd type="triangle"/>
+            </a:ln>
+          </p:spPr>
+          <p:style>
+            <a:lnRef idx="1">
+              <a:schemeClr val="dk1"/>
+            </a:lnRef>
+            <a:fillRef idx="0">
+              <a:schemeClr val="dk1"/>
+            </a:fillRef>
+            <a:effectRef idx="0">
+              <a:schemeClr val="dk1"/>
+            </a:effectRef>
+            <a:fontRef idx="minor">
+              <a:schemeClr val="tx1"/>
+            </a:fontRef>
+          </p:style>
+        </p:cxnSp>
+        <p:cxnSp>
+          <p:nvCxnSpPr>
+            <p:cNvPr id="23" name="直接箭头连接符 22"/>
+            <p:cNvCxnSpPr>
+              <a:stCxn id="12" idx="0"/>
+              <a:endCxn id="10" idx="2"/>
             </p:cNvCxnSpPr>
             <p:nvPr/>
           </p:nvCxnSpPr>
           <p:spPr>
             <a:xfrm flipV="1">
+              <a:off x="6654338" y="2056015"/>
+              <a:ext cx="0" cy="451657"/>
+            </a:xfrm>
+            <a:prstGeom prst="straightConnector1">
+              <a:avLst/>
+            </a:prstGeom>
+            <a:ln w="12700">
+              <a:tailEnd type="triangle"/>
+            </a:ln>
+          </p:spPr>
+          <p:style>
+            <a:lnRef idx="1">
+              <a:schemeClr val="dk1"/>
+            </a:lnRef>
+            <a:fillRef idx="0">
+              <a:schemeClr val="dk1"/>
+            </a:fillRef>
+            <a:effectRef idx="0">
+              <a:schemeClr val="dk1"/>
+            </a:effectRef>
+            <a:fontRef idx="minor">
+              <a:schemeClr val="tx1"/>
+            </a:fontRef>
+          </p:style>
+        </p:cxnSp>
+        <p:sp>
+          <p:nvSpPr>
+            <p:cNvPr id="76" name="文本框 75"/>
+            <p:cNvSpPr txBox="1"/>
+            <p:nvPr/>
+          </p:nvSpPr>
+          <p:spPr>
+            <a:xfrm>
+              <a:off x="7225827" y="2469728"/>
+              <a:ext cx="835450" cy="338554"/>
+            </a:xfrm>
+            <a:prstGeom prst="rect">
+              <a:avLst/>
+            </a:prstGeom>
+            <a:noFill/>
+          </p:spPr>
+          <p:txBody>
+            <a:bodyPr wrap="square" rtlCol="0">
+              <a:spAutoFit/>
+            </a:bodyPr>
+            <a:lstStyle/>
+            <a:p>
+              <a:r>
+                <a:rPr lang="zh-CN" altLang="en-US" sz="1600" dirty="0" smtClean="0">
+                  <a:latin typeface="宋体" panose="02010600030101010101" pitchFamily="2" charset="-122"/>
+                  <a:ea typeface="宋体" panose="02010600030101010101" pitchFamily="2" charset="-122"/>
+                </a:rPr>
+                <a:t>不通过</a:t>
+              </a:r>
+              <a:endParaRPr lang="zh-CN" altLang="en-US" sz="1600" dirty="0">
+                <a:latin typeface="宋体" panose="02010600030101010101" pitchFamily="2" charset="-122"/>
+                <a:ea typeface="宋体" panose="02010600030101010101" pitchFamily="2" charset="-122"/>
+              </a:endParaRPr>
+            </a:p>
+          </p:txBody>
+        </p:sp>
+        <p:sp>
+          <p:nvSpPr>
+            <p:cNvPr id="77" name="文本框 76"/>
+            <p:cNvSpPr txBox="1"/>
+            <p:nvPr/>
+          </p:nvSpPr>
+          <p:spPr>
+            <a:xfrm>
+              <a:off x="7723407" y="3514654"/>
+              <a:ext cx="835450" cy="338554"/>
+            </a:xfrm>
+            <a:prstGeom prst="rect">
+              <a:avLst/>
+            </a:prstGeom>
+            <a:noFill/>
+          </p:spPr>
+          <p:txBody>
+            <a:bodyPr wrap="square" rtlCol="0">
+              <a:spAutoFit/>
+            </a:bodyPr>
+            <a:lstStyle/>
+            <a:p>
+              <a:pPr algn="ctr"/>
+              <a:r>
+                <a:rPr lang="zh-CN" altLang="en-US" sz="1600" dirty="0" smtClean="0">
+                  <a:latin typeface="宋体" panose="02010600030101010101" pitchFamily="2" charset="-122"/>
+                  <a:ea typeface="宋体" panose="02010600030101010101" pitchFamily="2" charset="-122"/>
+                </a:rPr>
+                <a:t>通过</a:t>
+              </a:r>
+              <a:endParaRPr lang="zh-CN" altLang="en-US" sz="1600" dirty="0">
+                <a:latin typeface="宋体" panose="02010600030101010101" pitchFamily="2" charset="-122"/>
+                <a:ea typeface="宋体" panose="02010600030101010101" pitchFamily="2" charset="-122"/>
+              </a:endParaRPr>
+            </a:p>
+          </p:txBody>
+        </p:sp>
+        <p:sp>
+          <p:nvSpPr>
+            <p:cNvPr id="78" name="文本框 77"/>
+            <p:cNvSpPr txBox="1"/>
+            <p:nvPr/>
+          </p:nvSpPr>
+          <p:spPr>
+            <a:xfrm>
+              <a:off x="4415173" y="3484142"/>
+              <a:ext cx="1484756" cy="338554"/>
+            </a:xfrm>
+            <a:prstGeom prst="rect">
+              <a:avLst/>
+            </a:prstGeom>
+            <a:noFill/>
+          </p:spPr>
+          <p:txBody>
+            <a:bodyPr wrap="square" rtlCol="0">
+              <a:spAutoFit/>
+            </a:bodyPr>
+            <a:lstStyle/>
+            <a:p>
+              <a:pPr algn="ctr"/>
+              <a:r>
+                <a:rPr lang="zh-CN" altLang="en-US" sz="1600" dirty="0" smtClean="0">
+                  <a:latin typeface="宋体" panose="02010600030101010101" pitchFamily="2" charset="-122"/>
+                  <a:ea typeface="宋体" panose="02010600030101010101" pitchFamily="2" charset="-122"/>
+                </a:rPr>
+                <a:t>是</a:t>
+              </a:r>
+              <a:endParaRPr lang="zh-CN" altLang="en-US" sz="1600" dirty="0">
+                <a:latin typeface="宋体" panose="02010600030101010101" pitchFamily="2" charset="-122"/>
+                <a:ea typeface="宋体" panose="02010600030101010101" pitchFamily="2" charset="-122"/>
+              </a:endParaRPr>
+            </a:p>
+          </p:txBody>
+        </p:sp>
+        <p:grpSp>
+          <p:nvGrpSpPr>
+            <p:cNvPr id="40" name="组合 39"/>
+            <p:cNvGrpSpPr/>
+            <p:nvPr/>
+          </p:nvGrpSpPr>
+          <p:grpSpPr>
+            <a:xfrm>
               <a:off x="4538825" y="1781695"/>
-              <a:ext cx="0" cy="616611"/>
+              <a:ext cx="1620906" cy="616611"/>
+              <a:chOff x="4538825" y="1781695"/>
+              <a:chExt cx="1620906" cy="616611"/>
+            </a:xfrm>
+          </p:grpSpPr>
+          <p:cxnSp>
+            <p:nvCxnSpPr>
+              <p:cNvPr id="24" name="直接连接符 23"/>
+              <p:cNvCxnSpPr>
+                <a:stCxn id="9" idx="0"/>
+              </p:cNvCxnSpPr>
+              <p:nvPr/>
+            </p:nvCxnSpPr>
+            <p:spPr>
+              <a:xfrm flipV="1">
+                <a:off x="4538825" y="1781695"/>
+                <a:ext cx="0" cy="616611"/>
+              </a:xfrm>
+              <a:prstGeom prst="line">
+                <a:avLst/>
+              </a:prstGeom>
+            </p:spPr>
+            <p:style>
+              <a:lnRef idx="1">
+                <a:schemeClr val="dk1"/>
+              </a:lnRef>
+              <a:fillRef idx="0">
+                <a:schemeClr val="dk1"/>
+              </a:fillRef>
+              <a:effectRef idx="0">
+                <a:schemeClr val="dk1"/>
+              </a:effectRef>
+              <a:fontRef idx="minor">
+                <a:schemeClr val="tx1"/>
+              </a:fontRef>
+            </p:style>
+          </p:cxnSp>
+          <p:cxnSp>
+            <p:nvCxnSpPr>
+              <p:cNvPr id="28" name="直接箭头连接符 27"/>
+              <p:cNvCxnSpPr>
+                <a:endCxn id="10" idx="1"/>
+              </p:cNvCxnSpPr>
+              <p:nvPr/>
+            </p:nvCxnSpPr>
+            <p:spPr>
+              <a:xfrm>
+                <a:off x="4538825" y="1781695"/>
+                <a:ext cx="1620906" cy="1"/>
+              </a:xfrm>
+              <a:prstGeom prst="straightConnector1">
+                <a:avLst/>
+              </a:prstGeom>
+              <a:ln>
+                <a:tailEnd type="triangle"/>
+              </a:ln>
+            </p:spPr>
+            <p:style>
+              <a:lnRef idx="1">
+                <a:schemeClr val="dk1"/>
+              </a:lnRef>
+              <a:fillRef idx="0">
+                <a:schemeClr val="dk1"/>
+              </a:fillRef>
+              <a:effectRef idx="0">
+                <a:schemeClr val="dk1"/>
+              </a:effectRef>
+              <a:fontRef idx="minor">
+                <a:schemeClr val="tx1"/>
+              </a:fontRef>
+            </p:style>
+          </p:cxnSp>
+        </p:grpSp>
+        <p:grpSp>
+          <p:nvGrpSpPr>
+            <p:cNvPr id="44" name="组合 43"/>
+            <p:cNvGrpSpPr/>
+            <p:nvPr/>
+          </p:nvGrpSpPr>
+          <p:grpSpPr>
+            <a:xfrm rot="5400000">
+              <a:off x="7640859" y="1296071"/>
+              <a:ext cx="649675" cy="1631684"/>
+              <a:chOff x="4538825" y="1781695"/>
+              <a:chExt cx="1620906" cy="616611"/>
+            </a:xfrm>
+          </p:grpSpPr>
+          <p:cxnSp>
+            <p:nvCxnSpPr>
+              <p:cNvPr id="45" name="直接连接符 44"/>
+              <p:cNvCxnSpPr/>
+              <p:nvPr/>
+            </p:nvCxnSpPr>
+            <p:spPr>
+              <a:xfrm flipV="1">
+                <a:off x="4538825" y="1781695"/>
+                <a:ext cx="0" cy="616611"/>
+              </a:xfrm>
+              <a:prstGeom prst="line">
+                <a:avLst/>
+              </a:prstGeom>
+            </p:spPr>
+            <p:style>
+              <a:lnRef idx="1">
+                <a:schemeClr val="dk1"/>
+              </a:lnRef>
+              <a:fillRef idx="0">
+                <a:schemeClr val="dk1"/>
+              </a:fillRef>
+              <a:effectRef idx="0">
+                <a:schemeClr val="dk1"/>
+              </a:effectRef>
+              <a:fontRef idx="minor">
+                <a:schemeClr val="tx1"/>
+              </a:fontRef>
+            </p:style>
+          </p:cxnSp>
+          <p:cxnSp>
+            <p:nvCxnSpPr>
+              <p:cNvPr id="46" name="直接箭头连接符 45"/>
+              <p:cNvCxnSpPr/>
+              <p:nvPr/>
+            </p:nvCxnSpPr>
+            <p:spPr>
+              <a:xfrm>
+                <a:off x="4538825" y="1781695"/>
+                <a:ext cx="1620906" cy="1"/>
+              </a:xfrm>
+              <a:prstGeom prst="straightConnector1">
+                <a:avLst/>
+              </a:prstGeom>
+              <a:ln>
+                <a:tailEnd type="triangle"/>
+              </a:ln>
+            </p:spPr>
+            <p:style>
+              <a:lnRef idx="1">
+                <a:schemeClr val="dk1"/>
+              </a:lnRef>
+              <a:fillRef idx="0">
+                <a:schemeClr val="dk1"/>
+              </a:fillRef>
+              <a:effectRef idx="0">
+                <a:schemeClr val="dk1"/>
+              </a:effectRef>
+              <a:fontRef idx="minor">
+                <a:schemeClr val="tx1"/>
+              </a:fontRef>
+            </p:style>
+          </p:cxnSp>
+        </p:grpSp>
+        <p:cxnSp>
+          <p:nvCxnSpPr>
+            <p:cNvPr id="48" name="直接连接符 47"/>
+            <p:cNvCxnSpPr/>
+            <p:nvPr/>
+          </p:nvCxnSpPr>
+          <p:spPr>
+            <a:xfrm rot="10800000" flipV="1">
+              <a:off x="8804081" y="3109649"/>
+              <a:ext cx="0" cy="713048"/>
             </a:xfrm>
             <a:prstGeom prst="line">
               <a:avLst/>
@@ -7063,16 +7221,16 @@
         </p:cxnSp>
         <p:cxnSp>
           <p:nvCxnSpPr>
-            <p:cNvPr id="28" name="直接箭头连接符 27"/>
+            <p:cNvPr id="49" name="直接箭头连接符 48"/>
             <p:cNvCxnSpPr>
-              <a:endCxn id="10" idx="1"/>
+              <a:endCxn id="25" idx="3"/>
             </p:cNvCxnSpPr>
             <p:nvPr/>
           </p:nvCxnSpPr>
           <p:spPr>
-            <a:xfrm>
-              <a:off x="4538825" y="1781695"/>
-              <a:ext cx="1620906" cy="1"/>
+            <a:xfrm flipH="1" flipV="1">
+              <a:off x="7478183" y="3822696"/>
+              <a:ext cx="1325898" cy="2"/>
             </a:xfrm>
             <a:prstGeom prst="straightConnector1">
               <a:avLst/>
@@ -7096,35 +7254,25 @@
             </a:fontRef>
           </p:style>
         </p:cxnSp>
-      </p:grpSp>
-      <p:grpSp>
-        <p:nvGrpSpPr>
-          <p:cNvPr id="44" name="组合 43"/>
-          <p:cNvGrpSpPr/>
-          <p:nvPr/>
-        </p:nvGrpSpPr>
-        <p:grpSpPr>
-          <a:xfrm rot="5400000">
-            <a:off x="7640859" y="1296071"/>
-            <a:ext cx="649675" cy="1631684"/>
-            <a:chOff x="4538825" y="1781695"/>
-            <a:chExt cx="1620906" cy="616611"/>
-          </a:xfrm>
-        </p:grpSpPr>
         <p:cxnSp>
           <p:nvCxnSpPr>
-            <p:cNvPr id="45" name="直接连接符 44"/>
-            <p:cNvCxnSpPr/>
+            <p:cNvPr id="51" name="直接连接符 50"/>
+            <p:cNvCxnSpPr>
+              <a:stCxn id="25" idx="1"/>
+            </p:cNvCxnSpPr>
             <p:nvPr/>
           </p:nvCxnSpPr>
           <p:spPr>
-            <a:xfrm flipV="1">
-              <a:off x="4538825" y="1781695"/>
-              <a:ext cx="0" cy="616611"/>
+            <a:xfrm flipH="1">
+              <a:off x="4538827" y="3822696"/>
+              <a:ext cx="1350834" cy="3"/>
             </a:xfrm>
             <a:prstGeom prst="line">
               <a:avLst/>
             </a:prstGeom>
+            <a:ln>
+              <a:prstDash val="solid"/>
+            </a:ln>
           </p:spPr>
           <p:style>
             <a:lnRef idx="1">
@@ -7143,14 +7291,113 @@
         </p:cxnSp>
         <p:cxnSp>
           <p:nvCxnSpPr>
-            <p:cNvPr id="46" name="直接箭头连接符 45"/>
+            <p:cNvPr id="52" name="直接箭头连接符 51"/>
             <p:cNvCxnSpPr/>
             <p:nvPr/>
           </p:nvCxnSpPr>
           <p:spPr>
+            <a:xfrm rot="16200000">
+              <a:off x="4130387" y="3414257"/>
+              <a:ext cx="816880" cy="3"/>
+            </a:xfrm>
+            <a:prstGeom prst="straightConnector1">
+              <a:avLst/>
+            </a:prstGeom>
+            <a:ln>
+              <a:prstDash val="solid"/>
+              <a:tailEnd type="triangle"/>
+            </a:ln>
+          </p:spPr>
+          <p:style>
+            <a:lnRef idx="1">
+              <a:schemeClr val="dk1"/>
+            </a:lnRef>
+            <a:fillRef idx="0">
+              <a:schemeClr val="dk1"/>
+            </a:fillRef>
+            <a:effectRef idx="0">
+              <a:schemeClr val="dk1"/>
+            </a:effectRef>
+            <a:fontRef idx="minor">
+              <a:schemeClr val="tx1"/>
+            </a:fontRef>
+          </p:style>
+        </p:cxnSp>
+        <p:sp>
+          <p:nvSpPr>
+            <p:cNvPr id="25" name="流程图: 决策 24"/>
+            <p:cNvSpPr/>
+            <p:nvPr/>
+          </p:nvSpPr>
+          <p:spPr>
             <a:xfrm>
-              <a:off x="4538825" y="1781695"/>
-              <a:ext cx="1620906" cy="1"/>
+              <a:off x="5889661" y="3477455"/>
+              <a:ext cx="1588522" cy="690482"/>
+            </a:xfrm>
+            <a:prstGeom prst="flowChartDecision">
+              <a:avLst/>
+            </a:prstGeom>
+            <a:noFill/>
+            <a:ln>
+              <a:solidFill>
+                <a:schemeClr val="tx1"/>
+              </a:solidFill>
+            </a:ln>
+          </p:spPr>
+          <p:style>
+            <a:lnRef idx="2">
+              <a:schemeClr val="accent1">
+                <a:shade val="50000"/>
+              </a:schemeClr>
+            </a:lnRef>
+            <a:fillRef idx="1">
+              <a:schemeClr val="accent1"/>
+            </a:fillRef>
+            <a:effectRef idx="0">
+              <a:schemeClr val="accent1"/>
+            </a:effectRef>
+            <a:fontRef idx="minor">
+              <a:schemeClr val="lt1"/>
+            </a:fontRef>
+          </p:style>
+          <p:txBody>
+            <a:bodyPr rtlCol="0" anchor="ctr"/>
+            <a:lstStyle/>
+            <a:p>
+              <a:pPr algn="ctr"/>
+              <a:r>
+                <a:rPr lang="zh-CN" altLang="en-US" sz="1600" dirty="0" smtClean="0">
+                  <a:solidFill>
+                    <a:schemeClr val="tx1"/>
+                  </a:solidFill>
+                  <a:latin typeface="宋体" panose="02010600030101010101" pitchFamily="2" charset="-122"/>
+                  <a:ea typeface="宋体" panose="02010600030101010101" pitchFamily="2" charset="-122"/>
+                </a:rPr>
+                <a:t>是否继续重构</a:t>
+              </a:r>
+              <a:endParaRPr lang="zh-CN" altLang="en-US" sz="1600" dirty="0">
+                <a:solidFill>
+                  <a:schemeClr val="tx1"/>
+                </a:solidFill>
+                <a:latin typeface="宋体" panose="02010600030101010101" pitchFamily="2" charset="-122"/>
+                <a:ea typeface="宋体" panose="02010600030101010101" pitchFamily="2" charset="-122"/>
+              </a:endParaRPr>
+            </a:p>
+          </p:txBody>
+        </p:sp>
+        <p:cxnSp>
+          <p:nvCxnSpPr>
+            <p:cNvPr id="6" name="直接箭头连接符 5"/>
+            <p:cNvCxnSpPr>
+              <a:stCxn id="25" idx="2"/>
+              <a:endCxn id="13" idx="0"/>
+            </p:cNvCxnSpPr>
+            <p:nvPr/>
+          </p:nvCxnSpPr>
+          <p:spPr>
+            <a:xfrm>
+              <a:off x="6683922" y="4167937"/>
+              <a:ext cx="0" cy="309813"/>
             </a:xfrm>
             <a:prstGeom prst="straightConnector1">
               <a:avLst/>
@@ -7174,276 +7421,44 @@
             </a:fontRef>
           </p:style>
         </p:cxnSp>
-      </p:grpSp>
-      <p:cxnSp>
-        <p:nvCxnSpPr>
-          <p:cNvPr id="48" name="直接连接符 47"/>
-          <p:cNvCxnSpPr/>
-          <p:nvPr/>
-        </p:nvCxnSpPr>
-        <p:spPr>
-          <a:xfrm rot="10800000" flipV="1">
-            <a:off x="8804081" y="3109649"/>
-            <a:ext cx="0" cy="713048"/>
-          </a:xfrm>
-          <a:prstGeom prst="line">
-            <a:avLst/>
-          </a:prstGeom>
-        </p:spPr>
-        <p:style>
-          <a:lnRef idx="1">
-            <a:schemeClr val="dk1"/>
-          </a:lnRef>
-          <a:fillRef idx="0">
-            <a:schemeClr val="dk1"/>
-          </a:fillRef>
-          <a:effectRef idx="0">
-            <a:schemeClr val="dk1"/>
-          </a:effectRef>
-          <a:fontRef idx="minor">
-            <a:schemeClr val="tx1"/>
-          </a:fontRef>
-        </p:style>
-      </p:cxnSp>
-      <p:cxnSp>
-        <p:nvCxnSpPr>
-          <p:cNvPr id="49" name="直接箭头连接符 48"/>
-          <p:cNvCxnSpPr>
-            <a:endCxn id="25" idx="3"/>
-          </p:cNvCxnSpPr>
-          <p:nvPr/>
-        </p:nvCxnSpPr>
-        <p:spPr>
-          <a:xfrm flipH="1" flipV="1">
-            <a:off x="7478183" y="3822696"/>
-            <a:ext cx="1325898" cy="2"/>
-          </a:xfrm>
-          <a:prstGeom prst="straightConnector1">
-            <a:avLst/>
-          </a:prstGeom>
-          <a:ln>
-            <a:tailEnd type="triangle"/>
-          </a:ln>
-        </p:spPr>
-        <p:style>
-          <a:lnRef idx="1">
-            <a:schemeClr val="dk1"/>
-          </a:lnRef>
-          <a:fillRef idx="0">
-            <a:schemeClr val="dk1"/>
-          </a:fillRef>
-          <a:effectRef idx="0">
-            <a:schemeClr val="dk1"/>
-          </a:effectRef>
-          <a:fontRef idx="minor">
-            <a:schemeClr val="tx1"/>
-          </a:fontRef>
-        </p:style>
-      </p:cxnSp>
-      <p:cxnSp>
-        <p:nvCxnSpPr>
-          <p:cNvPr id="51" name="直接连接符 50"/>
-          <p:cNvCxnSpPr>
-            <a:stCxn id="25" idx="1"/>
-          </p:cNvCxnSpPr>
-          <p:nvPr/>
-        </p:nvCxnSpPr>
-        <p:spPr>
-          <a:xfrm flipH="1">
-            <a:off x="4538827" y="3822696"/>
-            <a:ext cx="1350834" cy="3"/>
-          </a:xfrm>
-          <a:prstGeom prst="line">
-            <a:avLst/>
-          </a:prstGeom>
-          <a:ln>
-            <a:prstDash val="solid"/>
-          </a:ln>
-        </p:spPr>
-        <p:style>
-          <a:lnRef idx="1">
-            <a:schemeClr val="dk1"/>
-          </a:lnRef>
-          <a:fillRef idx="0">
-            <a:schemeClr val="dk1"/>
-          </a:fillRef>
-          <a:effectRef idx="0">
-            <a:schemeClr val="dk1"/>
-          </a:effectRef>
-          <a:fontRef idx="minor">
-            <a:schemeClr val="tx1"/>
-          </a:fontRef>
-        </p:style>
-      </p:cxnSp>
-      <p:cxnSp>
-        <p:nvCxnSpPr>
-          <p:cNvPr id="52" name="直接箭头连接符 51"/>
-          <p:cNvCxnSpPr/>
-          <p:nvPr/>
-        </p:nvCxnSpPr>
-        <p:spPr>
-          <a:xfrm rot="16200000">
-            <a:off x="4130387" y="3414257"/>
-            <a:ext cx="816880" cy="3"/>
-          </a:xfrm>
-          <a:prstGeom prst="straightConnector1">
-            <a:avLst/>
-          </a:prstGeom>
-          <a:ln>
-            <a:prstDash val="solid"/>
-            <a:tailEnd type="triangle"/>
-          </a:ln>
-        </p:spPr>
-        <p:style>
-          <a:lnRef idx="1">
-            <a:schemeClr val="dk1"/>
-          </a:lnRef>
-          <a:fillRef idx="0">
-            <a:schemeClr val="dk1"/>
-          </a:fillRef>
-          <a:effectRef idx="0">
-            <a:schemeClr val="dk1"/>
-          </a:effectRef>
-          <a:fontRef idx="minor">
-            <a:schemeClr val="tx1"/>
-          </a:fontRef>
-        </p:style>
-      </p:cxnSp>
-      <p:sp>
-        <p:nvSpPr>
-          <p:cNvPr id="25" name="流程图: 决策 24"/>
-          <p:cNvSpPr/>
-          <p:nvPr/>
-        </p:nvSpPr>
-        <p:spPr>
-          <a:xfrm>
-            <a:off x="5889661" y="3477455"/>
-            <a:ext cx="1588522" cy="690482"/>
-          </a:xfrm>
-          <a:prstGeom prst="flowChartDecision">
-            <a:avLst/>
-          </a:prstGeom>
-          <a:noFill/>
-          <a:ln>
-            <a:solidFill>
-              <a:schemeClr val="tx1"/>
-            </a:solidFill>
-          </a:ln>
-        </p:spPr>
-        <p:style>
-          <a:lnRef idx="2">
-            <a:schemeClr val="accent1">
-              <a:shade val="50000"/>
-            </a:schemeClr>
-          </a:lnRef>
-          <a:fillRef idx="1">
-            <a:schemeClr val="accent1"/>
-          </a:fillRef>
-          <a:effectRef idx="0">
-            <a:schemeClr val="accent1"/>
-          </a:effectRef>
-          <a:fontRef idx="minor">
-            <a:schemeClr val="lt1"/>
-          </a:fontRef>
-        </p:style>
-        <p:txBody>
-          <a:bodyPr rtlCol="0" anchor="ctr"/>
-          <a:lstStyle/>
-          <a:p>
-            <a:pPr algn="ctr"/>
-            <a:r>
-              <a:rPr lang="zh-CN" altLang="en-US" sz="1600" dirty="0" smtClean="0">
-                <a:solidFill>
-                  <a:schemeClr val="tx1"/>
-                </a:solidFill>
+        <p:sp>
+          <p:nvSpPr>
+            <p:cNvPr id="31" name="文本框 30"/>
+            <p:cNvSpPr txBox="1"/>
+            <p:nvPr/>
+          </p:nvSpPr>
+          <p:spPr>
+            <a:xfrm>
+              <a:off x="6072069" y="4153566"/>
+              <a:ext cx="1484756" cy="338554"/>
+            </a:xfrm>
+            <a:prstGeom prst="rect">
+              <a:avLst/>
+            </a:prstGeom>
+            <a:noFill/>
+          </p:spPr>
+          <p:txBody>
+            <a:bodyPr wrap="square" rtlCol="0">
+              <a:spAutoFit/>
+            </a:bodyPr>
+            <a:lstStyle/>
+            <a:p>
+              <a:pPr algn="ctr"/>
+              <a:r>
+                <a:rPr lang="zh-CN" altLang="en-US" sz="1600" dirty="0" smtClean="0">
+                  <a:latin typeface="宋体" panose="02010600030101010101" pitchFamily="2" charset="-122"/>
+                  <a:ea typeface="宋体" panose="02010600030101010101" pitchFamily="2" charset="-122"/>
+                </a:rPr>
+                <a:t>否</a:t>
+              </a:r>
+              <a:endParaRPr lang="zh-CN" altLang="en-US" sz="1600" dirty="0">
                 <a:latin typeface="宋体" panose="02010600030101010101" pitchFamily="2" charset="-122"/>
                 <a:ea typeface="宋体" panose="02010600030101010101" pitchFamily="2" charset="-122"/>
-              </a:rPr>
-              <a:t>是否继续重构</a:t>
-            </a:r>
-            <a:endParaRPr lang="zh-CN" altLang="en-US" sz="1600" dirty="0">
-              <a:solidFill>
-                <a:schemeClr val="tx1"/>
-              </a:solidFill>
-              <a:latin typeface="宋体" panose="02010600030101010101" pitchFamily="2" charset="-122"/>
-              <a:ea typeface="宋体" panose="02010600030101010101" pitchFamily="2" charset="-122"/>
-            </a:endParaRPr>
-          </a:p>
-        </p:txBody>
-      </p:sp>
-      <p:cxnSp>
-        <p:nvCxnSpPr>
-          <p:cNvPr id="6" name="直接箭头连接符 5"/>
-          <p:cNvCxnSpPr>
-            <a:stCxn id="25" idx="2"/>
-            <a:endCxn id="13" idx="0"/>
-          </p:cNvCxnSpPr>
-          <p:nvPr/>
-        </p:nvCxnSpPr>
-        <p:spPr>
-          <a:xfrm>
-            <a:off x="6683922" y="4167937"/>
-            <a:ext cx="0" cy="309813"/>
-          </a:xfrm>
-          <a:prstGeom prst="straightConnector1">
-            <a:avLst/>
-          </a:prstGeom>
-          <a:ln>
-            <a:tailEnd type="triangle"/>
-          </a:ln>
-        </p:spPr>
-        <p:style>
-          <a:lnRef idx="1">
-            <a:schemeClr val="dk1"/>
-          </a:lnRef>
-          <a:fillRef idx="0">
-            <a:schemeClr val="dk1"/>
-          </a:fillRef>
-          <a:effectRef idx="0">
-            <a:schemeClr val="dk1"/>
-          </a:effectRef>
-          <a:fontRef idx="minor">
-            <a:schemeClr val="tx1"/>
-          </a:fontRef>
-        </p:style>
-      </p:cxnSp>
-      <p:sp>
-        <p:nvSpPr>
-          <p:cNvPr id="31" name="文本框 30"/>
-          <p:cNvSpPr txBox="1"/>
-          <p:nvPr/>
-        </p:nvSpPr>
-        <p:spPr>
-          <a:xfrm>
-            <a:off x="6072069" y="4153566"/>
-            <a:ext cx="1484756" cy="338554"/>
-          </a:xfrm>
-          <a:prstGeom prst="rect">
-            <a:avLst/>
-          </a:prstGeom>
-          <a:noFill/>
-        </p:spPr>
-        <p:txBody>
-          <a:bodyPr wrap="square" rtlCol="0">
-            <a:spAutoFit/>
-          </a:bodyPr>
-          <a:lstStyle/>
-          <a:p>
-            <a:pPr algn="ctr"/>
-            <a:r>
-              <a:rPr lang="zh-CN" altLang="en-US" sz="1600" dirty="0" smtClean="0">
-                <a:latin typeface="宋体" panose="02010600030101010101" pitchFamily="2" charset="-122"/>
-                <a:ea typeface="宋体" panose="02010600030101010101" pitchFamily="2" charset="-122"/>
-              </a:rPr>
-              <a:t>否</a:t>
-            </a:r>
-            <a:endParaRPr lang="zh-CN" altLang="en-US" sz="1600" dirty="0">
-              <a:latin typeface="宋体" panose="02010600030101010101" pitchFamily="2" charset="-122"/>
-              <a:ea typeface="宋体" panose="02010600030101010101" pitchFamily="2" charset="-122"/>
-            </a:endParaRPr>
-          </a:p>
-        </p:txBody>
-      </p:sp>
+              </a:endParaRPr>
+            </a:p>
+          </p:txBody>
+        </p:sp>
+      </p:grpSp>
     </p:spTree>
     <p:extLst>
       <p:ext uri="{BB962C8B-B14F-4D97-AF65-F5344CB8AC3E}">
@@ -24072,8 +24087,19 @@
                 <a:latin typeface="Times New Roman" panose="02020603050405020304" pitchFamily="18" charset="0"/>
                 <a:cs typeface="Times New Roman" panose="02020603050405020304" pitchFamily="18" charset="0"/>
               </a:rPr>
-              <a:t>(6.94\%)</a:t>
+              <a:t>(</a:t>
             </a:r>
+            <a:r>
+              <a:rPr lang="nl-NL" altLang="zh-CN" dirty="0" smtClean="0">
+                <a:latin typeface="Times New Roman" panose="02020603050405020304" pitchFamily="18" charset="0"/>
+                <a:cs typeface="Times New Roman" panose="02020603050405020304" pitchFamily="18" charset="0"/>
+              </a:rPr>
+              <a:t>6.94%)</a:t>
+            </a:r>
+            <a:endParaRPr lang="nl-NL" altLang="zh-CN" dirty="0" smtClean="0">
+              <a:latin typeface="Times New Roman" panose="02020603050405020304" pitchFamily="18" charset="0"/>
+              <a:cs typeface="Times New Roman" panose="02020603050405020304" pitchFamily="18" charset="0"/>
+            </a:endParaRPr>
           </a:p>
           <a:p>
             <a:r>
@@ -24081,8 +24107,19 @@
                 <a:latin typeface="Times New Roman" panose="02020603050405020304" pitchFamily="18" charset="0"/>
                 <a:cs typeface="Times New Roman" panose="02020603050405020304" pitchFamily="18" charset="0"/>
               </a:rPr>
-              <a:t>(0.87\%)</a:t>
+              <a:t>(</a:t>
             </a:r>
+            <a:r>
+              <a:rPr lang="nl-NL" altLang="zh-CN" dirty="0" smtClean="0">
+                <a:latin typeface="Times New Roman" panose="02020603050405020304" pitchFamily="18" charset="0"/>
+                <a:cs typeface="Times New Roman" panose="02020603050405020304" pitchFamily="18" charset="0"/>
+              </a:rPr>
+              <a:t>0.87%)</a:t>
+            </a:r>
+            <a:endParaRPr lang="nl-NL" altLang="zh-CN" dirty="0" smtClean="0">
+              <a:latin typeface="Times New Roman" panose="02020603050405020304" pitchFamily="18" charset="0"/>
+              <a:cs typeface="Times New Roman" panose="02020603050405020304" pitchFamily="18" charset="0"/>
+            </a:endParaRPr>
           </a:p>
         </p:txBody>
       </p:sp>
@@ -24116,1783 +24153,1798 @@
           <a:chExt cx="0" cy="0"/>
         </a:xfrm>
       </p:grpSpPr>
-      <p:sp>
-        <p:nvSpPr>
-          <p:cNvPr id="116" name="矩形 115"/>
-          <p:cNvSpPr/>
+      <p:grpSp>
+        <p:nvGrpSpPr>
+          <p:cNvPr id="4" name="组合 3"/>
+          <p:cNvGrpSpPr/>
           <p:nvPr/>
-        </p:nvSpPr>
-        <p:spPr>
+        </p:nvGrpSpPr>
+        <p:grpSpPr>
           <a:xfrm>
-            <a:off x="4735646" y="1504950"/>
-            <a:ext cx="733426" cy="361950"/>
+            <a:off x="3605878" y="474968"/>
+            <a:ext cx="5385722" cy="3994266"/>
+            <a:chOff x="3605878" y="474968"/>
+            <a:chExt cx="5385722" cy="3994266"/>
           </a:xfrm>
-          <a:prstGeom prst="rect">
-            <a:avLst/>
-          </a:prstGeom>
-          <a:noFill/>
-          <a:ln w="15240">
-            <a:solidFill>
-              <a:schemeClr val="tx1"/>
-            </a:solidFill>
-          </a:ln>
-        </p:spPr>
-        <p:style>
-          <a:lnRef idx="2">
-            <a:schemeClr val="accent1">
-              <a:shade val="50000"/>
-            </a:schemeClr>
-          </a:lnRef>
-          <a:fillRef idx="1">
-            <a:schemeClr val="accent1"/>
-          </a:fillRef>
-          <a:effectRef idx="0">
-            <a:schemeClr val="accent1"/>
-          </a:effectRef>
-          <a:fontRef idx="minor">
-            <a:schemeClr val="lt1"/>
-          </a:fontRef>
-        </p:style>
-        <p:txBody>
-          <a:bodyPr rtlCol="0" anchor="ctr"/>
-          <a:lstStyle/>
-          <a:p>
-            <a:pPr algn="ctr"/>
-            <a:r>
-              <a:rPr lang="en-US" altLang="zh-CN" sz="1600" dirty="0" smtClean="0">
+        </p:grpSpPr>
+        <p:sp>
+          <p:nvSpPr>
+            <p:cNvPr id="116" name="矩形 115"/>
+            <p:cNvSpPr/>
+            <p:nvPr/>
+          </p:nvSpPr>
+          <p:spPr>
+            <a:xfrm>
+              <a:off x="4735646" y="1504950"/>
+              <a:ext cx="733426" cy="361950"/>
+            </a:xfrm>
+            <a:prstGeom prst="rect">
+              <a:avLst/>
+            </a:prstGeom>
+            <a:noFill/>
+            <a:ln w="15240">
+              <a:solidFill>
+                <a:schemeClr val="tx1"/>
+              </a:solidFill>
+            </a:ln>
+          </p:spPr>
+          <p:style>
+            <a:lnRef idx="2">
+              <a:schemeClr val="accent1">
+                <a:shade val="50000"/>
+              </a:schemeClr>
+            </a:lnRef>
+            <a:fillRef idx="1">
+              <a:schemeClr val="accent1"/>
+            </a:fillRef>
+            <a:effectRef idx="0">
+              <a:schemeClr val="accent1"/>
+            </a:effectRef>
+            <a:fontRef idx="minor">
+              <a:schemeClr val="lt1"/>
+            </a:fontRef>
+          </p:style>
+          <p:txBody>
+            <a:bodyPr rtlCol="0" anchor="ctr"/>
+            <a:lstStyle/>
+            <a:p>
+              <a:pPr algn="ctr"/>
+              <a:r>
+                <a:rPr lang="en-US" altLang="zh-CN" sz="1600" dirty="0" smtClean="0">
+                  <a:solidFill>
+                    <a:schemeClr val="tx1"/>
+                  </a:solidFill>
+                  <a:latin typeface="Times New Roman" panose="02020603050405020304" pitchFamily="18" charset="0"/>
+                  <a:cs typeface="Times New Roman" panose="02020603050405020304" pitchFamily="18" charset="0"/>
+                </a:rPr>
+                <a:t>S</a:t>
+              </a:r>
+              <a:r>
+                <a:rPr lang="en-US" altLang="zh-CN" sz="1100" dirty="0" smtClean="0">
+                  <a:solidFill>
+                    <a:schemeClr val="tx1"/>
+                  </a:solidFill>
+                  <a:latin typeface="Times New Roman" panose="02020603050405020304" pitchFamily="18" charset="0"/>
+                  <a:cs typeface="Times New Roman" panose="02020603050405020304" pitchFamily="18" charset="0"/>
+                </a:rPr>
+                <a:t>2</a:t>
+              </a:r>
+              <a:endParaRPr lang="zh-CN" altLang="en-US" sz="1600" dirty="0">
                 <a:solidFill>
                   <a:schemeClr val="tx1"/>
                 </a:solidFill>
                 <a:latin typeface="Times New Roman" panose="02020603050405020304" pitchFamily="18" charset="0"/>
                 <a:cs typeface="Times New Roman" panose="02020603050405020304" pitchFamily="18" charset="0"/>
-              </a:rPr>
-              <a:t>S</a:t>
-            </a:r>
-            <a:r>
-              <a:rPr lang="en-US" altLang="zh-CN" sz="1100" dirty="0" smtClean="0">
+              </a:endParaRPr>
+            </a:p>
+          </p:txBody>
+        </p:sp>
+        <p:sp>
+          <p:nvSpPr>
+            <p:cNvPr id="117" name="矩形 116"/>
+            <p:cNvSpPr/>
+            <p:nvPr/>
+          </p:nvSpPr>
+          <p:spPr>
+            <a:xfrm>
+              <a:off x="5781674" y="1504950"/>
+              <a:ext cx="733426" cy="361950"/>
+            </a:xfrm>
+            <a:prstGeom prst="rect">
+              <a:avLst/>
+            </a:prstGeom>
+            <a:noFill/>
+            <a:ln w="15240">
+              <a:solidFill>
+                <a:schemeClr val="tx1"/>
+              </a:solidFill>
+            </a:ln>
+          </p:spPr>
+          <p:style>
+            <a:lnRef idx="2">
+              <a:schemeClr val="accent1">
+                <a:shade val="50000"/>
+              </a:schemeClr>
+            </a:lnRef>
+            <a:fillRef idx="1">
+              <a:schemeClr val="accent1"/>
+            </a:fillRef>
+            <a:effectRef idx="0">
+              <a:schemeClr val="accent1"/>
+            </a:effectRef>
+            <a:fontRef idx="minor">
+              <a:schemeClr val="lt1"/>
+            </a:fontRef>
+          </p:style>
+          <p:txBody>
+            <a:bodyPr rtlCol="0" anchor="ctr"/>
+            <a:lstStyle/>
+            <a:p>
+              <a:pPr algn="ctr"/>
+              <a:r>
+                <a:rPr lang="en-US" altLang="zh-CN" sz="1600" dirty="0" smtClean="0">
+                  <a:solidFill>
+                    <a:schemeClr val="tx1"/>
+                  </a:solidFill>
+                  <a:latin typeface="Times New Roman" panose="02020603050405020304" pitchFamily="18" charset="0"/>
+                  <a:cs typeface="Times New Roman" panose="02020603050405020304" pitchFamily="18" charset="0"/>
+                </a:rPr>
+                <a:t>S</a:t>
+              </a:r>
+              <a:r>
+                <a:rPr lang="en-US" altLang="zh-CN" sz="1100" dirty="0" smtClean="0">
+                  <a:solidFill>
+                    <a:schemeClr val="tx1"/>
+                  </a:solidFill>
+                  <a:latin typeface="Times New Roman" panose="02020603050405020304" pitchFamily="18" charset="0"/>
+                  <a:cs typeface="Times New Roman" panose="02020603050405020304" pitchFamily="18" charset="0"/>
+                </a:rPr>
+                <a:t>3</a:t>
+              </a:r>
+              <a:r>
+                <a:rPr lang="en-US" altLang="zh-CN" sz="1600" dirty="0">
+                  <a:solidFill>
+                    <a:schemeClr val="tx1"/>
+                  </a:solidFill>
+                  <a:latin typeface="Times New Roman" panose="02020603050405020304" pitchFamily="18" charset="0"/>
+                  <a:cs typeface="Times New Roman" panose="02020603050405020304" pitchFamily="18" charset="0"/>
+                </a:rPr>
+                <a:t>-</a:t>
+              </a:r>
+              <a:r>
+                <a:rPr lang="en-US" altLang="zh-CN" sz="1100" dirty="0" smtClean="0">
+                  <a:solidFill>
+                    <a:schemeClr val="tx1"/>
+                  </a:solidFill>
+                  <a:latin typeface="Times New Roman" panose="02020603050405020304" pitchFamily="18" charset="0"/>
+                  <a:cs typeface="Times New Roman" panose="02020603050405020304" pitchFamily="18" charset="0"/>
+                </a:rPr>
+                <a:t>15</a:t>
+              </a:r>
+              <a:endParaRPr lang="zh-CN" altLang="en-US" sz="1600" dirty="0">
                 <a:solidFill>
                   <a:schemeClr val="tx1"/>
                 </a:solidFill>
                 <a:latin typeface="Times New Roman" panose="02020603050405020304" pitchFamily="18" charset="0"/>
                 <a:cs typeface="Times New Roman" panose="02020603050405020304" pitchFamily="18" charset="0"/>
-              </a:rPr>
-              <a:t>2</a:t>
-            </a:r>
-            <a:endParaRPr lang="zh-CN" altLang="en-US" sz="1600" dirty="0">
+              </a:endParaRPr>
+            </a:p>
+          </p:txBody>
+        </p:sp>
+        <p:sp>
+          <p:nvSpPr>
+            <p:cNvPr id="119" name="矩形 118"/>
+            <p:cNvSpPr/>
+            <p:nvPr/>
+          </p:nvSpPr>
+          <p:spPr>
+            <a:xfrm>
+              <a:off x="6881813" y="1504950"/>
+              <a:ext cx="733426" cy="361950"/>
+            </a:xfrm>
+            <a:prstGeom prst="rect">
+              <a:avLst/>
+            </a:prstGeom>
+            <a:noFill/>
+            <a:ln w="15240">
               <a:solidFill>
                 <a:schemeClr val="tx1"/>
               </a:solidFill>
-              <a:latin typeface="Times New Roman" panose="02020603050405020304" pitchFamily="18" charset="0"/>
-              <a:cs typeface="Times New Roman" panose="02020603050405020304" pitchFamily="18" charset="0"/>
-            </a:endParaRPr>
-          </a:p>
-        </p:txBody>
-      </p:sp>
-      <p:sp>
-        <p:nvSpPr>
-          <p:cNvPr id="117" name="矩形 116"/>
-          <p:cNvSpPr/>
-          <p:nvPr/>
-        </p:nvSpPr>
-        <p:spPr>
-          <a:xfrm>
-            <a:off x="5781674" y="1504950"/>
-            <a:ext cx="733426" cy="361950"/>
-          </a:xfrm>
-          <a:prstGeom prst="rect">
-            <a:avLst/>
-          </a:prstGeom>
-          <a:noFill/>
-          <a:ln w="15240">
-            <a:solidFill>
-              <a:schemeClr val="tx1"/>
-            </a:solidFill>
-          </a:ln>
-        </p:spPr>
-        <p:style>
-          <a:lnRef idx="2">
-            <a:schemeClr val="accent1">
-              <a:shade val="50000"/>
-            </a:schemeClr>
-          </a:lnRef>
-          <a:fillRef idx="1">
-            <a:schemeClr val="accent1"/>
-          </a:fillRef>
-          <a:effectRef idx="0">
-            <a:schemeClr val="accent1"/>
-          </a:effectRef>
-          <a:fontRef idx="minor">
-            <a:schemeClr val="lt1"/>
-          </a:fontRef>
-        </p:style>
-        <p:txBody>
-          <a:bodyPr rtlCol="0" anchor="ctr"/>
-          <a:lstStyle/>
-          <a:p>
-            <a:pPr algn="ctr"/>
-            <a:r>
-              <a:rPr lang="en-US" altLang="zh-CN" sz="1600" dirty="0" smtClean="0">
+            </a:ln>
+          </p:spPr>
+          <p:style>
+            <a:lnRef idx="2">
+              <a:schemeClr val="accent1">
+                <a:shade val="50000"/>
+              </a:schemeClr>
+            </a:lnRef>
+            <a:fillRef idx="1">
+              <a:schemeClr val="accent1"/>
+            </a:fillRef>
+            <a:effectRef idx="0">
+              <a:schemeClr val="accent1"/>
+            </a:effectRef>
+            <a:fontRef idx="minor">
+              <a:schemeClr val="lt1"/>
+            </a:fontRef>
+          </p:style>
+          <p:txBody>
+            <a:bodyPr rtlCol="0" anchor="ctr"/>
+            <a:lstStyle/>
+            <a:p>
+              <a:pPr algn="ctr"/>
+              <a:r>
+                <a:rPr lang="en-US" altLang="zh-CN" sz="1600" dirty="0" smtClean="0">
+                  <a:solidFill>
+                    <a:schemeClr val="tx1"/>
+                  </a:solidFill>
+                  <a:latin typeface="Times New Roman" panose="02020603050405020304" pitchFamily="18" charset="0"/>
+                  <a:cs typeface="Times New Roman" panose="02020603050405020304" pitchFamily="18" charset="0"/>
+                </a:rPr>
+                <a:t>S</a:t>
+              </a:r>
+              <a:r>
+                <a:rPr lang="en-US" altLang="zh-CN" sz="1100" dirty="0" smtClean="0">
+                  <a:solidFill>
+                    <a:schemeClr val="tx1"/>
+                  </a:solidFill>
+                  <a:latin typeface="Times New Roman" panose="02020603050405020304" pitchFamily="18" charset="0"/>
+                  <a:cs typeface="Times New Roman" panose="02020603050405020304" pitchFamily="18" charset="0"/>
+                </a:rPr>
+                <a:t>16</a:t>
+              </a:r>
+              <a:endParaRPr lang="zh-CN" altLang="en-US" sz="1600" dirty="0">
                 <a:solidFill>
                   <a:schemeClr val="tx1"/>
                 </a:solidFill>
                 <a:latin typeface="Times New Roman" panose="02020603050405020304" pitchFamily="18" charset="0"/>
                 <a:cs typeface="Times New Roman" panose="02020603050405020304" pitchFamily="18" charset="0"/>
-              </a:rPr>
-              <a:t>S</a:t>
-            </a:r>
-            <a:r>
-              <a:rPr lang="en-US" altLang="zh-CN" sz="1100" dirty="0" smtClean="0">
+              </a:endParaRPr>
+            </a:p>
+          </p:txBody>
+        </p:sp>
+        <p:sp>
+          <p:nvSpPr>
+            <p:cNvPr id="125" name="矩形 124"/>
+            <p:cNvSpPr/>
+            <p:nvPr/>
+          </p:nvSpPr>
+          <p:spPr>
+            <a:xfrm>
+              <a:off x="4363351" y="3978697"/>
+              <a:ext cx="733426" cy="361950"/>
+            </a:xfrm>
+            <a:prstGeom prst="rect">
+              <a:avLst/>
+            </a:prstGeom>
+            <a:noFill/>
+            <a:ln w="15240">
+              <a:solidFill>
+                <a:schemeClr val="tx1"/>
+              </a:solidFill>
+            </a:ln>
+          </p:spPr>
+          <p:style>
+            <a:lnRef idx="2">
+              <a:schemeClr val="accent1">
+                <a:shade val="50000"/>
+              </a:schemeClr>
+            </a:lnRef>
+            <a:fillRef idx="1">
+              <a:schemeClr val="accent1"/>
+            </a:fillRef>
+            <a:effectRef idx="0">
+              <a:schemeClr val="accent1"/>
+            </a:effectRef>
+            <a:fontRef idx="minor">
+              <a:schemeClr val="lt1"/>
+            </a:fontRef>
+          </p:style>
+          <p:txBody>
+            <a:bodyPr rtlCol="0" anchor="ctr"/>
+            <a:lstStyle/>
+            <a:p>
+              <a:pPr algn="ctr"/>
+              <a:r>
+                <a:rPr lang="en-US" altLang="zh-CN" sz="1600" dirty="0" smtClean="0">
+                  <a:solidFill>
+                    <a:schemeClr val="tx1"/>
+                  </a:solidFill>
+                  <a:latin typeface="Times New Roman" panose="02020603050405020304" pitchFamily="18" charset="0"/>
+                  <a:cs typeface="Times New Roman" panose="02020603050405020304" pitchFamily="18" charset="0"/>
+                </a:rPr>
+                <a:t>S</a:t>
+              </a:r>
+              <a:r>
+                <a:rPr lang="en-US" altLang="zh-CN" sz="1100" dirty="0" smtClean="0">
+                  <a:solidFill>
+                    <a:schemeClr val="tx1"/>
+                  </a:solidFill>
+                  <a:latin typeface="Times New Roman" panose="02020603050405020304" pitchFamily="18" charset="0"/>
+                  <a:cs typeface="Times New Roman" panose="02020603050405020304" pitchFamily="18" charset="0"/>
+                </a:rPr>
+                <a:t>6</a:t>
+              </a:r>
+              <a:endParaRPr lang="zh-CN" altLang="en-US" sz="1600" dirty="0">
                 <a:solidFill>
                   <a:schemeClr val="tx1"/>
                 </a:solidFill>
                 <a:latin typeface="Times New Roman" panose="02020603050405020304" pitchFamily="18" charset="0"/>
                 <a:cs typeface="Times New Roman" panose="02020603050405020304" pitchFamily="18" charset="0"/>
-              </a:rPr>
-              <a:t>3</a:t>
-            </a:r>
-            <a:r>
-              <a:rPr lang="en-US" altLang="zh-CN" sz="1600" dirty="0">
+              </a:endParaRPr>
+            </a:p>
+          </p:txBody>
+        </p:sp>
+        <p:sp>
+          <p:nvSpPr>
+            <p:cNvPr id="126" name="矩形 125"/>
+            <p:cNvSpPr/>
+            <p:nvPr/>
+          </p:nvSpPr>
+          <p:spPr>
+            <a:xfrm>
+              <a:off x="5470108" y="3978697"/>
+              <a:ext cx="733426" cy="361950"/>
+            </a:xfrm>
+            <a:prstGeom prst="rect">
+              <a:avLst/>
+            </a:prstGeom>
+            <a:noFill/>
+            <a:ln w="15240">
+              <a:solidFill>
+                <a:schemeClr val="tx1"/>
+              </a:solidFill>
+            </a:ln>
+          </p:spPr>
+          <p:style>
+            <a:lnRef idx="2">
+              <a:schemeClr val="accent1">
+                <a:shade val="50000"/>
+              </a:schemeClr>
+            </a:lnRef>
+            <a:fillRef idx="1">
+              <a:schemeClr val="accent1"/>
+            </a:fillRef>
+            <a:effectRef idx="0">
+              <a:schemeClr val="accent1"/>
+            </a:effectRef>
+            <a:fontRef idx="minor">
+              <a:schemeClr val="lt1"/>
+            </a:fontRef>
+          </p:style>
+          <p:txBody>
+            <a:bodyPr rtlCol="0" anchor="ctr"/>
+            <a:lstStyle/>
+            <a:p>
+              <a:pPr algn="ctr"/>
+              <a:r>
+                <a:rPr lang="en-US" altLang="zh-CN" sz="1600" dirty="0" smtClean="0">
+                  <a:solidFill>
+                    <a:schemeClr val="tx1"/>
+                  </a:solidFill>
+                  <a:latin typeface="Times New Roman" panose="02020603050405020304" pitchFamily="18" charset="0"/>
+                  <a:cs typeface="Times New Roman" panose="02020603050405020304" pitchFamily="18" charset="0"/>
+                </a:rPr>
+                <a:t>S</a:t>
+              </a:r>
+              <a:r>
+                <a:rPr lang="en-US" altLang="zh-CN" sz="1100" dirty="0" smtClean="0">
+                  <a:solidFill>
+                    <a:schemeClr val="tx1"/>
+                  </a:solidFill>
+                  <a:latin typeface="Times New Roman" panose="02020603050405020304" pitchFamily="18" charset="0"/>
+                  <a:cs typeface="Times New Roman" panose="02020603050405020304" pitchFamily="18" charset="0"/>
+                </a:rPr>
+                <a:t>7</a:t>
+              </a:r>
+              <a:endParaRPr lang="zh-CN" altLang="en-US" sz="1600" dirty="0">
                 <a:solidFill>
                   <a:schemeClr val="tx1"/>
                 </a:solidFill>
                 <a:latin typeface="Times New Roman" panose="02020603050405020304" pitchFamily="18" charset="0"/>
                 <a:cs typeface="Times New Roman" panose="02020603050405020304" pitchFamily="18" charset="0"/>
-              </a:rPr>
-              <a:t>-</a:t>
-            </a:r>
-            <a:r>
-              <a:rPr lang="en-US" altLang="zh-CN" sz="1100" dirty="0" smtClean="0">
+              </a:endParaRPr>
+            </a:p>
+          </p:txBody>
+        </p:sp>
+        <p:sp>
+          <p:nvSpPr>
+            <p:cNvPr id="127" name="矩形 126"/>
+            <p:cNvSpPr/>
+            <p:nvPr/>
+          </p:nvSpPr>
+          <p:spPr>
+            <a:xfrm>
+              <a:off x="7197260" y="3969917"/>
+              <a:ext cx="733426" cy="361950"/>
+            </a:xfrm>
+            <a:prstGeom prst="rect">
+              <a:avLst/>
+            </a:prstGeom>
+            <a:noFill/>
+            <a:ln w="15240">
+              <a:solidFill>
+                <a:schemeClr val="tx1"/>
+              </a:solidFill>
+            </a:ln>
+          </p:spPr>
+          <p:style>
+            <a:lnRef idx="2">
+              <a:schemeClr val="accent1">
+                <a:shade val="50000"/>
+              </a:schemeClr>
+            </a:lnRef>
+            <a:fillRef idx="1">
+              <a:schemeClr val="accent1"/>
+            </a:fillRef>
+            <a:effectRef idx="0">
+              <a:schemeClr val="accent1"/>
+            </a:effectRef>
+            <a:fontRef idx="minor">
+              <a:schemeClr val="lt1"/>
+            </a:fontRef>
+          </p:style>
+          <p:txBody>
+            <a:bodyPr rtlCol="0" anchor="ctr"/>
+            <a:lstStyle/>
+            <a:p>
+              <a:pPr algn="ctr"/>
+              <a:r>
+                <a:rPr lang="en-US" altLang="zh-CN" sz="1600" dirty="0" smtClean="0">
+                  <a:solidFill>
+                    <a:schemeClr val="tx1"/>
+                  </a:solidFill>
+                  <a:latin typeface="Times New Roman" panose="02020603050405020304" pitchFamily="18" charset="0"/>
+                  <a:cs typeface="Times New Roman" panose="02020603050405020304" pitchFamily="18" charset="0"/>
+                </a:rPr>
+                <a:t>S</a:t>
+              </a:r>
+              <a:r>
+                <a:rPr lang="en-US" altLang="zh-CN" sz="1100" dirty="0" smtClean="0">
+                  <a:solidFill>
+                    <a:schemeClr val="tx1"/>
+                  </a:solidFill>
+                  <a:latin typeface="Times New Roman" panose="02020603050405020304" pitchFamily="18" charset="0"/>
+                  <a:cs typeface="Times New Roman" panose="02020603050405020304" pitchFamily="18" charset="0"/>
+                </a:rPr>
+                <a:t>12</a:t>
+              </a:r>
+              <a:endParaRPr lang="zh-CN" altLang="en-US" sz="1600" dirty="0">
                 <a:solidFill>
                   <a:schemeClr val="tx1"/>
                 </a:solidFill>
                 <a:latin typeface="Times New Roman" panose="02020603050405020304" pitchFamily="18" charset="0"/>
                 <a:cs typeface="Times New Roman" panose="02020603050405020304" pitchFamily="18" charset="0"/>
-              </a:rPr>
-              <a:t>15</a:t>
-            </a:r>
-            <a:endParaRPr lang="zh-CN" altLang="en-US" sz="1600" dirty="0">
+              </a:endParaRPr>
+            </a:p>
+          </p:txBody>
+        </p:sp>
+        <p:sp>
+          <p:nvSpPr>
+            <p:cNvPr id="128" name="矩形 127"/>
+            <p:cNvSpPr/>
+            <p:nvPr/>
+          </p:nvSpPr>
+          <p:spPr>
+            <a:xfrm>
+              <a:off x="8150479" y="3969917"/>
+              <a:ext cx="733426" cy="361950"/>
+            </a:xfrm>
+            <a:prstGeom prst="rect">
+              <a:avLst/>
+            </a:prstGeom>
+            <a:noFill/>
+            <a:ln w="15240">
               <a:solidFill>
                 <a:schemeClr val="tx1"/>
               </a:solidFill>
-              <a:latin typeface="Times New Roman" panose="02020603050405020304" pitchFamily="18" charset="0"/>
-              <a:cs typeface="Times New Roman" panose="02020603050405020304" pitchFamily="18" charset="0"/>
-            </a:endParaRPr>
-          </a:p>
-        </p:txBody>
-      </p:sp>
-      <p:sp>
-        <p:nvSpPr>
-          <p:cNvPr id="119" name="矩形 118"/>
-          <p:cNvSpPr/>
-          <p:nvPr/>
-        </p:nvSpPr>
-        <p:spPr>
-          <a:xfrm>
-            <a:off x="6881813" y="1504950"/>
-            <a:ext cx="733426" cy="361950"/>
-          </a:xfrm>
-          <a:prstGeom prst="rect">
-            <a:avLst/>
-          </a:prstGeom>
-          <a:noFill/>
-          <a:ln w="15240">
-            <a:solidFill>
-              <a:schemeClr val="tx1"/>
-            </a:solidFill>
-          </a:ln>
-        </p:spPr>
-        <p:style>
-          <a:lnRef idx="2">
-            <a:schemeClr val="accent1">
-              <a:shade val="50000"/>
-            </a:schemeClr>
-          </a:lnRef>
-          <a:fillRef idx="1">
-            <a:schemeClr val="accent1"/>
-          </a:fillRef>
-          <a:effectRef idx="0">
-            <a:schemeClr val="accent1"/>
-          </a:effectRef>
-          <a:fontRef idx="minor">
-            <a:schemeClr val="lt1"/>
-          </a:fontRef>
-        </p:style>
-        <p:txBody>
-          <a:bodyPr rtlCol="0" anchor="ctr"/>
-          <a:lstStyle/>
-          <a:p>
-            <a:pPr algn="ctr"/>
-            <a:r>
-              <a:rPr lang="en-US" altLang="zh-CN" sz="1600" dirty="0" smtClean="0">
+            </a:ln>
+          </p:spPr>
+          <p:style>
+            <a:lnRef idx="2">
+              <a:schemeClr val="accent1">
+                <a:shade val="50000"/>
+              </a:schemeClr>
+            </a:lnRef>
+            <a:fillRef idx="1">
+              <a:schemeClr val="accent1"/>
+            </a:fillRef>
+            <a:effectRef idx="0">
+              <a:schemeClr val="accent1"/>
+            </a:effectRef>
+            <a:fontRef idx="minor">
+              <a:schemeClr val="lt1"/>
+            </a:fontRef>
+          </p:style>
+          <p:txBody>
+            <a:bodyPr rtlCol="0" anchor="ctr"/>
+            <a:lstStyle/>
+            <a:p>
+              <a:pPr algn="ctr"/>
+              <a:r>
+                <a:rPr lang="en-US" altLang="zh-CN" sz="1600" dirty="0" smtClean="0">
+                  <a:solidFill>
+                    <a:schemeClr val="tx1"/>
+                  </a:solidFill>
+                  <a:latin typeface="Times New Roman" panose="02020603050405020304" pitchFamily="18" charset="0"/>
+                  <a:cs typeface="Times New Roman" panose="02020603050405020304" pitchFamily="18" charset="0"/>
+                </a:rPr>
+                <a:t>S</a:t>
+              </a:r>
+              <a:r>
+                <a:rPr lang="en-US" altLang="zh-CN" sz="1100" dirty="0" smtClean="0">
+                  <a:solidFill>
+                    <a:schemeClr val="tx1"/>
+                  </a:solidFill>
+                  <a:latin typeface="Times New Roman" panose="02020603050405020304" pitchFamily="18" charset="0"/>
+                  <a:cs typeface="Times New Roman" panose="02020603050405020304" pitchFamily="18" charset="0"/>
+                </a:rPr>
+                <a:t>13</a:t>
+              </a:r>
+              <a:endParaRPr lang="zh-CN" altLang="en-US" sz="1600" dirty="0">
                 <a:solidFill>
                   <a:schemeClr val="tx1"/>
                 </a:solidFill>
                 <a:latin typeface="Times New Roman" panose="02020603050405020304" pitchFamily="18" charset="0"/>
                 <a:cs typeface="Times New Roman" panose="02020603050405020304" pitchFamily="18" charset="0"/>
-              </a:rPr>
-              <a:t>S</a:t>
-            </a:r>
-            <a:r>
-              <a:rPr lang="en-US" altLang="zh-CN" sz="1100" dirty="0" smtClean="0">
+              </a:endParaRPr>
+            </a:p>
+          </p:txBody>
+        </p:sp>
+        <p:cxnSp>
+          <p:nvCxnSpPr>
+            <p:cNvPr id="132" name="直接箭头连接符 131"/>
+            <p:cNvCxnSpPr>
+              <a:stCxn id="117" idx="2"/>
+              <a:endCxn id="120" idx="0"/>
+            </p:cNvCxnSpPr>
+            <p:nvPr/>
+          </p:nvCxnSpPr>
+          <p:spPr>
+            <a:xfrm flipH="1">
+              <a:off x="4427998" y="1866900"/>
+              <a:ext cx="1720389" cy="915569"/>
+            </a:xfrm>
+            <a:prstGeom prst="straightConnector1">
+              <a:avLst/>
+            </a:prstGeom>
+            <a:ln>
+              <a:tailEnd type="triangle"/>
+            </a:ln>
+          </p:spPr>
+          <p:style>
+            <a:lnRef idx="1">
+              <a:schemeClr val="dk1"/>
+            </a:lnRef>
+            <a:fillRef idx="0">
+              <a:schemeClr val="dk1"/>
+            </a:fillRef>
+            <a:effectRef idx="0">
+              <a:schemeClr val="dk1"/>
+            </a:effectRef>
+            <a:fontRef idx="minor">
+              <a:schemeClr val="tx1"/>
+            </a:fontRef>
+          </p:style>
+        </p:cxnSp>
+        <p:sp>
+          <p:nvSpPr>
+            <p:cNvPr id="133" name="文本框 132"/>
+            <p:cNvSpPr txBox="1"/>
+            <p:nvPr/>
+          </p:nvSpPr>
+          <p:spPr>
+            <a:xfrm>
+              <a:off x="3605878" y="1528346"/>
+              <a:ext cx="391454" cy="338554"/>
+            </a:xfrm>
+            <a:prstGeom prst="rect">
+              <a:avLst/>
+            </a:prstGeom>
+            <a:noFill/>
+          </p:spPr>
+          <p:txBody>
+            <a:bodyPr wrap="none" rtlCol="0">
+              <a:spAutoFit/>
+            </a:bodyPr>
+            <a:lstStyle/>
+            <a:p>
+              <a:r>
+                <a:rPr lang="en-US" altLang="zh-CN" sz="1600" b="1" dirty="0" smtClean="0">
+                  <a:latin typeface="Times New Roman" panose="02020603050405020304" pitchFamily="18" charset="0"/>
+                  <a:cs typeface="Times New Roman" panose="02020603050405020304" pitchFamily="18" charset="0"/>
+                </a:rPr>
+                <a:t>L</a:t>
+              </a:r>
+              <a:r>
+                <a:rPr lang="en-US" altLang="zh-CN" sz="1100" b="1" dirty="0" smtClean="0">
+                  <a:latin typeface="Times New Roman" panose="02020603050405020304" pitchFamily="18" charset="0"/>
+                  <a:cs typeface="Times New Roman" panose="02020603050405020304" pitchFamily="18" charset="0"/>
+                </a:rPr>
+                <a:t>2</a:t>
+              </a:r>
+              <a:endParaRPr lang="zh-CN" altLang="en-US" sz="1600" b="1" dirty="0">
+                <a:latin typeface="Times New Roman" panose="02020603050405020304" pitchFamily="18" charset="0"/>
+                <a:cs typeface="Times New Roman" panose="02020603050405020304" pitchFamily="18" charset="0"/>
+              </a:endParaRPr>
+            </a:p>
+          </p:txBody>
+        </p:sp>
+        <p:sp>
+          <p:nvSpPr>
+            <p:cNvPr id="134" name="文本框 133"/>
+            <p:cNvSpPr txBox="1"/>
+            <p:nvPr/>
+          </p:nvSpPr>
+          <p:spPr>
+            <a:xfrm>
+              <a:off x="3605878" y="2769299"/>
+              <a:ext cx="391454" cy="338554"/>
+            </a:xfrm>
+            <a:prstGeom prst="rect">
+              <a:avLst/>
+            </a:prstGeom>
+            <a:noFill/>
+          </p:spPr>
+          <p:txBody>
+            <a:bodyPr wrap="none" rtlCol="0">
+              <a:spAutoFit/>
+            </a:bodyPr>
+            <a:lstStyle/>
+            <a:p>
+              <a:r>
+                <a:rPr lang="en-US" altLang="zh-CN" sz="1600" b="1" dirty="0" smtClean="0">
+                  <a:latin typeface="Times New Roman" panose="02020603050405020304" pitchFamily="18" charset="0"/>
+                  <a:cs typeface="Times New Roman" panose="02020603050405020304" pitchFamily="18" charset="0"/>
+                </a:rPr>
+                <a:t>L</a:t>
+              </a:r>
+              <a:r>
+                <a:rPr lang="en-US" altLang="zh-CN" sz="1100" b="1" dirty="0" smtClean="0">
+                  <a:latin typeface="Times New Roman" panose="02020603050405020304" pitchFamily="18" charset="0"/>
+                  <a:cs typeface="Times New Roman" panose="02020603050405020304" pitchFamily="18" charset="0"/>
+                </a:rPr>
+                <a:t>3</a:t>
+              </a:r>
+              <a:endParaRPr lang="zh-CN" altLang="en-US" sz="1600" b="1" dirty="0">
+                <a:latin typeface="Times New Roman" panose="02020603050405020304" pitchFamily="18" charset="0"/>
+                <a:cs typeface="Times New Roman" panose="02020603050405020304" pitchFamily="18" charset="0"/>
+              </a:endParaRPr>
+            </a:p>
+          </p:txBody>
+        </p:sp>
+        <p:sp>
+          <p:nvSpPr>
+            <p:cNvPr id="135" name="文本框 134"/>
+            <p:cNvSpPr txBox="1"/>
+            <p:nvPr/>
+          </p:nvSpPr>
+          <p:spPr>
+            <a:xfrm>
+              <a:off x="3605878" y="4002093"/>
+              <a:ext cx="391454" cy="338554"/>
+            </a:xfrm>
+            <a:prstGeom prst="rect">
+              <a:avLst/>
+            </a:prstGeom>
+            <a:noFill/>
+          </p:spPr>
+          <p:txBody>
+            <a:bodyPr wrap="none" rtlCol="0">
+              <a:spAutoFit/>
+            </a:bodyPr>
+            <a:lstStyle/>
+            <a:p>
+              <a:r>
+                <a:rPr lang="en-US" altLang="zh-CN" sz="1600" b="1" dirty="0" smtClean="0">
+                  <a:latin typeface="Times New Roman" panose="02020603050405020304" pitchFamily="18" charset="0"/>
+                  <a:cs typeface="Times New Roman" panose="02020603050405020304" pitchFamily="18" charset="0"/>
+                </a:rPr>
+                <a:t>L</a:t>
+              </a:r>
+              <a:r>
+                <a:rPr lang="en-US" altLang="zh-CN" sz="1100" b="1" dirty="0" smtClean="0">
+                  <a:latin typeface="Times New Roman" panose="02020603050405020304" pitchFamily="18" charset="0"/>
+                  <a:cs typeface="Times New Roman" panose="02020603050405020304" pitchFamily="18" charset="0"/>
+                </a:rPr>
+                <a:t>4</a:t>
+              </a:r>
+              <a:endParaRPr lang="zh-CN" altLang="en-US" sz="1600" b="1" dirty="0">
+                <a:latin typeface="Times New Roman" panose="02020603050405020304" pitchFamily="18" charset="0"/>
+                <a:cs typeface="Times New Roman" panose="02020603050405020304" pitchFamily="18" charset="0"/>
+              </a:endParaRPr>
+            </a:p>
+          </p:txBody>
+        </p:sp>
+        <p:cxnSp>
+          <p:nvCxnSpPr>
+            <p:cNvPr id="141" name="直接箭头连接符 140"/>
+            <p:cNvCxnSpPr>
+              <a:stCxn id="117" idx="2"/>
+              <a:endCxn id="121" idx="0"/>
+            </p:cNvCxnSpPr>
+            <p:nvPr/>
+          </p:nvCxnSpPr>
+          <p:spPr>
+            <a:xfrm flipH="1">
+              <a:off x="5398291" y="1866900"/>
+              <a:ext cx="750096" cy="955886"/>
+            </a:xfrm>
+            <a:prstGeom prst="straightConnector1">
+              <a:avLst/>
+            </a:prstGeom>
+            <a:ln>
+              <a:tailEnd type="triangle"/>
+            </a:ln>
+          </p:spPr>
+          <p:style>
+            <a:lnRef idx="1">
+              <a:schemeClr val="dk1"/>
+            </a:lnRef>
+            <a:fillRef idx="0">
+              <a:schemeClr val="dk1"/>
+            </a:fillRef>
+            <a:effectRef idx="0">
+              <a:schemeClr val="dk1"/>
+            </a:effectRef>
+            <a:fontRef idx="minor">
+              <a:schemeClr val="tx1"/>
+            </a:fontRef>
+          </p:style>
+        </p:cxnSp>
+        <p:cxnSp>
+          <p:nvCxnSpPr>
+            <p:cNvPr id="143" name="直接箭头连接符 142"/>
+            <p:cNvCxnSpPr>
+              <a:stCxn id="117" idx="2"/>
+              <a:endCxn id="122" idx="0"/>
+            </p:cNvCxnSpPr>
+            <p:nvPr/>
+          </p:nvCxnSpPr>
+          <p:spPr>
+            <a:xfrm flipH="1">
+              <a:off x="6131717" y="1866900"/>
+              <a:ext cx="16670" cy="955886"/>
+            </a:xfrm>
+            <a:prstGeom prst="straightConnector1">
+              <a:avLst/>
+            </a:prstGeom>
+            <a:ln>
+              <a:tailEnd type="triangle"/>
+            </a:ln>
+          </p:spPr>
+          <p:style>
+            <a:lnRef idx="1">
+              <a:schemeClr val="dk1"/>
+            </a:lnRef>
+            <a:fillRef idx="0">
+              <a:schemeClr val="dk1"/>
+            </a:fillRef>
+            <a:effectRef idx="0">
+              <a:schemeClr val="dk1"/>
+            </a:effectRef>
+            <a:fontRef idx="minor">
+              <a:schemeClr val="tx1"/>
+            </a:fontRef>
+          </p:style>
+        </p:cxnSp>
+        <p:cxnSp>
+          <p:nvCxnSpPr>
+            <p:cNvPr id="145" name="直接箭头连接符 144"/>
+            <p:cNvCxnSpPr>
+              <a:stCxn id="117" idx="2"/>
+              <a:endCxn id="123" idx="0"/>
+            </p:cNvCxnSpPr>
+            <p:nvPr/>
+          </p:nvCxnSpPr>
+          <p:spPr>
+            <a:xfrm>
+              <a:off x="6148387" y="1866900"/>
+              <a:ext cx="1887412" cy="908261"/>
+            </a:xfrm>
+            <a:prstGeom prst="straightConnector1">
+              <a:avLst/>
+            </a:prstGeom>
+            <a:ln>
+              <a:tailEnd type="triangle"/>
+            </a:ln>
+          </p:spPr>
+          <p:style>
+            <a:lnRef idx="1">
+              <a:schemeClr val="dk1"/>
+            </a:lnRef>
+            <a:fillRef idx="0">
+              <a:schemeClr val="dk1"/>
+            </a:fillRef>
+            <a:effectRef idx="0">
+              <a:schemeClr val="dk1"/>
+            </a:effectRef>
+            <a:fontRef idx="minor">
+              <a:schemeClr val="tx1"/>
+            </a:fontRef>
+          </p:style>
+        </p:cxnSp>
+        <p:cxnSp>
+          <p:nvCxnSpPr>
+            <p:cNvPr id="147" name="直接箭头连接符 146"/>
+            <p:cNvCxnSpPr>
+              <a:stCxn id="121" idx="2"/>
+              <a:endCxn id="125" idx="0"/>
+            </p:cNvCxnSpPr>
+            <p:nvPr/>
+          </p:nvCxnSpPr>
+          <p:spPr>
+            <a:xfrm flipH="1">
+              <a:off x="4730064" y="3137111"/>
+              <a:ext cx="597710" cy="841586"/>
+            </a:xfrm>
+            <a:prstGeom prst="straightConnector1">
+              <a:avLst/>
+            </a:prstGeom>
+            <a:ln>
+              <a:tailEnd type="triangle"/>
+            </a:ln>
+          </p:spPr>
+          <p:style>
+            <a:lnRef idx="1">
+              <a:schemeClr val="dk1"/>
+            </a:lnRef>
+            <a:fillRef idx="0">
+              <a:schemeClr val="dk1"/>
+            </a:fillRef>
+            <a:effectRef idx="0">
+              <a:schemeClr val="dk1"/>
+            </a:effectRef>
+            <a:fontRef idx="minor">
+              <a:schemeClr val="tx1"/>
+            </a:fontRef>
+          </p:style>
+        </p:cxnSp>
+        <p:cxnSp>
+          <p:nvCxnSpPr>
+            <p:cNvPr id="149" name="直接箭头连接符 148"/>
+            <p:cNvCxnSpPr>
+              <a:stCxn id="121" idx="2"/>
+              <a:endCxn id="126" idx="0"/>
+            </p:cNvCxnSpPr>
+            <p:nvPr/>
+          </p:nvCxnSpPr>
+          <p:spPr>
+            <a:xfrm>
+              <a:off x="5327774" y="3137111"/>
+              <a:ext cx="509047" cy="841586"/>
+            </a:xfrm>
+            <a:prstGeom prst="straightConnector1">
+              <a:avLst/>
+            </a:prstGeom>
+            <a:ln>
+              <a:tailEnd type="triangle"/>
+            </a:ln>
+          </p:spPr>
+          <p:style>
+            <a:lnRef idx="1">
+              <a:schemeClr val="dk1"/>
+            </a:lnRef>
+            <a:fillRef idx="0">
+              <a:schemeClr val="dk1"/>
+            </a:fillRef>
+            <a:effectRef idx="0">
+              <a:schemeClr val="dk1"/>
+            </a:effectRef>
+            <a:fontRef idx="minor">
+              <a:schemeClr val="tx1"/>
+            </a:fontRef>
+          </p:style>
+        </p:cxnSp>
+        <p:cxnSp>
+          <p:nvCxnSpPr>
+            <p:cNvPr id="151" name="直接箭头连接符 150"/>
+            <p:cNvCxnSpPr>
+              <a:stCxn id="123" idx="2"/>
+              <a:endCxn id="127" idx="0"/>
+            </p:cNvCxnSpPr>
+            <p:nvPr/>
+          </p:nvCxnSpPr>
+          <p:spPr>
+            <a:xfrm flipH="1">
+              <a:off x="7563973" y="3137111"/>
+              <a:ext cx="471826" cy="832806"/>
+            </a:xfrm>
+            <a:prstGeom prst="straightConnector1">
+              <a:avLst/>
+            </a:prstGeom>
+            <a:ln>
+              <a:tailEnd type="triangle"/>
+            </a:ln>
+          </p:spPr>
+          <p:style>
+            <a:lnRef idx="1">
+              <a:schemeClr val="dk1"/>
+            </a:lnRef>
+            <a:fillRef idx="0">
+              <a:schemeClr val="dk1"/>
+            </a:fillRef>
+            <a:effectRef idx="0">
+              <a:schemeClr val="dk1"/>
+            </a:effectRef>
+            <a:fontRef idx="minor">
+              <a:schemeClr val="tx1"/>
+            </a:fontRef>
+          </p:style>
+        </p:cxnSp>
+        <p:cxnSp>
+          <p:nvCxnSpPr>
+            <p:cNvPr id="153" name="直接箭头连接符 152"/>
+            <p:cNvCxnSpPr>
+              <a:stCxn id="123" idx="2"/>
+              <a:endCxn id="128" idx="0"/>
+            </p:cNvCxnSpPr>
+            <p:nvPr/>
+          </p:nvCxnSpPr>
+          <p:spPr>
+            <a:xfrm>
+              <a:off x="8035799" y="3137111"/>
+              <a:ext cx="481393" cy="832806"/>
+            </a:xfrm>
+            <a:prstGeom prst="straightConnector1">
+              <a:avLst/>
+            </a:prstGeom>
+            <a:ln>
+              <a:tailEnd type="triangle"/>
+            </a:ln>
+          </p:spPr>
+          <p:style>
+            <a:lnRef idx="1">
+              <a:schemeClr val="dk1"/>
+            </a:lnRef>
+            <a:fillRef idx="0">
+              <a:schemeClr val="dk1"/>
+            </a:fillRef>
+            <a:effectRef idx="0">
+              <a:schemeClr val="dk1"/>
+            </a:effectRef>
+            <a:fontRef idx="minor">
+              <a:schemeClr val="tx1"/>
+            </a:fontRef>
+          </p:style>
+        </p:cxnSp>
+        <p:sp>
+          <p:nvSpPr>
+            <p:cNvPr id="120" name="矩形 119"/>
+            <p:cNvSpPr/>
+            <p:nvPr/>
+          </p:nvSpPr>
+          <p:spPr>
+            <a:xfrm>
+              <a:off x="4061285" y="2782469"/>
+              <a:ext cx="733426" cy="361950"/>
+            </a:xfrm>
+            <a:prstGeom prst="rect">
+              <a:avLst/>
+            </a:prstGeom>
+            <a:noFill/>
+            <a:ln w="15240">
+              <a:solidFill>
+                <a:schemeClr val="tx1"/>
+              </a:solidFill>
+            </a:ln>
+          </p:spPr>
+          <p:style>
+            <a:lnRef idx="2">
+              <a:schemeClr val="accent1">
+                <a:shade val="50000"/>
+              </a:schemeClr>
+            </a:lnRef>
+            <a:fillRef idx="1">
+              <a:schemeClr val="accent1"/>
+            </a:fillRef>
+            <a:effectRef idx="0">
+              <a:schemeClr val="accent1"/>
+            </a:effectRef>
+            <a:fontRef idx="minor">
+              <a:schemeClr val="lt1"/>
+            </a:fontRef>
+          </p:style>
+          <p:txBody>
+            <a:bodyPr rtlCol="0" anchor="ctr"/>
+            <a:lstStyle/>
+            <a:p>
+              <a:pPr algn="ctr"/>
+              <a:r>
+                <a:rPr lang="en-US" altLang="zh-CN" sz="1600" dirty="0" smtClean="0">
+                  <a:solidFill>
+                    <a:schemeClr val="tx1"/>
+                  </a:solidFill>
+                  <a:latin typeface="Times New Roman" panose="02020603050405020304" pitchFamily="18" charset="0"/>
+                  <a:cs typeface="Times New Roman" panose="02020603050405020304" pitchFamily="18" charset="0"/>
+                </a:rPr>
+                <a:t>S</a:t>
+              </a:r>
+              <a:r>
+                <a:rPr lang="en-US" altLang="zh-CN" sz="1100" dirty="0" smtClean="0">
+                  <a:solidFill>
+                    <a:schemeClr val="tx1"/>
+                  </a:solidFill>
+                  <a:latin typeface="Times New Roman" panose="02020603050405020304" pitchFamily="18" charset="0"/>
+                  <a:cs typeface="Times New Roman" panose="02020603050405020304" pitchFamily="18" charset="0"/>
+                </a:rPr>
+                <a:t>4</a:t>
+              </a:r>
+              <a:endParaRPr lang="zh-CN" altLang="en-US" sz="1600" dirty="0">
                 <a:solidFill>
                   <a:schemeClr val="tx1"/>
                 </a:solidFill>
                 <a:latin typeface="Times New Roman" panose="02020603050405020304" pitchFamily="18" charset="0"/>
                 <a:cs typeface="Times New Roman" panose="02020603050405020304" pitchFamily="18" charset="0"/>
-              </a:rPr>
-              <a:t>16</a:t>
-            </a:r>
-            <a:endParaRPr lang="zh-CN" altLang="en-US" sz="1600" dirty="0">
+              </a:endParaRPr>
+            </a:p>
+          </p:txBody>
+        </p:sp>
+        <p:sp>
+          <p:nvSpPr>
+            <p:cNvPr id="121" name="矩形 120"/>
+            <p:cNvSpPr/>
+            <p:nvPr/>
+          </p:nvSpPr>
+          <p:spPr>
+            <a:xfrm>
+              <a:off x="4961061" y="2775161"/>
+              <a:ext cx="733426" cy="361950"/>
+            </a:xfrm>
+            <a:prstGeom prst="rect">
+              <a:avLst/>
+            </a:prstGeom>
+            <a:noFill/>
+            <a:ln w="15240">
               <a:solidFill>
                 <a:schemeClr val="tx1"/>
               </a:solidFill>
-              <a:latin typeface="Times New Roman" panose="02020603050405020304" pitchFamily="18" charset="0"/>
-              <a:cs typeface="Times New Roman" panose="02020603050405020304" pitchFamily="18" charset="0"/>
-            </a:endParaRPr>
-          </a:p>
-        </p:txBody>
-      </p:sp>
-      <p:sp>
-        <p:nvSpPr>
-          <p:cNvPr id="125" name="矩形 124"/>
-          <p:cNvSpPr/>
-          <p:nvPr/>
-        </p:nvSpPr>
-        <p:spPr>
-          <a:xfrm>
-            <a:off x="4363351" y="3978697"/>
-            <a:ext cx="733426" cy="361950"/>
-          </a:xfrm>
-          <a:prstGeom prst="rect">
-            <a:avLst/>
-          </a:prstGeom>
-          <a:noFill/>
-          <a:ln w="15240">
-            <a:solidFill>
-              <a:schemeClr val="tx1"/>
-            </a:solidFill>
-          </a:ln>
-        </p:spPr>
-        <p:style>
-          <a:lnRef idx="2">
-            <a:schemeClr val="accent1">
-              <a:shade val="50000"/>
-            </a:schemeClr>
-          </a:lnRef>
-          <a:fillRef idx="1">
-            <a:schemeClr val="accent1"/>
-          </a:fillRef>
-          <a:effectRef idx="0">
-            <a:schemeClr val="accent1"/>
-          </a:effectRef>
-          <a:fontRef idx="minor">
-            <a:schemeClr val="lt1"/>
-          </a:fontRef>
-        </p:style>
-        <p:txBody>
-          <a:bodyPr rtlCol="0" anchor="ctr"/>
-          <a:lstStyle/>
-          <a:p>
-            <a:pPr algn="ctr"/>
-            <a:r>
-              <a:rPr lang="en-US" altLang="zh-CN" sz="1600" dirty="0" smtClean="0">
+            </a:ln>
+          </p:spPr>
+          <p:style>
+            <a:lnRef idx="2">
+              <a:schemeClr val="accent1">
+                <a:shade val="50000"/>
+              </a:schemeClr>
+            </a:lnRef>
+            <a:fillRef idx="1">
+              <a:schemeClr val="accent1"/>
+            </a:fillRef>
+            <a:effectRef idx="0">
+              <a:schemeClr val="accent1"/>
+            </a:effectRef>
+            <a:fontRef idx="minor">
+              <a:schemeClr val="lt1"/>
+            </a:fontRef>
+          </p:style>
+          <p:txBody>
+            <a:bodyPr rtlCol="0" anchor="ctr"/>
+            <a:lstStyle/>
+            <a:p>
+              <a:pPr algn="ctr"/>
+              <a:r>
+                <a:rPr lang="en-US" altLang="zh-CN" sz="1600" dirty="0" smtClean="0">
+                  <a:solidFill>
+                    <a:schemeClr val="tx1"/>
+                  </a:solidFill>
+                  <a:latin typeface="Times New Roman" panose="02020603050405020304" pitchFamily="18" charset="0"/>
+                  <a:cs typeface="Times New Roman" panose="02020603050405020304" pitchFamily="18" charset="0"/>
+                </a:rPr>
+                <a:t>S</a:t>
+              </a:r>
+              <a:r>
+                <a:rPr lang="en-US" altLang="zh-CN" sz="1100" dirty="0" smtClean="0">
+                  <a:solidFill>
+                    <a:schemeClr val="tx1"/>
+                  </a:solidFill>
+                  <a:latin typeface="Times New Roman" panose="02020603050405020304" pitchFamily="18" charset="0"/>
+                  <a:cs typeface="Times New Roman" panose="02020603050405020304" pitchFamily="18" charset="0"/>
+                </a:rPr>
+                <a:t>5</a:t>
+              </a:r>
+              <a:r>
+                <a:rPr lang="en-US" altLang="zh-CN" sz="1600" dirty="0">
+                  <a:solidFill>
+                    <a:schemeClr val="tx1"/>
+                  </a:solidFill>
+                  <a:latin typeface="Times New Roman" panose="02020603050405020304" pitchFamily="18" charset="0"/>
+                  <a:cs typeface="Times New Roman" panose="02020603050405020304" pitchFamily="18" charset="0"/>
+                </a:rPr>
+                <a:t>-</a:t>
+              </a:r>
+              <a:r>
+                <a:rPr lang="en-US" altLang="zh-CN" sz="1100" dirty="0" smtClean="0">
+                  <a:solidFill>
+                    <a:schemeClr val="tx1"/>
+                  </a:solidFill>
+                  <a:latin typeface="Times New Roman" panose="02020603050405020304" pitchFamily="18" charset="0"/>
+                  <a:cs typeface="Times New Roman" panose="02020603050405020304" pitchFamily="18" charset="0"/>
+                </a:rPr>
+                <a:t>8</a:t>
+              </a:r>
+              <a:endParaRPr lang="zh-CN" altLang="en-US" sz="1600" dirty="0">
                 <a:solidFill>
                   <a:schemeClr val="tx1"/>
                 </a:solidFill>
                 <a:latin typeface="Times New Roman" panose="02020603050405020304" pitchFamily="18" charset="0"/>
                 <a:cs typeface="Times New Roman" panose="02020603050405020304" pitchFamily="18" charset="0"/>
-              </a:rPr>
-              <a:t>S</a:t>
-            </a:r>
-            <a:r>
-              <a:rPr lang="en-US" altLang="zh-CN" sz="1100" dirty="0" smtClean="0">
+              </a:endParaRPr>
+            </a:p>
+          </p:txBody>
+        </p:sp>
+        <p:sp>
+          <p:nvSpPr>
+            <p:cNvPr id="122" name="矩形 121"/>
+            <p:cNvSpPr/>
+            <p:nvPr/>
+          </p:nvSpPr>
+          <p:spPr>
+            <a:xfrm>
+              <a:off x="5864475" y="2775161"/>
+              <a:ext cx="733426" cy="361950"/>
+            </a:xfrm>
+            <a:prstGeom prst="rect">
+              <a:avLst/>
+            </a:prstGeom>
+            <a:noFill/>
+            <a:ln w="15240">
+              <a:solidFill>
+                <a:schemeClr val="tx1"/>
+              </a:solidFill>
+            </a:ln>
+          </p:spPr>
+          <p:style>
+            <a:lnRef idx="2">
+              <a:schemeClr val="accent1">
+                <a:shade val="50000"/>
+              </a:schemeClr>
+            </a:lnRef>
+            <a:fillRef idx="1">
+              <a:schemeClr val="accent1"/>
+            </a:fillRef>
+            <a:effectRef idx="0">
+              <a:schemeClr val="accent1"/>
+            </a:effectRef>
+            <a:fontRef idx="minor">
+              <a:schemeClr val="lt1"/>
+            </a:fontRef>
+          </p:style>
+          <p:txBody>
+            <a:bodyPr rtlCol="0" anchor="ctr"/>
+            <a:lstStyle/>
+            <a:p>
+              <a:pPr algn="ctr"/>
+              <a:r>
+                <a:rPr lang="en-US" altLang="zh-CN" sz="1600" dirty="0" smtClean="0">
+                  <a:solidFill>
+                    <a:schemeClr val="tx1"/>
+                  </a:solidFill>
+                  <a:latin typeface="Times New Roman" panose="02020603050405020304" pitchFamily="18" charset="0"/>
+                  <a:cs typeface="Times New Roman" panose="02020603050405020304" pitchFamily="18" charset="0"/>
+                </a:rPr>
+                <a:t>S</a:t>
+              </a:r>
+              <a:r>
+                <a:rPr lang="en-US" altLang="zh-CN" sz="1100" dirty="0" smtClean="0">
+                  <a:solidFill>
+                    <a:schemeClr val="tx1"/>
+                  </a:solidFill>
+                  <a:latin typeface="Times New Roman" panose="02020603050405020304" pitchFamily="18" charset="0"/>
+                  <a:cs typeface="Times New Roman" panose="02020603050405020304" pitchFamily="18" charset="0"/>
+                </a:rPr>
+                <a:t>9</a:t>
+              </a:r>
+              <a:endParaRPr lang="zh-CN" altLang="en-US" sz="1600" dirty="0">
                 <a:solidFill>
                   <a:schemeClr val="tx1"/>
                 </a:solidFill>
                 <a:latin typeface="Times New Roman" panose="02020603050405020304" pitchFamily="18" charset="0"/>
                 <a:cs typeface="Times New Roman" panose="02020603050405020304" pitchFamily="18" charset="0"/>
-              </a:rPr>
-              <a:t>6</a:t>
-            </a:r>
-            <a:endParaRPr lang="zh-CN" altLang="en-US" sz="1600" dirty="0">
+              </a:endParaRPr>
+            </a:p>
+          </p:txBody>
+        </p:sp>
+        <p:sp>
+          <p:nvSpPr>
+            <p:cNvPr id="123" name="矩形 122"/>
+            <p:cNvSpPr/>
+            <p:nvPr/>
+          </p:nvSpPr>
+          <p:spPr>
+            <a:xfrm>
+              <a:off x="7669086" y="2775161"/>
+              <a:ext cx="733426" cy="361950"/>
+            </a:xfrm>
+            <a:prstGeom prst="rect">
+              <a:avLst/>
+            </a:prstGeom>
+            <a:noFill/>
+            <a:ln w="15240">
               <a:solidFill>
                 <a:schemeClr val="tx1"/>
               </a:solidFill>
-              <a:latin typeface="Times New Roman" panose="02020603050405020304" pitchFamily="18" charset="0"/>
-              <a:cs typeface="Times New Roman" panose="02020603050405020304" pitchFamily="18" charset="0"/>
-            </a:endParaRPr>
-          </a:p>
-        </p:txBody>
-      </p:sp>
-      <p:sp>
-        <p:nvSpPr>
-          <p:cNvPr id="126" name="矩形 125"/>
-          <p:cNvSpPr/>
-          <p:nvPr/>
-        </p:nvSpPr>
-        <p:spPr>
-          <a:xfrm>
-            <a:off x="5470108" y="3978697"/>
-            <a:ext cx="733426" cy="361950"/>
-          </a:xfrm>
-          <a:prstGeom prst="rect">
-            <a:avLst/>
-          </a:prstGeom>
-          <a:noFill/>
-          <a:ln w="15240">
-            <a:solidFill>
-              <a:schemeClr val="tx1"/>
-            </a:solidFill>
-          </a:ln>
-        </p:spPr>
-        <p:style>
-          <a:lnRef idx="2">
-            <a:schemeClr val="accent1">
-              <a:shade val="50000"/>
-            </a:schemeClr>
-          </a:lnRef>
-          <a:fillRef idx="1">
-            <a:schemeClr val="accent1"/>
-          </a:fillRef>
-          <a:effectRef idx="0">
-            <a:schemeClr val="accent1"/>
-          </a:effectRef>
-          <a:fontRef idx="minor">
-            <a:schemeClr val="lt1"/>
-          </a:fontRef>
-        </p:style>
-        <p:txBody>
-          <a:bodyPr rtlCol="0" anchor="ctr"/>
-          <a:lstStyle/>
-          <a:p>
-            <a:pPr algn="ctr"/>
-            <a:r>
-              <a:rPr lang="en-US" altLang="zh-CN" sz="1600" dirty="0" smtClean="0">
+            </a:ln>
+          </p:spPr>
+          <p:style>
+            <a:lnRef idx="2">
+              <a:schemeClr val="accent1">
+                <a:shade val="50000"/>
+              </a:schemeClr>
+            </a:lnRef>
+            <a:fillRef idx="1">
+              <a:schemeClr val="accent1"/>
+            </a:fillRef>
+            <a:effectRef idx="0">
+              <a:schemeClr val="accent1"/>
+            </a:effectRef>
+            <a:fontRef idx="minor">
+              <a:schemeClr val="lt1"/>
+            </a:fontRef>
+          </p:style>
+          <p:txBody>
+            <a:bodyPr rtlCol="0" anchor="ctr"/>
+            <a:lstStyle/>
+            <a:p>
+              <a:pPr algn="ctr"/>
+              <a:r>
+                <a:rPr lang="en-US" altLang="zh-CN" sz="1600" dirty="0" smtClean="0">
+                  <a:solidFill>
+                    <a:schemeClr val="tx1"/>
+                  </a:solidFill>
+                  <a:latin typeface="Times New Roman" panose="02020603050405020304" pitchFamily="18" charset="0"/>
+                  <a:cs typeface="Times New Roman" panose="02020603050405020304" pitchFamily="18" charset="0"/>
+                </a:rPr>
+                <a:t>S</a:t>
+              </a:r>
+              <a:r>
+                <a:rPr lang="en-US" altLang="zh-CN" sz="1100" dirty="0" smtClean="0">
+                  <a:solidFill>
+                    <a:schemeClr val="tx1"/>
+                  </a:solidFill>
+                  <a:latin typeface="Times New Roman" panose="02020603050405020304" pitchFamily="18" charset="0"/>
+                  <a:cs typeface="Times New Roman" panose="02020603050405020304" pitchFamily="18" charset="0"/>
+                </a:rPr>
+                <a:t>11</a:t>
+              </a:r>
+              <a:r>
+                <a:rPr lang="en-US" altLang="zh-CN" sz="1600" dirty="0">
+                  <a:solidFill>
+                    <a:schemeClr val="tx1"/>
+                  </a:solidFill>
+                  <a:latin typeface="Times New Roman" panose="02020603050405020304" pitchFamily="18" charset="0"/>
+                  <a:cs typeface="Times New Roman" panose="02020603050405020304" pitchFamily="18" charset="0"/>
+                </a:rPr>
+                <a:t>-</a:t>
+              </a:r>
+              <a:r>
+                <a:rPr lang="en-US" altLang="zh-CN" sz="1100" dirty="0" smtClean="0">
+                  <a:solidFill>
+                    <a:schemeClr val="tx1"/>
+                  </a:solidFill>
+                  <a:latin typeface="Times New Roman" panose="02020603050405020304" pitchFamily="18" charset="0"/>
+                  <a:cs typeface="Times New Roman" panose="02020603050405020304" pitchFamily="18" charset="0"/>
+                </a:rPr>
+                <a:t>14</a:t>
+              </a:r>
+              <a:endParaRPr lang="zh-CN" altLang="en-US" sz="1600" dirty="0">
                 <a:solidFill>
                   <a:schemeClr val="tx1"/>
                 </a:solidFill>
                 <a:latin typeface="Times New Roman" panose="02020603050405020304" pitchFamily="18" charset="0"/>
                 <a:cs typeface="Times New Roman" panose="02020603050405020304" pitchFamily="18" charset="0"/>
-              </a:rPr>
-              <a:t>S</a:t>
-            </a:r>
-            <a:r>
-              <a:rPr lang="en-US" altLang="zh-CN" sz="1100" dirty="0" smtClean="0">
+              </a:endParaRPr>
+            </a:p>
+          </p:txBody>
+        </p:sp>
+        <p:sp>
+          <p:nvSpPr>
+            <p:cNvPr id="155" name="矩形 154"/>
+            <p:cNvSpPr/>
+            <p:nvPr/>
+          </p:nvSpPr>
+          <p:spPr>
+            <a:xfrm>
+              <a:off x="6765672" y="2792695"/>
+              <a:ext cx="733426" cy="361950"/>
+            </a:xfrm>
+            <a:prstGeom prst="rect">
+              <a:avLst/>
+            </a:prstGeom>
+            <a:noFill/>
+            <a:ln w="15240">
+              <a:solidFill>
+                <a:schemeClr val="tx1"/>
+              </a:solidFill>
+            </a:ln>
+          </p:spPr>
+          <p:style>
+            <a:lnRef idx="2">
+              <a:schemeClr val="accent1">
+                <a:shade val="50000"/>
+              </a:schemeClr>
+            </a:lnRef>
+            <a:fillRef idx="1">
+              <a:schemeClr val="accent1"/>
+            </a:fillRef>
+            <a:effectRef idx="0">
+              <a:schemeClr val="accent1"/>
+            </a:effectRef>
+            <a:fontRef idx="minor">
+              <a:schemeClr val="lt1"/>
+            </a:fontRef>
+          </p:style>
+          <p:txBody>
+            <a:bodyPr rtlCol="0" anchor="ctr"/>
+            <a:lstStyle/>
+            <a:p>
+              <a:pPr algn="ctr"/>
+              <a:r>
+                <a:rPr lang="en-US" altLang="zh-CN" sz="1600" dirty="0" smtClean="0">
+                  <a:solidFill>
+                    <a:schemeClr val="tx1"/>
+                  </a:solidFill>
+                  <a:latin typeface="Times New Roman" panose="02020603050405020304" pitchFamily="18" charset="0"/>
+                  <a:cs typeface="Times New Roman" panose="02020603050405020304" pitchFamily="18" charset="0"/>
+                </a:rPr>
+                <a:t>S</a:t>
+              </a:r>
+              <a:r>
+                <a:rPr lang="en-US" altLang="zh-CN" sz="1100" dirty="0" smtClean="0">
+                  <a:solidFill>
+                    <a:schemeClr val="tx1"/>
+                  </a:solidFill>
+                  <a:latin typeface="Times New Roman" panose="02020603050405020304" pitchFamily="18" charset="0"/>
+                  <a:cs typeface="Times New Roman" panose="02020603050405020304" pitchFamily="18" charset="0"/>
+                </a:rPr>
+                <a:t>10</a:t>
+              </a:r>
+              <a:endParaRPr lang="zh-CN" altLang="en-US" sz="1600" dirty="0">
                 <a:solidFill>
                   <a:schemeClr val="tx1"/>
                 </a:solidFill>
                 <a:latin typeface="Times New Roman" panose="02020603050405020304" pitchFamily="18" charset="0"/>
                 <a:cs typeface="Times New Roman" panose="02020603050405020304" pitchFamily="18" charset="0"/>
-              </a:rPr>
-              <a:t>7</a:t>
-            </a:r>
-            <a:endParaRPr lang="zh-CN" altLang="en-US" sz="1600" dirty="0">
+              </a:endParaRPr>
+            </a:p>
+          </p:txBody>
+        </p:sp>
+        <p:cxnSp>
+          <p:nvCxnSpPr>
+            <p:cNvPr id="158" name="直接箭头连接符 157"/>
+            <p:cNvCxnSpPr>
+              <a:stCxn id="117" idx="2"/>
+            </p:cNvCxnSpPr>
+            <p:nvPr/>
+          </p:nvCxnSpPr>
+          <p:spPr>
+            <a:xfrm>
+              <a:off x="6148387" y="1866900"/>
+              <a:ext cx="763445" cy="947106"/>
+            </a:xfrm>
+            <a:prstGeom prst="straightConnector1">
+              <a:avLst/>
+            </a:prstGeom>
+            <a:ln>
+              <a:tailEnd type="triangle"/>
+            </a:ln>
+          </p:spPr>
+          <p:style>
+            <a:lnRef idx="1">
+              <a:schemeClr val="dk1"/>
+            </a:lnRef>
+            <a:fillRef idx="0">
+              <a:schemeClr val="dk1"/>
+            </a:fillRef>
+            <a:effectRef idx="0">
+              <a:schemeClr val="dk1"/>
+            </a:effectRef>
+            <a:fontRef idx="minor">
+              <a:schemeClr val="tx1"/>
+            </a:fontRef>
+          </p:style>
+        </p:cxnSp>
+        <p:sp>
+          <p:nvSpPr>
+            <p:cNvPr id="30" name="矩形 29"/>
+            <p:cNvSpPr/>
+            <p:nvPr/>
+          </p:nvSpPr>
+          <p:spPr>
+            <a:xfrm>
+              <a:off x="5774649" y="474968"/>
+              <a:ext cx="733426" cy="361950"/>
+            </a:xfrm>
+            <a:prstGeom prst="rect">
+              <a:avLst/>
+            </a:prstGeom>
+            <a:noFill/>
+            <a:ln w="15240">
               <a:solidFill>
                 <a:schemeClr val="tx1"/>
               </a:solidFill>
-              <a:latin typeface="Times New Roman" panose="02020603050405020304" pitchFamily="18" charset="0"/>
-              <a:cs typeface="Times New Roman" panose="02020603050405020304" pitchFamily="18" charset="0"/>
-            </a:endParaRPr>
-          </a:p>
-        </p:txBody>
-      </p:sp>
-      <p:sp>
-        <p:nvSpPr>
-          <p:cNvPr id="127" name="矩形 126"/>
-          <p:cNvSpPr/>
-          <p:nvPr/>
-        </p:nvSpPr>
-        <p:spPr>
-          <a:xfrm>
-            <a:off x="7197260" y="3969917"/>
-            <a:ext cx="733426" cy="361950"/>
-          </a:xfrm>
-          <a:prstGeom prst="rect">
-            <a:avLst/>
-          </a:prstGeom>
-          <a:noFill/>
-          <a:ln w="15240">
-            <a:solidFill>
-              <a:schemeClr val="tx1"/>
-            </a:solidFill>
-          </a:ln>
-        </p:spPr>
-        <p:style>
-          <a:lnRef idx="2">
-            <a:schemeClr val="accent1">
-              <a:shade val="50000"/>
-            </a:schemeClr>
-          </a:lnRef>
-          <a:fillRef idx="1">
-            <a:schemeClr val="accent1"/>
-          </a:fillRef>
-          <a:effectRef idx="0">
-            <a:schemeClr val="accent1"/>
-          </a:effectRef>
-          <a:fontRef idx="minor">
-            <a:schemeClr val="lt1"/>
-          </a:fontRef>
-        </p:style>
-        <p:txBody>
-          <a:bodyPr rtlCol="0" anchor="ctr"/>
-          <a:lstStyle/>
-          <a:p>
-            <a:pPr algn="ctr"/>
-            <a:r>
-              <a:rPr lang="en-US" altLang="zh-CN" sz="1600" dirty="0" smtClean="0">
+            </a:ln>
+          </p:spPr>
+          <p:style>
+            <a:lnRef idx="2">
+              <a:schemeClr val="accent1">
+                <a:shade val="50000"/>
+              </a:schemeClr>
+            </a:lnRef>
+            <a:fillRef idx="1">
+              <a:schemeClr val="accent1"/>
+            </a:fillRef>
+            <a:effectRef idx="0">
+              <a:schemeClr val="accent1"/>
+            </a:effectRef>
+            <a:fontRef idx="minor">
+              <a:schemeClr val="lt1"/>
+            </a:fontRef>
+          </p:style>
+          <p:txBody>
+            <a:bodyPr rtlCol="0" anchor="ctr"/>
+            <a:lstStyle/>
+            <a:p>
+              <a:pPr algn="ctr"/>
+              <a:r>
+                <a:rPr lang="en-US" altLang="zh-CN" sz="1600" dirty="0" smtClean="0">
+                  <a:solidFill>
+                    <a:schemeClr val="tx1"/>
+                  </a:solidFill>
+                  <a:latin typeface="Times New Roman" panose="02020603050405020304" pitchFamily="18" charset="0"/>
+                  <a:cs typeface="Times New Roman" panose="02020603050405020304" pitchFamily="18" charset="0"/>
+                </a:rPr>
+                <a:t>R</a:t>
+              </a:r>
+              <a:endParaRPr lang="zh-CN" altLang="en-US" sz="1600" dirty="0">
                 <a:solidFill>
                   <a:schemeClr val="tx1"/>
                 </a:solidFill>
                 <a:latin typeface="Times New Roman" panose="02020603050405020304" pitchFamily="18" charset="0"/>
                 <a:cs typeface="Times New Roman" panose="02020603050405020304" pitchFamily="18" charset="0"/>
-              </a:rPr>
-              <a:t>S</a:t>
-            </a:r>
-            <a:r>
-              <a:rPr lang="en-US" altLang="zh-CN" sz="1100" dirty="0" smtClean="0">
-                <a:solidFill>
-                  <a:schemeClr val="tx1"/>
-                </a:solidFill>
+              </a:endParaRPr>
+            </a:p>
+          </p:txBody>
+        </p:sp>
+        <p:cxnSp>
+          <p:nvCxnSpPr>
+            <p:cNvPr id="3" name="直接箭头连接符 2"/>
+            <p:cNvCxnSpPr>
+              <a:stCxn id="30" idx="2"/>
+              <a:endCxn id="116" idx="0"/>
+            </p:cNvCxnSpPr>
+            <p:nvPr/>
+          </p:nvCxnSpPr>
+          <p:spPr>
+            <a:xfrm flipH="1">
+              <a:off x="5102359" y="836918"/>
+              <a:ext cx="1039003" cy="668032"/>
+            </a:xfrm>
+            <a:prstGeom prst="straightConnector1">
+              <a:avLst/>
+            </a:prstGeom>
+            <a:ln>
+              <a:tailEnd type="triangle"/>
+            </a:ln>
+          </p:spPr>
+          <p:style>
+            <a:lnRef idx="1">
+              <a:schemeClr val="dk1"/>
+            </a:lnRef>
+            <a:fillRef idx="0">
+              <a:schemeClr val="dk1"/>
+            </a:fillRef>
+            <a:effectRef idx="0">
+              <a:schemeClr val="dk1"/>
+            </a:effectRef>
+            <a:fontRef idx="minor">
+              <a:schemeClr val="tx1"/>
+            </a:fontRef>
+          </p:style>
+        </p:cxnSp>
+        <p:cxnSp>
+          <p:nvCxnSpPr>
+            <p:cNvPr id="5" name="直接箭头连接符 4"/>
+            <p:cNvCxnSpPr>
+              <a:stCxn id="30" idx="2"/>
+              <a:endCxn id="117" idx="0"/>
+            </p:cNvCxnSpPr>
+            <p:nvPr/>
+          </p:nvCxnSpPr>
+          <p:spPr>
+            <a:xfrm>
+              <a:off x="6141362" y="836918"/>
+              <a:ext cx="7025" cy="668032"/>
+            </a:xfrm>
+            <a:prstGeom prst="straightConnector1">
+              <a:avLst/>
+            </a:prstGeom>
+            <a:ln>
+              <a:tailEnd type="triangle"/>
+            </a:ln>
+          </p:spPr>
+          <p:style>
+            <a:lnRef idx="1">
+              <a:schemeClr val="dk1"/>
+            </a:lnRef>
+            <a:fillRef idx="0">
+              <a:schemeClr val="dk1"/>
+            </a:fillRef>
+            <a:effectRef idx="0">
+              <a:schemeClr val="dk1"/>
+            </a:effectRef>
+            <a:fontRef idx="minor">
+              <a:schemeClr val="tx1"/>
+            </a:fontRef>
+          </p:style>
+        </p:cxnSp>
+        <p:cxnSp>
+          <p:nvCxnSpPr>
+            <p:cNvPr id="7" name="直接箭头连接符 6"/>
+            <p:cNvCxnSpPr>
+              <a:stCxn id="30" idx="2"/>
+              <a:endCxn id="119" idx="0"/>
+            </p:cNvCxnSpPr>
+            <p:nvPr/>
+          </p:nvCxnSpPr>
+          <p:spPr>
+            <a:xfrm>
+              <a:off x="6141362" y="836918"/>
+              <a:ext cx="1107164" cy="668032"/>
+            </a:xfrm>
+            <a:prstGeom prst="straightConnector1">
+              <a:avLst/>
+            </a:prstGeom>
+            <a:ln>
+              <a:tailEnd type="triangle"/>
+            </a:ln>
+          </p:spPr>
+          <p:style>
+            <a:lnRef idx="1">
+              <a:schemeClr val="dk1"/>
+            </a:lnRef>
+            <a:fillRef idx="0">
+              <a:schemeClr val="dk1"/>
+            </a:fillRef>
+            <a:effectRef idx="0">
+              <a:schemeClr val="dk1"/>
+            </a:effectRef>
+            <a:fontRef idx="minor">
+              <a:schemeClr val="tx1"/>
+            </a:fontRef>
+          </p:style>
+        </p:cxnSp>
+        <p:sp>
+          <p:nvSpPr>
+            <p:cNvPr id="2" name="矩形 1"/>
+            <p:cNvSpPr/>
+            <p:nvPr/>
+          </p:nvSpPr>
+          <p:spPr>
+            <a:xfrm>
+              <a:off x="4638674" y="1343025"/>
+              <a:ext cx="3114676" cy="619125"/>
+            </a:xfrm>
+            <a:prstGeom prst="rect">
+              <a:avLst/>
+            </a:prstGeom>
+            <a:noFill/>
+            <a:ln w="19050">
+              <a:solidFill>
+                <a:srgbClr val="1B41E3"/>
+              </a:solidFill>
+              <a:prstDash val="dash"/>
+            </a:ln>
+          </p:spPr>
+          <p:style>
+            <a:lnRef idx="2">
+              <a:schemeClr val="accent1">
+                <a:shade val="50000"/>
+              </a:schemeClr>
+            </a:lnRef>
+            <a:fillRef idx="1">
+              <a:schemeClr val="accent1"/>
+            </a:fillRef>
+            <a:effectRef idx="0">
+              <a:schemeClr val="accent1"/>
+            </a:effectRef>
+            <a:fontRef idx="minor">
+              <a:schemeClr val="lt1"/>
+            </a:fontRef>
+          </p:style>
+          <p:txBody>
+            <a:bodyPr rtlCol="0" anchor="ctr"/>
+            <a:lstStyle/>
+            <a:p>
+              <a:pPr algn="ctr"/>
+              <a:endParaRPr lang="zh-CN" altLang="en-US"/>
+            </a:p>
+          </p:txBody>
+        </p:sp>
+        <p:sp>
+          <p:nvSpPr>
+            <p:cNvPr id="31" name="矩形 30"/>
+            <p:cNvSpPr/>
+            <p:nvPr/>
+          </p:nvSpPr>
+          <p:spPr>
+            <a:xfrm>
+              <a:off x="3984632" y="2639487"/>
+              <a:ext cx="4519860" cy="619125"/>
+            </a:xfrm>
+            <a:prstGeom prst="rect">
+              <a:avLst/>
+            </a:prstGeom>
+            <a:noFill/>
+            <a:ln w="19050">
+              <a:solidFill>
+                <a:srgbClr val="1B41E3"/>
+              </a:solidFill>
+              <a:prstDash val="dash"/>
+            </a:ln>
+          </p:spPr>
+          <p:style>
+            <a:lnRef idx="2">
+              <a:schemeClr val="accent1">
+                <a:shade val="50000"/>
+              </a:schemeClr>
+            </a:lnRef>
+            <a:fillRef idx="1">
+              <a:schemeClr val="accent1"/>
+            </a:fillRef>
+            <a:effectRef idx="0">
+              <a:schemeClr val="accent1"/>
+            </a:effectRef>
+            <a:fontRef idx="minor">
+              <a:schemeClr val="lt1"/>
+            </a:fontRef>
+          </p:style>
+          <p:txBody>
+            <a:bodyPr rtlCol="0" anchor="ctr"/>
+            <a:lstStyle/>
+            <a:p>
+              <a:pPr algn="ctr"/>
+              <a:endParaRPr lang="zh-CN" altLang="en-US"/>
+            </a:p>
+          </p:txBody>
+        </p:sp>
+        <p:sp>
+          <p:nvSpPr>
+            <p:cNvPr id="32" name="矩形 31"/>
+            <p:cNvSpPr/>
+            <p:nvPr/>
+          </p:nvSpPr>
+          <p:spPr>
+            <a:xfrm>
+              <a:off x="4286250" y="3841329"/>
+              <a:ext cx="1990725" cy="619125"/>
+            </a:xfrm>
+            <a:prstGeom prst="rect">
+              <a:avLst/>
+            </a:prstGeom>
+            <a:noFill/>
+            <a:ln w="19050">
+              <a:solidFill>
+                <a:srgbClr val="1B41E3"/>
+              </a:solidFill>
+              <a:prstDash val="dash"/>
+            </a:ln>
+          </p:spPr>
+          <p:style>
+            <a:lnRef idx="2">
+              <a:schemeClr val="accent1">
+                <a:shade val="50000"/>
+              </a:schemeClr>
+            </a:lnRef>
+            <a:fillRef idx="1">
+              <a:schemeClr val="accent1"/>
+            </a:fillRef>
+            <a:effectRef idx="0">
+              <a:schemeClr val="accent1"/>
+            </a:effectRef>
+            <a:fontRef idx="minor">
+              <a:schemeClr val="lt1"/>
+            </a:fontRef>
+          </p:style>
+          <p:txBody>
+            <a:bodyPr rtlCol="0" anchor="ctr"/>
+            <a:lstStyle/>
+            <a:p>
+              <a:pPr algn="ctr"/>
+              <a:endParaRPr lang="zh-CN" altLang="en-US"/>
+            </a:p>
+          </p:txBody>
+        </p:sp>
+        <p:sp>
+          <p:nvSpPr>
+            <p:cNvPr id="33" name="矩形 32"/>
+            <p:cNvSpPr/>
+            <p:nvPr/>
+          </p:nvSpPr>
+          <p:spPr>
+            <a:xfrm>
+              <a:off x="7092093" y="3850109"/>
+              <a:ext cx="1899507" cy="619125"/>
+            </a:xfrm>
+            <a:prstGeom prst="rect">
+              <a:avLst/>
+            </a:prstGeom>
+            <a:noFill/>
+            <a:ln w="19050">
+              <a:solidFill>
+                <a:srgbClr val="1B41E3"/>
+              </a:solidFill>
+              <a:prstDash val="dash"/>
+            </a:ln>
+          </p:spPr>
+          <p:style>
+            <a:lnRef idx="2">
+              <a:schemeClr val="accent1">
+                <a:shade val="50000"/>
+              </a:schemeClr>
+            </a:lnRef>
+            <a:fillRef idx="1">
+              <a:schemeClr val="accent1"/>
+            </a:fillRef>
+            <a:effectRef idx="0">
+              <a:schemeClr val="accent1"/>
+            </a:effectRef>
+            <a:fontRef idx="minor">
+              <a:schemeClr val="lt1"/>
+            </a:fontRef>
+          </p:style>
+          <p:txBody>
+            <a:bodyPr rtlCol="0" anchor="ctr"/>
+            <a:lstStyle/>
+            <a:p>
+              <a:pPr algn="ctr"/>
+              <a:endParaRPr lang="zh-CN" altLang="en-US"/>
+            </a:p>
+          </p:txBody>
+        </p:sp>
+        <p:sp>
+          <p:nvSpPr>
+            <p:cNvPr id="34" name="文本框 33"/>
+            <p:cNvSpPr txBox="1"/>
+            <p:nvPr/>
+          </p:nvSpPr>
+          <p:spPr>
+            <a:xfrm>
+              <a:off x="3605986" y="486666"/>
+              <a:ext cx="391454" cy="338554"/>
+            </a:xfrm>
+            <a:prstGeom prst="rect">
+              <a:avLst/>
+            </a:prstGeom>
+            <a:noFill/>
+          </p:spPr>
+          <p:txBody>
+            <a:bodyPr wrap="none" rtlCol="0">
+              <a:spAutoFit/>
+            </a:bodyPr>
+            <a:lstStyle/>
+            <a:p>
+              <a:r>
+                <a:rPr lang="en-US" altLang="zh-CN" sz="1600" b="1" dirty="0">
+                  <a:latin typeface="Times New Roman" panose="02020603050405020304" pitchFamily="18" charset="0"/>
+                  <a:cs typeface="Times New Roman" panose="02020603050405020304" pitchFamily="18" charset="0"/>
+                </a:rPr>
+                <a:t>L</a:t>
+              </a:r>
+              <a:r>
+                <a:rPr lang="en-US" altLang="zh-CN" sz="1100" b="1" dirty="0" smtClean="0">
+                  <a:latin typeface="Times New Roman" panose="02020603050405020304" pitchFamily="18" charset="0"/>
+                  <a:cs typeface="Times New Roman" panose="02020603050405020304" pitchFamily="18" charset="0"/>
+                </a:rPr>
+                <a:t>1</a:t>
+              </a:r>
+              <a:endParaRPr lang="zh-CN" altLang="en-US" sz="1600" b="1" dirty="0">
                 <a:latin typeface="Times New Roman" panose="02020603050405020304" pitchFamily="18" charset="0"/>
                 <a:cs typeface="Times New Roman" panose="02020603050405020304" pitchFamily="18" charset="0"/>
-              </a:rPr>
-              <a:t>12</a:t>
-            </a:r>
-            <a:endParaRPr lang="zh-CN" altLang="en-US" sz="1600" dirty="0">
-              <a:solidFill>
-                <a:schemeClr val="tx1"/>
-              </a:solidFill>
-              <a:latin typeface="Times New Roman" panose="02020603050405020304" pitchFamily="18" charset="0"/>
-              <a:cs typeface="Times New Roman" panose="02020603050405020304" pitchFamily="18" charset="0"/>
-            </a:endParaRPr>
-          </a:p>
-        </p:txBody>
-      </p:sp>
-      <p:sp>
-        <p:nvSpPr>
-          <p:cNvPr id="128" name="矩形 127"/>
-          <p:cNvSpPr/>
-          <p:nvPr/>
-        </p:nvSpPr>
-        <p:spPr>
-          <a:xfrm>
-            <a:off x="8150479" y="3969917"/>
-            <a:ext cx="733426" cy="361950"/>
-          </a:xfrm>
-          <a:prstGeom prst="rect">
-            <a:avLst/>
-          </a:prstGeom>
-          <a:noFill/>
-          <a:ln w="15240">
-            <a:solidFill>
-              <a:schemeClr val="tx1"/>
-            </a:solidFill>
-          </a:ln>
-        </p:spPr>
-        <p:style>
-          <a:lnRef idx="2">
-            <a:schemeClr val="accent1">
-              <a:shade val="50000"/>
-            </a:schemeClr>
-          </a:lnRef>
-          <a:fillRef idx="1">
-            <a:schemeClr val="accent1"/>
-          </a:fillRef>
-          <a:effectRef idx="0">
-            <a:schemeClr val="accent1"/>
-          </a:effectRef>
-          <a:fontRef idx="minor">
-            <a:schemeClr val="lt1"/>
-          </a:fontRef>
-        </p:style>
-        <p:txBody>
-          <a:bodyPr rtlCol="0" anchor="ctr"/>
-          <a:lstStyle/>
-          <a:p>
-            <a:pPr algn="ctr"/>
-            <a:r>
-              <a:rPr lang="en-US" altLang="zh-CN" sz="1600" dirty="0" smtClean="0">
-                <a:solidFill>
-                  <a:schemeClr val="tx1"/>
-                </a:solidFill>
-                <a:latin typeface="Times New Roman" panose="02020603050405020304" pitchFamily="18" charset="0"/>
-                <a:cs typeface="Times New Roman" panose="02020603050405020304" pitchFamily="18" charset="0"/>
-              </a:rPr>
-              <a:t>S</a:t>
-            </a:r>
-            <a:r>
-              <a:rPr lang="en-US" altLang="zh-CN" sz="1100" dirty="0" smtClean="0">
-                <a:solidFill>
-                  <a:schemeClr val="tx1"/>
-                </a:solidFill>
-                <a:latin typeface="Times New Roman" panose="02020603050405020304" pitchFamily="18" charset="0"/>
-                <a:cs typeface="Times New Roman" panose="02020603050405020304" pitchFamily="18" charset="0"/>
-              </a:rPr>
-              <a:t>13</a:t>
-            </a:r>
-            <a:endParaRPr lang="zh-CN" altLang="en-US" sz="1600" dirty="0">
-              <a:solidFill>
-                <a:schemeClr val="tx1"/>
-              </a:solidFill>
-              <a:latin typeface="Times New Roman" panose="02020603050405020304" pitchFamily="18" charset="0"/>
-              <a:cs typeface="Times New Roman" panose="02020603050405020304" pitchFamily="18" charset="0"/>
-            </a:endParaRPr>
-          </a:p>
-        </p:txBody>
-      </p:sp>
-      <p:cxnSp>
-        <p:nvCxnSpPr>
-          <p:cNvPr id="132" name="直接箭头连接符 131"/>
-          <p:cNvCxnSpPr>
-            <a:stCxn id="117" idx="2"/>
-            <a:endCxn id="120" idx="0"/>
-          </p:cNvCxnSpPr>
-          <p:nvPr/>
-        </p:nvCxnSpPr>
-        <p:spPr>
-          <a:xfrm flipH="1">
-            <a:off x="4427998" y="1866900"/>
-            <a:ext cx="1720389" cy="915569"/>
-          </a:xfrm>
-          <a:prstGeom prst="straightConnector1">
-            <a:avLst/>
-          </a:prstGeom>
-          <a:ln>
-            <a:tailEnd type="triangle"/>
-          </a:ln>
-        </p:spPr>
-        <p:style>
-          <a:lnRef idx="1">
-            <a:schemeClr val="dk1"/>
-          </a:lnRef>
-          <a:fillRef idx="0">
-            <a:schemeClr val="dk1"/>
-          </a:fillRef>
-          <a:effectRef idx="0">
-            <a:schemeClr val="dk1"/>
-          </a:effectRef>
-          <a:fontRef idx="minor">
-            <a:schemeClr val="tx1"/>
-          </a:fontRef>
-        </p:style>
-      </p:cxnSp>
-      <p:sp>
-        <p:nvSpPr>
-          <p:cNvPr id="133" name="文本框 132"/>
-          <p:cNvSpPr txBox="1"/>
-          <p:nvPr/>
-        </p:nvSpPr>
-        <p:spPr>
-          <a:xfrm>
-            <a:off x="3605878" y="1528346"/>
-            <a:ext cx="391454" cy="338554"/>
-          </a:xfrm>
-          <a:prstGeom prst="rect">
-            <a:avLst/>
-          </a:prstGeom>
-          <a:noFill/>
-        </p:spPr>
-        <p:txBody>
-          <a:bodyPr wrap="none" rtlCol="0">
-            <a:spAutoFit/>
-          </a:bodyPr>
-          <a:lstStyle/>
-          <a:p>
-            <a:r>
-              <a:rPr lang="en-US" altLang="zh-CN" sz="1600" b="1" dirty="0" smtClean="0">
-                <a:latin typeface="Times New Roman" panose="02020603050405020304" pitchFamily="18" charset="0"/>
-                <a:cs typeface="Times New Roman" panose="02020603050405020304" pitchFamily="18" charset="0"/>
-              </a:rPr>
-              <a:t>L</a:t>
-            </a:r>
-            <a:r>
-              <a:rPr lang="en-US" altLang="zh-CN" sz="1100" b="1" dirty="0" smtClean="0">
-                <a:latin typeface="Times New Roman" panose="02020603050405020304" pitchFamily="18" charset="0"/>
-                <a:cs typeface="Times New Roman" panose="02020603050405020304" pitchFamily="18" charset="0"/>
-              </a:rPr>
-              <a:t>2</a:t>
-            </a:r>
-            <a:endParaRPr lang="zh-CN" altLang="en-US" sz="1600" b="1" dirty="0">
-              <a:latin typeface="Times New Roman" panose="02020603050405020304" pitchFamily="18" charset="0"/>
-              <a:cs typeface="Times New Roman" panose="02020603050405020304" pitchFamily="18" charset="0"/>
-            </a:endParaRPr>
-          </a:p>
-        </p:txBody>
-      </p:sp>
-      <p:sp>
-        <p:nvSpPr>
-          <p:cNvPr id="134" name="文本框 133"/>
-          <p:cNvSpPr txBox="1"/>
-          <p:nvPr/>
-        </p:nvSpPr>
-        <p:spPr>
-          <a:xfrm>
-            <a:off x="3605878" y="2769299"/>
-            <a:ext cx="391454" cy="338554"/>
-          </a:xfrm>
-          <a:prstGeom prst="rect">
-            <a:avLst/>
-          </a:prstGeom>
-          <a:noFill/>
-        </p:spPr>
-        <p:txBody>
-          <a:bodyPr wrap="none" rtlCol="0">
-            <a:spAutoFit/>
-          </a:bodyPr>
-          <a:lstStyle/>
-          <a:p>
-            <a:r>
-              <a:rPr lang="en-US" altLang="zh-CN" sz="1600" b="1" dirty="0" smtClean="0">
-                <a:latin typeface="Times New Roman" panose="02020603050405020304" pitchFamily="18" charset="0"/>
-                <a:cs typeface="Times New Roman" panose="02020603050405020304" pitchFamily="18" charset="0"/>
-              </a:rPr>
-              <a:t>L</a:t>
-            </a:r>
-            <a:r>
-              <a:rPr lang="en-US" altLang="zh-CN" sz="1100" b="1" dirty="0" smtClean="0">
-                <a:latin typeface="Times New Roman" panose="02020603050405020304" pitchFamily="18" charset="0"/>
-                <a:cs typeface="Times New Roman" panose="02020603050405020304" pitchFamily="18" charset="0"/>
-              </a:rPr>
-              <a:t>3</a:t>
-            </a:r>
-            <a:endParaRPr lang="zh-CN" altLang="en-US" sz="1600" b="1" dirty="0">
-              <a:latin typeface="Times New Roman" panose="02020603050405020304" pitchFamily="18" charset="0"/>
-              <a:cs typeface="Times New Roman" panose="02020603050405020304" pitchFamily="18" charset="0"/>
-            </a:endParaRPr>
-          </a:p>
-        </p:txBody>
-      </p:sp>
-      <p:sp>
-        <p:nvSpPr>
-          <p:cNvPr id="135" name="文本框 134"/>
-          <p:cNvSpPr txBox="1"/>
-          <p:nvPr/>
-        </p:nvSpPr>
-        <p:spPr>
-          <a:xfrm>
-            <a:off x="3605878" y="4002093"/>
-            <a:ext cx="391454" cy="338554"/>
-          </a:xfrm>
-          <a:prstGeom prst="rect">
-            <a:avLst/>
-          </a:prstGeom>
-          <a:noFill/>
-        </p:spPr>
-        <p:txBody>
-          <a:bodyPr wrap="none" rtlCol="0">
-            <a:spAutoFit/>
-          </a:bodyPr>
-          <a:lstStyle/>
-          <a:p>
-            <a:r>
-              <a:rPr lang="en-US" altLang="zh-CN" sz="1600" b="1" dirty="0" smtClean="0">
-                <a:latin typeface="Times New Roman" panose="02020603050405020304" pitchFamily="18" charset="0"/>
-                <a:cs typeface="Times New Roman" panose="02020603050405020304" pitchFamily="18" charset="0"/>
-              </a:rPr>
-              <a:t>L</a:t>
-            </a:r>
-            <a:r>
-              <a:rPr lang="en-US" altLang="zh-CN" sz="1100" b="1" dirty="0" smtClean="0">
-                <a:latin typeface="Times New Roman" panose="02020603050405020304" pitchFamily="18" charset="0"/>
-                <a:cs typeface="Times New Roman" panose="02020603050405020304" pitchFamily="18" charset="0"/>
-              </a:rPr>
-              <a:t>4</a:t>
-            </a:r>
-            <a:endParaRPr lang="zh-CN" altLang="en-US" sz="1600" b="1" dirty="0">
-              <a:latin typeface="Times New Roman" panose="02020603050405020304" pitchFamily="18" charset="0"/>
-              <a:cs typeface="Times New Roman" panose="02020603050405020304" pitchFamily="18" charset="0"/>
-            </a:endParaRPr>
-          </a:p>
-        </p:txBody>
-      </p:sp>
-      <p:cxnSp>
-        <p:nvCxnSpPr>
-          <p:cNvPr id="141" name="直接箭头连接符 140"/>
-          <p:cNvCxnSpPr>
-            <a:stCxn id="117" idx="2"/>
-            <a:endCxn id="121" idx="0"/>
-          </p:cNvCxnSpPr>
-          <p:nvPr/>
-        </p:nvCxnSpPr>
-        <p:spPr>
-          <a:xfrm flipH="1">
-            <a:off x="5398291" y="1866900"/>
-            <a:ext cx="750096" cy="955886"/>
-          </a:xfrm>
-          <a:prstGeom prst="straightConnector1">
-            <a:avLst/>
-          </a:prstGeom>
-          <a:ln>
-            <a:tailEnd type="triangle"/>
-          </a:ln>
-        </p:spPr>
-        <p:style>
-          <a:lnRef idx="1">
-            <a:schemeClr val="dk1"/>
-          </a:lnRef>
-          <a:fillRef idx="0">
-            <a:schemeClr val="dk1"/>
-          </a:fillRef>
-          <a:effectRef idx="0">
-            <a:schemeClr val="dk1"/>
-          </a:effectRef>
-          <a:fontRef idx="minor">
-            <a:schemeClr val="tx1"/>
-          </a:fontRef>
-        </p:style>
-      </p:cxnSp>
-      <p:cxnSp>
-        <p:nvCxnSpPr>
-          <p:cNvPr id="143" name="直接箭头连接符 142"/>
-          <p:cNvCxnSpPr>
-            <a:stCxn id="117" idx="2"/>
-            <a:endCxn id="122" idx="0"/>
-          </p:cNvCxnSpPr>
-          <p:nvPr/>
-        </p:nvCxnSpPr>
-        <p:spPr>
-          <a:xfrm flipH="1">
-            <a:off x="6131717" y="1866900"/>
-            <a:ext cx="16670" cy="955886"/>
-          </a:xfrm>
-          <a:prstGeom prst="straightConnector1">
-            <a:avLst/>
-          </a:prstGeom>
-          <a:ln>
-            <a:tailEnd type="triangle"/>
-          </a:ln>
-        </p:spPr>
-        <p:style>
-          <a:lnRef idx="1">
-            <a:schemeClr val="dk1"/>
-          </a:lnRef>
-          <a:fillRef idx="0">
-            <a:schemeClr val="dk1"/>
-          </a:fillRef>
-          <a:effectRef idx="0">
-            <a:schemeClr val="dk1"/>
-          </a:effectRef>
-          <a:fontRef idx="minor">
-            <a:schemeClr val="tx1"/>
-          </a:fontRef>
-        </p:style>
-      </p:cxnSp>
-      <p:cxnSp>
-        <p:nvCxnSpPr>
-          <p:cNvPr id="145" name="直接箭头连接符 144"/>
-          <p:cNvCxnSpPr>
-            <a:stCxn id="117" idx="2"/>
-            <a:endCxn id="123" idx="0"/>
-          </p:cNvCxnSpPr>
-          <p:nvPr/>
-        </p:nvCxnSpPr>
-        <p:spPr>
-          <a:xfrm>
-            <a:off x="6148387" y="1866900"/>
-            <a:ext cx="1887412" cy="908261"/>
-          </a:xfrm>
-          <a:prstGeom prst="straightConnector1">
-            <a:avLst/>
-          </a:prstGeom>
-          <a:ln>
-            <a:tailEnd type="triangle"/>
-          </a:ln>
-        </p:spPr>
-        <p:style>
-          <a:lnRef idx="1">
-            <a:schemeClr val="dk1"/>
-          </a:lnRef>
-          <a:fillRef idx="0">
-            <a:schemeClr val="dk1"/>
-          </a:fillRef>
-          <a:effectRef idx="0">
-            <a:schemeClr val="dk1"/>
-          </a:effectRef>
-          <a:fontRef idx="minor">
-            <a:schemeClr val="tx1"/>
-          </a:fontRef>
-        </p:style>
-      </p:cxnSp>
-      <p:cxnSp>
-        <p:nvCxnSpPr>
-          <p:cNvPr id="147" name="直接箭头连接符 146"/>
-          <p:cNvCxnSpPr>
-            <a:stCxn id="121" idx="2"/>
-            <a:endCxn id="125" idx="0"/>
-          </p:cNvCxnSpPr>
-          <p:nvPr/>
-        </p:nvCxnSpPr>
-        <p:spPr>
-          <a:xfrm flipH="1">
-            <a:off x="4730064" y="3137111"/>
-            <a:ext cx="597710" cy="841586"/>
-          </a:xfrm>
-          <a:prstGeom prst="straightConnector1">
-            <a:avLst/>
-          </a:prstGeom>
-          <a:ln>
-            <a:tailEnd type="triangle"/>
-          </a:ln>
-        </p:spPr>
-        <p:style>
-          <a:lnRef idx="1">
-            <a:schemeClr val="dk1"/>
-          </a:lnRef>
-          <a:fillRef idx="0">
-            <a:schemeClr val="dk1"/>
-          </a:fillRef>
-          <a:effectRef idx="0">
-            <a:schemeClr val="dk1"/>
-          </a:effectRef>
-          <a:fontRef idx="minor">
-            <a:schemeClr val="tx1"/>
-          </a:fontRef>
-        </p:style>
-      </p:cxnSp>
-      <p:cxnSp>
-        <p:nvCxnSpPr>
-          <p:cNvPr id="149" name="直接箭头连接符 148"/>
-          <p:cNvCxnSpPr>
-            <a:stCxn id="121" idx="2"/>
-            <a:endCxn id="126" idx="0"/>
-          </p:cNvCxnSpPr>
-          <p:nvPr/>
-        </p:nvCxnSpPr>
-        <p:spPr>
-          <a:xfrm>
-            <a:off x="5327774" y="3137111"/>
-            <a:ext cx="509047" cy="841586"/>
-          </a:xfrm>
-          <a:prstGeom prst="straightConnector1">
-            <a:avLst/>
-          </a:prstGeom>
-          <a:ln>
-            <a:tailEnd type="triangle"/>
-          </a:ln>
-        </p:spPr>
-        <p:style>
-          <a:lnRef idx="1">
-            <a:schemeClr val="dk1"/>
-          </a:lnRef>
-          <a:fillRef idx="0">
-            <a:schemeClr val="dk1"/>
-          </a:fillRef>
-          <a:effectRef idx="0">
-            <a:schemeClr val="dk1"/>
-          </a:effectRef>
-          <a:fontRef idx="minor">
-            <a:schemeClr val="tx1"/>
-          </a:fontRef>
-        </p:style>
-      </p:cxnSp>
-      <p:cxnSp>
-        <p:nvCxnSpPr>
-          <p:cNvPr id="151" name="直接箭头连接符 150"/>
-          <p:cNvCxnSpPr>
-            <a:stCxn id="123" idx="2"/>
-            <a:endCxn id="127" idx="0"/>
-          </p:cNvCxnSpPr>
-          <p:nvPr/>
-        </p:nvCxnSpPr>
-        <p:spPr>
-          <a:xfrm flipH="1">
-            <a:off x="7563973" y="3137111"/>
-            <a:ext cx="471826" cy="832806"/>
-          </a:xfrm>
-          <a:prstGeom prst="straightConnector1">
-            <a:avLst/>
-          </a:prstGeom>
-          <a:ln>
-            <a:tailEnd type="triangle"/>
-          </a:ln>
-        </p:spPr>
-        <p:style>
-          <a:lnRef idx="1">
-            <a:schemeClr val="dk1"/>
-          </a:lnRef>
-          <a:fillRef idx="0">
-            <a:schemeClr val="dk1"/>
-          </a:fillRef>
-          <a:effectRef idx="0">
-            <a:schemeClr val="dk1"/>
-          </a:effectRef>
-          <a:fontRef idx="minor">
-            <a:schemeClr val="tx1"/>
-          </a:fontRef>
-        </p:style>
-      </p:cxnSp>
-      <p:cxnSp>
-        <p:nvCxnSpPr>
-          <p:cNvPr id="153" name="直接箭头连接符 152"/>
-          <p:cNvCxnSpPr>
-            <a:stCxn id="123" idx="2"/>
-            <a:endCxn id="128" idx="0"/>
-          </p:cNvCxnSpPr>
-          <p:nvPr/>
-        </p:nvCxnSpPr>
-        <p:spPr>
-          <a:xfrm>
-            <a:off x="8035799" y="3137111"/>
-            <a:ext cx="481393" cy="832806"/>
-          </a:xfrm>
-          <a:prstGeom prst="straightConnector1">
-            <a:avLst/>
-          </a:prstGeom>
-          <a:ln>
-            <a:tailEnd type="triangle"/>
-          </a:ln>
-        </p:spPr>
-        <p:style>
-          <a:lnRef idx="1">
-            <a:schemeClr val="dk1"/>
-          </a:lnRef>
-          <a:fillRef idx="0">
-            <a:schemeClr val="dk1"/>
-          </a:fillRef>
-          <a:effectRef idx="0">
-            <a:schemeClr val="dk1"/>
-          </a:effectRef>
-          <a:fontRef idx="minor">
-            <a:schemeClr val="tx1"/>
-          </a:fontRef>
-        </p:style>
-      </p:cxnSp>
-      <p:sp>
-        <p:nvSpPr>
-          <p:cNvPr id="120" name="矩形 119"/>
-          <p:cNvSpPr/>
-          <p:nvPr/>
-        </p:nvSpPr>
-        <p:spPr>
-          <a:xfrm>
-            <a:off x="4061285" y="2782469"/>
-            <a:ext cx="733426" cy="361950"/>
-          </a:xfrm>
-          <a:prstGeom prst="rect">
-            <a:avLst/>
-          </a:prstGeom>
-          <a:noFill/>
-          <a:ln w="15240">
-            <a:solidFill>
-              <a:schemeClr val="tx1"/>
-            </a:solidFill>
-          </a:ln>
-        </p:spPr>
-        <p:style>
-          <a:lnRef idx="2">
-            <a:schemeClr val="accent1">
-              <a:shade val="50000"/>
-            </a:schemeClr>
-          </a:lnRef>
-          <a:fillRef idx="1">
-            <a:schemeClr val="accent1"/>
-          </a:fillRef>
-          <a:effectRef idx="0">
-            <a:schemeClr val="accent1"/>
-          </a:effectRef>
-          <a:fontRef idx="minor">
-            <a:schemeClr val="lt1"/>
-          </a:fontRef>
-        </p:style>
-        <p:txBody>
-          <a:bodyPr rtlCol="0" anchor="ctr"/>
-          <a:lstStyle/>
-          <a:p>
-            <a:pPr algn="ctr"/>
-            <a:r>
-              <a:rPr lang="en-US" altLang="zh-CN" sz="1600" dirty="0" smtClean="0">
-                <a:solidFill>
-                  <a:schemeClr val="tx1"/>
-                </a:solidFill>
-                <a:latin typeface="Times New Roman" panose="02020603050405020304" pitchFamily="18" charset="0"/>
-                <a:cs typeface="Times New Roman" panose="02020603050405020304" pitchFamily="18" charset="0"/>
-              </a:rPr>
-              <a:t>S</a:t>
-            </a:r>
-            <a:r>
-              <a:rPr lang="en-US" altLang="zh-CN" sz="1100" dirty="0" smtClean="0">
-                <a:solidFill>
-                  <a:schemeClr val="tx1"/>
-                </a:solidFill>
-                <a:latin typeface="Times New Roman" panose="02020603050405020304" pitchFamily="18" charset="0"/>
-                <a:cs typeface="Times New Roman" panose="02020603050405020304" pitchFamily="18" charset="0"/>
-              </a:rPr>
-              <a:t>4</a:t>
-            </a:r>
-            <a:endParaRPr lang="zh-CN" altLang="en-US" sz="1600" dirty="0">
-              <a:solidFill>
-                <a:schemeClr val="tx1"/>
-              </a:solidFill>
-              <a:latin typeface="Times New Roman" panose="02020603050405020304" pitchFamily="18" charset="0"/>
-              <a:cs typeface="Times New Roman" panose="02020603050405020304" pitchFamily="18" charset="0"/>
-            </a:endParaRPr>
-          </a:p>
-        </p:txBody>
-      </p:sp>
-      <p:sp>
-        <p:nvSpPr>
-          <p:cNvPr id="121" name="矩形 120"/>
-          <p:cNvSpPr/>
-          <p:nvPr/>
-        </p:nvSpPr>
-        <p:spPr>
-          <a:xfrm>
-            <a:off x="4961061" y="2775161"/>
-            <a:ext cx="733426" cy="361950"/>
-          </a:xfrm>
-          <a:prstGeom prst="rect">
-            <a:avLst/>
-          </a:prstGeom>
-          <a:noFill/>
-          <a:ln w="15240">
-            <a:solidFill>
-              <a:schemeClr val="tx1"/>
-            </a:solidFill>
-          </a:ln>
-        </p:spPr>
-        <p:style>
-          <a:lnRef idx="2">
-            <a:schemeClr val="accent1">
-              <a:shade val="50000"/>
-            </a:schemeClr>
-          </a:lnRef>
-          <a:fillRef idx="1">
-            <a:schemeClr val="accent1"/>
-          </a:fillRef>
-          <a:effectRef idx="0">
-            <a:schemeClr val="accent1"/>
-          </a:effectRef>
-          <a:fontRef idx="minor">
-            <a:schemeClr val="lt1"/>
-          </a:fontRef>
-        </p:style>
-        <p:txBody>
-          <a:bodyPr rtlCol="0" anchor="ctr"/>
-          <a:lstStyle/>
-          <a:p>
-            <a:pPr algn="ctr"/>
-            <a:r>
-              <a:rPr lang="en-US" altLang="zh-CN" sz="1600" dirty="0" smtClean="0">
-                <a:solidFill>
-                  <a:schemeClr val="tx1"/>
-                </a:solidFill>
-                <a:latin typeface="Times New Roman" panose="02020603050405020304" pitchFamily="18" charset="0"/>
-                <a:cs typeface="Times New Roman" panose="02020603050405020304" pitchFamily="18" charset="0"/>
-              </a:rPr>
-              <a:t>S</a:t>
-            </a:r>
-            <a:r>
-              <a:rPr lang="en-US" altLang="zh-CN" sz="1100" dirty="0" smtClean="0">
-                <a:solidFill>
-                  <a:schemeClr val="tx1"/>
-                </a:solidFill>
-                <a:latin typeface="Times New Roman" panose="02020603050405020304" pitchFamily="18" charset="0"/>
-                <a:cs typeface="Times New Roman" panose="02020603050405020304" pitchFamily="18" charset="0"/>
-              </a:rPr>
-              <a:t>5</a:t>
-            </a:r>
-            <a:r>
-              <a:rPr lang="en-US" altLang="zh-CN" sz="1600" dirty="0">
-                <a:solidFill>
-                  <a:schemeClr val="tx1"/>
-                </a:solidFill>
-                <a:latin typeface="Times New Roman" panose="02020603050405020304" pitchFamily="18" charset="0"/>
-                <a:cs typeface="Times New Roman" panose="02020603050405020304" pitchFamily="18" charset="0"/>
-              </a:rPr>
-              <a:t>-</a:t>
-            </a:r>
-            <a:r>
-              <a:rPr lang="en-US" altLang="zh-CN" sz="1100" dirty="0" smtClean="0">
-                <a:solidFill>
-                  <a:schemeClr val="tx1"/>
-                </a:solidFill>
-                <a:latin typeface="Times New Roman" panose="02020603050405020304" pitchFamily="18" charset="0"/>
-                <a:cs typeface="Times New Roman" panose="02020603050405020304" pitchFamily="18" charset="0"/>
-              </a:rPr>
-              <a:t>8</a:t>
-            </a:r>
-            <a:endParaRPr lang="zh-CN" altLang="en-US" sz="1600" dirty="0">
-              <a:solidFill>
-                <a:schemeClr val="tx1"/>
-              </a:solidFill>
-              <a:latin typeface="Times New Roman" panose="02020603050405020304" pitchFamily="18" charset="0"/>
-              <a:cs typeface="Times New Roman" panose="02020603050405020304" pitchFamily="18" charset="0"/>
-            </a:endParaRPr>
-          </a:p>
-        </p:txBody>
-      </p:sp>
-      <p:sp>
-        <p:nvSpPr>
-          <p:cNvPr id="122" name="矩形 121"/>
-          <p:cNvSpPr/>
-          <p:nvPr/>
-        </p:nvSpPr>
-        <p:spPr>
-          <a:xfrm>
-            <a:off x="5864475" y="2775161"/>
-            <a:ext cx="733426" cy="361950"/>
-          </a:xfrm>
-          <a:prstGeom prst="rect">
-            <a:avLst/>
-          </a:prstGeom>
-          <a:noFill/>
-          <a:ln w="15240">
-            <a:solidFill>
-              <a:schemeClr val="tx1"/>
-            </a:solidFill>
-          </a:ln>
-        </p:spPr>
-        <p:style>
-          <a:lnRef idx="2">
-            <a:schemeClr val="accent1">
-              <a:shade val="50000"/>
-            </a:schemeClr>
-          </a:lnRef>
-          <a:fillRef idx="1">
-            <a:schemeClr val="accent1"/>
-          </a:fillRef>
-          <a:effectRef idx="0">
-            <a:schemeClr val="accent1"/>
-          </a:effectRef>
-          <a:fontRef idx="minor">
-            <a:schemeClr val="lt1"/>
-          </a:fontRef>
-        </p:style>
-        <p:txBody>
-          <a:bodyPr rtlCol="0" anchor="ctr"/>
-          <a:lstStyle/>
-          <a:p>
-            <a:pPr algn="ctr"/>
-            <a:r>
-              <a:rPr lang="en-US" altLang="zh-CN" sz="1600" dirty="0" smtClean="0">
-                <a:solidFill>
-                  <a:schemeClr val="tx1"/>
-                </a:solidFill>
-                <a:latin typeface="Times New Roman" panose="02020603050405020304" pitchFamily="18" charset="0"/>
-                <a:cs typeface="Times New Roman" panose="02020603050405020304" pitchFamily="18" charset="0"/>
-              </a:rPr>
-              <a:t>S</a:t>
-            </a:r>
-            <a:r>
-              <a:rPr lang="en-US" altLang="zh-CN" sz="1100" dirty="0" smtClean="0">
-                <a:solidFill>
-                  <a:schemeClr val="tx1"/>
-                </a:solidFill>
-                <a:latin typeface="Times New Roman" panose="02020603050405020304" pitchFamily="18" charset="0"/>
-                <a:cs typeface="Times New Roman" panose="02020603050405020304" pitchFamily="18" charset="0"/>
-              </a:rPr>
-              <a:t>9</a:t>
-            </a:r>
-            <a:endParaRPr lang="zh-CN" altLang="en-US" sz="1600" dirty="0">
-              <a:solidFill>
-                <a:schemeClr val="tx1"/>
-              </a:solidFill>
-              <a:latin typeface="Times New Roman" panose="02020603050405020304" pitchFamily="18" charset="0"/>
-              <a:cs typeface="Times New Roman" panose="02020603050405020304" pitchFamily="18" charset="0"/>
-            </a:endParaRPr>
-          </a:p>
-        </p:txBody>
-      </p:sp>
-      <p:sp>
-        <p:nvSpPr>
-          <p:cNvPr id="123" name="矩形 122"/>
-          <p:cNvSpPr/>
-          <p:nvPr/>
-        </p:nvSpPr>
-        <p:spPr>
-          <a:xfrm>
-            <a:off x="7669086" y="2775161"/>
-            <a:ext cx="733426" cy="361950"/>
-          </a:xfrm>
-          <a:prstGeom prst="rect">
-            <a:avLst/>
-          </a:prstGeom>
-          <a:noFill/>
-          <a:ln w="15240">
-            <a:solidFill>
-              <a:schemeClr val="tx1"/>
-            </a:solidFill>
-          </a:ln>
-        </p:spPr>
-        <p:style>
-          <a:lnRef idx="2">
-            <a:schemeClr val="accent1">
-              <a:shade val="50000"/>
-            </a:schemeClr>
-          </a:lnRef>
-          <a:fillRef idx="1">
-            <a:schemeClr val="accent1"/>
-          </a:fillRef>
-          <a:effectRef idx="0">
-            <a:schemeClr val="accent1"/>
-          </a:effectRef>
-          <a:fontRef idx="minor">
-            <a:schemeClr val="lt1"/>
-          </a:fontRef>
-        </p:style>
-        <p:txBody>
-          <a:bodyPr rtlCol="0" anchor="ctr"/>
-          <a:lstStyle/>
-          <a:p>
-            <a:pPr algn="ctr"/>
-            <a:r>
-              <a:rPr lang="en-US" altLang="zh-CN" sz="1600" dirty="0" smtClean="0">
-                <a:solidFill>
-                  <a:schemeClr val="tx1"/>
-                </a:solidFill>
-                <a:latin typeface="Times New Roman" panose="02020603050405020304" pitchFamily="18" charset="0"/>
-                <a:cs typeface="Times New Roman" panose="02020603050405020304" pitchFamily="18" charset="0"/>
-              </a:rPr>
-              <a:t>S</a:t>
-            </a:r>
-            <a:r>
-              <a:rPr lang="en-US" altLang="zh-CN" sz="1100" dirty="0" smtClean="0">
-                <a:solidFill>
-                  <a:schemeClr val="tx1"/>
-                </a:solidFill>
-                <a:latin typeface="Times New Roman" panose="02020603050405020304" pitchFamily="18" charset="0"/>
-                <a:cs typeface="Times New Roman" panose="02020603050405020304" pitchFamily="18" charset="0"/>
-              </a:rPr>
-              <a:t>11</a:t>
-            </a:r>
-            <a:r>
-              <a:rPr lang="en-US" altLang="zh-CN" sz="1600" dirty="0">
-                <a:solidFill>
-                  <a:schemeClr val="tx1"/>
-                </a:solidFill>
-                <a:latin typeface="Times New Roman" panose="02020603050405020304" pitchFamily="18" charset="0"/>
-                <a:cs typeface="Times New Roman" panose="02020603050405020304" pitchFamily="18" charset="0"/>
-              </a:rPr>
-              <a:t>-</a:t>
-            </a:r>
-            <a:r>
-              <a:rPr lang="en-US" altLang="zh-CN" sz="1100" dirty="0" smtClean="0">
-                <a:solidFill>
-                  <a:schemeClr val="tx1"/>
-                </a:solidFill>
-                <a:latin typeface="Times New Roman" panose="02020603050405020304" pitchFamily="18" charset="0"/>
-                <a:cs typeface="Times New Roman" panose="02020603050405020304" pitchFamily="18" charset="0"/>
-              </a:rPr>
-              <a:t>14</a:t>
-            </a:r>
-            <a:endParaRPr lang="zh-CN" altLang="en-US" sz="1600" dirty="0">
-              <a:solidFill>
-                <a:schemeClr val="tx1"/>
-              </a:solidFill>
-              <a:latin typeface="Times New Roman" panose="02020603050405020304" pitchFamily="18" charset="0"/>
-              <a:cs typeface="Times New Roman" panose="02020603050405020304" pitchFamily="18" charset="0"/>
-            </a:endParaRPr>
-          </a:p>
-        </p:txBody>
-      </p:sp>
-      <p:sp>
-        <p:nvSpPr>
-          <p:cNvPr id="155" name="矩形 154"/>
-          <p:cNvSpPr/>
-          <p:nvPr/>
-        </p:nvSpPr>
-        <p:spPr>
-          <a:xfrm>
-            <a:off x="6765672" y="2792695"/>
-            <a:ext cx="733426" cy="361950"/>
-          </a:xfrm>
-          <a:prstGeom prst="rect">
-            <a:avLst/>
-          </a:prstGeom>
-          <a:noFill/>
-          <a:ln w="15240">
-            <a:solidFill>
-              <a:schemeClr val="tx1"/>
-            </a:solidFill>
-          </a:ln>
-        </p:spPr>
-        <p:style>
-          <a:lnRef idx="2">
-            <a:schemeClr val="accent1">
-              <a:shade val="50000"/>
-            </a:schemeClr>
-          </a:lnRef>
-          <a:fillRef idx="1">
-            <a:schemeClr val="accent1"/>
-          </a:fillRef>
-          <a:effectRef idx="0">
-            <a:schemeClr val="accent1"/>
-          </a:effectRef>
-          <a:fontRef idx="minor">
-            <a:schemeClr val="lt1"/>
-          </a:fontRef>
-        </p:style>
-        <p:txBody>
-          <a:bodyPr rtlCol="0" anchor="ctr"/>
-          <a:lstStyle/>
-          <a:p>
-            <a:pPr algn="ctr"/>
-            <a:r>
-              <a:rPr lang="en-US" altLang="zh-CN" sz="1600" dirty="0" smtClean="0">
-                <a:solidFill>
-                  <a:schemeClr val="tx1"/>
-                </a:solidFill>
-                <a:latin typeface="Times New Roman" panose="02020603050405020304" pitchFamily="18" charset="0"/>
-                <a:cs typeface="Times New Roman" panose="02020603050405020304" pitchFamily="18" charset="0"/>
-              </a:rPr>
-              <a:t>S</a:t>
-            </a:r>
-            <a:r>
-              <a:rPr lang="en-US" altLang="zh-CN" sz="1100" dirty="0" smtClean="0">
-                <a:solidFill>
-                  <a:schemeClr val="tx1"/>
-                </a:solidFill>
-                <a:latin typeface="Times New Roman" panose="02020603050405020304" pitchFamily="18" charset="0"/>
-                <a:cs typeface="Times New Roman" panose="02020603050405020304" pitchFamily="18" charset="0"/>
-              </a:rPr>
-              <a:t>10</a:t>
-            </a:r>
-            <a:endParaRPr lang="zh-CN" altLang="en-US" sz="1600" dirty="0">
-              <a:solidFill>
-                <a:schemeClr val="tx1"/>
-              </a:solidFill>
-              <a:latin typeface="Times New Roman" panose="02020603050405020304" pitchFamily="18" charset="0"/>
-              <a:cs typeface="Times New Roman" panose="02020603050405020304" pitchFamily="18" charset="0"/>
-            </a:endParaRPr>
-          </a:p>
-        </p:txBody>
-      </p:sp>
-      <p:cxnSp>
-        <p:nvCxnSpPr>
-          <p:cNvPr id="158" name="直接箭头连接符 157"/>
-          <p:cNvCxnSpPr>
-            <a:stCxn id="117" idx="2"/>
-          </p:cNvCxnSpPr>
-          <p:nvPr/>
-        </p:nvCxnSpPr>
-        <p:spPr>
-          <a:xfrm>
-            <a:off x="6148387" y="1866900"/>
-            <a:ext cx="763445" cy="947106"/>
-          </a:xfrm>
-          <a:prstGeom prst="straightConnector1">
-            <a:avLst/>
-          </a:prstGeom>
-          <a:ln>
-            <a:tailEnd type="triangle"/>
-          </a:ln>
-        </p:spPr>
-        <p:style>
-          <a:lnRef idx="1">
-            <a:schemeClr val="dk1"/>
-          </a:lnRef>
-          <a:fillRef idx="0">
-            <a:schemeClr val="dk1"/>
-          </a:fillRef>
-          <a:effectRef idx="0">
-            <a:schemeClr val="dk1"/>
-          </a:effectRef>
-          <a:fontRef idx="minor">
-            <a:schemeClr val="tx1"/>
-          </a:fontRef>
-        </p:style>
-      </p:cxnSp>
-      <p:sp>
-        <p:nvSpPr>
-          <p:cNvPr id="30" name="矩形 29"/>
-          <p:cNvSpPr/>
-          <p:nvPr/>
-        </p:nvSpPr>
-        <p:spPr>
-          <a:xfrm>
-            <a:off x="5774649" y="474968"/>
-            <a:ext cx="733426" cy="361950"/>
-          </a:xfrm>
-          <a:prstGeom prst="rect">
-            <a:avLst/>
-          </a:prstGeom>
-          <a:noFill/>
-          <a:ln w="15240">
-            <a:solidFill>
-              <a:schemeClr val="tx1"/>
-            </a:solidFill>
-          </a:ln>
-        </p:spPr>
-        <p:style>
-          <a:lnRef idx="2">
-            <a:schemeClr val="accent1">
-              <a:shade val="50000"/>
-            </a:schemeClr>
-          </a:lnRef>
-          <a:fillRef idx="1">
-            <a:schemeClr val="accent1"/>
-          </a:fillRef>
-          <a:effectRef idx="0">
-            <a:schemeClr val="accent1"/>
-          </a:effectRef>
-          <a:fontRef idx="minor">
-            <a:schemeClr val="lt1"/>
-          </a:fontRef>
-        </p:style>
-        <p:txBody>
-          <a:bodyPr rtlCol="0" anchor="ctr"/>
-          <a:lstStyle/>
-          <a:p>
-            <a:pPr algn="ctr"/>
-            <a:r>
-              <a:rPr lang="en-US" altLang="zh-CN" sz="1600" dirty="0" smtClean="0">
-                <a:solidFill>
-                  <a:schemeClr val="tx1"/>
-                </a:solidFill>
-                <a:latin typeface="Times New Roman" panose="02020603050405020304" pitchFamily="18" charset="0"/>
-                <a:cs typeface="Times New Roman" panose="02020603050405020304" pitchFamily="18" charset="0"/>
-              </a:rPr>
-              <a:t>R</a:t>
-            </a:r>
-            <a:endParaRPr lang="zh-CN" altLang="en-US" sz="1600" dirty="0">
-              <a:solidFill>
-                <a:schemeClr val="tx1"/>
-              </a:solidFill>
-              <a:latin typeface="Times New Roman" panose="02020603050405020304" pitchFamily="18" charset="0"/>
-              <a:cs typeface="Times New Roman" panose="02020603050405020304" pitchFamily="18" charset="0"/>
-            </a:endParaRPr>
-          </a:p>
-        </p:txBody>
-      </p:sp>
-      <p:cxnSp>
-        <p:nvCxnSpPr>
-          <p:cNvPr id="3" name="直接箭头连接符 2"/>
-          <p:cNvCxnSpPr>
-            <a:stCxn id="30" idx="2"/>
-            <a:endCxn id="116" idx="0"/>
-          </p:cNvCxnSpPr>
-          <p:nvPr/>
-        </p:nvCxnSpPr>
-        <p:spPr>
-          <a:xfrm flipH="1">
-            <a:off x="5102359" y="836918"/>
-            <a:ext cx="1039003" cy="668032"/>
-          </a:xfrm>
-          <a:prstGeom prst="straightConnector1">
-            <a:avLst/>
-          </a:prstGeom>
-          <a:ln>
-            <a:tailEnd type="triangle"/>
-          </a:ln>
-        </p:spPr>
-        <p:style>
-          <a:lnRef idx="1">
-            <a:schemeClr val="dk1"/>
-          </a:lnRef>
-          <a:fillRef idx="0">
-            <a:schemeClr val="dk1"/>
-          </a:fillRef>
-          <a:effectRef idx="0">
-            <a:schemeClr val="dk1"/>
-          </a:effectRef>
-          <a:fontRef idx="minor">
-            <a:schemeClr val="tx1"/>
-          </a:fontRef>
-        </p:style>
-      </p:cxnSp>
-      <p:cxnSp>
-        <p:nvCxnSpPr>
-          <p:cNvPr id="5" name="直接箭头连接符 4"/>
-          <p:cNvCxnSpPr>
-            <a:stCxn id="30" idx="2"/>
-            <a:endCxn id="117" idx="0"/>
-          </p:cNvCxnSpPr>
-          <p:nvPr/>
-        </p:nvCxnSpPr>
-        <p:spPr>
-          <a:xfrm>
-            <a:off x="6141362" y="836918"/>
-            <a:ext cx="7025" cy="668032"/>
-          </a:xfrm>
-          <a:prstGeom prst="straightConnector1">
-            <a:avLst/>
-          </a:prstGeom>
-          <a:ln>
-            <a:tailEnd type="triangle"/>
-          </a:ln>
-        </p:spPr>
-        <p:style>
-          <a:lnRef idx="1">
-            <a:schemeClr val="dk1"/>
-          </a:lnRef>
-          <a:fillRef idx="0">
-            <a:schemeClr val="dk1"/>
-          </a:fillRef>
-          <a:effectRef idx="0">
-            <a:schemeClr val="dk1"/>
-          </a:effectRef>
-          <a:fontRef idx="minor">
-            <a:schemeClr val="tx1"/>
-          </a:fontRef>
-        </p:style>
-      </p:cxnSp>
-      <p:cxnSp>
-        <p:nvCxnSpPr>
-          <p:cNvPr id="7" name="直接箭头连接符 6"/>
-          <p:cNvCxnSpPr>
-            <a:stCxn id="30" idx="2"/>
-            <a:endCxn id="119" idx="0"/>
-          </p:cNvCxnSpPr>
-          <p:nvPr/>
-        </p:nvCxnSpPr>
-        <p:spPr>
-          <a:xfrm>
-            <a:off x="6141362" y="836918"/>
-            <a:ext cx="1107164" cy="668032"/>
-          </a:xfrm>
-          <a:prstGeom prst="straightConnector1">
-            <a:avLst/>
-          </a:prstGeom>
-          <a:ln>
-            <a:tailEnd type="triangle"/>
-          </a:ln>
-        </p:spPr>
-        <p:style>
-          <a:lnRef idx="1">
-            <a:schemeClr val="dk1"/>
-          </a:lnRef>
-          <a:fillRef idx="0">
-            <a:schemeClr val="dk1"/>
-          </a:fillRef>
-          <a:effectRef idx="0">
-            <a:schemeClr val="dk1"/>
-          </a:effectRef>
-          <a:fontRef idx="minor">
-            <a:schemeClr val="tx1"/>
-          </a:fontRef>
-        </p:style>
-      </p:cxnSp>
-      <p:sp>
-        <p:nvSpPr>
-          <p:cNvPr id="2" name="矩形 1"/>
-          <p:cNvSpPr/>
-          <p:nvPr/>
-        </p:nvSpPr>
-        <p:spPr>
-          <a:xfrm>
-            <a:off x="4638674" y="1343025"/>
-            <a:ext cx="3114676" cy="619125"/>
-          </a:xfrm>
-          <a:prstGeom prst="rect">
-            <a:avLst/>
-          </a:prstGeom>
-          <a:noFill/>
-          <a:ln w="19050">
-            <a:solidFill>
-              <a:srgbClr val="1B41E3"/>
-            </a:solidFill>
-            <a:prstDash val="dash"/>
-          </a:ln>
-        </p:spPr>
-        <p:style>
-          <a:lnRef idx="2">
-            <a:schemeClr val="accent1">
-              <a:shade val="50000"/>
-            </a:schemeClr>
-          </a:lnRef>
-          <a:fillRef idx="1">
-            <a:schemeClr val="accent1"/>
-          </a:fillRef>
-          <a:effectRef idx="0">
-            <a:schemeClr val="accent1"/>
-          </a:effectRef>
-          <a:fontRef idx="minor">
-            <a:schemeClr val="lt1"/>
-          </a:fontRef>
-        </p:style>
-        <p:txBody>
-          <a:bodyPr rtlCol="0" anchor="ctr"/>
-          <a:lstStyle/>
-          <a:p>
-            <a:pPr algn="ctr"/>
-            <a:endParaRPr lang="zh-CN" altLang="en-US"/>
-          </a:p>
-        </p:txBody>
-      </p:sp>
-      <p:sp>
-        <p:nvSpPr>
-          <p:cNvPr id="31" name="矩形 30"/>
-          <p:cNvSpPr/>
-          <p:nvPr/>
-        </p:nvSpPr>
-        <p:spPr>
-          <a:xfrm>
-            <a:off x="3984632" y="2639487"/>
-            <a:ext cx="4519860" cy="619125"/>
-          </a:xfrm>
-          <a:prstGeom prst="rect">
-            <a:avLst/>
-          </a:prstGeom>
-          <a:noFill/>
-          <a:ln w="19050">
-            <a:solidFill>
-              <a:srgbClr val="1B41E3"/>
-            </a:solidFill>
-            <a:prstDash val="dash"/>
-          </a:ln>
-        </p:spPr>
-        <p:style>
-          <a:lnRef idx="2">
-            <a:schemeClr val="accent1">
-              <a:shade val="50000"/>
-            </a:schemeClr>
-          </a:lnRef>
-          <a:fillRef idx="1">
-            <a:schemeClr val="accent1"/>
-          </a:fillRef>
-          <a:effectRef idx="0">
-            <a:schemeClr val="accent1"/>
-          </a:effectRef>
-          <a:fontRef idx="minor">
-            <a:schemeClr val="lt1"/>
-          </a:fontRef>
-        </p:style>
-        <p:txBody>
-          <a:bodyPr rtlCol="0" anchor="ctr"/>
-          <a:lstStyle/>
-          <a:p>
-            <a:pPr algn="ctr"/>
-            <a:endParaRPr lang="zh-CN" altLang="en-US"/>
-          </a:p>
-        </p:txBody>
-      </p:sp>
-      <p:sp>
-        <p:nvSpPr>
-          <p:cNvPr id="32" name="矩形 31"/>
-          <p:cNvSpPr/>
-          <p:nvPr/>
-        </p:nvSpPr>
-        <p:spPr>
-          <a:xfrm>
-            <a:off x="4286250" y="3841329"/>
-            <a:ext cx="1990725" cy="619125"/>
-          </a:xfrm>
-          <a:prstGeom prst="rect">
-            <a:avLst/>
-          </a:prstGeom>
-          <a:noFill/>
-          <a:ln w="19050">
-            <a:solidFill>
-              <a:srgbClr val="1B41E3"/>
-            </a:solidFill>
-            <a:prstDash val="dash"/>
-          </a:ln>
-        </p:spPr>
-        <p:style>
-          <a:lnRef idx="2">
-            <a:schemeClr val="accent1">
-              <a:shade val="50000"/>
-            </a:schemeClr>
-          </a:lnRef>
-          <a:fillRef idx="1">
-            <a:schemeClr val="accent1"/>
-          </a:fillRef>
-          <a:effectRef idx="0">
-            <a:schemeClr val="accent1"/>
-          </a:effectRef>
-          <a:fontRef idx="minor">
-            <a:schemeClr val="lt1"/>
-          </a:fontRef>
-        </p:style>
-        <p:txBody>
-          <a:bodyPr rtlCol="0" anchor="ctr"/>
-          <a:lstStyle/>
-          <a:p>
-            <a:pPr algn="ctr"/>
-            <a:endParaRPr lang="zh-CN" altLang="en-US"/>
-          </a:p>
-        </p:txBody>
-      </p:sp>
-      <p:sp>
-        <p:nvSpPr>
-          <p:cNvPr id="33" name="矩形 32"/>
-          <p:cNvSpPr/>
-          <p:nvPr/>
-        </p:nvSpPr>
-        <p:spPr>
-          <a:xfrm>
-            <a:off x="7092093" y="3850109"/>
-            <a:ext cx="1899507" cy="619125"/>
-          </a:xfrm>
-          <a:prstGeom prst="rect">
-            <a:avLst/>
-          </a:prstGeom>
-          <a:noFill/>
-          <a:ln w="19050">
-            <a:solidFill>
-              <a:srgbClr val="1B41E3"/>
-            </a:solidFill>
-            <a:prstDash val="dash"/>
-          </a:ln>
-        </p:spPr>
-        <p:style>
-          <a:lnRef idx="2">
-            <a:schemeClr val="accent1">
-              <a:shade val="50000"/>
-            </a:schemeClr>
-          </a:lnRef>
-          <a:fillRef idx="1">
-            <a:schemeClr val="accent1"/>
-          </a:fillRef>
-          <a:effectRef idx="0">
-            <a:schemeClr val="accent1"/>
-          </a:effectRef>
-          <a:fontRef idx="minor">
-            <a:schemeClr val="lt1"/>
-          </a:fontRef>
-        </p:style>
-        <p:txBody>
-          <a:bodyPr rtlCol="0" anchor="ctr"/>
-          <a:lstStyle/>
-          <a:p>
-            <a:pPr algn="ctr"/>
-            <a:endParaRPr lang="zh-CN" altLang="en-US"/>
-          </a:p>
-        </p:txBody>
-      </p:sp>
-      <p:sp>
-        <p:nvSpPr>
-          <p:cNvPr id="34" name="文本框 33"/>
-          <p:cNvSpPr txBox="1"/>
-          <p:nvPr/>
-        </p:nvSpPr>
-        <p:spPr>
-          <a:xfrm>
-            <a:off x="3605986" y="486666"/>
-            <a:ext cx="391454" cy="338554"/>
-          </a:xfrm>
-          <a:prstGeom prst="rect">
-            <a:avLst/>
-          </a:prstGeom>
-          <a:noFill/>
-        </p:spPr>
-        <p:txBody>
-          <a:bodyPr wrap="none" rtlCol="0">
-            <a:spAutoFit/>
-          </a:bodyPr>
-          <a:lstStyle/>
-          <a:p>
-            <a:r>
-              <a:rPr lang="en-US" altLang="zh-CN" sz="1600" b="1" dirty="0">
-                <a:latin typeface="Times New Roman" panose="02020603050405020304" pitchFamily="18" charset="0"/>
-                <a:cs typeface="Times New Roman" panose="02020603050405020304" pitchFamily="18" charset="0"/>
-              </a:rPr>
-              <a:t>L</a:t>
-            </a:r>
-            <a:r>
-              <a:rPr lang="en-US" altLang="zh-CN" sz="1100" b="1" dirty="0" smtClean="0">
-                <a:latin typeface="Times New Roman" panose="02020603050405020304" pitchFamily="18" charset="0"/>
-                <a:cs typeface="Times New Roman" panose="02020603050405020304" pitchFamily="18" charset="0"/>
-              </a:rPr>
-              <a:t>1</a:t>
-            </a:r>
-            <a:endParaRPr lang="zh-CN" altLang="en-US" sz="1600" b="1" dirty="0">
-              <a:latin typeface="Times New Roman" panose="02020603050405020304" pitchFamily="18" charset="0"/>
-              <a:cs typeface="Times New Roman" panose="02020603050405020304" pitchFamily="18" charset="0"/>
-            </a:endParaRPr>
-          </a:p>
-        </p:txBody>
-      </p:sp>
+              </a:endParaRPr>
+            </a:p>
+          </p:txBody>
+        </p:sp>
+      </p:grpSp>
     </p:spTree>
     <p:extLst>
       <p:ext uri="{BB962C8B-B14F-4D97-AF65-F5344CB8AC3E}">
